--- a/trunk/Paper Presentation/Stream Layer.pptx
+++ b/trunk/Paper Presentation/Stream Layer.pptx
@@ -9,12 +9,13 @@
     <p:sldId id="258" r:id="rId3"/>
     <p:sldId id="259" r:id="rId4"/>
     <p:sldId id="260" r:id="rId5"/>
-    <p:sldId id="261" r:id="rId6"/>
-    <p:sldId id="262" r:id="rId7"/>
-    <p:sldId id="263" r:id="rId8"/>
-    <p:sldId id="264" r:id="rId9"/>
-    <p:sldId id="265" r:id="rId10"/>
-    <p:sldId id="266" r:id="rId11"/>
+    <p:sldId id="267" r:id="rId6"/>
+    <p:sldId id="261" r:id="rId7"/>
+    <p:sldId id="262" r:id="rId8"/>
+    <p:sldId id="263" r:id="rId9"/>
+    <p:sldId id="264" r:id="rId10"/>
+    <p:sldId id="265" r:id="rId11"/>
+    <p:sldId id="266" r:id="rId12"/>
   </p:sldIdLst>
   <p:sldSz cx="9144000" cy="6858000" type="screen4x3"/>
   <p:notesSz cx="6858000" cy="9144000"/>
@@ -122,6 +123,7 @@
             <p14:sldId id="258"/>
             <p14:sldId id="259"/>
             <p14:sldId id="260"/>
+            <p14:sldId id="267"/>
             <p14:sldId id="261"/>
             <p14:sldId id="262"/>
             <p14:sldId id="263"/>
@@ -318,7 +320,7 @@
             <a:fld id="{1D8BD707-D9CF-40AE-B4C6-C98DA3205C09}" type="datetimeFigureOut">
               <a:rPr lang="en-US" smtClean="0"/>
               <a:pPr/>
-              <a:t>10/21/2012</a:t>
+              <a:t>10/22/2012</a:t>
             </a:fld>
             <a:endParaRPr lang="en-US"/>
           </a:p>
@@ -485,7 +487,7 @@
             <a:fld id="{1D8BD707-D9CF-40AE-B4C6-C98DA3205C09}" type="datetimeFigureOut">
               <a:rPr lang="en-US" smtClean="0"/>
               <a:pPr/>
-              <a:t>10/21/2012</a:t>
+              <a:t>10/22/2012</a:t>
             </a:fld>
             <a:endParaRPr lang="en-US"/>
           </a:p>
@@ -662,7 +664,7 @@
             <a:fld id="{1D8BD707-D9CF-40AE-B4C6-C98DA3205C09}" type="datetimeFigureOut">
               <a:rPr lang="en-US" smtClean="0"/>
               <a:pPr/>
-              <a:t>10/21/2012</a:t>
+              <a:t>10/22/2012</a:t>
             </a:fld>
             <a:endParaRPr lang="en-US"/>
           </a:p>
@@ -829,7 +831,7 @@
             <a:fld id="{1D8BD707-D9CF-40AE-B4C6-C98DA3205C09}" type="datetimeFigureOut">
               <a:rPr lang="en-US" smtClean="0"/>
               <a:pPr/>
-              <a:t>10/21/2012</a:t>
+              <a:t>10/22/2012</a:t>
             </a:fld>
             <a:endParaRPr lang="en-US"/>
           </a:p>
@@ -1072,7 +1074,7 @@
             <a:fld id="{1D8BD707-D9CF-40AE-B4C6-C98DA3205C09}" type="datetimeFigureOut">
               <a:rPr lang="en-US" smtClean="0"/>
               <a:pPr/>
-              <a:t>10/21/2012</a:t>
+              <a:t>10/22/2012</a:t>
             </a:fld>
             <a:endParaRPr lang="en-US"/>
           </a:p>
@@ -1357,7 +1359,7 @@
             <a:fld id="{1D8BD707-D9CF-40AE-B4C6-C98DA3205C09}" type="datetimeFigureOut">
               <a:rPr lang="en-US" smtClean="0"/>
               <a:pPr/>
-              <a:t>10/21/2012</a:t>
+              <a:t>10/22/2012</a:t>
             </a:fld>
             <a:endParaRPr lang="en-US"/>
           </a:p>
@@ -1776,7 +1778,7 @@
             <a:fld id="{1D8BD707-D9CF-40AE-B4C6-C98DA3205C09}" type="datetimeFigureOut">
               <a:rPr lang="en-US" smtClean="0"/>
               <a:pPr/>
-              <a:t>10/21/2012</a:t>
+              <a:t>10/22/2012</a:t>
             </a:fld>
             <a:endParaRPr lang="en-US"/>
           </a:p>
@@ -1891,7 +1893,7 @@
             <a:fld id="{1D8BD707-D9CF-40AE-B4C6-C98DA3205C09}" type="datetimeFigureOut">
               <a:rPr lang="en-US" smtClean="0"/>
               <a:pPr/>
-              <a:t>10/21/2012</a:t>
+              <a:t>10/22/2012</a:t>
             </a:fld>
             <a:endParaRPr lang="en-US"/>
           </a:p>
@@ -1983,7 +1985,7 @@
             <a:fld id="{1D8BD707-D9CF-40AE-B4C6-C98DA3205C09}" type="datetimeFigureOut">
               <a:rPr lang="en-US" smtClean="0"/>
               <a:pPr/>
-              <a:t>10/21/2012</a:t>
+              <a:t>10/22/2012</a:t>
             </a:fld>
             <a:endParaRPr lang="en-US"/>
           </a:p>
@@ -2257,7 +2259,7 @@
             <a:fld id="{1D8BD707-D9CF-40AE-B4C6-C98DA3205C09}" type="datetimeFigureOut">
               <a:rPr lang="en-US" smtClean="0"/>
               <a:pPr/>
-              <a:t>10/21/2012</a:t>
+              <a:t>10/22/2012</a:t>
             </a:fld>
             <a:endParaRPr lang="en-US"/>
           </a:p>
@@ -2507,7 +2509,7 @@
             <a:fld id="{1D8BD707-D9CF-40AE-B4C6-C98DA3205C09}" type="datetimeFigureOut">
               <a:rPr lang="en-US" smtClean="0"/>
               <a:pPr/>
-              <a:t>10/21/2012</a:t>
+              <a:t>10/22/2012</a:t>
             </a:fld>
             <a:endParaRPr lang="en-US"/>
           </a:p>
@@ -2717,7 +2719,7 @@
             <a:fld id="{1D8BD707-D9CF-40AE-B4C6-C98DA3205C09}" type="datetimeFigureOut">
               <a:rPr lang="en-US" smtClean="0"/>
               <a:pPr/>
-              <a:t>10/21/2012</a:t>
+              <a:t>10/22/2012</a:t>
             </a:fld>
             <a:endParaRPr lang="en-US"/>
           </a:p>
@@ -3105,7 +3107,11 @@
           <a:p>
             <a:r>
               <a:rPr lang="en-US" dirty="0" smtClean="0"/>
-              <a:t>Stream Layer Concept</a:t>
+              <a:t>Stream Layer </a:t>
+            </a:r>
+            <a:r>
+              <a:rPr lang="en-US" dirty="0" smtClean="0"/>
+              <a:t>Concepts</a:t>
             </a:r>
             <a:endParaRPr lang="en-SG" dirty="0"/>
           </a:p>
@@ -5224,21 +5230,8 @@
                     <a:schemeClr val="tx1"/>
                   </a:solidFill>
                 </a:rPr>
-                <a:t>Stream //</a:t>
+                <a:t>Stream //foo</a:t>
               </a:r>
-              <a:r>
-                <a:rPr lang="en-US" sz="2200" b="1" dirty="0" smtClean="0">
-                  <a:solidFill>
-                    <a:schemeClr val="tx1"/>
-                  </a:solidFill>
-                </a:rPr>
-                <a:t>foo</a:t>
-              </a:r>
-              <a:endParaRPr lang="en-US" sz="2200" b="1" dirty="0" smtClean="0">
-                <a:solidFill>
-                  <a:schemeClr val="tx1"/>
-                </a:solidFill>
-              </a:endParaRPr>
             </a:p>
           </p:txBody>
         </p:sp>
@@ -5670,7 +5663,7 @@
         </p:nvSpPr>
         <p:spPr>
           <a:xfrm>
-            <a:off x="2891407" y="6247944"/>
+            <a:off x="2866451" y="6261225"/>
             <a:ext cx="1131720" cy="369332"/>
           </a:xfrm>
           <a:prstGeom prst="rect">
@@ -7383,30 +7376,74 @@
                             </p:childTnLst>
                           </p:cTn>
                         </p:par>
+                        <p:par>
+                          <p:cTn id="73" fill="hold">
+                            <p:stCondLst>
+                              <p:cond delay="2000"/>
+                            </p:stCondLst>
+                            <p:childTnLst>
+                              <p:par>
+                                <p:cTn id="74" presetID="10" presetClass="entr" presetSubtype="0" fill="hold" grpId="0" nodeType="afterEffect">
+                                  <p:stCondLst>
+                                    <p:cond delay="0"/>
+                                  </p:stCondLst>
+                                  <p:childTnLst>
+                                    <p:set>
+                                      <p:cBhvr>
+                                        <p:cTn id="75" dur="1" fill="hold">
+                                          <p:stCondLst>
+                                            <p:cond delay="0"/>
+                                          </p:stCondLst>
+                                        </p:cTn>
+                                        <p:tgtEl>
+                                          <p:spTgt spid="41"/>
+                                        </p:tgtEl>
+                                        <p:attrNameLst>
+                                          <p:attrName>style.visibility</p:attrName>
+                                        </p:attrNameLst>
+                                      </p:cBhvr>
+                                      <p:to>
+                                        <p:strVal val="visible"/>
+                                      </p:to>
+                                    </p:set>
+                                    <p:animEffect transition="in" filter="fade">
+                                      <p:cBhvr>
+                                        <p:cTn id="76" dur="500"/>
+                                        <p:tgtEl>
+                                          <p:spTgt spid="41"/>
+                                        </p:tgtEl>
+                                      </p:cBhvr>
+                                    </p:animEffect>
+                                  </p:childTnLst>
+                                </p:cTn>
+                              </p:par>
+                            </p:childTnLst>
+                          </p:cTn>
+                        </p:par>
                       </p:childTnLst>
                     </p:cTn>
                   </p:par>
                   <p:par>
-                    <p:cTn id="73" fill="hold">
+                    <p:cTn id="77" fill="hold">
                       <p:stCondLst>
                         <p:cond delay="indefinite"/>
                       </p:stCondLst>
                       <p:childTnLst>
                         <p:par>
-                          <p:cTn id="74" fill="hold">
+                          <p:cTn id="78" fill="hold">
                             <p:stCondLst>
                               <p:cond delay="0"/>
                             </p:stCondLst>
                             <p:childTnLst>
                               <p:par>
-                                <p:cTn id="75" presetID="10" presetClass="exit" presetSubtype="0" fill="hold" grpId="1" nodeType="clickEffect">
+                                <p:cTn id="79" presetID="10" presetClass="exit" presetSubtype="0" fill="hold" grpId="1" nodeType="clickEffect">
                                   <p:stCondLst>
                                     <p:cond delay="0"/>
                                   </p:stCondLst>
                                   <p:childTnLst>
                                     <p:animEffect transition="out" filter="fade">
                                       <p:cBhvr>
-                                        <p:cTn id="76" dur="500"/>
+                                        <p:cTn id="80" dur="500"/>
                                         <p:tgtEl>
                                           <p:spTgt spid="19"/>
                                         </p:tgtEl>
@@ -7414,7 +7451,7 @@
                                     </p:animEffect>
                                     <p:set>
                                       <p:cBhvr>
-                                        <p:cTn id="77" dur="1" fill="hold">
+                                        <p:cTn id="81" dur="1" fill="hold">
                                           <p:stCondLst>
                                             <p:cond delay="499"/>
                                           </p:stCondLst>
@@ -7440,26 +7477,26 @@
                     </p:cTn>
                   </p:par>
                   <p:par>
-                    <p:cTn id="78" fill="hold">
+                    <p:cTn id="82" fill="hold">
                       <p:stCondLst>
                         <p:cond delay="indefinite"/>
                       </p:stCondLst>
                       <p:childTnLst>
                         <p:par>
-                          <p:cTn id="79" fill="hold">
+                          <p:cTn id="83" fill="hold">
                             <p:stCondLst>
                               <p:cond delay="0"/>
                             </p:stCondLst>
                             <p:childTnLst>
                               <p:par>
-                                <p:cTn id="80" presetID="10" presetClass="entr" presetSubtype="0" fill="hold" grpId="0" nodeType="clickEffect">
+                                <p:cTn id="84" presetID="10" presetClass="entr" presetSubtype="0" fill="hold" grpId="0" nodeType="clickEffect">
                                   <p:stCondLst>
                                     <p:cond delay="0"/>
                                   </p:stCondLst>
                                   <p:childTnLst>
                                     <p:set>
                                       <p:cBhvr>
-                                        <p:cTn id="81" dur="1" fill="hold">
+                                        <p:cTn id="85" dur="1" fill="hold">
                                           <p:stCondLst>
                                             <p:cond delay="0"/>
                                           </p:stCondLst>
@@ -7477,53 +7514,9 @@
                                     </p:set>
                                     <p:animEffect transition="in" filter="fade">
                                       <p:cBhvr>
-                                        <p:cTn id="82" dur="500"/>
+                                        <p:cTn id="86" dur="500"/>
                                         <p:tgtEl>
                                           <p:spTgt spid="20"/>
-                                        </p:tgtEl>
-                                      </p:cBhvr>
-                                    </p:animEffect>
-                                  </p:childTnLst>
-                                </p:cTn>
-                              </p:par>
-                            </p:childTnLst>
-                          </p:cTn>
-                        </p:par>
-                        <p:par>
-                          <p:cTn id="83" fill="hold">
-                            <p:stCondLst>
-                              <p:cond delay="500"/>
-                            </p:stCondLst>
-                            <p:childTnLst>
-                              <p:par>
-                                <p:cTn id="84" presetID="10" presetClass="entr" presetSubtype="0" fill="hold" grpId="0" nodeType="afterEffect">
-                                  <p:stCondLst>
-                                    <p:cond delay="0"/>
-                                  </p:stCondLst>
-                                  <p:childTnLst>
-                                    <p:set>
-                                      <p:cBhvr>
-                                        <p:cTn id="85" dur="1" fill="hold">
-                                          <p:stCondLst>
-                                            <p:cond delay="0"/>
-                                          </p:stCondLst>
-                                        </p:cTn>
-                                        <p:tgtEl>
-                                          <p:spTgt spid="41"/>
-                                        </p:tgtEl>
-                                        <p:attrNameLst>
-                                          <p:attrName>style.visibility</p:attrName>
-                                        </p:attrNameLst>
-                                      </p:cBhvr>
-                                      <p:to>
-                                        <p:strVal val="visible"/>
-                                      </p:to>
-                                    </p:set>
-                                    <p:animEffect transition="in" filter="fade">
-                                      <p:cBhvr>
-                                        <p:cTn id="86" dur="500"/>
-                                        <p:tgtEl>
-                                          <p:spTgt spid="41"/>
                                         </p:tgtEl>
                                       </p:cBhvr>
                                     </p:animEffect>
@@ -8833,21 +8826,8 @@
                 <a:ea typeface="Segoe UI" pitchFamily="34" charset="0"/>
                 <a:cs typeface="Segoe UI" pitchFamily="34" charset="0"/>
               </a:rPr>
-              <a:t>Secondary </a:t>
+              <a:t>Secondary II</a:t>
             </a:r>
-            <a:r>
-              <a:rPr lang="en-US" sz="2400" dirty="0" smtClean="0">
-                <a:latin typeface="Segoe UI" pitchFamily="34" charset="0"/>
-                <a:ea typeface="Segoe UI" pitchFamily="34" charset="0"/>
-                <a:cs typeface="Segoe UI" pitchFamily="34" charset="0"/>
-              </a:rPr>
-              <a:t>II</a:t>
-            </a:r>
-            <a:endParaRPr lang="en-US" sz="2400" dirty="0" smtClean="0">
-              <a:latin typeface="Segoe UI" pitchFamily="34" charset="0"/>
-              <a:ea typeface="Segoe UI" pitchFamily="34" charset="0"/>
-              <a:cs typeface="Segoe UI" pitchFamily="34" charset="0"/>
-            </a:endParaRPr>
           </a:p>
         </p:txBody>
       </p:sp>
@@ -8934,27 +8914,8 @@
                   <a:ea typeface="Segoe UI" pitchFamily="34" charset="0"/>
                   <a:cs typeface="Segoe UI" pitchFamily="34" charset="0"/>
                 </a:rPr>
-                <a:t>EN </a:t>
+                <a:t>EN 3</a:t>
               </a:r>
-              <a:r>
-                <a:rPr lang="en-US" sz="2200" b="1" dirty="0" smtClean="0">
-                  <a:solidFill>
-                    <a:schemeClr val="tx1"/>
-                  </a:solidFill>
-                  <a:latin typeface="Segoe UI" pitchFamily="34" charset="0"/>
-                  <a:ea typeface="Segoe UI" pitchFamily="34" charset="0"/>
-                  <a:cs typeface="Segoe UI" pitchFamily="34" charset="0"/>
-                </a:rPr>
-                <a:t>3</a:t>
-              </a:r>
-              <a:endParaRPr lang="en-US" sz="2200" b="1" dirty="0" smtClean="0">
-                <a:solidFill>
-                  <a:schemeClr val="tx1"/>
-                </a:solidFill>
-                <a:latin typeface="Segoe UI" pitchFamily="34" charset="0"/>
-                <a:ea typeface="Segoe UI" pitchFamily="34" charset="0"/>
-                <a:cs typeface="Segoe UI" pitchFamily="34" charset="0"/>
-              </a:endParaRPr>
             </a:p>
           </p:txBody>
         </p:sp>
@@ -9053,21 +9014,8 @@
                 <a:ea typeface="Segoe UI" pitchFamily="34" charset="0"/>
                 <a:cs typeface="Segoe UI" pitchFamily="34" charset="0"/>
               </a:rPr>
-              <a:t>Secondary </a:t>
+              <a:t>Secondary I</a:t>
             </a:r>
-            <a:r>
-              <a:rPr lang="en-US" sz="2400" dirty="0" smtClean="0">
-                <a:latin typeface="Segoe UI" pitchFamily="34" charset="0"/>
-                <a:ea typeface="Segoe UI" pitchFamily="34" charset="0"/>
-                <a:cs typeface="Segoe UI" pitchFamily="34" charset="0"/>
-              </a:rPr>
-              <a:t>I</a:t>
-            </a:r>
-            <a:endParaRPr lang="en-US" sz="2400" dirty="0" smtClean="0">
-              <a:latin typeface="Segoe UI" pitchFamily="34" charset="0"/>
-              <a:ea typeface="Segoe UI" pitchFamily="34" charset="0"/>
-              <a:cs typeface="Segoe UI" pitchFamily="34" charset="0"/>
-            </a:endParaRPr>
           </a:p>
         </p:txBody>
       </p:sp>
@@ -9154,27 +9102,8 @@
                   <a:ea typeface="Segoe UI" pitchFamily="34" charset="0"/>
                   <a:cs typeface="Segoe UI" pitchFamily="34" charset="0"/>
                 </a:rPr>
-                <a:t>EN </a:t>
+                <a:t>EN 2</a:t>
               </a:r>
-              <a:r>
-                <a:rPr lang="en-US" sz="2200" b="1" dirty="0" smtClean="0">
-                  <a:solidFill>
-                    <a:schemeClr val="tx1"/>
-                  </a:solidFill>
-                  <a:latin typeface="Segoe UI" pitchFamily="34" charset="0"/>
-                  <a:ea typeface="Segoe UI" pitchFamily="34" charset="0"/>
-                  <a:cs typeface="Segoe UI" pitchFamily="34" charset="0"/>
-                </a:rPr>
-                <a:t>2</a:t>
-              </a:r>
-              <a:endParaRPr lang="en-US" sz="2200" b="1" dirty="0" smtClean="0">
-                <a:solidFill>
-                  <a:schemeClr val="tx1"/>
-                </a:solidFill>
-                <a:latin typeface="Segoe UI" pitchFamily="34" charset="0"/>
-                <a:ea typeface="Segoe UI" pitchFamily="34" charset="0"/>
-                <a:cs typeface="Segoe UI" pitchFamily="34" charset="0"/>
-              </a:endParaRPr>
             </a:p>
           </p:txBody>
         </p:sp>
@@ -9275,11 +9204,6 @@
               </a:rPr>
               <a:t>Primary</a:t>
             </a:r>
-            <a:endParaRPr lang="en-US" sz="2400" dirty="0" smtClean="0">
-              <a:latin typeface="Segoe UI" pitchFamily="34" charset="0"/>
-              <a:ea typeface="Segoe UI" pitchFamily="34" charset="0"/>
-              <a:cs typeface="Segoe UI" pitchFamily="34" charset="0"/>
-            </a:endParaRPr>
           </a:p>
         </p:txBody>
       </p:sp>
@@ -9366,27 +9290,8 @@
                   <a:ea typeface="Segoe UI" pitchFamily="34" charset="0"/>
                   <a:cs typeface="Segoe UI" pitchFamily="34" charset="0"/>
                 </a:rPr>
-                <a:t>EN </a:t>
+                <a:t>EN 1</a:t>
               </a:r>
-              <a:r>
-                <a:rPr lang="en-US" sz="2200" b="1" dirty="0" smtClean="0">
-                  <a:solidFill>
-                    <a:schemeClr val="tx1"/>
-                  </a:solidFill>
-                  <a:latin typeface="Segoe UI" pitchFamily="34" charset="0"/>
-                  <a:ea typeface="Segoe UI" pitchFamily="34" charset="0"/>
-                  <a:cs typeface="Segoe UI" pitchFamily="34" charset="0"/>
-                </a:rPr>
-                <a:t>1</a:t>
-              </a:r>
-              <a:endParaRPr lang="en-US" sz="2200" b="1" dirty="0" smtClean="0">
-                <a:solidFill>
-                  <a:schemeClr val="tx1"/>
-                </a:solidFill>
-                <a:latin typeface="Segoe UI" pitchFamily="34" charset="0"/>
-                <a:ea typeface="Segoe UI" pitchFamily="34" charset="0"/>
-                <a:cs typeface="Segoe UI" pitchFamily="34" charset="0"/>
-              </a:endParaRPr>
             </a:p>
           </p:txBody>
         </p:sp>
@@ -9904,6 +9809,81 @@
       </p:sp>
       <p:sp>
         <p:nvSpPr>
+          <p:cNvPr id="32" name="Rectangle 31"/>
+          <p:cNvSpPr/>
+          <p:nvPr/>
+        </p:nvSpPr>
+        <p:spPr bwMode="auto">
+          <a:xfrm>
+            <a:off x="879571" y="4330264"/>
+            <a:ext cx="207711" cy="324215"/>
+          </a:xfrm>
+          <a:prstGeom prst="rect">
+            <a:avLst/>
+          </a:prstGeom>
+          <a:solidFill>
+            <a:srgbClr val="C00000"/>
+          </a:solidFill>
+          <a:ln w="25400">
+            <a:solidFill>
+              <a:schemeClr val="tx1">
+                <a:lumMod val="75000"/>
+                <a:lumOff val="25000"/>
+              </a:schemeClr>
+            </a:solidFill>
+            <a:headEnd type="none" w="med" len="med"/>
+            <a:tailEnd type="none" w="med" len="med"/>
+          </a:ln>
+          <a:effectLst/>
+        </p:spPr>
+        <p:style>
+          <a:lnRef idx="1">
+            <a:schemeClr val="accent2"/>
+          </a:lnRef>
+          <a:fillRef idx="3">
+            <a:schemeClr val="accent2"/>
+          </a:fillRef>
+          <a:effectRef idx="2">
+            <a:schemeClr val="accent2"/>
+          </a:effectRef>
+          <a:fontRef idx="minor">
+            <a:schemeClr val="lt1"/>
+          </a:fontRef>
+        </p:style>
+        <p:txBody>
+          <a:bodyPr vert="horz" wrap="square" lIns="91436" tIns="45718" rIns="91436" bIns="45718" numCol="1" rtlCol="0" anchor="ctr" anchorCtr="0" compatLnSpc="1">
+            <a:prstTxWarp prst="textNoShape">
+              <a:avLst/>
+            </a:prstTxWarp>
+          </a:bodyPr>
+          <a:lstStyle/>
+          <a:p>
+            <a:pPr algn="ctr" defTabSz="914099" fontAlgn="base">
+              <a:spcBef>
+                <a:spcPct val="0"/>
+              </a:spcBef>
+              <a:spcAft>
+                <a:spcPct val="0"/>
+              </a:spcAft>
+            </a:pPr>
+            <a:endParaRPr lang="en-US" sz="2200" dirty="0" smtClean="0">
+              <a:gradFill>
+                <a:gsLst>
+                  <a:gs pos="0">
+                    <a:schemeClr val="tx1"/>
+                  </a:gs>
+                  <a:gs pos="100000">
+                    <a:schemeClr val="tx1"/>
+                  </a:gs>
+                </a:gsLst>
+                <a:lin ang="5400000" scaled="0"/>
+              </a:gradFill>
+            </a:endParaRPr>
+          </a:p>
+        </p:txBody>
+      </p:sp>
+      <p:sp>
+        <p:nvSpPr>
           <p:cNvPr id="35" name="Multiply 34"/>
           <p:cNvSpPr/>
           <p:nvPr/>
@@ -9969,6 +9949,228 @@
                 <a:lin ang="5400000" scaled="0"/>
               </a:gradFill>
             </a:endParaRPr>
+          </a:p>
+        </p:txBody>
+      </p:sp>
+      <p:cxnSp>
+        <p:nvCxnSpPr>
+          <p:cNvPr id="37" name="Straight Arrow Connector 36"/>
+          <p:cNvCxnSpPr>
+            <a:stCxn id="4" idx="3"/>
+            <a:endCxn id="31" idx="1"/>
+          </p:cNvCxnSpPr>
+          <p:nvPr/>
+        </p:nvCxnSpPr>
+        <p:spPr>
+          <a:xfrm flipV="1">
+            <a:off x="2500336" y="1774422"/>
+            <a:ext cx="3968534" cy="4682"/>
+          </a:xfrm>
+          <a:prstGeom prst="straightConnector1">
+            <a:avLst/>
+          </a:prstGeom>
+          <a:ln w="38100">
+            <a:solidFill>
+              <a:schemeClr val="accent1">
+                <a:lumMod val="50000"/>
+              </a:schemeClr>
+            </a:solidFill>
+            <a:tailEnd type="arrow"/>
+          </a:ln>
+        </p:spPr>
+        <p:style>
+          <a:lnRef idx="1">
+            <a:schemeClr val="accent1"/>
+          </a:lnRef>
+          <a:fillRef idx="0">
+            <a:schemeClr val="accent1"/>
+          </a:fillRef>
+          <a:effectRef idx="0">
+            <a:schemeClr val="accent1"/>
+          </a:effectRef>
+          <a:fontRef idx="minor">
+            <a:schemeClr val="tx1"/>
+          </a:fontRef>
+        </p:style>
+      </p:cxnSp>
+      <p:sp>
+        <p:nvSpPr>
+          <p:cNvPr id="38" name="TextBox 37"/>
+          <p:cNvSpPr txBox="1"/>
+          <p:nvPr/>
+        </p:nvSpPr>
+        <p:spPr>
+          <a:xfrm>
+            <a:off x="3428492" y="1333059"/>
+            <a:ext cx="2298130" cy="369332"/>
+          </a:xfrm>
+          <a:prstGeom prst="rect">
+            <a:avLst/>
+          </a:prstGeom>
+          <a:noFill/>
+        </p:spPr>
+        <p:txBody>
+          <a:bodyPr wrap="none" lIns="0" tIns="0" rIns="0" bIns="0" rtlCol="0">
+            <a:spAutoFit/>
+          </a:bodyPr>
+          <a:lstStyle/>
+          <a:p>
+            <a:r>
+              <a:rPr lang="en-US" sz="2400" dirty="0" smtClean="0">
+                <a:latin typeface="Segoe UI" pitchFamily="34" charset="0"/>
+                <a:ea typeface="Segoe UI" pitchFamily="34" charset="0"/>
+                <a:cs typeface="Segoe UI" pitchFamily="34" charset="0"/>
+              </a:rPr>
+              <a:t>Error: Seal Extent</a:t>
+            </a:r>
+          </a:p>
+        </p:txBody>
+      </p:sp>
+      <p:cxnSp>
+        <p:nvCxnSpPr>
+          <p:cNvPr id="36" name="Straight Arrow Connector 35"/>
+          <p:cNvCxnSpPr>
+            <a:stCxn id="16" idx="0"/>
+            <a:endCxn id="31" idx="2"/>
+          </p:cNvCxnSpPr>
+          <p:nvPr/>
+        </p:nvCxnSpPr>
+        <p:spPr>
+          <a:xfrm flipV="1">
+            <a:off x="1675755" y="2211687"/>
+            <a:ext cx="5635380" cy="1369713"/>
+          </a:xfrm>
+          <a:prstGeom prst="straightConnector1">
+            <a:avLst/>
+          </a:prstGeom>
+          <a:ln w="38100">
+            <a:solidFill>
+              <a:schemeClr val="accent1">
+                <a:lumMod val="50000"/>
+              </a:schemeClr>
+            </a:solidFill>
+            <a:tailEnd type="arrow"/>
+          </a:ln>
+        </p:spPr>
+        <p:style>
+          <a:lnRef idx="1">
+            <a:schemeClr val="accent1"/>
+          </a:lnRef>
+          <a:fillRef idx="0">
+            <a:schemeClr val="accent1"/>
+          </a:fillRef>
+          <a:effectRef idx="0">
+            <a:schemeClr val="accent1"/>
+          </a:effectRef>
+          <a:fontRef idx="minor">
+            <a:schemeClr val="tx1"/>
+          </a:fontRef>
+        </p:style>
+      </p:cxnSp>
+      <p:cxnSp>
+        <p:nvCxnSpPr>
+          <p:cNvPr id="39" name="Straight Arrow Connector 38"/>
+          <p:cNvCxnSpPr>
+            <a:stCxn id="7" idx="0"/>
+            <a:endCxn id="31" idx="2"/>
+          </p:cNvCxnSpPr>
+          <p:nvPr/>
+        </p:nvCxnSpPr>
+        <p:spPr>
+          <a:xfrm flipH="1" flipV="1">
+            <a:off x="7311135" y="2211687"/>
+            <a:ext cx="308220" cy="1369713"/>
+          </a:xfrm>
+          <a:prstGeom prst="straightConnector1">
+            <a:avLst/>
+          </a:prstGeom>
+          <a:ln w="38100">
+            <a:solidFill>
+              <a:schemeClr val="accent1">
+                <a:lumMod val="50000"/>
+              </a:schemeClr>
+            </a:solidFill>
+            <a:tailEnd type="arrow"/>
+          </a:ln>
+        </p:spPr>
+        <p:style>
+          <a:lnRef idx="1">
+            <a:schemeClr val="accent1"/>
+          </a:lnRef>
+          <a:fillRef idx="0">
+            <a:schemeClr val="accent1"/>
+          </a:fillRef>
+          <a:effectRef idx="0">
+            <a:schemeClr val="accent1"/>
+          </a:effectRef>
+          <a:fontRef idx="minor">
+            <a:schemeClr val="tx1"/>
+          </a:fontRef>
+        </p:style>
+      </p:cxnSp>
+      <p:sp>
+        <p:nvSpPr>
+          <p:cNvPr id="42" name="TextBox 41"/>
+          <p:cNvSpPr txBox="1"/>
+          <p:nvPr/>
+        </p:nvSpPr>
+        <p:spPr>
+          <a:xfrm>
+            <a:off x="3094175" y="2713559"/>
+            <a:ext cx="500137" cy="369332"/>
+          </a:xfrm>
+          <a:prstGeom prst="rect">
+            <a:avLst/>
+          </a:prstGeom>
+          <a:noFill/>
+        </p:spPr>
+        <p:txBody>
+          <a:bodyPr wrap="none" lIns="0" tIns="0" rIns="0" bIns="0" rtlCol="0">
+            <a:spAutoFit/>
+          </a:bodyPr>
+          <a:lstStyle/>
+          <a:p>
+            <a:r>
+              <a:rPr lang="en-US" sz="2400" dirty="0" smtClean="0">
+                <a:latin typeface="Segoe UI" pitchFamily="34" charset="0"/>
+                <a:ea typeface="Segoe UI" pitchFamily="34" charset="0"/>
+                <a:cs typeface="Segoe UI" pitchFamily="34" charset="0"/>
+              </a:rPr>
+              <a:t>120</a:t>
+            </a:r>
+          </a:p>
+        </p:txBody>
+      </p:sp>
+      <p:sp>
+        <p:nvSpPr>
+          <p:cNvPr id="48" name="TextBox 47"/>
+          <p:cNvSpPr txBox="1"/>
+          <p:nvPr/>
+        </p:nvSpPr>
+        <p:spPr>
+          <a:xfrm>
+            <a:off x="7582517" y="2825034"/>
+            <a:ext cx="500137" cy="369332"/>
+          </a:xfrm>
+          <a:prstGeom prst="rect">
+            <a:avLst/>
+          </a:prstGeom>
+          <a:noFill/>
+        </p:spPr>
+        <p:txBody>
+          <a:bodyPr wrap="none" lIns="0" tIns="0" rIns="0" bIns="0" rtlCol="0">
+            <a:spAutoFit/>
+          </a:bodyPr>
+          <a:lstStyle/>
+          <a:p>
+            <a:r>
+              <a:rPr lang="en-US" sz="2400" dirty="0" smtClean="0">
+                <a:latin typeface="Segoe UI" pitchFamily="34" charset="0"/>
+                <a:ea typeface="Segoe UI" pitchFamily="34" charset="0"/>
+                <a:cs typeface="Segoe UI" pitchFamily="34" charset="0"/>
+              </a:rPr>
+              <a:t>100</a:t>
+            </a:r>
           </a:p>
         </p:txBody>
       </p:sp>
@@ -10160,8 +10362,1724 @@
                 <a:ea typeface="Segoe UI" pitchFamily="34" charset="0"/>
                 <a:cs typeface="Segoe UI" pitchFamily="34" charset="0"/>
               </a:rPr>
-              <a:t>Sealed at </a:t>
+              <a:t>Sealed at 100</a:t>
             </a:r>
+          </a:p>
+        </p:txBody>
+      </p:sp>
+    </p:spTree>
+    <p:extLst>
+      <p:ext uri="{BB962C8B-B14F-4D97-AF65-F5344CB8AC3E}">
+        <p14:creationId xmlns:p14="http://schemas.microsoft.com/office/powerpoint/2010/main" val="4015245006"/>
+      </p:ext>
+    </p:extLst>
+  </p:cSld>
+  <p:clrMapOvr>
+    <a:masterClrMapping/>
+  </p:clrMapOvr>
+  <p:timing>
+    <p:tnLst>
+      <p:par>
+        <p:cTn id="1" dur="indefinite" restart="never" nodeType="tmRoot">
+          <p:childTnLst>
+            <p:seq concurrent="1" nextAc="seek">
+              <p:cTn id="2" dur="indefinite" nodeType="mainSeq">
+                <p:childTnLst>
+                  <p:par>
+                    <p:cTn id="3" fill="hold">
+                      <p:stCondLst>
+                        <p:cond delay="indefinite"/>
+                      </p:stCondLst>
+                      <p:childTnLst>
+                        <p:par>
+                          <p:cTn id="4" fill="hold">
+                            <p:stCondLst>
+                              <p:cond delay="0"/>
+                            </p:stCondLst>
+                            <p:childTnLst>
+                              <p:par>
+                                <p:cTn id="5" presetID="6" presetClass="entr" presetSubtype="16" fill="hold" grpId="0" nodeType="clickEffect">
+                                  <p:stCondLst>
+                                    <p:cond delay="0"/>
+                                  </p:stCondLst>
+                                  <p:childTnLst>
+                                    <p:set>
+                                      <p:cBhvr>
+                                        <p:cTn id="6" dur="1" fill="hold">
+                                          <p:stCondLst>
+                                            <p:cond delay="0"/>
+                                          </p:stCondLst>
+                                        </p:cTn>
+                                        <p:tgtEl>
+                                          <p:spTgt spid="49"/>
+                                        </p:tgtEl>
+                                        <p:attrNameLst>
+                                          <p:attrName>style.visibility</p:attrName>
+                                        </p:attrNameLst>
+                                      </p:cBhvr>
+                                      <p:to>
+                                        <p:strVal val="visible"/>
+                                      </p:to>
+                                    </p:set>
+                                    <p:animEffect transition="in" filter="circle(in)">
+                                      <p:cBhvr>
+                                        <p:cTn id="7" dur="2000"/>
+                                        <p:tgtEl>
+                                          <p:spTgt spid="49"/>
+                                        </p:tgtEl>
+                                      </p:cBhvr>
+                                    </p:animEffect>
+                                  </p:childTnLst>
+                                </p:cTn>
+                              </p:par>
+                              <p:par>
+                                <p:cTn id="8" presetID="6" presetClass="entr" presetSubtype="16" fill="hold" grpId="0" nodeType="withEffect">
+                                  <p:stCondLst>
+                                    <p:cond delay="0"/>
+                                  </p:stCondLst>
+                                  <p:childTnLst>
+                                    <p:set>
+                                      <p:cBhvr>
+                                        <p:cTn id="9" dur="1" fill="hold">
+                                          <p:stCondLst>
+                                            <p:cond delay="0"/>
+                                          </p:stCondLst>
+                                        </p:cTn>
+                                        <p:tgtEl>
+                                          <p:spTgt spid="50"/>
+                                        </p:tgtEl>
+                                        <p:attrNameLst>
+                                          <p:attrName>style.visibility</p:attrName>
+                                        </p:attrNameLst>
+                                      </p:cBhvr>
+                                      <p:to>
+                                        <p:strVal val="visible"/>
+                                      </p:to>
+                                    </p:set>
+                                    <p:animEffect transition="in" filter="circle(in)">
+                                      <p:cBhvr>
+                                        <p:cTn id="10" dur="2000"/>
+                                        <p:tgtEl>
+                                          <p:spTgt spid="50"/>
+                                        </p:tgtEl>
+                                      </p:cBhvr>
+                                    </p:animEffect>
+                                  </p:childTnLst>
+                                </p:cTn>
+                              </p:par>
+                              <p:par>
+                                <p:cTn id="11" presetID="10" presetClass="exit" presetSubtype="0" fill="hold" grpId="0" nodeType="withEffect">
+                                  <p:stCondLst>
+                                    <p:cond delay="0"/>
+                                  </p:stCondLst>
+                                  <p:childTnLst>
+                                    <p:animEffect transition="out" filter="fade">
+                                      <p:cBhvr>
+                                        <p:cTn id="12" dur="500"/>
+                                        <p:tgtEl>
+                                          <p:spTgt spid="48"/>
+                                        </p:tgtEl>
+                                      </p:cBhvr>
+                                    </p:animEffect>
+                                    <p:set>
+                                      <p:cBhvr>
+                                        <p:cTn id="13" dur="1" fill="hold">
+                                          <p:stCondLst>
+                                            <p:cond delay="499"/>
+                                          </p:stCondLst>
+                                        </p:cTn>
+                                        <p:tgtEl>
+                                          <p:spTgt spid="48"/>
+                                        </p:tgtEl>
+                                        <p:attrNameLst>
+                                          <p:attrName>style.visibility</p:attrName>
+                                        </p:attrNameLst>
+                                      </p:cBhvr>
+                                      <p:to>
+                                        <p:strVal val="hidden"/>
+                                      </p:to>
+                                    </p:set>
+                                  </p:childTnLst>
+                                </p:cTn>
+                              </p:par>
+                              <p:par>
+                                <p:cTn id="14" presetID="10" presetClass="exit" presetSubtype="0" fill="hold" grpId="0" nodeType="withEffect">
+                                  <p:stCondLst>
+                                    <p:cond delay="0"/>
+                                  </p:stCondLst>
+                                  <p:childTnLst>
+                                    <p:animEffect transition="out" filter="fade">
+                                      <p:cBhvr>
+                                        <p:cTn id="15" dur="500"/>
+                                        <p:tgtEl>
+                                          <p:spTgt spid="42"/>
+                                        </p:tgtEl>
+                                      </p:cBhvr>
+                                    </p:animEffect>
+                                    <p:set>
+                                      <p:cBhvr>
+                                        <p:cTn id="16" dur="1" fill="hold">
+                                          <p:stCondLst>
+                                            <p:cond delay="499"/>
+                                          </p:stCondLst>
+                                        </p:cTn>
+                                        <p:tgtEl>
+                                          <p:spTgt spid="42"/>
+                                        </p:tgtEl>
+                                        <p:attrNameLst>
+                                          <p:attrName>style.visibility</p:attrName>
+                                        </p:attrNameLst>
+                                      </p:cBhvr>
+                                      <p:to>
+                                        <p:strVal val="hidden"/>
+                                      </p:to>
+                                    </p:set>
+                                  </p:childTnLst>
+                                </p:cTn>
+                              </p:par>
+                              <p:par>
+                                <p:cTn id="17" presetID="10" presetClass="exit" presetSubtype="0" fill="hold" nodeType="withEffect">
+                                  <p:stCondLst>
+                                    <p:cond delay="0"/>
+                                  </p:stCondLst>
+                                  <p:childTnLst>
+                                    <p:animEffect transition="out" filter="fade">
+                                      <p:cBhvr>
+                                        <p:cTn id="18" dur="500"/>
+                                        <p:tgtEl>
+                                          <p:spTgt spid="36"/>
+                                        </p:tgtEl>
+                                      </p:cBhvr>
+                                    </p:animEffect>
+                                    <p:set>
+                                      <p:cBhvr>
+                                        <p:cTn id="19" dur="1" fill="hold">
+                                          <p:stCondLst>
+                                            <p:cond delay="499"/>
+                                          </p:stCondLst>
+                                        </p:cTn>
+                                        <p:tgtEl>
+                                          <p:spTgt spid="36"/>
+                                        </p:tgtEl>
+                                        <p:attrNameLst>
+                                          <p:attrName>style.visibility</p:attrName>
+                                        </p:attrNameLst>
+                                      </p:cBhvr>
+                                      <p:to>
+                                        <p:strVal val="hidden"/>
+                                      </p:to>
+                                    </p:set>
+                                  </p:childTnLst>
+                                </p:cTn>
+                              </p:par>
+                              <p:par>
+                                <p:cTn id="20" presetID="10" presetClass="exit" presetSubtype="0" fill="hold" nodeType="withEffect">
+                                  <p:stCondLst>
+                                    <p:cond delay="0"/>
+                                  </p:stCondLst>
+                                  <p:childTnLst>
+                                    <p:animEffect transition="out" filter="fade">
+                                      <p:cBhvr>
+                                        <p:cTn id="21" dur="500"/>
+                                        <p:tgtEl>
+                                          <p:spTgt spid="39"/>
+                                        </p:tgtEl>
+                                      </p:cBhvr>
+                                    </p:animEffect>
+                                    <p:set>
+                                      <p:cBhvr>
+                                        <p:cTn id="22" dur="1" fill="hold">
+                                          <p:stCondLst>
+                                            <p:cond delay="499"/>
+                                          </p:stCondLst>
+                                        </p:cTn>
+                                        <p:tgtEl>
+                                          <p:spTgt spid="39"/>
+                                        </p:tgtEl>
+                                        <p:attrNameLst>
+                                          <p:attrName>style.visibility</p:attrName>
+                                        </p:attrNameLst>
+                                      </p:cBhvr>
+                                      <p:to>
+                                        <p:strVal val="hidden"/>
+                                      </p:to>
+                                    </p:set>
+                                  </p:childTnLst>
+                                </p:cTn>
+                              </p:par>
+                              <p:par>
+                                <p:cTn id="23" presetID="10" presetClass="entr" presetSubtype="0" fill="hold" grpId="0" nodeType="withEffect">
+                                  <p:stCondLst>
+                                    <p:cond delay="0"/>
+                                  </p:stCondLst>
+                                  <p:childTnLst>
+                                    <p:set>
+                                      <p:cBhvr>
+                                        <p:cTn id="24" dur="1" fill="hold">
+                                          <p:stCondLst>
+                                            <p:cond delay="0"/>
+                                          </p:stCondLst>
+                                        </p:cTn>
+                                        <p:tgtEl>
+                                          <p:spTgt spid="51"/>
+                                        </p:tgtEl>
+                                        <p:attrNameLst>
+                                          <p:attrName>style.visibility</p:attrName>
+                                        </p:attrNameLst>
+                                      </p:cBhvr>
+                                      <p:to>
+                                        <p:strVal val="visible"/>
+                                      </p:to>
+                                    </p:set>
+                                    <p:animEffect transition="in" filter="fade">
+                                      <p:cBhvr>
+                                        <p:cTn id="25" dur="500"/>
+                                        <p:tgtEl>
+                                          <p:spTgt spid="51"/>
+                                        </p:tgtEl>
+                                      </p:cBhvr>
+                                    </p:animEffect>
+                                  </p:childTnLst>
+                                </p:cTn>
+                              </p:par>
+                            </p:childTnLst>
+                          </p:cTn>
+                        </p:par>
+                      </p:childTnLst>
+                    </p:cTn>
+                  </p:par>
+                  <p:par>
+                    <p:cTn id="26" fill="hold">
+                      <p:stCondLst>
+                        <p:cond delay="indefinite"/>
+                      </p:stCondLst>
+                      <p:childTnLst>
+                        <p:par>
+                          <p:cTn id="27" fill="hold">
+                            <p:stCondLst>
+                              <p:cond delay="0"/>
+                            </p:stCondLst>
+                            <p:childTnLst>
+                              <p:par>
+                                <p:cTn id="28" presetID="42" presetClass="path" presetSubtype="0" accel="50000" decel="50000" fill="hold" grpId="0" nodeType="clickEffect">
+                                  <p:stCondLst>
+                                    <p:cond delay="0"/>
+                                  </p:stCondLst>
+                                  <p:childTnLst>
+                                    <p:animMotion origin="layout" path="M 4.72222E-6 -2.59259E-6 L 0.00086 0.45602 " pathEditMode="relative" rAng="0" ptsTypes="AA">
+                                      <p:cBhvr>
+                                        <p:cTn id="29" dur="2000" fill="hold"/>
+                                        <p:tgtEl>
+                                          <p:spTgt spid="32"/>
+                                        </p:tgtEl>
+                                        <p:attrNameLst>
+                                          <p:attrName>ppt_x</p:attrName>
+                                          <p:attrName>ppt_y</p:attrName>
+                                        </p:attrNameLst>
+                                      </p:cBhvr>
+                                      <p:rCtr x="35" y="22801"/>
+                                    </p:animMotion>
+                                  </p:childTnLst>
+                                </p:cTn>
+                              </p:par>
+                            </p:childTnLst>
+                          </p:cTn>
+                        </p:par>
+                      </p:childTnLst>
+                    </p:cTn>
+                  </p:par>
+                </p:childTnLst>
+              </p:cTn>
+              <p:prevCondLst>
+                <p:cond evt="onPrev" delay="0">
+                  <p:tgtEl>
+                    <p:sldTgt/>
+                  </p:tgtEl>
+                </p:cond>
+              </p:prevCondLst>
+              <p:nextCondLst>
+                <p:cond evt="onNext" delay="0">
+                  <p:tgtEl>
+                    <p:sldTgt/>
+                  </p:tgtEl>
+                </p:cond>
+              </p:nextCondLst>
+            </p:seq>
+          </p:childTnLst>
+        </p:cTn>
+      </p:par>
+    </p:tnLst>
+    <p:bldLst>
+      <p:bldP spid="32" grpId="0" animBg="1"/>
+      <p:bldP spid="42" grpId="0"/>
+      <p:bldP spid="48" grpId="0"/>
+      <p:bldP spid="49" grpId="0" animBg="1"/>
+      <p:bldP spid="50" grpId="0" animBg="1"/>
+      <p:bldP spid="51" grpId="0"/>
+    </p:bldLst>
+  </p:timing>
+</p:sld>
+</file>
+
+<file path=ppt/slides/slide11.xml><?xml version="1.0" encoding="utf-8"?>
+<p:sld xmlns:a="http://schemas.openxmlformats.org/drawingml/2006/main" xmlns:r="http://schemas.openxmlformats.org/officeDocument/2006/relationships" xmlns:p="http://schemas.openxmlformats.org/presentationml/2006/main">
+  <p:cSld>
+    <p:spTree>
+      <p:nvGrpSpPr>
+        <p:cNvPr id="1" name=""/>
+        <p:cNvGrpSpPr/>
+        <p:nvPr/>
+      </p:nvGrpSpPr>
+      <p:grpSpPr>
+        <a:xfrm>
+          <a:off x="0" y="0"/>
+          <a:ext cx="0" cy="0"/>
+          <a:chOff x="0" y="0"/>
+          <a:chExt cx="0" cy="0"/>
+        </a:xfrm>
+      </p:grpSpPr>
+      <p:sp>
+        <p:nvSpPr>
+          <p:cNvPr id="2" name="Title 1"/>
+          <p:cNvSpPr>
+            <a:spLocks noGrp="1"/>
+          </p:cNvSpPr>
+          <p:nvPr>
+            <p:ph type="title"/>
+          </p:nvPr>
+        </p:nvSpPr>
+        <p:spPr/>
+        <p:txBody>
+          <a:bodyPr/>
+          <a:lstStyle/>
+          <a:p>
+            <a:r>
+              <a:rPr lang="en-US" dirty="0" smtClean="0"/>
+              <a:t>Write Failure – Physical Design</a:t>
+            </a:r>
+            <a:endParaRPr lang="en-SG" dirty="0"/>
+          </a:p>
+        </p:txBody>
+      </p:sp>
+      <p:sp>
+        <p:nvSpPr>
+          <p:cNvPr id="4" name="Rounded Rectangle 3"/>
+          <p:cNvSpPr/>
+          <p:nvPr/>
+        </p:nvSpPr>
+        <p:spPr bwMode="auto">
+          <a:xfrm>
+            <a:off x="379989" y="1348408"/>
+            <a:ext cx="2120347" cy="861392"/>
+          </a:xfrm>
+          <a:prstGeom prst="roundRect">
+            <a:avLst/>
+          </a:prstGeom>
+          <a:solidFill>
+            <a:srgbClr val="00B0F0"/>
+          </a:solidFill>
+          <a:ln>
+            <a:noFill/>
+            <a:headEnd type="none" w="med" len="med"/>
+            <a:tailEnd type="none" w="med" len="med"/>
+          </a:ln>
+          <a:effectLst/>
+        </p:spPr>
+        <p:style>
+          <a:lnRef idx="1">
+            <a:schemeClr val="accent2"/>
+          </a:lnRef>
+          <a:fillRef idx="3">
+            <a:schemeClr val="accent2"/>
+          </a:fillRef>
+          <a:effectRef idx="2">
+            <a:schemeClr val="accent2"/>
+          </a:effectRef>
+          <a:fontRef idx="minor">
+            <a:schemeClr val="lt1"/>
+          </a:fontRef>
+        </p:style>
+        <p:txBody>
+          <a:bodyPr vert="horz" wrap="square" lIns="91436" tIns="45718" rIns="91436" bIns="45718" numCol="1" rtlCol="0" anchor="ctr" anchorCtr="0" compatLnSpc="1">
+            <a:prstTxWarp prst="textNoShape">
+              <a:avLst/>
+            </a:prstTxWarp>
+          </a:bodyPr>
+          <a:lstStyle/>
+          <a:p>
+            <a:pPr algn="ctr" defTabSz="914099" fontAlgn="base">
+              <a:spcBef>
+                <a:spcPct val="0"/>
+              </a:spcBef>
+              <a:spcAft>
+                <a:spcPct val="0"/>
+              </a:spcAft>
+            </a:pPr>
+            <a:r>
+              <a:rPr lang="en-US" sz="2200" b="1" dirty="0" smtClean="0">
+                <a:solidFill>
+                  <a:schemeClr val="tx1"/>
+                </a:solidFill>
+                <a:latin typeface="Segoe UI" pitchFamily="34" charset="0"/>
+                <a:ea typeface="Segoe UI" pitchFamily="34" charset="0"/>
+                <a:cs typeface="Segoe UI" pitchFamily="34" charset="0"/>
+              </a:rPr>
+              <a:t>Partition Layer</a:t>
+            </a:r>
+          </a:p>
+        </p:txBody>
+      </p:sp>
+      <p:sp>
+        <p:nvSpPr>
+          <p:cNvPr id="5" name="TextBox 4"/>
+          <p:cNvSpPr txBox="1"/>
+          <p:nvPr/>
+        </p:nvSpPr>
+        <p:spPr>
+          <a:xfrm>
+            <a:off x="6807687" y="5799505"/>
+            <a:ext cx="2856801" cy="369332"/>
+          </a:xfrm>
+          <a:prstGeom prst="rect">
+            <a:avLst/>
+          </a:prstGeom>
+          <a:noFill/>
+        </p:spPr>
+        <p:txBody>
+          <a:bodyPr wrap="square" lIns="0" tIns="0" rIns="0" bIns="0" rtlCol="0">
+            <a:spAutoFit/>
+          </a:bodyPr>
+          <a:lstStyle/>
+          <a:p>
+            <a:r>
+              <a:rPr lang="en-US" sz="2400" dirty="0" smtClean="0">
+                <a:latin typeface="Segoe UI" pitchFamily="34" charset="0"/>
+                <a:ea typeface="Segoe UI" pitchFamily="34" charset="0"/>
+                <a:cs typeface="Segoe UI" pitchFamily="34" charset="0"/>
+              </a:rPr>
+              <a:t>Secondary II</a:t>
+            </a:r>
+          </a:p>
+        </p:txBody>
+      </p:sp>
+      <p:grpSp>
+        <p:nvGrpSpPr>
+          <p:cNvPr id="6" name="Group 5"/>
+          <p:cNvGrpSpPr/>
+          <p:nvPr/>
+        </p:nvGrpSpPr>
+        <p:grpSpPr>
+          <a:xfrm>
+            <a:off x="6553200" y="3581400"/>
+            <a:ext cx="2132310" cy="2142673"/>
+            <a:chOff x="1855304" y="4081670"/>
+            <a:chExt cx="1855305" cy="2464904"/>
+          </a:xfrm>
+        </p:grpSpPr>
+        <p:sp>
+          <p:nvSpPr>
+            <p:cNvPr id="7" name="Rectangle 6"/>
+            <p:cNvSpPr/>
+            <p:nvPr/>
+          </p:nvSpPr>
+          <p:spPr bwMode="auto">
+            <a:xfrm>
+              <a:off x="1855304" y="4081670"/>
+              <a:ext cx="1855305" cy="2464904"/>
+            </a:xfrm>
+            <a:prstGeom prst="rect">
+              <a:avLst/>
+            </a:prstGeom>
+            <a:solidFill>
+              <a:schemeClr val="accent1">
+                <a:alpha val="50000"/>
+              </a:schemeClr>
+            </a:solidFill>
+            <a:ln w="38100">
+              <a:solidFill>
+                <a:schemeClr val="accent1">
+                  <a:lumMod val="50000"/>
+                </a:schemeClr>
+              </a:solidFill>
+              <a:headEnd type="none" w="med" len="med"/>
+              <a:tailEnd type="none" w="med" len="med"/>
+            </a:ln>
+            <a:effectLst/>
+          </p:spPr>
+          <p:style>
+            <a:lnRef idx="1">
+              <a:schemeClr val="accent2"/>
+            </a:lnRef>
+            <a:fillRef idx="3">
+              <a:schemeClr val="accent2"/>
+            </a:fillRef>
+            <a:effectRef idx="2">
+              <a:schemeClr val="accent2"/>
+            </a:effectRef>
+            <a:fontRef idx="minor">
+              <a:schemeClr val="lt1"/>
+            </a:fontRef>
+          </p:style>
+          <p:txBody>
+            <a:bodyPr vert="horz" wrap="square" lIns="91436" tIns="45718" rIns="91436" bIns="45718" numCol="1" rtlCol="0" anchor="t" anchorCtr="0" compatLnSpc="1">
+              <a:prstTxWarp prst="textNoShape">
+                <a:avLst/>
+              </a:prstTxWarp>
+            </a:bodyPr>
+            <a:lstStyle/>
+            <a:p>
+              <a:pPr algn="ctr" defTabSz="914099" fontAlgn="base">
+                <a:spcBef>
+                  <a:spcPct val="0"/>
+                </a:spcBef>
+                <a:spcAft>
+                  <a:spcPct val="0"/>
+                </a:spcAft>
+              </a:pPr>
+              <a:r>
+                <a:rPr lang="en-US" sz="2200" b="1" dirty="0" smtClean="0">
+                  <a:solidFill>
+                    <a:schemeClr val="tx1"/>
+                  </a:solidFill>
+                  <a:latin typeface="Segoe UI" pitchFamily="34" charset="0"/>
+                  <a:ea typeface="Segoe UI" pitchFamily="34" charset="0"/>
+                  <a:cs typeface="Segoe UI" pitchFamily="34" charset="0"/>
+                </a:rPr>
+                <a:t>EN 3</a:t>
+              </a:r>
+            </a:p>
+          </p:txBody>
+        </p:sp>
+        <p:sp>
+          <p:nvSpPr>
+            <p:cNvPr id="8" name="Flowchart: Magnetic Disk 7"/>
+            <p:cNvSpPr/>
+            <p:nvPr/>
+          </p:nvSpPr>
+          <p:spPr bwMode="auto">
+            <a:xfrm>
+              <a:off x="2570922" y="5592417"/>
+              <a:ext cx="795130" cy="689113"/>
+            </a:xfrm>
+            <a:prstGeom prst="flowChartMagneticDisk">
+              <a:avLst/>
+            </a:prstGeom>
+            <a:solidFill>
+              <a:srgbClr val="00FF00"/>
+            </a:solidFill>
+            <a:ln w="25400">
+              <a:solidFill>
+                <a:schemeClr val="accent1">
+                  <a:lumMod val="50000"/>
+                </a:schemeClr>
+              </a:solidFill>
+              <a:headEnd type="none" w="med" len="med"/>
+              <a:tailEnd type="none" w="med" len="med"/>
+            </a:ln>
+            <a:effectLst/>
+          </p:spPr>
+          <p:style>
+            <a:lnRef idx="1">
+              <a:schemeClr val="accent2"/>
+            </a:lnRef>
+            <a:fillRef idx="3">
+              <a:schemeClr val="accent2"/>
+            </a:fillRef>
+            <a:effectRef idx="2">
+              <a:schemeClr val="accent2"/>
+            </a:effectRef>
+            <a:fontRef idx="minor">
+              <a:schemeClr val="lt1"/>
+            </a:fontRef>
+          </p:style>
+          <p:txBody>
+            <a:bodyPr vert="horz" wrap="square" lIns="91436" tIns="45718" rIns="91436" bIns="45718" numCol="1" rtlCol="0" anchor="ctr" anchorCtr="0" compatLnSpc="1">
+              <a:prstTxWarp prst="textNoShape">
+                <a:avLst/>
+              </a:prstTxWarp>
+            </a:bodyPr>
+            <a:lstStyle/>
+            <a:p>
+              <a:pPr algn="ctr" defTabSz="914099" fontAlgn="base">
+                <a:spcBef>
+                  <a:spcPct val="0"/>
+                </a:spcBef>
+                <a:spcAft>
+                  <a:spcPct val="0"/>
+                </a:spcAft>
+              </a:pPr>
+              <a:endParaRPr lang="en-US" sz="2200" dirty="0" smtClean="0">
+                <a:solidFill>
+                  <a:schemeClr val="tx1"/>
+                </a:solidFill>
+              </a:endParaRPr>
+            </a:p>
+          </p:txBody>
+        </p:sp>
+      </p:grpSp>
+      <p:sp>
+        <p:nvSpPr>
+          <p:cNvPr id="10" name="TextBox 9"/>
+          <p:cNvSpPr txBox="1"/>
+          <p:nvPr/>
+        </p:nvSpPr>
+        <p:spPr>
+          <a:xfrm>
+            <a:off x="3848799" y="5802868"/>
+            <a:ext cx="2856801" cy="369332"/>
+          </a:xfrm>
+          <a:prstGeom prst="rect">
+            <a:avLst/>
+          </a:prstGeom>
+          <a:noFill/>
+        </p:spPr>
+        <p:txBody>
+          <a:bodyPr wrap="square" lIns="0" tIns="0" rIns="0" bIns="0" rtlCol="0">
+            <a:spAutoFit/>
+          </a:bodyPr>
+          <a:lstStyle/>
+          <a:p>
+            <a:r>
+              <a:rPr lang="en-US" sz="2400" dirty="0" smtClean="0">
+                <a:latin typeface="Segoe UI" pitchFamily="34" charset="0"/>
+                <a:ea typeface="Segoe UI" pitchFamily="34" charset="0"/>
+                <a:cs typeface="Segoe UI" pitchFamily="34" charset="0"/>
+              </a:rPr>
+              <a:t>Secondary I</a:t>
+            </a:r>
+          </a:p>
+        </p:txBody>
+      </p:sp>
+      <p:grpSp>
+        <p:nvGrpSpPr>
+          <p:cNvPr id="11" name="Group 10"/>
+          <p:cNvGrpSpPr/>
+          <p:nvPr/>
+        </p:nvGrpSpPr>
+        <p:grpSpPr>
+          <a:xfrm>
+            <a:off x="3594312" y="3584763"/>
+            <a:ext cx="2132310" cy="2142673"/>
+            <a:chOff x="1855304" y="4081670"/>
+            <a:chExt cx="1855305" cy="2464904"/>
+          </a:xfrm>
+        </p:grpSpPr>
+        <p:sp>
+          <p:nvSpPr>
+            <p:cNvPr id="12" name="Rectangle 11"/>
+            <p:cNvSpPr/>
+            <p:nvPr/>
+          </p:nvSpPr>
+          <p:spPr bwMode="auto">
+            <a:xfrm>
+              <a:off x="1855304" y="4081670"/>
+              <a:ext cx="1855305" cy="2464904"/>
+            </a:xfrm>
+            <a:prstGeom prst="rect">
+              <a:avLst/>
+            </a:prstGeom>
+            <a:solidFill>
+              <a:schemeClr val="accent1">
+                <a:alpha val="50000"/>
+              </a:schemeClr>
+            </a:solidFill>
+            <a:ln w="38100">
+              <a:solidFill>
+                <a:schemeClr val="accent1">
+                  <a:lumMod val="50000"/>
+                </a:schemeClr>
+              </a:solidFill>
+              <a:headEnd type="none" w="med" len="med"/>
+              <a:tailEnd type="none" w="med" len="med"/>
+            </a:ln>
+            <a:effectLst/>
+          </p:spPr>
+          <p:style>
+            <a:lnRef idx="1">
+              <a:schemeClr val="accent2"/>
+            </a:lnRef>
+            <a:fillRef idx="3">
+              <a:schemeClr val="accent2"/>
+            </a:fillRef>
+            <a:effectRef idx="2">
+              <a:schemeClr val="accent2"/>
+            </a:effectRef>
+            <a:fontRef idx="minor">
+              <a:schemeClr val="lt1"/>
+            </a:fontRef>
+          </p:style>
+          <p:txBody>
+            <a:bodyPr vert="horz" wrap="square" lIns="91436" tIns="45718" rIns="91436" bIns="45718" numCol="1" rtlCol="0" anchor="t" anchorCtr="0" compatLnSpc="1">
+              <a:prstTxWarp prst="textNoShape">
+                <a:avLst/>
+              </a:prstTxWarp>
+            </a:bodyPr>
+            <a:lstStyle/>
+            <a:p>
+              <a:pPr algn="ctr" defTabSz="914099" fontAlgn="base">
+                <a:spcBef>
+                  <a:spcPct val="0"/>
+                </a:spcBef>
+                <a:spcAft>
+                  <a:spcPct val="0"/>
+                </a:spcAft>
+              </a:pPr>
+              <a:r>
+                <a:rPr lang="en-US" sz="2200" b="1" dirty="0" smtClean="0">
+                  <a:solidFill>
+                    <a:schemeClr val="tx1"/>
+                  </a:solidFill>
+                  <a:latin typeface="Segoe UI" pitchFamily="34" charset="0"/>
+                  <a:ea typeface="Segoe UI" pitchFamily="34" charset="0"/>
+                  <a:cs typeface="Segoe UI" pitchFamily="34" charset="0"/>
+                </a:rPr>
+                <a:t>EN 2</a:t>
+              </a:r>
+            </a:p>
+          </p:txBody>
+        </p:sp>
+        <p:sp>
+          <p:nvSpPr>
+            <p:cNvPr id="13" name="Flowchart: Magnetic Disk 12"/>
+            <p:cNvSpPr/>
+            <p:nvPr/>
+          </p:nvSpPr>
+          <p:spPr bwMode="auto">
+            <a:xfrm>
+              <a:off x="2570922" y="5592417"/>
+              <a:ext cx="795130" cy="689113"/>
+            </a:xfrm>
+            <a:prstGeom prst="flowChartMagneticDisk">
+              <a:avLst/>
+            </a:prstGeom>
+            <a:solidFill>
+              <a:srgbClr val="00FF00"/>
+            </a:solidFill>
+            <a:ln w="25400">
+              <a:solidFill>
+                <a:schemeClr val="accent1">
+                  <a:lumMod val="50000"/>
+                </a:schemeClr>
+              </a:solidFill>
+              <a:headEnd type="none" w="med" len="med"/>
+              <a:tailEnd type="none" w="med" len="med"/>
+            </a:ln>
+            <a:effectLst/>
+          </p:spPr>
+          <p:style>
+            <a:lnRef idx="1">
+              <a:schemeClr val="accent2"/>
+            </a:lnRef>
+            <a:fillRef idx="3">
+              <a:schemeClr val="accent2"/>
+            </a:fillRef>
+            <a:effectRef idx="2">
+              <a:schemeClr val="accent2"/>
+            </a:effectRef>
+            <a:fontRef idx="minor">
+              <a:schemeClr val="lt1"/>
+            </a:fontRef>
+          </p:style>
+          <p:txBody>
+            <a:bodyPr vert="horz" wrap="square" lIns="91436" tIns="45718" rIns="91436" bIns="45718" numCol="1" rtlCol="0" anchor="ctr" anchorCtr="0" compatLnSpc="1">
+              <a:prstTxWarp prst="textNoShape">
+                <a:avLst/>
+              </a:prstTxWarp>
+            </a:bodyPr>
+            <a:lstStyle/>
+            <a:p>
+              <a:pPr algn="ctr" defTabSz="914099" fontAlgn="base">
+                <a:spcBef>
+                  <a:spcPct val="0"/>
+                </a:spcBef>
+                <a:spcAft>
+                  <a:spcPct val="0"/>
+                </a:spcAft>
+              </a:pPr>
+              <a:endParaRPr lang="en-US" sz="2200" dirty="0" smtClean="0">
+                <a:solidFill>
+                  <a:schemeClr val="tx1"/>
+                </a:solidFill>
+              </a:endParaRPr>
+            </a:p>
+          </p:txBody>
+        </p:sp>
+      </p:grpSp>
+      <p:sp>
+        <p:nvSpPr>
+          <p:cNvPr id="14" name="TextBox 13"/>
+          <p:cNvSpPr txBox="1"/>
+          <p:nvPr/>
+        </p:nvSpPr>
+        <p:spPr>
+          <a:xfrm>
+            <a:off x="1219200" y="5818634"/>
+            <a:ext cx="1481822" cy="369332"/>
+          </a:xfrm>
+          <a:prstGeom prst="rect">
+            <a:avLst/>
+          </a:prstGeom>
+          <a:noFill/>
+        </p:spPr>
+        <p:txBody>
+          <a:bodyPr wrap="square" lIns="0" tIns="0" rIns="0" bIns="0" rtlCol="0">
+            <a:spAutoFit/>
+          </a:bodyPr>
+          <a:lstStyle/>
+          <a:p>
+            <a:r>
+              <a:rPr lang="en-US" sz="2400" dirty="0" smtClean="0">
+                <a:latin typeface="Segoe UI" pitchFamily="34" charset="0"/>
+                <a:ea typeface="Segoe UI" pitchFamily="34" charset="0"/>
+                <a:cs typeface="Segoe UI" pitchFamily="34" charset="0"/>
+              </a:rPr>
+              <a:t>Primary</a:t>
+            </a:r>
+          </a:p>
+        </p:txBody>
+      </p:sp>
+      <p:grpSp>
+        <p:nvGrpSpPr>
+          <p:cNvPr id="15" name="Group 14"/>
+          <p:cNvGrpSpPr/>
+          <p:nvPr/>
+        </p:nvGrpSpPr>
+        <p:grpSpPr>
+          <a:xfrm>
+            <a:off x="609600" y="3581400"/>
+            <a:ext cx="2132310" cy="2142673"/>
+            <a:chOff x="1855304" y="4081670"/>
+            <a:chExt cx="1855305" cy="2464904"/>
+          </a:xfrm>
+        </p:grpSpPr>
+        <p:sp>
+          <p:nvSpPr>
+            <p:cNvPr id="16" name="Rectangle 15"/>
+            <p:cNvSpPr/>
+            <p:nvPr/>
+          </p:nvSpPr>
+          <p:spPr bwMode="auto">
+            <a:xfrm>
+              <a:off x="1855304" y="4081670"/>
+              <a:ext cx="1855305" cy="2464904"/>
+            </a:xfrm>
+            <a:prstGeom prst="rect">
+              <a:avLst/>
+            </a:prstGeom>
+            <a:solidFill>
+              <a:schemeClr val="accent1">
+                <a:alpha val="50000"/>
+              </a:schemeClr>
+            </a:solidFill>
+            <a:ln w="38100">
+              <a:solidFill>
+                <a:schemeClr val="accent1">
+                  <a:lumMod val="50000"/>
+                </a:schemeClr>
+              </a:solidFill>
+              <a:headEnd type="none" w="med" len="med"/>
+              <a:tailEnd type="none" w="med" len="med"/>
+            </a:ln>
+            <a:effectLst/>
+          </p:spPr>
+          <p:style>
+            <a:lnRef idx="1">
+              <a:schemeClr val="accent2"/>
+            </a:lnRef>
+            <a:fillRef idx="3">
+              <a:schemeClr val="accent2"/>
+            </a:fillRef>
+            <a:effectRef idx="2">
+              <a:schemeClr val="accent2"/>
+            </a:effectRef>
+            <a:fontRef idx="minor">
+              <a:schemeClr val="lt1"/>
+            </a:fontRef>
+          </p:style>
+          <p:txBody>
+            <a:bodyPr vert="horz" wrap="square" lIns="91436" tIns="45718" rIns="91436" bIns="45718" numCol="1" rtlCol="0" anchor="t" anchorCtr="0" compatLnSpc="1">
+              <a:prstTxWarp prst="textNoShape">
+                <a:avLst/>
+              </a:prstTxWarp>
+            </a:bodyPr>
+            <a:lstStyle/>
+            <a:p>
+              <a:pPr algn="ctr" defTabSz="914099" fontAlgn="base">
+                <a:spcBef>
+                  <a:spcPct val="0"/>
+                </a:spcBef>
+                <a:spcAft>
+                  <a:spcPct val="0"/>
+                </a:spcAft>
+              </a:pPr>
+              <a:r>
+                <a:rPr lang="en-US" sz="2200" b="1" dirty="0" smtClean="0">
+                  <a:solidFill>
+                    <a:schemeClr val="tx1"/>
+                  </a:solidFill>
+                  <a:latin typeface="Segoe UI" pitchFamily="34" charset="0"/>
+                  <a:ea typeface="Segoe UI" pitchFamily="34" charset="0"/>
+                  <a:cs typeface="Segoe UI" pitchFamily="34" charset="0"/>
+                </a:rPr>
+                <a:t>EN 1</a:t>
+              </a:r>
+            </a:p>
+          </p:txBody>
+        </p:sp>
+        <p:sp>
+          <p:nvSpPr>
+            <p:cNvPr id="17" name="Flowchart: Magnetic Disk 16"/>
+            <p:cNvSpPr/>
+            <p:nvPr/>
+          </p:nvSpPr>
+          <p:spPr bwMode="auto">
+            <a:xfrm>
+              <a:off x="2570922" y="5592417"/>
+              <a:ext cx="795130" cy="689113"/>
+            </a:xfrm>
+            <a:prstGeom prst="flowChartMagneticDisk">
+              <a:avLst/>
+            </a:prstGeom>
+            <a:solidFill>
+              <a:srgbClr val="00FF00"/>
+            </a:solidFill>
+            <a:ln w="25400">
+              <a:solidFill>
+                <a:schemeClr val="accent1">
+                  <a:lumMod val="50000"/>
+                </a:schemeClr>
+              </a:solidFill>
+              <a:headEnd type="none" w="med" len="med"/>
+              <a:tailEnd type="none" w="med" len="med"/>
+            </a:ln>
+            <a:effectLst/>
+          </p:spPr>
+          <p:style>
+            <a:lnRef idx="1">
+              <a:schemeClr val="accent2"/>
+            </a:lnRef>
+            <a:fillRef idx="3">
+              <a:schemeClr val="accent2"/>
+            </a:fillRef>
+            <a:effectRef idx="2">
+              <a:schemeClr val="accent2"/>
+            </a:effectRef>
+            <a:fontRef idx="minor">
+              <a:schemeClr val="lt1"/>
+            </a:fontRef>
+          </p:style>
+          <p:txBody>
+            <a:bodyPr vert="horz" wrap="square" lIns="91436" tIns="45718" rIns="91436" bIns="45718" numCol="1" rtlCol="0" anchor="ctr" anchorCtr="0" compatLnSpc="1">
+              <a:prstTxWarp prst="textNoShape">
+                <a:avLst/>
+              </a:prstTxWarp>
+            </a:bodyPr>
+            <a:lstStyle/>
+            <a:p>
+              <a:pPr algn="ctr" defTabSz="914099" fontAlgn="base">
+                <a:spcBef>
+                  <a:spcPct val="0"/>
+                </a:spcBef>
+                <a:spcAft>
+                  <a:spcPct val="0"/>
+                </a:spcAft>
+              </a:pPr>
+              <a:endParaRPr lang="en-US" sz="2200" dirty="0" smtClean="0">
+                <a:solidFill>
+                  <a:schemeClr val="tx1"/>
+                </a:solidFill>
+              </a:endParaRPr>
+            </a:p>
+          </p:txBody>
+        </p:sp>
+      </p:grpSp>
+      <p:sp>
+        <p:nvSpPr>
+          <p:cNvPr id="21" name="Rectangle 20"/>
+          <p:cNvSpPr/>
+          <p:nvPr/>
+        </p:nvSpPr>
+        <p:spPr bwMode="auto">
+          <a:xfrm>
+            <a:off x="884834" y="4656099"/>
+            <a:ext cx="207711" cy="648430"/>
+          </a:xfrm>
+          <a:prstGeom prst="rect">
+            <a:avLst/>
+          </a:prstGeom>
+          <a:solidFill>
+            <a:srgbClr val="0070C0"/>
+          </a:solidFill>
+          <a:ln w="25400">
+            <a:solidFill>
+              <a:schemeClr val="accent1">
+                <a:lumMod val="50000"/>
+              </a:schemeClr>
+            </a:solidFill>
+            <a:headEnd type="none" w="med" len="med"/>
+            <a:tailEnd type="none" w="med" len="med"/>
+          </a:ln>
+          <a:effectLst/>
+        </p:spPr>
+        <p:style>
+          <a:lnRef idx="1">
+            <a:schemeClr val="accent2"/>
+          </a:lnRef>
+          <a:fillRef idx="3">
+            <a:schemeClr val="accent2"/>
+          </a:fillRef>
+          <a:effectRef idx="2">
+            <a:schemeClr val="accent2"/>
+          </a:effectRef>
+          <a:fontRef idx="minor">
+            <a:schemeClr val="lt1"/>
+          </a:fontRef>
+        </p:style>
+        <p:txBody>
+          <a:bodyPr vert="horz" wrap="square" lIns="91436" tIns="45718" rIns="91436" bIns="45718" numCol="1" rtlCol="0" anchor="ctr" anchorCtr="0" compatLnSpc="1">
+            <a:prstTxWarp prst="textNoShape">
+              <a:avLst/>
+            </a:prstTxWarp>
+          </a:bodyPr>
+          <a:lstStyle/>
+          <a:p>
+            <a:pPr algn="ctr" defTabSz="914099" fontAlgn="base">
+              <a:spcBef>
+                <a:spcPct val="0"/>
+              </a:spcBef>
+              <a:spcAft>
+                <a:spcPct val="0"/>
+              </a:spcAft>
+            </a:pPr>
+            <a:endParaRPr lang="en-US" sz="2200" dirty="0" smtClean="0">
+              <a:gradFill>
+                <a:gsLst>
+                  <a:gs pos="0">
+                    <a:schemeClr val="tx1"/>
+                  </a:gs>
+                  <a:gs pos="100000">
+                    <a:schemeClr val="tx1"/>
+                  </a:gs>
+                </a:gsLst>
+                <a:lin ang="5400000" scaled="0"/>
+              </a:gradFill>
+            </a:endParaRPr>
+          </a:p>
+        </p:txBody>
+      </p:sp>
+      <p:sp>
+        <p:nvSpPr>
+          <p:cNvPr id="22" name="Rectangle 21"/>
+          <p:cNvSpPr/>
+          <p:nvPr/>
+        </p:nvSpPr>
+        <p:spPr bwMode="auto">
+          <a:xfrm>
+            <a:off x="879572" y="4646148"/>
+            <a:ext cx="207711" cy="648430"/>
+          </a:xfrm>
+          <a:prstGeom prst="rect">
+            <a:avLst/>
+          </a:prstGeom>
+          <a:solidFill>
+            <a:srgbClr val="0070C0"/>
+          </a:solidFill>
+          <a:ln w="25400">
+            <a:solidFill>
+              <a:schemeClr val="accent1">
+                <a:lumMod val="50000"/>
+              </a:schemeClr>
+            </a:solidFill>
+            <a:headEnd type="none" w="med" len="med"/>
+            <a:tailEnd type="none" w="med" len="med"/>
+          </a:ln>
+          <a:effectLst/>
+        </p:spPr>
+        <p:style>
+          <a:lnRef idx="1">
+            <a:schemeClr val="accent2"/>
+          </a:lnRef>
+          <a:fillRef idx="3">
+            <a:schemeClr val="accent2"/>
+          </a:fillRef>
+          <a:effectRef idx="2">
+            <a:schemeClr val="accent2"/>
+          </a:effectRef>
+          <a:fontRef idx="minor">
+            <a:schemeClr val="lt1"/>
+          </a:fontRef>
+        </p:style>
+        <p:txBody>
+          <a:bodyPr vert="horz" wrap="square" lIns="91436" tIns="45718" rIns="91436" bIns="45718" numCol="1" rtlCol="0" anchor="ctr" anchorCtr="0" compatLnSpc="1">
+            <a:prstTxWarp prst="textNoShape">
+              <a:avLst/>
+            </a:prstTxWarp>
+          </a:bodyPr>
+          <a:lstStyle/>
+          <a:p>
+            <a:pPr algn="ctr" defTabSz="914099" fontAlgn="base">
+              <a:spcBef>
+                <a:spcPct val="0"/>
+              </a:spcBef>
+              <a:spcAft>
+                <a:spcPct val="0"/>
+              </a:spcAft>
+            </a:pPr>
+            <a:endParaRPr lang="en-US" sz="2200" dirty="0" smtClean="0">
+              <a:gradFill>
+                <a:gsLst>
+                  <a:gs pos="0">
+                    <a:schemeClr val="tx1"/>
+                  </a:gs>
+                  <a:gs pos="100000">
+                    <a:schemeClr val="tx1"/>
+                  </a:gs>
+                </a:gsLst>
+                <a:lin ang="5400000" scaled="0"/>
+              </a:gradFill>
+            </a:endParaRPr>
+          </a:p>
+        </p:txBody>
+      </p:sp>
+      <p:sp>
+        <p:nvSpPr>
+          <p:cNvPr id="23" name="Rectangle 22"/>
+          <p:cNvSpPr/>
+          <p:nvPr/>
+        </p:nvSpPr>
+        <p:spPr bwMode="auto">
+          <a:xfrm>
+            <a:off x="884834" y="4648214"/>
+            <a:ext cx="207711" cy="648430"/>
+          </a:xfrm>
+          <a:prstGeom prst="rect">
+            <a:avLst/>
+          </a:prstGeom>
+          <a:solidFill>
+            <a:srgbClr val="0070C0"/>
+          </a:solidFill>
+          <a:ln w="25400">
+            <a:solidFill>
+              <a:schemeClr val="accent1">
+                <a:lumMod val="50000"/>
+              </a:schemeClr>
+            </a:solidFill>
+            <a:headEnd type="none" w="med" len="med"/>
+            <a:tailEnd type="none" w="med" len="med"/>
+          </a:ln>
+          <a:effectLst/>
+        </p:spPr>
+        <p:style>
+          <a:lnRef idx="1">
+            <a:schemeClr val="accent2"/>
+          </a:lnRef>
+          <a:fillRef idx="3">
+            <a:schemeClr val="accent2"/>
+          </a:fillRef>
+          <a:effectRef idx="2">
+            <a:schemeClr val="accent2"/>
+          </a:effectRef>
+          <a:fontRef idx="minor">
+            <a:schemeClr val="lt1"/>
+          </a:fontRef>
+        </p:style>
+        <p:txBody>
+          <a:bodyPr vert="horz" wrap="square" lIns="91436" tIns="45718" rIns="91436" bIns="45718" numCol="1" rtlCol="0" anchor="ctr" anchorCtr="0" compatLnSpc="1">
+            <a:prstTxWarp prst="textNoShape">
+              <a:avLst/>
+            </a:prstTxWarp>
+          </a:bodyPr>
+          <a:lstStyle/>
+          <a:p>
+            <a:pPr algn="ctr" defTabSz="914099" fontAlgn="base">
+              <a:spcBef>
+                <a:spcPct val="0"/>
+              </a:spcBef>
+              <a:spcAft>
+                <a:spcPct val="0"/>
+              </a:spcAft>
+            </a:pPr>
+            <a:endParaRPr lang="en-US" sz="2200" dirty="0" smtClean="0">
+              <a:gradFill>
+                <a:gsLst>
+                  <a:gs pos="0">
+                    <a:schemeClr val="tx1"/>
+                  </a:gs>
+                  <a:gs pos="100000">
+                    <a:schemeClr val="tx1"/>
+                  </a:gs>
+                </a:gsLst>
+                <a:lin ang="5400000" scaled="0"/>
+              </a:gradFill>
+            </a:endParaRPr>
+          </a:p>
+        </p:txBody>
+      </p:sp>
+      <p:sp>
+        <p:nvSpPr>
+          <p:cNvPr id="29" name="Rectangle 28"/>
+          <p:cNvSpPr/>
+          <p:nvPr/>
+        </p:nvSpPr>
+        <p:spPr bwMode="auto">
+          <a:xfrm>
+            <a:off x="3879294" y="4704433"/>
+            <a:ext cx="207711" cy="648430"/>
+          </a:xfrm>
+          <a:prstGeom prst="rect">
+            <a:avLst/>
+          </a:prstGeom>
+          <a:solidFill>
+            <a:srgbClr val="0070C0"/>
+          </a:solidFill>
+          <a:ln w="25400">
+            <a:solidFill>
+              <a:schemeClr val="accent1">
+                <a:lumMod val="50000"/>
+              </a:schemeClr>
+            </a:solidFill>
+            <a:headEnd type="none" w="med" len="med"/>
+            <a:tailEnd type="none" w="med" len="med"/>
+          </a:ln>
+          <a:effectLst/>
+        </p:spPr>
+        <p:style>
+          <a:lnRef idx="1">
+            <a:schemeClr val="accent2"/>
+          </a:lnRef>
+          <a:fillRef idx="3">
+            <a:schemeClr val="accent2"/>
+          </a:fillRef>
+          <a:effectRef idx="2">
+            <a:schemeClr val="accent2"/>
+          </a:effectRef>
+          <a:fontRef idx="minor">
+            <a:schemeClr val="lt1"/>
+          </a:fontRef>
+        </p:style>
+        <p:txBody>
+          <a:bodyPr vert="horz" wrap="square" lIns="91436" tIns="45718" rIns="91436" bIns="45718" numCol="1" rtlCol="0" anchor="ctr" anchorCtr="0" compatLnSpc="1">
+            <a:prstTxWarp prst="textNoShape">
+              <a:avLst/>
+            </a:prstTxWarp>
+          </a:bodyPr>
+          <a:lstStyle/>
+          <a:p>
+            <a:pPr algn="ctr" defTabSz="914099" fontAlgn="base">
+              <a:spcBef>
+                <a:spcPct val="0"/>
+              </a:spcBef>
+              <a:spcAft>
+                <a:spcPct val="0"/>
+              </a:spcAft>
+            </a:pPr>
+            <a:endParaRPr lang="en-US" sz="2200" dirty="0" smtClean="0">
+              <a:gradFill>
+                <a:gsLst>
+                  <a:gs pos="0">
+                    <a:schemeClr val="tx1"/>
+                  </a:gs>
+                  <a:gs pos="100000">
+                    <a:schemeClr val="tx1"/>
+                  </a:gs>
+                </a:gsLst>
+                <a:lin ang="5400000" scaled="0"/>
+              </a:gradFill>
+            </a:endParaRPr>
+          </a:p>
+        </p:txBody>
+      </p:sp>
+      <p:sp>
+        <p:nvSpPr>
+          <p:cNvPr id="30" name="Rectangle 29"/>
+          <p:cNvSpPr/>
+          <p:nvPr/>
+        </p:nvSpPr>
+        <p:spPr bwMode="auto">
+          <a:xfrm>
+            <a:off x="6864006" y="4704433"/>
+            <a:ext cx="207711" cy="648430"/>
+          </a:xfrm>
+          <a:prstGeom prst="rect">
+            <a:avLst/>
+          </a:prstGeom>
+          <a:solidFill>
+            <a:srgbClr val="0070C0"/>
+          </a:solidFill>
+          <a:ln w="25400">
+            <a:solidFill>
+              <a:schemeClr val="accent1">
+                <a:lumMod val="50000"/>
+              </a:schemeClr>
+            </a:solidFill>
+            <a:headEnd type="none" w="med" len="med"/>
+            <a:tailEnd type="none" w="med" len="med"/>
+          </a:ln>
+          <a:effectLst/>
+        </p:spPr>
+        <p:style>
+          <a:lnRef idx="1">
+            <a:schemeClr val="accent2"/>
+          </a:lnRef>
+          <a:fillRef idx="3">
+            <a:schemeClr val="accent2"/>
+          </a:fillRef>
+          <a:effectRef idx="2">
+            <a:schemeClr val="accent2"/>
+          </a:effectRef>
+          <a:fontRef idx="minor">
+            <a:schemeClr val="lt1"/>
+          </a:fontRef>
+        </p:style>
+        <p:txBody>
+          <a:bodyPr vert="horz" wrap="square" lIns="91436" tIns="45718" rIns="91436" bIns="45718" numCol="1" rtlCol="0" anchor="ctr" anchorCtr="0" compatLnSpc="1">
+            <a:prstTxWarp prst="textNoShape">
+              <a:avLst/>
+            </a:prstTxWarp>
+          </a:bodyPr>
+          <a:lstStyle/>
+          <a:p>
+            <a:pPr algn="ctr" defTabSz="914099" fontAlgn="base">
+              <a:spcBef>
+                <a:spcPct val="0"/>
+              </a:spcBef>
+              <a:spcAft>
+                <a:spcPct val="0"/>
+              </a:spcAft>
+            </a:pPr>
+            <a:endParaRPr lang="en-US" sz="2200" dirty="0" smtClean="0">
+              <a:gradFill>
+                <a:gsLst>
+                  <a:gs pos="0">
+                    <a:schemeClr val="tx1"/>
+                  </a:gs>
+                  <a:gs pos="100000">
+                    <a:schemeClr val="tx1"/>
+                  </a:gs>
+                </a:gsLst>
+                <a:lin ang="5400000" scaled="0"/>
+              </a:gradFill>
+            </a:endParaRPr>
+          </a:p>
+        </p:txBody>
+      </p:sp>
+      <p:sp>
+        <p:nvSpPr>
+          <p:cNvPr id="31" name="Rectangle 30"/>
+          <p:cNvSpPr/>
+          <p:nvPr/>
+        </p:nvSpPr>
+        <p:spPr bwMode="auto">
+          <a:xfrm>
+            <a:off x="6468870" y="1337157"/>
+            <a:ext cx="1684530" cy="874530"/>
+          </a:xfrm>
+          <a:prstGeom prst="rect">
+            <a:avLst/>
+          </a:prstGeom>
+          <a:solidFill>
+            <a:schemeClr val="accent1">
+              <a:lumMod val="60000"/>
+              <a:lumOff val="40000"/>
+            </a:schemeClr>
+          </a:solidFill>
+          <a:ln w="38100">
+            <a:solidFill>
+              <a:schemeClr val="accent1">
+                <a:lumMod val="50000"/>
+              </a:schemeClr>
+            </a:solidFill>
+            <a:headEnd type="none" w="med" len="med"/>
+            <a:tailEnd type="none" w="med" len="med"/>
+          </a:ln>
+          <a:effectLst/>
+        </p:spPr>
+        <p:style>
+          <a:lnRef idx="1">
+            <a:schemeClr val="accent2"/>
+          </a:lnRef>
+          <a:fillRef idx="3">
+            <a:schemeClr val="accent2"/>
+          </a:fillRef>
+          <a:effectRef idx="2">
+            <a:schemeClr val="accent2"/>
+          </a:effectRef>
+          <a:fontRef idx="minor">
+            <a:schemeClr val="lt1"/>
+          </a:fontRef>
+        </p:style>
+        <p:txBody>
+          <a:bodyPr vert="horz" wrap="square" lIns="91436" tIns="45718" rIns="91436" bIns="45718" numCol="1" rtlCol="0" anchor="ctr" anchorCtr="0" compatLnSpc="1">
+            <a:prstTxWarp prst="textNoShape">
+              <a:avLst/>
+            </a:prstTxWarp>
+          </a:bodyPr>
+          <a:lstStyle/>
+          <a:p>
+            <a:pPr algn="ctr" defTabSz="914099" fontAlgn="base">
+              <a:spcBef>
+                <a:spcPct val="0"/>
+              </a:spcBef>
+              <a:spcAft>
+                <a:spcPct val="0"/>
+              </a:spcAft>
+            </a:pPr>
+            <a:r>
+              <a:rPr lang="en-US" sz="2200" b="1" dirty="0" smtClean="0">
+                <a:solidFill>
+                  <a:schemeClr val="tx1"/>
+                </a:solidFill>
+                <a:latin typeface="Segoe UI" pitchFamily="34" charset="0"/>
+                <a:ea typeface="Segoe UI" pitchFamily="34" charset="0"/>
+                <a:cs typeface="Segoe UI" pitchFamily="34" charset="0"/>
+              </a:rPr>
+              <a:t>Stream Master</a:t>
+            </a:r>
+          </a:p>
+        </p:txBody>
+      </p:sp>
+      <p:sp>
+        <p:nvSpPr>
+          <p:cNvPr id="35" name="Multiply 34"/>
+          <p:cNvSpPr/>
+          <p:nvPr/>
+        </p:nvSpPr>
+        <p:spPr bwMode="auto">
+          <a:xfrm>
+            <a:off x="3180428" y="4034193"/>
+            <a:ext cx="751418" cy="672857"/>
+          </a:xfrm>
+          <a:prstGeom prst="mathMultiply">
+            <a:avLst/>
+          </a:prstGeom>
+          <a:solidFill>
+            <a:srgbClr val="FF0000"/>
+          </a:solidFill>
+          <a:ln>
+            <a:noFill/>
+            <a:headEnd type="none" w="med" len="med"/>
+            <a:tailEnd type="none" w="med" len="med"/>
+          </a:ln>
+          <a:effectLst/>
+        </p:spPr>
+        <p:style>
+          <a:lnRef idx="1">
+            <a:schemeClr val="accent2"/>
+          </a:lnRef>
+          <a:fillRef idx="3">
+            <a:schemeClr val="accent2"/>
+          </a:fillRef>
+          <a:effectRef idx="2">
+            <a:schemeClr val="accent2"/>
+          </a:effectRef>
+          <a:fontRef idx="minor">
+            <a:schemeClr val="lt1"/>
+          </a:fontRef>
+        </p:style>
+        <p:txBody>
+          <a:bodyPr vert="horz" wrap="square" lIns="91436" tIns="45718" rIns="91436" bIns="45718" numCol="1" rtlCol="0" anchor="ctr" anchorCtr="0" compatLnSpc="1">
+            <a:prstTxWarp prst="textNoShape">
+              <a:avLst/>
+            </a:prstTxWarp>
+          </a:bodyPr>
+          <a:lstStyle/>
+          <a:p>
+            <a:pPr algn="ctr" defTabSz="914099" fontAlgn="base">
+              <a:spcBef>
+                <a:spcPct val="0"/>
+              </a:spcBef>
+              <a:spcAft>
+                <a:spcPct val="0"/>
+              </a:spcAft>
+            </a:pPr>
+            <a:endParaRPr lang="en-US" sz="2200" dirty="0" smtClean="0">
+              <a:gradFill>
+                <a:gsLst>
+                  <a:gs pos="0">
+                    <a:schemeClr val="tx1"/>
+                  </a:gs>
+                  <a:gs pos="100000">
+                    <a:schemeClr val="tx1"/>
+                  </a:gs>
+                </a:gsLst>
+                <a:lin ang="5400000" scaled="0"/>
+              </a:gradFill>
+            </a:endParaRPr>
+          </a:p>
+        </p:txBody>
+      </p:sp>
+      <p:sp>
+        <p:nvSpPr>
+          <p:cNvPr id="49" name="Rectangle 48"/>
+          <p:cNvSpPr/>
+          <p:nvPr/>
+        </p:nvSpPr>
+        <p:spPr bwMode="auto">
+          <a:xfrm>
+            <a:off x="819384" y="4646148"/>
+            <a:ext cx="328084" cy="706715"/>
+          </a:xfrm>
+          <a:prstGeom prst="rect">
+            <a:avLst/>
+          </a:prstGeom>
+          <a:solidFill>
+            <a:srgbClr val="FF0066">
+              <a:alpha val="20000"/>
+            </a:srgbClr>
+          </a:solidFill>
+          <a:ln w="50800">
+            <a:solidFill>
+              <a:srgbClr val="FF0066"/>
+            </a:solidFill>
+            <a:prstDash val="solid"/>
+            <a:headEnd type="none" w="med" len="med"/>
+            <a:tailEnd type="none" w="med" len="med"/>
+          </a:ln>
+          <a:effectLst/>
+        </p:spPr>
+        <p:style>
+          <a:lnRef idx="1">
+            <a:schemeClr val="accent2"/>
+          </a:lnRef>
+          <a:fillRef idx="3">
+            <a:schemeClr val="accent2"/>
+          </a:fillRef>
+          <a:effectRef idx="2">
+            <a:schemeClr val="accent2"/>
+          </a:effectRef>
+          <a:fontRef idx="minor">
+            <a:schemeClr val="lt1"/>
+          </a:fontRef>
+        </p:style>
+        <p:txBody>
+          <a:bodyPr vert="horz" wrap="square" lIns="91436" tIns="45718" rIns="91436" bIns="45718" numCol="1" rtlCol="0" anchor="ctr" anchorCtr="0" compatLnSpc="1">
+            <a:prstTxWarp prst="textNoShape">
+              <a:avLst/>
+            </a:prstTxWarp>
+          </a:bodyPr>
+          <a:lstStyle/>
+          <a:p>
+            <a:pPr algn="ctr" defTabSz="914099" fontAlgn="base">
+              <a:spcBef>
+                <a:spcPct val="0"/>
+              </a:spcBef>
+              <a:spcAft>
+                <a:spcPct val="0"/>
+              </a:spcAft>
+            </a:pPr>
+            <a:endParaRPr lang="en-US" sz="2200" dirty="0" smtClean="0">
+              <a:gradFill>
+                <a:gsLst>
+                  <a:gs pos="0">
+                    <a:schemeClr val="tx1"/>
+                  </a:gs>
+                  <a:gs pos="100000">
+                    <a:schemeClr val="tx1"/>
+                  </a:gs>
+                </a:gsLst>
+                <a:lin ang="5400000" scaled="0"/>
+              </a:gradFill>
+            </a:endParaRPr>
+          </a:p>
+        </p:txBody>
+      </p:sp>
+      <p:sp>
+        <p:nvSpPr>
+          <p:cNvPr id="50" name="Rectangle 49"/>
+          <p:cNvSpPr/>
+          <p:nvPr/>
+        </p:nvSpPr>
+        <p:spPr bwMode="auto">
+          <a:xfrm>
+            <a:off x="6803819" y="4656099"/>
+            <a:ext cx="328084" cy="763161"/>
+          </a:xfrm>
+          <a:prstGeom prst="rect">
+            <a:avLst/>
+          </a:prstGeom>
+          <a:solidFill>
+            <a:srgbClr val="FF0066">
+              <a:alpha val="20000"/>
+            </a:srgbClr>
+          </a:solidFill>
+          <a:ln w="50800">
+            <a:solidFill>
+              <a:srgbClr val="FF0066"/>
+            </a:solidFill>
+            <a:prstDash val="solid"/>
+            <a:headEnd type="none" w="med" len="med"/>
+            <a:tailEnd type="none" w="med" len="med"/>
+          </a:ln>
+          <a:effectLst/>
+        </p:spPr>
+        <p:style>
+          <a:lnRef idx="1">
+            <a:schemeClr val="accent2"/>
+          </a:lnRef>
+          <a:fillRef idx="3">
+            <a:schemeClr val="accent2"/>
+          </a:fillRef>
+          <a:effectRef idx="2">
+            <a:schemeClr val="accent2"/>
+          </a:effectRef>
+          <a:fontRef idx="minor">
+            <a:schemeClr val="lt1"/>
+          </a:fontRef>
+        </p:style>
+        <p:txBody>
+          <a:bodyPr vert="horz" wrap="square" lIns="91436" tIns="45718" rIns="91436" bIns="45718" numCol="1" rtlCol="0" anchor="ctr" anchorCtr="0" compatLnSpc="1">
+            <a:prstTxWarp prst="textNoShape">
+              <a:avLst/>
+            </a:prstTxWarp>
+          </a:bodyPr>
+          <a:lstStyle/>
+          <a:p>
+            <a:pPr algn="ctr" defTabSz="914099" fontAlgn="base">
+              <a:spcBef>
+                <a:spcPct val="0"/>
+              </a:spcBef>
+              <a:spcAft>
+                <a:spcPct val="0"/>
+              </a:spcAft>
+            </a:pPr>
+            <a:endParaRPr lang="en-US" sz="2200" dirty="0" smtClean="0">
+              <a:gradFill>
+                <a:gsLst>
+                  <a:gs pos="0">
+                    <a:schemeClr val="tx1"/>
+                  </a:gs>
+                  <a:gs pos="100000">
+                    <a:schemeClr val="tx1"/>
+                  </a:gs>
+                </a:gsLst>
+                <a:lin ang="5400000" scaled="0"/>
+              </a:gradFill>
+            </a:endParaRPr>
+          </a:p>
+        </p:txBody>
+      </p:sp>
+      <p:sp>
+        <p:nvSpPr>
+          <p:cNvPr id="51" name="TextBox 50"/>
+          <p:cNvSpPr txBox="1"/>
+          <p:nvPr/>
+        </p:nvSpPr>
+        <p:spPr>
+          <a:xfrm>
+            <a:off x="6274986" y="2344227"/>
+            <a:ext cx="1934825" cy="369332"/>
+          </a:xfrm>
+          <a:prstGeom prst="rect">
+            <a:avLst/>
+          </a:prstGeom>
+          <a:noFill/>
+        </p:spPr>
+        <p:txBody>
+          <a:bodyPr wrap="none" lIns="0" tIns="0" rIns="0" bIns="0" rtlCol="0">
+            <a:spAutoFit/>
+          </a:bodyPr>
+          <a:lstStyle/>
+          <a:p>
             <a:r>
               <a:rPr lang="en-US" sz="2400" b="1" dirty="0" smtClean="0">
                 <a:solidFill>
@@ -10178,23 +12096,8 @@
                 <a:ea typeface="Segoe UI" pitchFamily="34" charset="0"/>
                 <a:cs typeface="Segoe UI" pitchFamily="34" charset="0"/>
               </a:rPr>
-              <a:t>100</a:t>
+              <a:t>Sealed at 100</a:t>
             </a:r>
-            <a:endParaRPr lang="en-US" sz="2400" b="1" dirty="0" smtClean="0">
-              <a:solidFill>
-                <a:srgbClr val="C00000"/>
-              </a:solidFill>
-              <a:effectLst>
-                <a:outerShdw blurRad="38100" dist="38100" dir="2700000" algn="tl">
-                  <a:srgbClr val="000000">
-                    <a:alpha val="43137"/>
-                  </a:srgbClr>
-                </a:outerShdw>
-              </a:effectLst>
-              <a:latin typeface="Segoe UI" pitchFamily="34" charset="0"/>
-              <a:ea typeface="Segoe UI" pitchFamily="34" charset="0"/>
-              <a:cs typeface="Segoe UI" pitchFamily="34" charset="0"/>
-            </a:endParaRPr>
           </a:p>
         </p:txBody>
       </p:sp>
@@ -10299,11 +12202,6 @@
               </a:rPr>
               <a:t>100</a:t>
             </a:r>
-            <a:endParaRPr lang="en-US" sz="2400" dirty="0" smtClean="0">
-              <a:latin typeface="Segoe UI" pitchFamily="34" charset="0"/>
-              <a:ea typeface="Segoe UI" pitchFamily="34" charset="0"/>
-              <a:cs typeface="Segoe UI" pitchFamily="34" charset="0"/>
-            </a:endParaRPr>
           </a:p>
         </p:txBody>
       </p:sp>
@@ -11257,23 +13155,7 @@
                   <a:ea typeface="Segoe UI" pitchFamily="34" charset="0"/>
                   <a:cs typeface="Segoe UI" pitchFamily="34" charset="0"/>
                 </a:rPr>
-                <a:t>Allocate </a:t>
-              </a:r>
-              <a:r>
-                <a:rPr lang="en-US" sz="2400" dirty="0" smtClean="0">
-                  <a:latin typeface="Segoe UI" pitchFamily="34" charset="0"/>
-                  <a:ea typeface="Segoe UI" pitchFamily="34" charset="0"/>
-                  <a:cs typeface="Segoe UI" pitchFamily="34" charset="0"/>
-                </a:rPr>
-                <a:t>extent </a:t>
-              </a:r>
-              <a:r>
-                <a:rPr lang="en-US" sz="2400" dirty="0" smtClean="0">
-                  <a:latin typeface="Segoe UI" pitchFamily="34" charset="0"/>
-                  <a:ea typeface="Segoe UI" pitchFamily="34" charset="0"/>
-                  <a:cs typeface="Segoe UI" pitchFamily="34" charset="0"/>
-                </a:rPr>
-                <a:t>replica </a:t>
+                <a:t>Allocate extent replica </a:t>
               </a:r>
             </a:p>
           </p:txBody>
@@ -11359,21 +13241,8 @@
                   <a:ea typeface="Segoe UI" pitchFamily="34" charset="0"/>
                   <a:cs typeface="Segoe UI" pitchFamily="34" charset="0"/>
                 </a:rPr>
-                <a:t>Secondary </a:t>
+                <a:t>Secondary I</a:t>
               </a:r>
-              <a:r>
-                <a:rPr lang="en-US" sz="2400" dirty="0" smtClean="0">
-                  <a:latin typeface="Segoe UI" pitchFamily="34" charset="0"/>
-                  <a:ea typeface="Segoe UI" pitchFamily="34" charset="0"/>
-                  <a:cs typeface="Segoe UI" pitchFamily="34" charset="0"/>
-                </a:rPr>
-                <a:t>I</a:t>
-              </a:r>
-              <a:endParaRPr lang="en-US" sz="2400" dirty="0" smtClean="0">
-                <a:latin typeface="Segoe UI" pitchFamily="34" charset="0"/>
-                <a:ea typeface="Segoe UI" pitchFamily="34" charset="0"/>
-                <a:cs typeface="Segoe UI" pitchFamily="34" charset="0"/>
-              </a:endParaRPr>
             </a:p>
           </p:txBody>
         </p:sp>
@@ -11405,21 +13274,8 @@
                   <a:ea typeface="Segoe UI" pitchFamily="34" charset="0"/>
                   <a:cs typeface="Segoe UI" pitchFamily="34" charset="0"/>
                 </a:rPr>
-                <a:t>Secondary </a:t>
+                <a:t>Secondary II</a:t>
               </a:r>
-              <a:r>
-                <a:rPr lang="en-US" sz="2400" dirty="0" smtClean="0">
-                  <a:latin typeface="Segoe UI" pitchFamily="34" charset="0"/>
-                  <a:ea typeface="Segoe UI" pitchFamily="34" charset="0"/>
-                  <a:cs typeface="Segoe UI" pitchFamily="34" charset="0"/>
-                </a:rPr>
-                <a:t>II</a:t>
-              </a:r>
-              <a:endParaRPr lang="en-US" sz="2400" dirty="0" smtClean="0">
-                <a:latin typeface="Segoe UI" pitchFamily="34" charset="0"/>
-                <a:ea typeface="Segoe UI" pitchFamily="34" charset="0"/>
-                <a:cs typeface="Segoe UI" pitchFamily="34" charset="0"/>
-              </a:endParaRPr>
             </a:p>
           </p:txBody>
         </p:sp>
@@ -11668,27 +13524,8 @@
                   <a:ea typeface="Segoe UI" pitchFamily="34" charset="0"/>
                   <a:cs typeface="Segoe UI" pitchFamily="34" charset="0"/>
                 </a:rPr>
-                <a:t>EN </a:t>
+                <a:t>EN 2</a:t>
               </a:r>
-              <a:r>
-                <a:rPr lang="en-US" sz="2200" b="1" dirty="0" smtClean="0">
-                  <a:solidFill>
-                    <a:schemeClr val="tx1"/>
-                  </a:solidFill>
-                  <a:latin typeface="Segoe UI" pitchFamily="34" charset="0"/>
-                  <a:ea typeface="Segoe UI" pitchFamily="34" charset="0"/>
-                  <a:cs typeface="Segoe UI" pitchFamily="34" charset="0"/>
-                </a:rPr>
-                <a:t>2</a:t>
-              </a:r>
-              <a:endParaRPr lang="en-US" sz="2200" b="1" dirty="0" smtClean="0">
-                <a:solidFill>
-                  <a:schemeClr val="tx1"/>
-                </a:solidFill>
-                <a:latin typeface="Segoe UI" pitchFamily="34" charset="0"/>
-                <a:ea typeface="Segoe UI" pitchFamily="34" charset="0"/>
-                <a:cs typeface="Segoe UI" pitchFamily="34" charset="0"/>
-              </a:endParaRPr>
             </a:p>
           </p:txBody>
         </p:sp>
@@ -11842,27 +13679,8 @@
                   <a:ea typeface="Segoe UI" pitchFamily="34" charset="0"/>
                   <a:cs typeface="Segoe UI" pitchFamily="34" charset="0"/>
                 </a:rPr>
-                <a:t>EN </a:t>
+                <a:t>EN 3</a:t>
               </a:r>
-              <a:r>
-                <a:rPr lang="en-US" sz="2200" b="1" dirty="0" smtClean="0">
-                  <a:solidFill>
-                    <a:schemeClr val="tx1"/>
-                  </a:solidFill>
-                  <a:latin typeface="Segoe UI" pitchFamily="34" charset="0"/>
-                  <a:ea typeface="Segoe UI" pitchFamily="34" charset="0"/>
-                  <a:cs typeface="Segoe UI" pitchFamily="34" charset="0"/>
-                </a:rPr>
-                <a:t>3</a:t>
-              </a:r>
-              <a:endParaRPr lang="en-US" sz="2200" b="1" dirty="0" smtClean="0">
-                <a:solidFill>
-                  <a:schemeClr val="tx1"/>
-                </a:solidFill>
-                <a:latin typeface="Segoe UI" pitchFamily="34" charset="0"/>
-                <a:ea typeface="Segoe UI" pitchFamily="34" charset="0"/>
-                <a:cs typeface="Segoe UI" pitchFamily="34" charset="0"/>
-              </a:endParaRPr>
             </a:p>
           </p:txBody>
         </p:sp>
@@ -12016,27 +13834,8 @@
                   <a:ea typeface="Segoe UI" pitchFamily="34" charset="0"/>
                   <a:cs typeface="Segoe UI" pitchFamily="34" charset="0"/>
                 </a:rPr>
-                <a:t>EN </a:t>
+                <a:t>EN 4</a:t>
               </a:r>
-              <a:r>
-                <a:rPr lang="en-US" sz="2200" b="1" dirty="0" smtClean="0">
-                  <a:solidFill>
-                    <a:schemeClr val="tx1"/>
-                  </a:solidFill>
-                  <a:latin typeface="Segoe UI" pitchFamily="34" charset="0"/>
-                  <a:ea typeface="Segoe UI" pitchFamily="34" charset="0"/>
-                  <a:cs typeface="Segoe UI" pitchFamily="34" charset="0"/>
-                </a:rPr>
-                <a:t>4</a:t>
-              </a:r>
-              <a:endParaRPr lang="en-US" sz="2200" b="1" dirty="0" smtClean="0">
-                <a:solidFill>
-                  <a:schemeClr val="tx1"/>
-                </a:solidFill>
-                <a:latin typeface="Segoe UI" pitchFamily="34" charset="0"/>
-                <a:ea typeface="Segoe UI" pitchFamily="34" charset="0"/>
-                <a:cs typeface="Segoe UI" pitchFamily="34" charset="0"/>
-              </a:endParaRPr>
             </a:p>
           </p:txBody>
         </p:sp>
@@ -12190,27 +13989,8 @@
                   <a:ea typeface="Segoe UI" pitchFamily="34" charset="0"/>
                   <a:cs typeface="Segoe UI" pitchFamily="34" charset="0"/>
                 </a:rPr>
-                <a:t>EN </a:t>
+                <a:t>EN 5</a:t>
               </a:r>
-              <a:r>
-                <a:rPr lang="en-US" sz="2200" b="1" dirty="0" smtClean="0">
-                  <a:solidFill>
-                    <a:schemeClr val="tx1"/>
-                  </a:solidFill>
-                  <a:latin typeface="Segoe UI" pitchFamily="34" charset="0"/>
-                  <a:ea typeface="Segoe UI" pitchFamily="34" charset="0"/>
-                  <a:cs typeface="Segoe UI" pitchFamily="34" charset="0"/>
-                </a:rPr>
-                <a:t>5</a:t>
-              </a:r>
-              <a:endParaRPr lang="en-US" sz="2200" b="1" dirty="0" smtClean="0">
-                <a:solidFill>
-                  <a:schemeClr val="tx1"/>
-                </a:solidFill>
-                <a:latin typeface="Segoe UI" pitchFamily="34" charset="0"/>
-                <a:ea typeface="Segoe UI" pitchFamily="34" charset="0"/>
-                <a:cs typeface="Segoe UI" pitchFamily="34" charset="0"/>
-              </a:endParaRPr>
             </a:p>
           </p:txBody>
         </p:sp>
@@ -12364,27 +14144,8 @@
                   <a:ea typeface="Segoe UI" pitchFamily="34" charset="0"/>
                   <a:cs typeface="Segoe UI" pitchFamily="34" charset="0"/>
                 </a:rPr>
-                <a:t>EN </a:t>
+                <a:t>EN 6</a:t>
               </a:r>
-              <a:r>
-                <a:rPr lang="en-US" sz="2200" b="1" dirty="0" smtClean="0">
-                  <a:solidFill>
-                    <a:schemeClr val="tx1"/>
-                  </a:solidFill>
-                  <a:latin typeface="Segoe UI" pitchFamily="34" charset="0"/>
-                  <a:ea typeface="Segoe UI" pitchFamily="34" charset="0"/>
-                  <a:cs typeface="Segoe UI" pitchFamily="34" charset="0"/>
-                </a:rPr>
-                <a:t>6</a:t>
-              </a:r>
-              <a:endParaRPr lang="en-US" sz="2200" b="1" dirty="0" smtClean="0">
-                <a:solidFill>
-                  <a:schemeClr val="tx1"/>
-                </a:solidFill>
-                <a:latin typeface="Segoe UI" pitchFamily="34" charset="0"/>
-                <a:ea typeface="Segoe UI" pitchFamily="34" charset="0"/>
-                <a:cs typeface="Segoe UI" pitchFamily="34" charset="0"/>
-              </a:endParaRPr>
             </a:p>
           </p:txBody>
         </p:sp>
@@ -12538,27 +14299,8 @@
                   <a:ea typeface="Segoe UI" pitchFamily="34" charset="0"/>
                   <a:cs typeface="Segoe UI" pitchFamily="34" charset="0"/>
                 </a:rPr>
-                <a:t>EN </a:t>
+                <a:t>EN 7</a:t>
               </a:r>
-              <a:r>
-                <a:rPr lang="en-US" sz="2200" b="1" dirty="0" smtClean="0">
-                  <a:solidFill>
-                    <a:schemeClr val="tx1"/>
-                  </a:solidFill>
-                  <a:latin typeface="Segoe UI" pitchFamily="34" charset="0"/>
-                  <a:ea typeface="Segoe UI" pitchFamily="34" charset="0"/>
-                  <a:cs typeface="Segoe UI" pitchFamily="34" charset="0"/>
-                </a:rPr>
-                <a:t>7</a:t>
-              </a:r>
-              <a:endParaRPr lang="en-US" sz="2200" b="1" dirty="0" smtClean="0">
-                <a:solidFill>
-                  <a:schemeClr val="tx1"/>
-                </a:solidFill>
-                <a:latin typeface="Segoe UI" pitchFamily="34" charset="0"/>
-                <a:ea typeface="Segoe UI" pitchFamily="34" charset="0"/>
-                <a:cs typeface="Segoe UI" pitchFamily="34" charset="0"/>
-              </a:endParaRPr>
             </a:p>
           </p:txBody>
         </p:sp>
@@ -12712,27 +14454,8 @@
                   <a:ea typeface="Segoe UI" pitchFamily="34" charset="0"/>
                   <a:cs typeface="Segoe UI" pitchFamily="34" charset="0"/>
                 </a:rPr>
-                <a:t>EN </a:t>
+                <a:t>EN 8</a:t>
               </a:r>
-              <a:r>
-                <a:rPr lang="en-US" sz="2200" b="1" dirty="0" smtClean="0">
-                  <a:solidFill>
-                    <a:schemeClr val="tx1"/>
-                  </a:solidFill>
-                  <a:latin typeface="Segoe UI" pitchFamily="34" charset="0"/>
-                  <a:ea typeface="Segoe UI" pitchFamily="34" charset="0"/>
-                  <a:cs typeface="Segoe UI" pitchFamily="34" charset="0"/>
-                </a:rPr>
-                <a:t>8</a:t>
-              </a:r>
-              <a:endParaRPr lang="en-US" sz="2200" b="1" dirty="0" smtClean="0">
-                <a:solidFill>
-                  <a:schemeClr val="tx1"/>
-                </a:solidFill>
-                <a:latin typeface="Segoe UI" pitchFamily="34" charset="0"/>
-                <a:ea typeface="Segoe UI" pitchFamily="34" charset="0"/>
-                <a:cs typeface="Segoe UI" pitchFamily="34" charset="0"/>
-              </a:endParaRPr>
             </a:p>
           </p:txBody>
         </p:sp>
@@ -13223,21 +14946,8 @@
                 <a:ea typeface="Segoe UI" pitchFamily="34" charset="0"/>
                 <a:cs typeface="Segoe UI" pitchFamily="34" charset="0"/>
               </a:rPr>
-              <a:t>Secondary </a:t>
+              <a:t>Secondary II</a:t>
             </a:r>
-            <a:r>
-              <a:rPr lang="en-US" sz="2400" dirty="0" smtClean="0">
-                <a:latin typeface="Segoe UI" pitchFamily="34" charset="0"/>
-                <a:ea typeface="Segoe UI" pitchFamily="34" charset="0"/>
-                <a:cs typeface="Segoe UI" pitchFamily="34" charset="0"/>
-              </a:rPr>
-              <a:t>II</a:t>
-            </a:r>
-            <a:endParaRPr lang="en-US" sz="2400" dirty="0" smtClean="0">
-              <a:latin typeface="Segoe UI" pitchFamily="34" charset="0"/>
-              <a:ea typeface="Segoe UI" pitchFamily="34" charset="0"/>
-              <a:cs typeface="Segoe UI" pitchFamily="34" charset="0"/>
-            </a:endParaRPr>
           </a:p>
         </p:txBody>
       </p:sp>
@@ -13324,27 +15034,8 @@
                   <a:ea typeface="Segoe UI" pitchFamily="34" charset="0"/>
                   <a:cs typeface="Segoe UI" pitchFamily="34" charset="0"/>
                 </a:rPr>
-                <a:t>EN </a:t>
+                <a:t>EN 3</a:t>
               </a:r>
-              <a:r>
-                <a:rPr lang="en-US" sz="2200" b="1" dirty="0" smtClean="0">
-                  <a:solidFill>
-                    <a:schemeClr val="tx1"/>
-                  </a:solidFill>
-                  <a:latin typeface="Segoe UI" pitchFamily="34" charset="0"/>
-                  <a:ea typeface="Segoe UI" pitchFamily="34" charset="0"/>
-                  <a:cs typeface="Segoe UI" pitchFamily="34" charset="0"/>
-                </a:rPr>
-                <a:t>3</a:t>
-              </a:r>
-              <a:endParaRPr lang="en-US" sz="2200" b="1" dirty="0" smtClean="0">
-                <a:solidFill>
-                  <a:schemeClr val="tx1"/>
-                </a:solidFill>
-                <a:latin typeface="Segoe UI" pitchFamily="34" charset="0"/>
-                <a:ea typeface="Segoe UI" pitchFamily="34" charset="0"/>
-                <a:cs typeface="Segoe UI" pitchFamily="34" charset="0"/>
-              </a:endParaRPr>
             </a:p>
           </p:txBody>
         </p:sp>
@@ -13491,21 +15182,8 @@
                 <a:ea typeface="Segoe UI" pitchFamily="34" charset="0"/>
                 <a:cs typeface="Segoe UI" pitchFamily="34" charset="0"/>
               </a:rPr>
-              <a:t>Secondary </a:t>
+              <a:t>Secondary I</a:t>
             </a:r>
-            <a:r>
-              <a:rPr lang="en-US" sz="2400" dirty="0" smtClean="0">
-                <a:latin typeface="Segoe UI" pitchFamily="34" charset="0"/>
-                <a:ea typeface="Segoe UI" pitchFamily="34" charset="0"/>
-                <a:cs typeface="Segoe UI" pitchFamily="34" charset="0"/>
-              </a:rPr>
-              <a:t>I</a:t>
-            </a:r>
-            <a:endParaRPr lang="en-US" sz="2400" dirty="0" smtClean="0">
-              <a:latin typeface="Segoe UI" pitchFamily="34" charset="0"/>
-              <a:ea typeface="Segoe UI" pitchFamily="34" charset="0"/>
-              <a:cs typeface="Segoe UI" pitchFamily="34" charset="0"/>
-            </a:endParaRPr>
           </a:p>
         </p:txBody>
       </p:sp>
@@ -13592,27 +15270,8 @@
                   <a:ea typeface="Segoe UI" pitchFamily="34" charset="0"/>
                   <a:cs typeface="Segoe UI" pitchFamily="34" charset="0"/>
                 </a:rPr>
-                <a:t>EN </a:t>
+                <a:t>EN 2</a:t>
               </a:r>
-              <a:r>
-                <a:rPr lang="en-US" sz="2200" b="1" dirty="0" smtClean="0">
-                  <a:solidFill>
-                    <a:schemeClr val="tx1"/>
-                  </a:solidFill>
-                  <a:latin typeface="Segoe UI" pitchFamily="34" charset="0"/>
-                  <a:ea typeface="Segoe UI" pitchFamily="34" charset="0"/>
-                  <a:cs typeface="Segoe UI" pitchFamily="34" charset="0"/>
-                </a:rPr>
-                <a:t>2</a:t>
-              </a:r>
-              <a:endParaRPr lang="en-US" sz="2200" b="1" dirty="0" smtClean="0">
-                <a:solidFill>
-                  <a:schemeClr val="tx1"/>
-                </a:solidFill>
-                <a:latin typeface="Segoe UI" pitchFamily="34" charset="0"/>
-                <a:ea typeface="Segoe UI" pitchFamily="34" charset="0"/>
-                <a:cs typeface="Segoe UI" pitchFamily="34" charset="0"/>
-              </a:endParaRPr>
             </a:p>
           </p:txBody>
         </p:sp>
@@ -13713,11 +15372,6 @@
               </a:rPr>
               <a:t>Primary</a:t>
             </a:r>
-            <a:endParaRPr lang="en-US" sz="2400" dirty="0" smtClean="0">
-              <a:latin typeface="Segoe UI" pitchFamily="34" charset="0"/>
-              <a:ea typeface="Segoe UI" pitchFamily="34" charset="0"/>
-              <a:cs typeface="Segoe UI" pitchFamily="34" charset="0"/>
-            </a:endParaRPr>
           </a:p>
         </p:txBody>
       </p:sp>
@@ -13804,27 +15458,8 @@
                   <a:ea typeface="Segoe UI" pitchFamily="34" charset="0"/>
                   <a:cs typeface="Segoe UI" pitchFamily="34" charset="0"/>
                 </a:rPr>
-                <a:t>EN </a:t>
+                <a:t>EN 1</a:t>
               </a:r>
-              <a:r>
-                <a:rPr lang="en-US" sz="2200" b="1" dirty="0" smtClean="0">
-                  <a:solidFill>
-                    <a:schemeClr val="tx1"/>
-                  </a:solidFill>
-                  <a:latin typeface="Segoe UI" pitchFamily="34" charset="0"/>
-                  <a:ea typeface="Segoe UI" pitchFamily="34" charset="0"/>
-                  <a:cs typeface="Segoe UI" pitchFamily="34" charset="0"/>
-                </a:rPr>
-                <a:t>1</a:t>
-              </a:r>
-              <a:endParaRPr lang="en-US" sz="2200" b="1" dirty="0" smtClean="0">
-                <a:solidFill>
-                  <a:schemeClr val="tx1"/>
-                </a:solidFill>
-                <a:latin typeface="Segoe UI" pitchFamily="34" charset="0"/>
-                <a:ea typeface="Segoe UI" pitchFamily="34" charset="0"/>
-                <a:cs typeface="Segoe UI" pitchFamily="34" charset="0"/>
-              </a:endParaRPr>
             </a:p>
           </p:txBody>
         </p:sp>
@@ -16328,21 +17963,8 @@
                     <a:schemeClr val="tx1"/>
                   </a:solidFill>
                 </a:rPr>
-                <a:t>Stream //</a:t>
+                <a:t>Stream //foo</a:t>
               </a:r>
-              <a:r>
-                <a:rPr lang="en-US" sz="2200" b="1" dirty="0" smtClean="0">
-                  <a:solidFill>
-                    <a:schemeClr val="tx1"/>
-                  </a:solidFill>
-                </a:rPr>
-                <a:t>foo</a:t>
-              </a:r>
-              <a:endParaRPr lang="en-US" sz="2200" b="1" dirty="0" smtClean="0">
-                <a:solidFill>
-                  <a:schemeClr val="tx1"/>
-                </a:solidFill>
-              </a:endParaRPr>
             </a:p>
           </p:txBody>
         </p:sp>
@@ -16861,19 +18483,6 @@
               </a:rPr>
               <a:t>unsealed</a:t>
             </a:r>
-            <a:endParaRPr lang="en-US" sz="2400" dirty="0" smtClean="0">
-              <a:gradFill>
-                <a:gsLst>
-                  <a:gs pos="0">
-                    <a:schemeClr val="tx1"/>
-                  </a:gs>
-                  <a:gs pos="86000">
-                    <a:schemeClr val="tx1"/>
-                  </a:gs>
-                </a:gsLst>
-                <a:lin ang="5400000" scaled="0"/>
-              </a:gradFill>
-            </a:endParaRPr>
           </a:p>
         </p:txBody>
       </p:sp>
@@ -18747,6 +20356,79 @@
 </file>
 
 <file path=ppt/slides/slide5.xml><?xml version="1.0" encoding="utf-8"?>
+<p:sld xmlns:a="http://schemas.openxmlformats.org/drawingml/2006/main" xmlns:r="http://schemas.openxmlformats.org/officeDocument/2006/relationships" xmlns:p="http://schemas.openxmlformats.org/presentationml/2006/main" show="0">
+  <p:cSld>
+    <p:spTree>
+      <p:nvGrpSpPr>
+        <p:cNvPr id="1" name=""/>
+        <p:cNvGrpSpPr/>
+        <p:nvPr/>
+      </p:nvGrpSpPr>
+      <p:grpSpPr>
+        <a:xfrm>
+          <a:off x="0" y="0"/>
+          <a:ext cx="0" cy="0"/>
+          <a:chOff x="0" y="0"/>
+          <a:chExt cx="0" cy="0"/>
+        </a:xfrm>
+      </p:grpSpPr>
+      <p:sp>
+        <p:nvSpPr>
+          <p:cNvPr id="2" name="Title 1"/>
+          <p:cNvSpPr>
+            <a:spLocks noGrp="1"/>
+          </p:cNvSpPr>
+          <p:nvPr>
+            <p:ph type="title"/>
+          </p:nvPr>
+        </p:nvSpPr>
+        <p:spPr>
+          <a:xfrm>
+            <a:off x="457200" y="2819400"/>
+            <a:ext cx="8229600" cy="1143000"/>
+          </a:xfrm>
+        </p:spPr>
+        <p:txBody>
+          <a:bodyPr/>
+          <a:lstStyle/>
+          <a:p>
+            <a:r>
+              <a:rPr lang="en-US" dirty="0" smtClean="0"/>
+              <a:t>Consistency and Availability</a:t>
+            </a:r>
+            <a:endParaRPr lang="en-SG" dirty="0"/>
+          </a:p>
+        </p:txBody>
+      </p:sp>
+    </p:spTree>
+    <p:extLst>
+      <p:ext uri="{BB962C8B-B14F-4D97-AF65-F5344CB8AC3E}">
+        <p14:creationId xmlns:p14="http://schemas.microsoft.com/office/powerpoint/2010/main" val="987815696"/>
+      </p:ext>
+    </p:extLst>
+  </p:cSld>
+  <p:clrMapOvr>
+    <a:masterClrMapping/>
+  </p:clrMapOvr>
+  <mc:AlternateContent xmlns:mc="http://schemas.openxmlformats.org/markup-compatibility/2006">
+    <mc:Choice xmlns:p14="http://schemas.microsoft.com/office/powerpoint/2010/main" Requires="p14">
+      <p:transition spd="slow" p14:dur="2000"/>
+    </mc:Choice>
+    <mc:Fallback>
+      <p:transition spd="slow"/>
+    </mc:Fallback>
+  </mc:AlternateContent>
+  <p:timing>
+    <p:tnLst>
+      <p:par>
+        <p:cTn id="1" dur="indefinite" restart="never" nodeType="tmRoot"/>
+      </p:par>
+    </p:tnLst>
+  </p:timing>
+</p:sld>
+</file>
+
+<file path=ppt/slides/slide6.xml><?xml version="1.0" encoding="utf-8"?>
 <p:sld xmlns:a="http://schemas.openxmlformats.org/drawingml/2006/main" xmlns:r="http://schemas.openxmlformats.org/officeDocument/2006/relationships" xmlns:p="http://schemas.openxmlformats.org/presentationml/2006/main">
   <p:cSld>
     <p:spTree>
@@ -18882,21 +20564,8 @@
                 <a:ea typeface="Segoe UI" pitchFamily="34" charset="0"/>
                 <a:cs typeface="Segoe UI" pitchFamily="34" charset="0"/>
               </a:rPr>
-              <a:t>Secondary </a:t>
+              <a:t>Secondary II</a:t>
             </a:r>
-            <a:r>
-              <a:rPr lang="en-US" sz="2400" dirty="0" smtClean="0">
-                <a:latin typeface="Segoe UI" pitchFamily="34" charset="0"/>
-                <a:ea typeface="Segoe UI" pitchFamily="34" charset="0"/>
-                <a:cs typeface="Segoe UI" pitchFamily="34" charset="0"/>
-              </a:rPr>
-              <a:t>II</a:t>
-            </a:r>
-            <a:endParaRPr lang="en-US" sz="2400" dirty="0" smtClean="0">
-              <a:latin typeface="Segoe UI" pitchFamily="34" charset="0"/>
-              <a:ea typeface="Segoe UI" pitchFamily="34" charset="0"/>
-              <a:cs typeface="Segoe UI" pitchFamily="34" charset="0"/>
-            </a:endParaRPr>
           </a:p>
         </p:txBody>
       </p:sp>
@@ -18983,27 +20652,8 @@
                   <a:ea typeface="Segoe UI" pitchFamily="34" charset="0"/>
                   <a:cs typeface="Segoe UI" pitchFamily="34" charset="0"/>
                 </a:rPr>
-                <a:t>EN </a:t>
+                <a:t>EN 3</a:t>
               </a:r>
-              <a:r>
-                <a:rPr lang="en-US" sz="2200" b="1" dirty="0" smtClean="0">
-                  <a:solidFill>
-                    <a:schemeClr val="tx1"/>
-                  </a:solidFill>
-                  <a:latin typeface="Segoe UI" pitchFamily="34" charset="0"/>
-                  <a:ea typeface="Segoe UI" pitchFamily="34" charset="0"/>
-                  <a:cs typeface="Segoe UI" pitchFamily="34" charset="0"/>
-                </a:rPr>
-                <a:t>3</a:t>
-              </a:r>
-              <a:endParaRPr lang="en-US" sz="2200" b="1" dirty="0" smtClean="0">
-                <a:solidFill>
-                  <a:schemeClr val="tx1"/>
-                </a:solidFill>
-                <a:latin typeface="Segoe UI" pitchFamily="34" charset="0"/>
-                <a:ea typeface="Segoe UI" pitchFamily="34" charset="0"/>
-                <a:cs typeface="Segoe UI" pitchFamily="34" charset="0"/>
-              </a:endParaRPr>
             </a:p>
           </p:txBody>
         </p:sp>
@@ -19102,21 +20752,8 @@
                 <a:ea typeface="Segoe UI" pitchFamily="34" charset="0"/>
                 <a:cs typeface="Segoe UI" pitchFamily="34" charset="0"/>
               </a:rPr>
-              <a:t>Secondary </a:t>
+              <a:t>Secondary I</a:t>
             </a:r>
-            <a:r>
-              <a:rPr lang="en-US" sz="2400" dirty="0" smtClean="0">
-                <a:latin typeface="Segoe UI" pitchFamily="34" charset="0"/>
-                <a:ea typeface="Segoe UI" pitchFamily="34" charset="0"/>
-                <a:cs typeface="Segoe UI" pitchFamily="34" charset="0"/>
-              </a:rPr>
-              <a:t>I</a:t>
-            </a:r>
-            <a:endParaRPr lang="en-US" sz="2400" dirty="0" smtClean="0">
-              <a:latin typeface="Segoe UI" pitchFamily="34" charset="0"/>
-              <a:ea typeface="Segoe UI" pitchFamily="34" charset="0"/>
-              <a:cs typeface="Segoe UI" pitchFamily="34" charset="0"/>
-            </a:endParaRPr>
           </a:p>
         </p:txBody>
       </p:sp>
@@ -19203,27 +20840,8 @@
                   <a:ea typeface="Segoe UI" pitchFamily="34" charset="0"/>
                   <a:cs typeface="Segoe UI" pitchFamily="34" charset="0"/>
                 </a:rPr>
-                <a:t>EN </a:t>
+                <a:t>EN 2</a:t>
               </a:r>
-              <a:r>
-                <a:rPr lang="en-US" sz="2200" b="1" dirty="0" smtClean="0">
-                  <a:solidFill>
-                    <a:schemeClr val="tx1"/>
-                  </a:solidFill>
-                  <a:latin typeface="Segoe UI" pitchFamily="34" charset="0"/>
-                  <a:ea typeface="Segoe UI" pitchFamily="34" charset="0"/>
-                  <a:cs typeface="Segoe UI" pitchFamily="34" charset="0"/>
-                </a:rPr>
-                <a:t>2</a:t>
-              </a:r>
-              <a:endParaRPr lang="en-US" sz="2200" b="1" dirty="0" smtClean="0">
-                <a:solidFill>
-                  <a:schemeClr val="tx1"/>
-                </a:solidFill>
-                <a:latin typeface="Segoe UI" pitchFamily="34" charset="0"/>
-                <a:ea typeface="Segoe UI" pitchFamily="34" charset="0"/>
-                <a:cs typeface="Segoe UI" pitchFamily="34" charset="0"/>
-              </a:endParaRPr>
             </a:p>
           </p:txBody>
         </p:sp>
@@ -19324,11 +20942,6 @@
               </a:rPr>
               <a:t>Primary</a:t>
             </a:r>
-            <a:endParaRPr lang="en-US" sz="2400" dirty="0" smtClean="0">
-              <a:latin typeface="Segoe UI" pitchFamily="34" charset="0"/>
-              <a:ea typeface="Segoe UI" pitchFamily="34" charset="0"/>
-              <a:cs typeface="Segoe UI" pitchFamily="34" charset="0"/>
-            </a:endParaRPr>
           </a:p>
         </p:txBody>
       </p:sp>
@@ -19415,27 +21028,8 @@
                   <a:ea typeface="Segoe UI" pitchFamily="34" charset="0"/>
                   <a:cs typeface="Segoe UI" pitchFamily="34" charset="0"/>
                 </a:rPr>
-                <a:t>EN </a:t>
+                <a:t>EN 1</a:t>
               </a:r>
-              <a:r>
-                <a:rPr lang="en-US" sz="2200" b="1" dirty="0" smtClean="0">
-                  <a:solidFill>
-                    <a:schemeClr val="tx1"/>
-                  </a:solidFill>
-                  <a:latin typeface="Segoe UI" pitchFamily="34" charset="0"/>
-                  <a:ea typeface="Segoe UI" pitchFamily="34" charset="0"/>
-                  <a:cs typeface="Segoe UI" pitchFamily="34" charset="0"/>
-                </a:rPr>
-                <a:t>1</a:t>
-              </a:r>
-              <a:endParaRPr lang="en-US" sz="2200" b="1" dirty="0" smtClean="0">
-                <a:solidFill>
-                  <a:schemeClr val="tx1"/>
-                </a:solidFill>
-                <a:latin typeface="Segoe UI" pitchFamily="34" charset="0"/>
-                <a:ea typeface="Segoe UI" pitchFamily="34" charset="0"/>
-                <a:cs typeface="Segoe UI" pitchFamily="34" charset="0"/>
-              </a:endParaRPr>
             </a:p>
           </p:txBody>
         </p:sp>
@@ -20386,15 +21980,7 @@
                 <a:ea typeface="Segoe UI" pitchFamily="34" charset="0"/>
                 <a:cs typeface="Segoe UI" pitchFamily="34" charset="0"/>
               </a:rPr>
-              <a:t>Error: Seal </a:t>
-            </a:r>
-            <a:r>
-              <a:rPr lang="en-US" sz="2400" dirty="0" smtClean="0">
-                <a:latin typeface="Segoe UI" pitchFamily="34" charset="0"/>
-                <a:ea typeface="Segoe UI" pitchFamily="34" charset="0"/>
-                <a:cs typeface="Segoe UI" pitchFamily="34" charset="0"/>
-              </a:rPr>
-              <a:t>Extent</a:t>
+              <a:t>Error: Seal Extent</a:t>
             </a:r>
           </a:p>
         </p:txBody>
@@ -20563,11 +22149,6 @@
                 </a:rPr>
                 <a:t>Current length?</a:t>
               </a:r>
-              <a:endParaRPr lang="en-US" sz="2400" dirty="0" smtClean="0">
-                <a:latin typeface="Segoe UI" pitchFamily="34" charset="0"/>
-                <a:ea typeface="Segoe UI" pitchFamily="34" charset="0"/>
-                <a:cs typeface="Segoe UI" pitchFamily="34" charset="0"/>
-              </a:endParaRPr>
             </a:p>
           </p:txBody>
         </p:sp>
@@ -21221,7 +22802,7 @@
 </p:sld>
 </file>
 
-<file path=ppt/slides/slide6.xml><?xml version="1.0" encoding="utf-8"?>
+<file path=ppt/slides/slide7.xml><?xml version="1.0" encoding="utf-8"?>
 <p:sld xmlns:a="http://schemas.openxmlformats.org/drawingml/2006/main" xmlns:r="http://schemas.openxmlformats.org/officeDocument/2006/relationships" xmlns:p="http://schemas.openxmlformats.org/presentationml/2006/main">
   <p:cSld>
     <p:spTree>
@@ -21357,21 +22938,8 @@
                 <a:ea typeface="Segoe UI" pitchFamily="34" charset="0"/>
                 <a:cs typeface="Segoe UI" pitchFamily="34" charset="0"/>
               </a:rPr>
-              <a:t>Secondary </a:t>
+              <a:t>Secondary II</a:t>
             </a:r>
-            <a:r>
-              <a:rPr lang="en-US" sz="2400" dirty="0" smtClean="0">
-                <a:latin typeface="Segoe UI" pitchFamily="34" charset="0"/>
-                <a:ea typeface="Segoe UI" pitchFamily="34" charset="0"/>
-                <a:cs typeface="Segoe UI" pitchFamily="34" charset="0"/>
-              </a:rPr>
-              <a:t>II</a:t>
-            </a:r>
-            <a:endParaRPr lang="en-US" sz="2400" dirty="0" smtClean="0">
-              <a:latin typeface="Segoe UI" pitchFamily="34" charset="0"/>
-              <a:ea typeface="Segoe UI" pitchFamily="34" charset="0"/>
-              <a:cs typeface="Segoe UI" pitchFamily="34" charset="0"/>
-            </a:endParaRPr>
           </a:p>
         </p:txBody>
       </p:sp>
@@ -21458,27 +23026,8 @@
                   <a:ea typeface="Segoe UI" pitchFamily="34" charset="0"/>
                   <a:cs typeface="Segoe UI" pitchFamily="34" charset="0"/>
                 </a:rPr>
-                <a:t>EN </a:t>
+                <a:t>EN 3</a:t>
               </a:r>
-              <a:r>
-                <a:rPr lang="en-US" sz="2200" b="1" dirty="0" smtClean="0">
-                  <a:solidFill>
-                    <a:schemeClr val="tx1"/>
-                  </a:solidFill>
-                  <a:latin typeface="Segoe UI" pitchFamily="34" charset="0"/>
-                  <a:ea typeface="Segoe UI" pitchFamily="34" charset="0"/>
-                  <a:cs typeface="Segoe UI" pitchFamily="34" charset="0"/>
-                </a:rPr>
-                <a:t>3</a:t>
-              </a:r>
-              <a:endParaRPr lang="en-US" sz="2200" b="1" dirty="0" smtClean="0">
-                <a:solidFill>
-                  <a:schemeClr val="tx1"/>
-                </a:solidFill>
-                <a:latin typeface="Segoe UI" pitchFamily="34" charset="0"/>
-                <a:ea typeface="Segoe UI" pitchFamily="34" charset="0"/>
-                <a:cs typeface="Segoe UI" pitchFamily="34" charset="0"/>
-              </a:endParaRPr>
             </a:p>
           </p:txBody>
         </p:sp>
@@ -21577,21 +23126,8 @@
                 <a:ea typeface="Segoe UI" pitchFamily="34" charset="0"/>
                 <a:cs typeface="Segoe UI" pitchFamily="34" charset="0"/>
               </a:rPr>
-              <a:t>Secondary </a:t>
+              <a:t>Secondary I</a:t>
             </a:r>
-            <a:r>
-              <a:rPr lang="en-US" sz="2400" dirty="0" smtClean="0">
-                <a:latin typeface="Segoe UI" pitchFamily="34" charset="0"/>
-                <a:ea typeface="Segoe UI" pitchFamily="34" charset="0"/>
-                <a:cs typeface="Segoe UI" pitchFamily="34" charset="0"/>
-              </a:rPr>
-              <a:t>I</a:t>
-            </a:r>
-            <a:endParaRPr lang="en-US" sz="2400" dirty="0" smtClean="0">
-              <a:latin typeface="Segoe UI" pitchFamily="34" charset="0"/>
-              <a:ea typeface="Segoe UI" pitchFamily="34" charset="0"/>
-              <a:cs typeface="Segoe UI" pitchFamily="34" charset="0"/>
-            </a:endParaRPr>
           </a:p>
         </p:txBody>
       </p:sp>
@@ -21678,27 +23214,8 @@
                   <a:ea typeface="Segoe UI" pitchFamily="34" charset="0"/>
                   <a:cs typeface="Segoe UI" pitchFamily="34" charset="0"/>
                 </a:rPr>
-                <a:t>EN </a:t>
+                <a:t>EN 2</a:t>
               </a:r>
-              <a:r>
-                <a:rPr lang="en-US" sz="2200" b="1" dirty="0" smtClean="0">
-                  <a:solidFill>
-                    <a:schemeClr val="tx1"/>
-                  </a:solidFill>
-                  <a:latin typeface="Segoe UI" pitchFamily="34" charset="0"/>
-                  <a:ea typeface="Segoe UI" pitchFamily="34" charset="0"/>
-                  <a:cs typeface="Segoe UI" pitchFamily="34" charset="0"/>
-                </a:rPr>
-                <a:t>2</a:t>
-              </a:r>
-              <a:endParaRPr lang="en-US" sz="2200" b="1" dirty="0" smtClean="0">
-                <a:solidFill>
-                  <a:schemeClr val="tx1"/>
-                </a:solidFill>
-                <a:latin typeface="Segoe UI" pitchFamily="34" charset="0"/>
-                <a:ea typeface="Segoe UI" pitchFamily="34" charset="0"/>
-                <a:cs typeface="Segoe UI" pitchFamily="34" charset="0"/>
-              </a:endParaRPr>
             </a:p>
           </p:txBody>
         </p:sp>
@@ -21799,11 +23316,6 @@
               </a:rPr>
               <a:t>Primary</a:t>
             </a:r>
-            <a:endParaRPr lang="en-US" sz="2400" dirty="0" smtClean="0">
-              <a:latin typeface="Segoe UI" pitchFamily="34" charset="0"/>
-              <a:ea typeface="Segoe UI" pitchFamily="34" charset="0"/>
-              <a:cs typeface="Segoe UI" pitchFamily="34" charset="0"/>
-            </a:endParaRPr>
           </a:p>
         </p:txBody>
       </p:sp>
@@ -21890,27 +23402,8 @@
                   <a:ea typeface="Segoe UI" pitchFamily="34" charset="0"/>
                   <a:cs typeface="Segoe UI" pitchFamily="34" charset="0"/>
                 </a:rPr>
-                <a:t>EN </a:t>
+                <a:t>EN 1</a:t>
               </a:r>
-              <a:r>
-                <a:rPr lang="en-US" sz="2200" b="1" dirty="0" smtClean="0">
-                  <a:solidFill>
-                    <a:schemeClr val="tx1"/>
-                  </a:solidFill>
-                  <a:latin typeface="Segoe UI" pitchFamily="34" charset="0"/>
-                  <a:ea typeface="Segoe UI" pitchFamily="34" charset="0"/>
-                  <a:cs typeface="Segoe UI" pitchFamily="34" charset="0"/>
-                </a:rPr>
-                <a:t>1</a:t>
-              </a:r>
-              <a:endParaRPr lang="en-US" sz="2200" b="1" dirty="0" smtClean="0">
-                <a:solidFill>
-                  <a:schemeClr val="tx1"/>
-                </a:solidFill>
-                <a:latin typeface="Segoe UI" pitchFamily="34" charset="0"/>
-                <a:ea typeface="Segoe UI" pitchFamily="34" charset="0"/>
-                <a:cs typeface="Segoe UI" pitchFamily="34" charset="0"/>
-              </a:endParaRPr>
             </a:p>
           </p:txBody>
         </p:sp>
@@ -22715,15 +24208,7 @@
                 <a:ea typeface="Segoe UI" pitchFamily="34" charset="0"/>
                 <a:cs typeface="Segoe UI" pitchFamily="34" charset="0"/>
               </a:rPr>
-              <a:t>Error: Seal </a:t>
-            </a:r>
-            <a:r>
-              <a:rPr lang="en-US" sz="2400" dirty="0" smtClean="0">
-                <a:latin typeface="Segoe UI" pitchFamily="34" charset="0"/>
-                <a:ea typeface="Segoe UI" pitchFamily="34" charset="0"/>
-                <a:cs typeface="Segoe UI" pitchFamily="34" charset="0"/>
-              </a:rPr>
-              <a:t>Extent</a:t>
+              <a:t>Error: Seal Extent</a:t>
             </a:r>
           </a:p>
         </p:txBody>
@@ -23382,7 +24867,7 @@
 </p:sld>
 </file>
 
-<file path=ppt/slides/slide7.xml><?xml version="1.0" encoding="utf-8"?>
+<file path=ppt/slides/slide8.xml><?xml version="1.0" encoding="utf-8"?>
 <p:sld xmlns:a="http://schemas.openxmlformats.org/drawingml/2006/main" xmlns:r="http://schemas.openxmlformats.org/officeDocument/2006/relationships" xmlns:p="http://schemas.openxmlformats.org/presentationml/2006/main">
   <p:cSld>
     <p:spTree>
@@ -23518,21 +25003,8 @@
                 <a:ea typeface="Segoe UI" pitchFamily="34" charset="0"/>
                 <a:cs typeface="Segoe UI" pitchFamily="34" charset="0"/>
               </a:rPr>
-              <a:t>Secondary </a:t>
+              <a:t>Secondary II</a:t>
             </a:r>
-            <a:r>
-              <a:rPr lang="en-US" sz="2400" dirty="0" smtClean="0">
-                <a:latin typeface="Segoe UI" pitchFamily="34" charset="0"/>
-                <a:ea typeface="Segoe UI" pitchFamily="34" charset="0"/>
-                <a:cs typeface="Segoe UI" pitchFamily="34" charset="0"/>
-              </a:rPr>
-              <a:t>II</a:t>
-            </a:r>
-            <a:endParaRPr lang="en-US" sz="2400" dirty="0" smtClean="0">
-              <a:latin typeface="Segoe UI" pitchFamily="34" charset="0"/>
-              <a:ea typeface="Segoe UI" pitchFamily="34" charset="0"/>
-              <a:cs typeface="Segoe UI" pitchFamily="34" charset="0"/>
-            </a:endParaRPr>
           </a:p>
         </p:txBody>
       </p:sp>
@@ -23619,27 +25091,8 @@
                   <a:ea typeface="Segoe UI" pitchFamily="34" charset="0"/>
                   <a:cs typeface="Segoe UI" pitchFamily="34" charset="0"/>
                 </a:rPr>
-                <a:t>EN </a:t>
+                <a:t>EN 3</a:t>
               </a:r>
-              <a:r>
-                <a:rPr lang="en-US" sz="2200" b="1" dirty="0" smtClean="0">
-                  <a:solidFill>
-                    <a:schemeClr val="tx1"/>
-                  </a:solidFill>
-                  <a:latin typeface="Segoe UI" pitchFamily="34" charset="0"/>
-                  <a:ea typeface="Segoe UI" pitchFamily="34" charset="0"/>
-                  <a:cs typeface="Segoe UI" pitchFamily="34" charset="0"/>
-                </a:rPr>
-                <a:t>3</a:t>
-              </a:r>
-              <a:endParaRPr lang="en-US" sz="2200" b="1" dirty="0" smtClean="0">
-                <a:solidFill>
-                  <a:schemeClr val="tx1"/>
-                </a:solidFill>
-                <a:latin typeface="Segoe UI" pitchFamily="34" charset="0"/>
-                <a:ea typeface="Segoe UI" pitchFamily="34" charset="0"/>
-                <a:cs typeface="Segoe UI" pitchFamily="34" charset="0"/>
-              </a:endParaRPr>
             </a:p>
           </p:txBody>
         </p:sp>
@@ -23738,21 +25191,8 @@
                 <a:ea typeface="Segoe UI" pitchFamily="34" charset="0"/>
                 <a:cs typeface="Segoe UI" pitchFamily="34" charset="0"/>
               </a:rPr>
-              <a:t>Secondary </a:t>
+              <a:t>Secondary I</a:t>
             </a:r>
-            <a:r>
-              <a:rPr lang="en-US" sz="2400" dirty="0" smtClean="0">
-                <a:latin typeface="Segoe UI" pitchFamily="34" charset="0"/>
-                <a:ea typeface="Segoe UI" pitchFamily="34" charset="0"/>
-                <a:cs typeface="Segoe UI" pitchFamily="34" charset="0"/>
-              </a:rPr>
-              <a:t>I</a:t>
-            </a:r>
-            <a:endParaRPr lang="en-US" sz="2400" dirty="0" smtClean="0">
-              <a:latin typeface="Segoe UI" pitchFamily="34" charset="0"/>
-              <a:ea typeface="Segoe UI" pitchFamily="34" charset="0"/>
-              <a:cs typeface="Segoe UI" pitchFamily="34" charset="0"/>
-            </a:endParaRPr>
           </a:p>
         </p:txBody>
       </p:sp>
@@ -23839,27 +25279,8 @@
                   <a:ea typeface="Segoe UI" pitchFamily="34" charset="0"/>
                   <a:cs typeface="Segoe UI" pitchFamily="34" charset="0"/>
                 </a:rPr>
-                <a:t>EN </a:t>
+                <a:t>EN 2</a:t>
               </a:r>
-              <a:r>
-                <a:rPr lang="en-US" sz="2200" b="1" dirty="0" smtClean="0">
-                  <a:solidFill>
-                    <a:schemeClr val="tx1"/>
-                  </a:solidFill>
-                  <a:latin typeface="Segoe UI" pitchFamily="34" charset="0"/>
-                  <a:ea typeface="Segoe UI" pitchFamily="34" charset="0"/>
-                  <a:cs typeface="Segoe UI" pitchFamily="34" charset="0"/>
-                </a:rPr>
-                <a:t>2</a:t>
-              </a:r>
-              <a:endParaRPr lang="en-US" sz="2200" b="1" dirty="0" smtClean="0">
-                <a:solidFill>
-                  <a:schemeClr val="tx1"/>
-                </a:solidFill>
-                <a:latin typeface="Segoe UI" pitchFamily="34" charset="0"/>
-                <a:ea typeface="Segoe UI" pitchFamily="34" charset="0"/>
-                <a:cs typeface="Segoe UI" pitchFamily="34" charset="0"/>
-              </a:endParaRPr>
             </a:p>
           </p:txBody>
         </p:sp>
@@ -23960,11 +25381,6 @@
               </a:rPr>
               <a:t>Primary</a:t>
             </a:r>
-            <a:endParaRPr lang="en-US" sz="2400" dirty="0" smtClean="0">
-              <a:latin typeface="Segoe UI" pitchFamily="34" charset="0"/>
-              <a:ea typeface="Segoe UI" pitchFamily="34" charset="0"/>
-              <a:cs typeface="Segoe UI" pitchFamily="34" charset="0"/>
-            </a:endParaRPr>
           </a:p>
         </p:txBody>
       </p:sp>
@@ -24051,27 +25467,8 @@
                   <a:ea typeface="Segoe UI" pitchFamily="34" charset="0"/>
                   <a:cs typeface="Segoe UI" pitchFamily="34" charset="0"/>
                 </a:rPr>
-                <a:t>EN </a:t>
+                <a:t>EN 1</a:t>
               </a:r>
-              <a:r>
-                <a:rPr lang="en-US" sz="2200" b="1" dirty="0" smtClean="0">
-                  <a:solidFill>
-                    <a:schemeClr val="tx1"/>
-                  </a:solidFill>
-                  <a:latin typeface="Segoe UI" pitchFamily="34" charset="0"/>
-                  <a:ea typeface="Segoe UI" pitchFamily="34" charset="0"/>
-                  <a:cs typeface="Segoe UI" pitchFamily="34" charset="0"/>
-                </a:rPr>
-                <a:t>1</a:t>
-              </a:r>
-              <a:endParaRPr lang="en-US" sz="2200" b="1" dirty="0" smtClean="0">
-                <a:solidFill>
-                  <a:schemeClr val="tx1"/>
-                </a:solidFill>
-                <a:latin typeface="Segoe UI" pitchFamily="34" charset="0"/>
-                <a:ea typeface="Segoe UI" pitchFamily="34" charset="0"/>
-                <a:cs typeface="Segoe UI" pitchFamily="34" charset="0"/>
-              </a:endParaRPr>
             </a:p>
           </p:txBody>
         </p:sp>
@@ -25646,7 +27043,7 @@
 </p:sld>
 </file>
 
-<file path=ppt/slides/slide8.xml><?xml version="1.0" encoding="utf-8"?>
+<file path=ppt/slides/slide9.xml><?xml version="1.0" encoding="utf-8"?>
 <p:sld xmlns:a="http://schemas.openxmlformats.org/drawingml/2006/main" xmlns:r="http://schemas.openxmlformats.org/officeDocument/2006/relationships" xmlns:p="http://schemas.openxmlformats.org/presentationml/2006/main">
   <p:cSld>
     <p:spTree>
@@ -25782,21 +27179,8 @@
                 <a:ea typeface="Segoe UI" pitchFamily="34" charset="0"/>
                 <a:cs typeface="Segoe UI" pitchFamily="34" charset="0"/>
               </a:rPr>
-              <a:t>Secondary </a:t>
+              <a:t>Secondary II</a:t>
             </a:r>
-            <a:r>
-              <a:rPr lang="en-US" sz="2400" dirty="0" smtClean="0">
-                <a:latin typeface="Segoe UI" pitchFamily="34" charset="0"/>
-                <a:ea typeface="Segoe UI" pitchFamily="34" charset="0"/>
-                <a:cs typeface="Segoe UI" pitchFamily="34" charset="0"/>
-              </a:rPr>
-              <a:t>II</a:t>
-            </a:r>
-            <a:endParaRPr lang="en-US" sz="2400" dirty="0" smtClean="0">
-              <a:latin typeface="Segoe UI" pitchFamily="34" charset="0"/>
-              <a:ea typeface="Segoe UI" pitchFamily="34" charset="0"/>
-              <a:cs typeface="Segoe UI" pitchFamily="34" charset="0"/>
-            </a:endParaRPr>
           </a:p>
         </p:txBody>
       </p:sp>
@@ -25883,27 +27267,8 @@
                   <a:ea typeface="Segoe UI" pitchFamily="34" charset="0"/>
                   <a:cs typeface="Segoe UI" pitchFamily="34" charset="0"/>
                 </a:rPr>
-                <a:t>EN </a:t>
+                <a:t>EN 3</a:t>
               </a:r>
-              <a:r>
-                <a:rPr lang="en-US" sz="2200" b="1" dirty="0" smtClean="0">
-                  <a:solidFill>
-                    <a:schemeClr val="tx1"/>
-                  </a:solidFill>
-                  <a:latin typeface="Segoe UI" pitchFamily="34" charset="0"/>
-                  <a:ea typeface="Segoe UI" pitchFamily="34" charset="0"/>
-                  <a:cs typeface="Segoe UI" pitchFamily="34" charset="0"/>
-                </a:rPr>
-                <a:t>3</a:t>
-              </a:r>
-              <a:endParaRPr lang="en-US" sz="2200" b="1" dirty="0" smtClean="0">
-                <a:solidFill>
-                  <a:schemeClr val="tx1"/>
-                </a:solidFill>
-                <a:latin typeface="Segoe UI" pitchFamily="34" charset="0"/>
-                <a:ea typeface="Segoe UI" pitchFamily="34" charset="0"/>
-                <a:cs typeface="Segoe UI" pitchFamily="34" charset="0"/>
-              </a:endParaRPr>
             </a:p>
           </p:txBody>
         </p:sp>
@@ -26002,21 +27367,8 @@
                 <a:ea typeface="Segoe UI" pitchFamily="34" charset="0"/>
                 <a:cs typeface="Segoe UI" pitchFamily="34" charset="0"/>
               </a:rPr>
-              <a:t>Secondary </a:t>
+              <a:t>Secondary I</a:t>
             </a:r>
-            <a:r>
-              <a:rPr lang="en-US" sz="2400" dirty="0" smtClean="0">
-                <a:latin typeface="Segoe UI" pitchFamily="34" charset="0"/>
-                <a:ea typeface="Segoe UI" pitchFamily="34" charset="0"/>
-                <a:cs typeface="Segoe UI" pitchFamily="34" charset="0"/>
-              </a:rPr>
-              <a:t>I</a:t>
-            </a:r>
-            <a:endParaRPr lang="en-US" sz="2400" dirty="0" smtClean="0">
-              <a:latin typeface="Segoe UI" pitchFamily="34" charset="0"/>
-              <a:ea typeface="Segoe UI" pitchFamily="34" charset="0"/>
-              <a:cs typeface="Segoe UI" pitchFamily="34" charset="0"/>
-            </a:endParaRPr>
           </a:p>
         </p:txBody>
       </p:sp>
@@ -26103,27 +27455,8 @@
                   <a:ea typeface="Segoe UI" pitchFamily="34" charset="0"/>
                   <a:cs typeface="Segoe UI" pitchFamily="34" charset="0"/>
                 </a:rPr>
-                <a:t>EN </a:t>
+                <a:t>EN 2</a:t>
               </a:r>
-              <a:r>
-                <a:rPr lang="en-US" sz="2200" b="1" dirty="0" smtClean="0">
-                  <a:solidFill>
-                    <a:schemeClr val="tx1"/>
-                  </a:solidFill>
-                  <a:latin typeface="Segoe UI" pitchFamily="34" charset="0"/>
-                  <a:ea typeface="Segoe UI" pitchFamily="34" charset="0"/>
-                  <a:cs typeface="Segoe UI" pitchFamily="34" charset="0"/>
-                </a:rPr>
-                <a:t>2</a:t>
-              </a:r>
-              <a:endParaRPr lang="en-US" sz="2200" b="1" dirty="0" smtClean="0">
-                <a:solidFill>
-                  <a:schemeClr val="tx1"/>
-                </a:solidFill>
-                <a:latin typeface="Segoe UI" pitchFamily="34" charset="0"/>
-                <a:ea typeface="Segoe UI" pitchFamily="34" charset="0"/>
-                <a:cs typeface="Segoe UI" pitchFamily="34" charset="0"/>
-              </a:endParaRPr>
             </a:p>
           </p:txBody>
         </p:sp>
@@ -26224,11 +27557,6 @@
               </a:rPr>
               <a:t>Primary</a:t>
             </a:r>
-            <a:endParaRPr lang="en-US" sz="2400" dirty="0" smtClean="0">
-              <a:latin typeface="Segoe UI" pitchFamily="34" charset="0"/>
-              <a:ea typeface="Segoe UI" pitchFamily="34" charset="0"/>
-              <a:cs typeface="Segoe UI" pitchFamily="34" charset="0"/>
-            </a:endParaRPr>
           </a:p>
         </p:txBody>
       </p:sp>
@@ -26315,27 +27643,8 @@
                   <a:ea typeface="Segoe UI" pitchFamily="34" charset="0"/>
                   <a:cs typeface="Segoe UI" pitchFamily="34" charset="0"/>
                 </a:rPr>
-                <a:t>EN </a:t>
+                <a:t>EN 1</a:t>
               </a:r>
-              <a:r>
-                <a:rPr lang="en-US" sz="2200" b="1" dirty="0" smtClean="0">
-                  <a:solidFill>
-                    <a:schemeClr val="tx1"/>
-                  </a:solidFill>
-                  <a:latin typeface="Segoe UI" pitchFamily="34" charset="0"/>
-                  <a:ea typeface="Segoe UI" pitchFamily="34" charset="0"/>
-                  <a:cs typeface="Segoe UI" pitchFamily="34" charset="0"/>
-                </a:rPr>
-                <a:t>1</a:t>
-              </a:r>
-              <a:endParaRPr lang="en-US" sz="2200" b="1" dirty="0" smtClean="0">
-                <a:solidFill>
-                  <a:schemeClr val="tx1"/>
-                </a:solidFill>
-                <a:latin typeface="Segoe UI" pitchFamily="34" charset="0"/>
-                <a:ea typeface="Segoe UI" pitchFamily="34" charset="0"/>
-                <a:cs typeface="Segoe UI" pitchFamily="34" charset="0"/>
-              </a:endParaRPr>
             </a:p>
           </p:txBody>
         </p:sp>
@@ -27065,15 +28374,7 @@
                 <a:ea typeface="Segoe UI" pitchFamily="34" charset="0"/>
                 <a:cs typeface="Segoe UI" pitchFamily="34" charset="0"/>
               </a:rPr>
-              <a:t>Error: Seal </a:t>
-            </a:r>
-            <a:r>
-              <a:rPr lang="en-US" sz="2400" dirty="0" smtClean="0">
-                <a:latin typeface="Segoe UI" pitchFamily="34" charset="0"/>
-                <a:ea typeface="Segoe UI" pitchFamily="34" charset="0"/>
-                <a:cs typeface="Segoe UI" pitchFamily="34" charset="0"/>
-              </a:rPr>
-              <a:t>Extent</a:t>
+              <a:t>Error: Seal Extent</a:t>
             </a:r>
           </a:p>
         </p:txBody>
@@ -27242,11 +28543,6 @@
                 </a:rPr>
                 <a:t>Current length?</a:t>
               </a:r>
-              <a:endParaRPr lang="en-US" sz="2400" dirty="0" smtClean="0">
-                <a:latin typeface="Segoe UI" pitchFamily="34" charset="0"/>
-                <a:ea typeface="Segoe UI" pitchFamily="34" charset="0"/>
-                <a:cs typeface="Segoe UI" pitchFamily="34" charset="0"/>
-              </a:endParaRPr>
             </a:p>
           </p:txBody>
         </p:sp>
@@ -27267,2171 +28563,6 @@
         <p:cTn id="1" dur="indefinite" restart="never" nodeType="tmRoot"/>
       </p:par>
     </p:tnLst>
-  </p:timing>
-</p:sld>
-</file>
-
-<file path=ppt/slides/slide9.xml><?xml version="1.0" encoding="utf-8"?>
-<p:sld xmlns:a="http://schemas.openxmlformats.org/drawingml/2006/main" xmlns:r="http://schemas.openxmlformats.org/officeDocument/2006/relationships" xmlns:p="http://schemas.openxmlformats.org/presentationml/2006/main">
-  <p:cSld>
-    <p:spTree>
-      <p:nvGrpSpPr>
-        <p:cNvPr id="1" name=""/>
-        <p:cNvGrpSpPr/>
-        <p:nvPr/>
-      </p:nvGrpSpPr>
-      <p:grpSpPr>
-        <a:xfrm>
-          <a:off x="0" y="0"/>
-          <a:ext cx="0" cy="0"/>
-          <a:chOff x="0" y="0"/>
-          <a:chExt cx="0" cy="0"/>
-        </a:xfrm>
-      </p:grpSpPr>
-      <p:sp>
-        <p:nvSpPr>
-          <p:cNvPr id="2" name="Title 1"/>
-          <p:cNvSpPr>
-            <a:spLocks noGrp="1"/>
-          </p:cNvSpPr>
-          <p:nvPr>
-            <p:ph type="title"/>
-          </p:nvPr>
-        </p:nvSpPr>
-        <p:spPr/>
-        <p:txBody>
-          <a:bodyPr/>
-          <a:lstStyle/>
-          <a:p>
-            <a:r>
-              <a:rPr lang="en-US" dirty="0" smtClean="0"/>
-              <a:t>Write Failure – Physical Design</a:t>
-            </a:r>
-            <a:endParaRPr lang="en-SG" dirty="0"/>
-          </a:p>
-        </p:txBody>
-      </p:sp>
-      <p:sp>
-        <p:nvSpPr>
-          <p:cNvPr id="4" name="Rounded Rectangle 3"/>
-          <p:cNvSpPr/>
-          <p:nvPr/>
-        </p:nvSpPr>
-        <p:spPr bwMode="auto">
-          <a:xfrm>
-            <a:off x="379989" y="1348408"/>
-            <a:ext cx="2120347" cy="861392"/>
-          </a:xfrm>
-          <a:prstGeom prst="roundRect">
-            <a:avLst/>
-          </a:prstGeom>
-          <a:solidFill>
-            <a:srgbClr val="00B0F0"/>
-          </a:solidFill>
-          <a:ln>
-            <a:noFill/>
-            <a:headEnd type="none" w="med" len="med"/>
-            <a:tailEnd type="none" w="med" len="med"/>
-          </a:ln>
-          <a:effectLst/>
-        </p:spPr>
-        <p:style>
-          <a:lnRef idx="1">
-            <a:schemeClr val="accent2"/>
-          </a:lnRef>
-          <a:fillRef idx="3">
-            <a:schemeClr val="accent2"/>
-          </a:fillRef>
-          <a:effectRef idx="2">
-            <a:schemeClr val="accent2"/>
-          </a:effectRef>
-          <a:fontRef idx="minor">
-            <a:schemeClr val="lt1"/>
-          </a:fontRef>
-        </p:style>
-        <p:txBody>
-          <a:bodyPr vert="horz" wrap="square" lIns="91436" tIns="45718" rIns="91436" bIns="45718" numCol="1" rtlCol="0" anchor="ctr" anchorCtr="0" compatLnSpc="1">
-            <a:prstTxWarp prst="textNoShape">
-              <a:avLst/>
-            </a:prstTxWarp>
-          </a:bodyPr>
-          <a:lstStyle/>
-          <a:p>
-            <a:pPr algn="ctr" defTabSz="914099" fontAlgn="base">
-              <a:spcBef>
-                <a:spcPct val="0"/>
-              </a:spcBef>
-              <a:spcAft>
-                <a:spcPct val="0"/>
-              </a:spcAft>
-            </a:pPr>
-            <a:r>
-              <a:rPr lang="en-US" sz="2200" b="1" dirty="0" smtClean="0">
-                <a:solidFill>
-                  <a:schemeClr val="tx1"/>
-                </a:solidFill>
-                <a:latin typeface="Segoe UI" pitchFamily="34" charset="0"/>
-                <a:ea typeface="Segoe UI" pitchFamily="34" charset="0"/>
-                <a:cs typeface="Segoe UI" pitchFamily="34" charset="0"/>
-              </a:rPr>
-              <a:t>Partition Layer</a:t>
-            </a:r>
-          </a:p>
-        </p:txBody>
-      </p:sp>
-      <p:sp>
-        <p:nvSpPr>
-          <p:cNvPr id="5" name="TextBox 4"/>
-          <p:cNvSpPr txBox="1"/>
-          <p:nvPr/>
-        </p:nvSpPr>
-        <p:spPr>
-          <a:xfrm>
-            <a:off x="6807687" y="5799505"/>
-            <a:ext cx="2856801" cy="369332"/>
-          </a:xfrm>
-          <a:prstGeom prst="rect">
-            <a:avLst/>
-          </a:prstGeom>
-          <a:noFill/>
-        </p:spPr>
-        <p:txBody>
-          <a:bodyPr wrap="square" lIns="0" tIns="0" rIns="0" bIns="0" rtlCol="0">
-            <a:spAutoFit/>
-          </a:bodyPr>
-          <a:lstStyle/>
-          <a:p>
-            <a:r>
-              <a:rPr lang="en-US" sz="2400" dirty="0" smtClean="0">
-                <a:latin typeface="Segoe UI" pitchFamily="34" charset="0"/>
-                <a:ea typeface="Segoe UI" pitchFamily="34" charset="0"/>
-                <a:cs typeface="Segoe UI" pitchFamily="34" charset="0"/>
-              </a:rPr>
-              <a:t>Secondary </a:t>
-            </a:r>
-            <a:r>
-              <a:rPr lang="en-US" sz="2400" dirty="0" smtClean="0">
-                <a:latin typeface="Segoe UI" pitchFamily="34" charset="0"/>
-                <a:ea typeface="Segoe UI" pitchFamily="34" charset="0"/>
-                <a:cs typeface="Segoe UI" pitchFamily="34" charset="0"/>
-              </a:rPr>
-              <a:t>II</a:t>
-            </a:r>
-            <a:endParaRPr lang="en-US" sz="2400" dirty="0" smtClean="0">
-              <a:latin typeface="Segoe UI" pitchFamily="34" charset="0"/>
-              <a:ea typeface="Segoe UI" pitchFamily="34" charset="0"/>
-              <a:cs typeface="Segoe UI" pitchFamily="34" charset="0"/>
-            </a:endParaRPr>
-          </a:p>
-        </p:txBody>
-      </p:sp>
-      <p:grpSp>
-        <p:nvGrpSpPr>
-          <p:cNvPr id="6" name="Group 5"/>
-          <p:cNvGrpSpPr/>
-          <p:nvPr/>
-        </p:nvGrpSpPr>
-        <p:grpSpPr>
-          <a:xfrm>
-            <a:off x="6553200" y="3581400"/>
-            <a:ext cx="2132310" cy="2142673"/>
-            <a:chOff x="1855304" y="4081670"/>
-            <a:chExt cx="1855305" cy="2464904"/>
-          </a:xfrm>
-        </p:grpSpPr>
-        <p:sp>
-          <p:nvSpPr>
-            <p:cNvPr id="7" name="Rectangle 6"/>
-            <p:cNvSpPr/>
-            <p:nvPr/>
-          </p:nvSpPr>
-          <p:spPr bwMode="auto">
-            <a:xfrm>
-              <a:off x="1855304" y="4081670"/>
-              <a:ext cx="1855305" cy="2464904"/>
-            </a:xfrm>
-            <a:prstGeom prst="rect">
-              <a:avLst/>
-            </a:prstGeom>
-            <a:solidFill>
-              <a:schemeClr val="accent1">
-                <a:alpha val="50000"/>
-              </a:schemeClr>
-            </a:solidFill>
-            <a:ln w="38100">
-              <a:solidFill>
-                <a:schemeClr val="accent1">
-                  <a:lumMod val="50000"/>
-                </a:schemeClr>
-              </a:solidFill>
-              <a:headEnd type="none" w="med" len="med"/>
-              <a:tailEnd type="none" w="med" len="med"/>
-            </a:ln>
-            <a:effectLst/>
-          </p:spPr>
-          <p:style>
-            <a:lnRef idx="1">
-              <a:schemeClr val="accent2"/>
-            </a:lnRef>
-            <a:fillRef idx="3">
-              <a:schemeClr val="accent2"/>
-            </a:fillRef>
-            <a:effectRef idx="2">
-              <a:schemeClr val="accent2"/>
-            </a:effectRef>
-            <a:fontRef idx="minor">
-              <a:schemeClr val="lt1"/>
-            </a:fontRef>
-          </p:style>
-          <p:txBody>
-            <a:bodyPr vert="horz" wrap="square" lIns="91436" tIns="45718" rIns="91436" bIns="45718" numCol="1" rtlCol="0" anchor="t" anchorCtr="0" compatLnSpc="1">
-              <a:prstTxWarp prst="textNoShape">
-                <a:avLst/>
-              </a:prstTxWarp>
-            </a:bodyPr>
-            <a:lstStyle/>
-            <a:p>
-              <a:pPr algn="ctr" defTabSz="914099" fontAlgn="base">
-                <a:spcBef>
-                  <a:spcPct val="0"/>
-                </a:spcBef>
-                <a:spcAft>
-                  <a:spcPct val="0"/>
-                </a:spcAft>
-              </a:pPr>
-              <a:r>
-                <a:rPr lang="en-US" sz="2200" b="1" dirty="0" smtClean="0">
-                  <a:solidFill>
-                    <a:schemeClr val="tx1"/>
-                  </a:solidFill>
-                  <a:latin typeface="Segoe UI" pitchFamily="34" charset="0"/>
-                  <a:ea typeface="Segoe UI" pitchFamily="34" charset="0"/>
-                  <a:cs typeface="Segoe UI" pitchFamily="34" charset="0"/>
-                </a:rPr>
-                <a:t>EN </a:t>
-              </a:r>
-              <a:r>
-                <a:rPr lang="en-US" sz="2200" b="1" dirty="0" smtClean="0">
-                  <a:solidFill>
-                    <a:schemeClr val="tx1"/>
-                  </a:solidFill>
-                  <a:latin typeface="Segoe UI" pitchFamily="34" charset="0"/>
-                  <a:ea typeface="Segoe UI" pitchFamily="34" charset="0"/>
-                  <a:cs typeface="Segoe UI" pitchFamily="34" charset="0"/>
-                </a:rPr>
-                <a:t>3</a:t>
-              </a:r>
-              <a:endParaRPr lang="en-US" sz="2200" b="1" dirty="0" smtClean="0">
-                <a:solidFill>
-                  <a:schemeClr val="tx1"/>
-                </a:solidFill>
-                <a:latin typeface="Segoe UI" pitchFamily="34" charset="0"/>
-                <a:ea typeface="Segoe UI" pitchFamily="34" charset="0"/>
-                <a:cs typeface="Segoe UI" pitchFamily="34" charset="0"/>
-              </a:endParaRPr>
-            </a:p>
-          </p:txBody>
-        </p:sp>
-        <p:sp>
-          <p:nvSpPr>
-            <p:cNvPr id="8" name="Flowchart: Magnetic Disk 7"/>
-            <p:cNvSpPr/>
-            <p:nvPr/>
-          </p:nvSpPr>
-          <p:spPr bwMode="auto">
-            <a:xfrm>
-              <a:off x="2570922" y="5592417"/>
-              <a:ext cx="795130" cy="689113"/>
-            </a:xfrm>
-            <a:prstGeom prst="flowChartMagneticDisk">
-              <a:avLst/>
-            </a:prstGeom>
-            <a:solidFill>
-              <a:srgbClr val="00FF00"/>
-            </a:solidFill>
-            <a:ln w="25400">
-              <a:solidFill>
-                <a:schemeClr val="accent1">
-                  <a:lumMod val="50000"/>
-                </a:schemeClr>
-              </a:solidFill>
-              <a:headEnd type="none" w="med" len="med"/>
-              <a:tailEnd type="none" w="med" len="med"/>
-            </a:ln>
-            <a:effectLst/>
-          </p:spPr>
-          <p:style>
-            <a:lnRef idx="1">
-              <a:schemeClr val="accent2"/>
-            </a:lnRef>
-            <a:fillRef idx="3">
-              <a:schemeClr val="accent2"/>
-            </a:fillRef>
-            <a:effectRef idx="2">
-              <a:schemeClr val="accent2"/>
-            </a:effectRef>
-            <a:fontRef idx="minor">
-              <a:schemeClr val="lt1"/>
-            </a:fontRef>
-          </p:style>
-          <p:txBody>
-            <a:bodyPr vert="horz" wrap="square" lIns="91436" tIns="45718" rIns="91436" bIns="45718" numCol="1" rtlCol="0" anchor="ctr" anchorCtr="0" compatLnSpc="1">
-              <a:prstTxWarp prst="textNoShape">
-                <a:avLst/>
-              </a:prstTxWarp>
-            </a:bodyPr>
-            <a:lstStyle/>
-            <a:p>
-              <a:pPr algn="ctr" defTabSz="914099" fontAlgn="base">
-                <a:spcBef>
-                  <a:spcPct val="0"/>
-                </a:spcBef>
-                <a:spcAft>
-                  <a:spcPct val="0"/>
-                </a:spcAft>
-              </a:pPr>
-              <a:endParaRPr lang="en-US" sz="2200" dirty="0" smtClean="0">
-                <a:solidFill>
-                  <a:schemeClr val="tx1"/>
-                </a:solidFill>
-              </a:endParaRPr>
-            </a:p>
-          </p:txBody>
-        </p:sp>
-      </p:grpSp>
-      <p:sp>
-        <p:nvSpPr>
-          <p:cNvPr id="10" name="TextBox 9"/>
-          <p:cNvSpPr txBox="1"/>
-          <p:nvPr/>
-        </p:nvSpPr>
-        <p:spPr>
-          <a:xfrm>
-            <a:off x="3848799" y="5802868"/>
-            <a:ext cx="2856801" cy="369332"/>
-          </a:xfrm>
-          <a:prstGeom prst="rect">
-            <a:avLst/>
-          </a:prstGeom>
-          <a:noFill/>
-        </p:spPr>
-        <p:txBody>
-          <a:bodyPr wrap="square" lIns="0" tIns="0" rIns="0" bIns="0" rtlCol="0">
-            <a:spAutoFit/>
-          </a:bodyPr>
-          <a:lstStyle/>
-          <a:p>
-            <a:r>
-              <a:rPr lang="en-US" sz="2400" dirty="0" smtClean="0">
-                <a:latin typeface="Segoe UI" pitchFamily="34" charset="0"/>
-                <a:ea typeface="Segoe UI" pitchFamily="34" charset="0"/>
-                <a:cs typeface="Segoe UI" pitchFamily="34" charset="0"/>
-              </a:rPr>
-              <a:t>Secondary </a:t>
-            </a:r>
-            <a:r>
-              <a:rPr lang="en-US" sz="2400" dirty="0" smtClean="0">
-                <a:latin typeface="Segoe UI" pitchFamily="34" charset="0"/>
-                <a:ea typeface="Segoe UI" pitchFamily="34" charset="0"/>
-                <a:cs typeface="Segoe UI" pitchFamily="34" charset="0"/>
-              </a:rPr>
-              <a:t>I</a:t>
-            </a:r>
-            <a:endParaRPr lang="en-US" sz="2400" dirty="0" smtClean="0">
-              <a:latin typeface="Segoe UI" pitchFamily="34" charset="0"/>
-              <a:ea typeface="Segoe UI" pitchFamily="34" charset="0"/>
-              <a:cs typeface="Segoe UI" pitchFamily="34" charset="0"/>
-            </a:endParaRPr>
-          </a:p>
-        </p:txBody>
-      </p:sp>
-      <p:grpSp>
-        <p:nvGrpSpPr>
-          <p:cNvPr id="11" name="Group 10"/>
-          <p:cNvGrpSpPr/>
-          <p:nvPr/>
-        </p:nvGrpSpPr>
-        <p:grpSpPr>
-          <a:xfrm>
-            <a:off x="3594312" y="3584763"/>
-            <a:ext cx="2132310" cy="2142673"/>
-            <a:chOff x="1855304" y="4081670"/>
-            <a:chExt cx="1855305" cy="2464904"/>
-          </a:xfrm>
-        </p:grpSpPr>
-        <p:sp>
-          <p:nvSpPr>
-            <p:cNvPr id="12" name="Rectangle 11"/>
-            <p:cNvSpPr/>
-            <p:nvPr/>
-          </p:nvSpPr>
-          <p:spPr bwMode="auto">
-            <a:xfrm>
-              <a:off x="1855304" y="4081670"/>
-              <a:ext cx="1855305" cy="2464904"/>
-            </a:xfrm>
-            <a:prstGeom prst="rect">
-              <a:avLst/>
-            </a:prstGeom>
-            <a:solidFill>
-              <a:schemeClr val="accent1">
-                <a:alpha val="50000"/>
-              </a:schemeClr>
-            </a:solidFill>
-            <a:ln w="38100">
-              <a:solidFill>
-                <a:schemeClr val="accent1">
-                  <a:lumMod val="50000"/>
-                </a:schemeClr>
-              </a:solidFill>
-              <a:headEnd type="none" w="med" len="med"/>
-              <a:tailEnd type="none" w="med" len="med"/>
-            </a:ln>
-            <a:effectLst/>
-          </p:spPr>
-          <p:style>
-            <a:lnRef idx="1">
-              <a:schemeClr val="accent2"/>
-            </a:lnRef>
-            <a:fillRef idx="3">
-              <a:schemeClr val="accent2"/>
-            </a:fillRef>
-            <a:effectRef idx="2">
-              <a:schemeClr val="accent2"/>
-            </a:effectRef>
-            <a:fontRef idx="minor">
-              <a:schemeClr val="lt1"/>
-            </a:fontRef>
-          </p:style>
-          <p:txBody>
-            <a:bodyPr vert="horz" wrap="square" lIns="91436" tIns="45718" rIns="91436" bIns="45718" numCol="1" rtlCol="0" anchor="t" anchorCtr="0" compatLnSpc="1">
-              <a:prstTxWarp prst="textNoShape">
-                <a:avLst/>
-              </a:prstTxWarp>
-            </a:bodyPr>
-            <a:lstStyle/>
-            <a:p>
-              <a:pPr algn="ctr" defTabSz="914099" fontAlgn="base">
-                <a:spcBef>
-                  <a:spcPct val="0"/>
-                </a:spcBef>
-                <a:spcAft>
-                  <a:spcPct val="0"/>
-                </a:spcAft>
-              </a:pPr>
-              <a:r>
-                <a:rPr lang="en-US" sz="2200" b="1" dirty="0" smtClean="0">
-                  <a:solidFill>
-                    <a:schemeClr val="tx1"/>
-                  </a:solidFill>
-                  <a:latin typeface="Segoe UI" pitchFamily="34" charset="0"/>
-                  <a:ea typeface="Segoe UI" pitchFamily="34" charset="0"/>
-                  <a:cs typeface="Segoe UI" pitchFamily="34" charset="0"/>
-                </a:rPr>
-                <a:t>EN </a:t>
-              </a:r>
-              <a:r>
-                <a:rPr lang="en-US" sz="2200" b="1" dirty="0" smtClean="0">
-                  <a:solidFill>
-                    <a:schemeClr val="tx1"/>
-                  </a:solidFill>
-                  <a:latin typeface="Segoe UI" pitchFamily="34" charset="0"/>
-                  <a:ea typeface="Segoe UI" pitchFamily="34" charset="0"/>
-                  <a:cs typeface="Segoe UI" pitchFamily="34" charset="0"/>
-                </a:rPr>
-                <a:t>2</a:t>
-              </a:r>
-              <a:endParaRPr lang="en-US" sz="2200" b="1" dirty="0" smtClean="0">
-                <a:solidFill>
-                  <a:schemeClr val="tx1"/>
-                </a:solidFill>
-                <a:latin typeface="Segoe UI" pitchFamily="34" charset="0"/>
-                <a:ea typeface="Segoe UI" pitchFamily="34" charset="0"/>
-                <a:cs typeface="Segoe UI" pitchFamily="34" charset="0"/>
-              </a:endParaRPr>
-            </a:p>
-          </p:txBody>
-        </p:sp>
-        <p:sp>
-          <p:nvSpPr>
-            <p:cNvPr id="13" name="Flowchart: Magnetic Disk 12"/>
-            <p:cNvSpPr/>
-            <p:nvPr/>
-          </p:nvSpPr>
-          <p:spPr bwMode="auto">
-            <a:xfrm>
-              <a:off x="2570922" y="5592417"/>
-              <a:ext cx="795130" cy="689113"/>
-            </a:xfrm>
-            <a:prstGeom prst="flowChartMagneticDisk">
-              <a:avLst/>
-            </a:prstGeom>
-            <a:solidFill>
-              <a:srgbClr val="00FF00"/>
-            </a:solidFill>
-            <a:ln w="25400">
-              <a:solidFill>
-                <a:schemeClr val="accent1">
-                  <a:lumMod val="50000"/>
-                </a:schemeClr>
-              </a:solidFill>
-              <a:headEnd type="none" w="med" len="med"/>
-              <a:tailEnd type="none" w="med" len="med"/>
-            </a:ln>
-            <a:effectLst/>
-          </p:spPr>
-          <p:style>
-            <a:lnRef idx="1">
-              <a:schemeClr val="accent2"/>
-            </a:lnRef>
-            <a:fillRef idx="3">
-              <a:schemeClr val="accent2"/>
-            </a:fillRef>
-            <a:effectRef idx="2">
-              <a:schemeClr val="accent2"/>
-            </a:effectRef>
-            <a:fontRef idx="minor">
-              <a:schemeClr val="lt1"/>
-            </a:fontRef>
-          </p:style>
-          <p:txBody>
-            <a:bodyPr vert="horz" wrap="square" lIns="91436" tIns="45718" rIns="91436" bIns="45718" numCol="1" rtlCol="0" anchor="ctr" anchorCtr="0" compatLnSpc="1">
-              <a:prstTxWarp prst="textNoShape">
-                <a:avLst/>
-              </a:prstTxWarp>
-            </a:bodyPr>
-            <a:lstStyle/>
-            <a:p>
-              <a:pPr algn="ctr" defTabSz="914099" fontAlgn="base">
-                <a:spcBef>
-                  <a:spcPct val="0"/>
-                </a:spcBef>
-                <a:spcAft>
-                  <a:spcPct val="0"/>
-                </a:spcAft>
-              </a:pPr>
-              <a:endParaRPr lang="en-US" sz="2200" dirty="0" smtClean="0">
-                <a:solidFill>
-                  <a:schemeClr val="tx1"/>
-                </a:solidFill>
-              </a:endParaRPr>
-            </a:p>
-          </p:txBody>
-        </p:sp>
-      </p:grpSp>
-      <p:sp>
-        <p:nvSpPr>
-          <p:cNvPr id="14" name="TextBox 13"/>
-          <p:cNvSpPr txBox="1"/>
-          <p:nvPr/>
-        </p:nvSpPr>
-        <p:spPr>
-          <a:xfrm>
-            <a:off x="1219200" y="5818634"/>
-            <a:ext cx="1481822" cy="369332"/>
-          </a:xfrm>
-          <a:prstGeom prst="rect">
-            <a:avLst/>
-          </a:prstGeom>
-          <a:noFill/>
-        </p:spPr>
-        <p:txBody>
-          <a:bodyPr wrap="square" lIns="0" tIns="0" rIns="0" bIns="0" rtlCol="0">
-            <a:spAutoFit/>
-          </a:bodyPr>
-          <a:lstStyle/>
-          <a:p>
-            <a:r>
-              <a:rPr lang="en-US" sz="2400" dirty="0" smtClean="0">
-                <a:latin typeface="Segoe UI" pitchFamily="34" charset="0"/>
-                <a:ea typeface="Segoe UI" pitchFamily="34" charset="0"/>
-                <a:cs typeface="Segoe UI" pitchFamily="34" charset="0"/>
-              </a:rPr>
-              <a:t>Primary</a:t>
-            </a:r>
-            <a:endParaRPr lang="en-US" sz="2400" dirty="0" smtClean="0">
-              <a:latin typeface="Segoe UI" pitchFamily="34" charset="0"/>
-              <a:ea typeface="Segoe UI" pitchFamily="34" charset="0"/>
-              <a:cs typeface="Segoe UI" pitchFamily="34" charset="0"/>
-            </a:endParaRPr>
-          </a:p>
-        </p:txBody>
-      </p:sp>
-      <p:grpSp>
-        <p:nvGrpSpPr>
-          <p:cNvPr id="15" name="Group 14"/>
-          <p:cNvGrpSpPr/>
-          <p:nvPr/>
-        </p:nvGrpSpPr>
-        <p:grpSpPr>
-          <a:xfrm>
-            <a:off x="609600" y="3581400"/>
-            <a:ext cx="2132310" cy="2142673"/>
-            <a:chOff x="1855304" y="4081670"/>
-            <a:chExt cx="1855305" cy="2464904"/>
-          </a:xfrm>
-        </p:grpSpPr>
-        <p:sp>
-          <p:nvSpPr>
-            <p:cNvPr id="16" name="Rectangle 15"/>
-            <p:cNvSpPr/>
-            <p:nvPr/>
-          </p:nvSpPr>
-          <p:spPr bwMode="auto">
-            <a:xfrm>
-              <a:off x="1855304" y="4081670"/>
-              <a:ext cx="1855305" cy="2464904"/>
-            </a:xfrm>
-            <a:prstGeom prst="rect">
-              <a:avLst/>
-            </a:prstGeom>
-            <a:solidFill>
-              <a:schemeClr val="accent1">
-                <a:alpha val="50000"/>
-              </a:schemeClr>
-            </a:solidFill>
-            <a:ln w="38100">
-              <a:solidFill>
-                <a:schemeClr val="accent1">
-                  <a:lumMod val="50000"/>
-                </a:schemeClr>
-              </a:solidFill>
-              <a:headEnd type="none" w="med" len="med"/>
-              <a:tailEnd type="none" w="med" len="med"/>
-            </a:ln>
-            <a:effectLst/>
-          </p:spPr>
-          <p:style>
-            <a:lnRef idx="1">
-              <a:schemeClr val="accent2"/>
-            </a:lnRef>
-            <a:fillRef idx="3">
-              <a:schemeClr val="accent2"/>
-            </a:fillRef>
-            <a:effectRef idx="2">
-              <a:schemeClr val="accent2"/>
-            </a:effectRef>
-            <a:fontRef idx="minor">
-              <a:schemeClr val="lt1"/>
-            </a:fontRef>
-          </p:style>
-          <p:txBody>
-            <a:bodyPr vert="horz" wrap="square" lIns="91436" tIns="45718" rIns="91436" bIns="45718" numCol="1" rtlCol="0" anchor="t" anchorCtr="0" compatLnSpc="1">
-              <a:prstTxWarp prst="textNoShape">
-                <a:avLst/>
-              </a:prstTxWarp>
-            </a:bodyPr>
-            <a:lstStyle/>
-            <a:p>
-              <a:pPr algn="ctr" defTabSz="914099" fontAlgn="base">
-                <a:spcBef>
-                  <a:spcPct val="0"/>
-                </a:spcBef>
-                <a:spcAft>
-                  <a:spcPct val="0"/>
-                </a:spcAft>
-              </a:pPr>
-              <a:r>
-                <a:rPr lang="en-US" sz="2200" b="1" dirty="0" smtClean="0">
-                  <a:solidFill>
-                    <a:schemeClr val="tx1"/>
-                  </a:solidFill>
-                  <a:latin typeface="Segoe UI" pitchFamily="34" charset="0"/>
-                  <a:ea typeface="Segoe UI" pitchFamily="34" charset="0"/>
-                  <a:cs typeface="Segoe UI" pitchFamily="34" charset="0"/>
-                </a:rPr>
-                <a:t>EN </a:t>
-              </a:r>
-              <a:r>
-                <a:rPr lang="en-US" sz="2200" b="1" dirty="0" smtClean="0">
-                  <a:solidFill>
-                    <a:schemeClr val="tx1"/>
-                  </a:solidFill>
-                  <a:latin typeface="Segoe UI" pitchFamily="34" charset="0"/>
-                  <a:ea typeface="Segoe UI" pitchFamily="34" charset="0"/>
-                  <a:cs typeface="Segoe UI" pitchFamily="34" charset="0"/>
-                </a:rPr>
-                <a:t>1</a:t>
-              </a:r>
-              <a:endParaRPr lang="en-US" sz="2200" b="1" dirty="0" smtClean="0">
-                <a:solidFill>
-                  <a:schemeClr val="tx1"/>
-                </a:solidFill>
-                <a:latin typeface="Segoe UI" pitchFamily="34" charset="0"/>
-                <a:ea typeface="Segoe UI" pitchFamily="34" charset="0"/>
-                <a:cs typeface="Segoe UI" pitchFamily="34" charset="0"/>
-              </a:endParaRPr>
-            </a:p>
-          </p:txBody>
-        </p:sp>
-        <p:sp>
-          <p:nvSpPr>
-            <p:cNvPr id="17" name="Flowchart: Magnetic Disk 16"/>
-            <p:cNvSpPr/>
-            <p:nvPr/>
-          </p:nvSpPr>
-          <p:spPr bwMode="auto">
-            <a:xfrm>
-              <a:off x="2570922" y="5592417"/>
-              <a:ext cx="795130" cy="689113"/>
-            </a:xfrm>
-            <a:prstGeom prst="flowChartMagneticDisk">
-              <a:avLst/>
-            </a:prstGeom>
-            <a:solidFill>
-              <a:srgbClr val="00FF00"/>
-            </a:solidFill>
-            <a:ln w="25400">
-              <a:solidFill>
-                <a:schemeClr val="accent1">
-                  <a:lumMod val="50000"/>
-                </a:schemeClr>
-              </a:solidFill>
-              <a:headEnd type="none" w="med" len="med"/>
-              <a:tailEnd type="none" w="med" len="med"/>
-            </a:ln>
-            <a:effectLst/>
-          </p:spPr>
-          <p:style>
-            <a:lnRef idx="1">
-              <a:schemeClr val="accent2"/>
-            </a:lnRef>
-            <a:fillRef idx="3">
-              <a:schemeClr val="accent2"/>
-            </a:fillRef>
-            <a:effectRef idx="2">
-              <a:schemeClr val="accent2"/>
-            </a:effectRef>
-            <a:fontRef idx="minor">
-              <a:schemeClr val="lt1"/>
-            </a:fontRef>
-          </p:style>
-          <p:txBody>
-            <a:bodyPr vert="horz" wrap="square" lIns="91436" tIns="45718" rIns="91436" bIns="45718" numCol="1" rtlCol="0" anchor="ctr" anchorCtr="0" compatLnSpc="1">
-              <a:prstTxWarp prst="textNoShape">
-                <a:avLst/>
-              </a:prstTxWarp>
-            </a:bodyPr>
-            <a:lstStyle/>
-            <a:p>
-              <a:pPr algn="ctr" defTabSz="914099" fontAlgn="base">
-                <a:spcBef>
-                  <a:spcPct val="0"/>
-                </a:spcBef>
-                <a:spcAft>
-                  <a:spcPct val="0"/>
-                </a:spcAft>
-              </a:pPr>
-              <a:endParaRPr lang="en-US" sz="2200" dirty="0" smtClean="0">
-                <a:solidFill>
-                  <a:schemeClr val="tx1"/>
-                </a:solidFill>
-              </a:endParaRPr>
-            </a:p>
-          </p:txBody>
-        </p:sp>
-      </p:grpSp>
-      <p:sp>
-        <p:nvSpPr>
-          <p:cNvPr id="21" name="Rectangle 20"/>
-          <p:cNvSpPr/>
-          <p:nvPr/>
-        </p:nvSpPr>
-        <p:spPr bwMode="auto">
-          <a:xfrm>
-            <a:off x="884834" y="4656099"/>
-            <a:ext cx="207711" cy="648430"/>
-          </a:xfrm>
-          <a:prstGeom prst="rect">
-            <a:avLst/>
-          </a:prstGeom>
-          <a:solidFill>
-            <a:srgbClr val="0070C0"/>
-          </a:solidFill>
-          <a:ln w="25400">
-            <a:solidFill>
-              <a:schemeClr val="accent1">
-                <a:lumMod val="50000"/>
-              </a:schemeClr>
-            </a:solidFill>
-            <a:headEnd type="none" w="med" len="med"/>
-            <a:tailEnd type="none" w="med" len="med"/>
-          </a:ln>
-          <a:effectLst/>
-        </p:spPr>
-        <p:style>
-          <a:lnRef idx="1">
-            <a:schemeClr val="accent2"/>
-          </a:lnRef>
-          <a:fillRef idx="3">
-            <a:schemeClr val="accent2"/>
-          </a:fillRef>
-          <a:effectRef idx="2">
-            <a:schemeClr val="accent2"/>
-          </a:effectRef>
-          <a:fontRef idx="minor">
-            <a:schemeClr val="lt1"/>
-          </a:fontRef>
-        </p:style>
-        <p:txBody>
-          <a:bodyPr vert="horz" wrap="square" lIns="91436" tIns="45718" rIns="91436" bIns="45718" numCol="1" rtlCol="0" anchor="ctr" anchorCtr="0" compatLnSpc="1">
-            <a:prstTxWarp prst="textNoShape">
-              <a:avLst/>
-            </a:prstTxWarp>
-          </a:bodyPr>
-          <a:lstStyle/>
-          <a:p>
-            <a:pPr algn="ctr" defTabSz="914099" fontAlgn="base">
-              <a:spcBef>
-                <a:spcPct val="0"/>
-              </a:spcBef>
-              <a:spcAft>
-                <a:spcPct val="0"/>
-              </a:spcAft>
-            </a:pPr>
-            <a:endParaRPr lang="en-US" sz="2200" dirty="0" smtClean="0">
-              <a:gradFill>
-                <a:gsLst>
-                  <a:gs pos="0">
-                    <a:schemeClr val="tx1"/>
-                  </a:gs>
-                  <a:gs pos="100000">
-                    <a:schemeClr val="tx1"/>
-                  </a:gs>
-                </a:gsLst>
-                <a:lin ang="5400000" scaled="0"/>
-              </a:gradFill>
-            </a:endParaRPr>
-          </a:p>
-        </p:txBody>
-      </p:sp>
-      <p:sp>
-        <p:nvSpPr>
-          <p:cNvPr id="22" name="Rectangle 21"/>
-          <p:cNvSpPr/>
-          <p:nvPr/>
-        </p:nvSpPr>
-        <p:spPr bwMode="auto">
-          <a:xfrm>
-            <a:off x="879572" y="4646148"/>
-            <a:ext cx="207711" cy="648430"/>
-          </a:xfrm>
-          <a:prstGeom prst="rect">
-            <a:avLst/>
-          </a:prstGeom>
-          <a:solidFill>
-            <a:srgbClr val="0070C0"/>
-          </a:solidFill>
-          <a:ln w="25400">
-            <a:solidFill>
-              <a:schemeClr val="accent1">
-                <a:lumMod val="50000"/>
-              </a:schemeClr>
-            </a:solidFill>
-            <a:headEnd type="none" w="med" len="med"/>
-            <a:tailEnd type="none" w="med" len="med"/>
-          </a:ln>
-          <a:effectLst/>
-        </p:spPr>
-        <p:style>
-          <a:lnRef idx="1">
-            <a:schemeClr val="accent2"/>
-          </a:lnRef>
-          <a:fillRef idx="3">
-            <a:schemeClr val="accent2"/>
-          </a:fillRef>
-          <a:effectRef idx="2">
-            <a:schemeClr val="accent2"/>
-          </a:effectRef>
-          <a:fontRef idx="minor">
-            <a:schemeClr val="lt1"/>
-          </a:fontRef>
-        </p:style>
-        <p:txBody>
-          <a:bodyPr vert="horz" wrap="square" lIns="91436" tIns="45718" rIns="91436" bIns="45718" numCol="1" rtlCol="0" anchor="ctr" anchorCtr="0" compatLnSpc="1">
-            <a:prstTxWarp prst="textNoShape">
-              <a:avLst/>
-            </a:prstTxWarp>
-          </a:bodyPr>
-          <a:lstStyle/>
-          <a:p>
-            <a:pPr algn="ctr" defTabSz="914099" fontAlgn="base">
-              <a:spcBef>
-                <a:spcPct val="0"/>
-              </a:spcBef>
-              <a:spcAft>
-                <a:spcPct val="0"/>
-              </a:spcAft>
-            </a:pPr>
-            <a:endParaRPr lang="en-US" sz="2200" dirty="0" smtClean="0">
-              <a:gradFill>
-                <a:gsLst>
-                  <a:gs pos="0">
-                    <a:schemeClr val="tx1"/>
-                  </a:gs>
-                  <a:gs pos="100000">
-                    <a:schemeClr val="tx1"/>
-                  </a:gs>
-                </a:gsLst>
-                <a:lin ang="5400000" scaled="0"/>
-              </a:gradFill>
-            </a:endParaRPr>
-          </a:p>
-        </p:txBody>
-      </p:sp>
-      <p:sp>
-        <p:nvSpPr>
-          <p:cNvPr id="23" name="Rectangle 22"/>
-          <p:cNvSpPr/>
-          <p:nvPr/>
-        </p:nvSpPr>
-        <p:spPr bwMode="auto">
-          <a:xfrm>
-            <a:off x="884834" y="4648214"/>
-            <a:ext cx="207711" cy="648430"/>
-          </a:xfrm>
-          <a:prstGeom prst="rect">
-            <a:avLst/>
-          </a:prstGeom>
-          <a:solidFill>
-            <a:srgbClr val="0070C0"/>
-          </a:solidFill>
-          <a:ln w="25400">
-            <a:solidFill>
-              <a:schemeClr val="accent1">
-                <a:lumMod val="50000"/>
-              </a:schemeClr>
-            </a:solidFill>
-            <a:headEnd type="none" w="med" len="med"/>
-            <a:tailEnd type="none" w="med" len="med"/>
-          </a:ln>
-          <a:effectLst/>
-        </p:spPr>
-        <p:style>
-          <a:lnRef idx="1">
-            <a:schemeClr val="accent2"/>
-          </a:lnRef>
-          <a:fillRef idx="3">
-            <a:schemeClr val="accent2"/>
-          </a:fillRef>
-          <a:effectRef idx="2">
-            <a:schemeClr val="accent2"/>
-          </a:effectRef>
-          <a:fontRef idx="minor">
-            <a:schemeClr val="lt1"/>
-          </a:fontRef>
-        </p:style>
-        <p:txBody>
-          <a:bodyPr vert="horz" wrap="square" lIns="91436" tIns="45718" rIns="91436" bIns="45718" numCol="1" rtlCol="0" anchor="ctr" anchorCtr="0" compatLnSpc="1">
-            <a:prstTxWarp prst="textNoShape">
-              <a:avLst/>
-            </a:prstTxWarp>
-          </a:bodyPr>
-          <a:lstStyle/>
-          <a:p>
-            <a:pPr algn="ctr" defTabSz="914099" fontAlgn="base">
-              <a:spcBef>
-                <a:spcPct val="0"/>
-              </a:spcBef>
-              <a:spcAft>
-                <a:spcPct val="0"/>
-              </a:spcAft>
-            </a:pPr>
-            <a:endParaRPr lang="en-US" sz="2200" dirty="0" smtClean="0">
-              <a:gradFill>
-                <a:gsLst>
-                  <a:gs pos="0">
-                    <a:schemeClr val="tx1"/>
-                  </a:gs>
-                  <a:gs pos="100000">
-                    <a:schemeClr val="tx1"/>
-                  </a:gs>
-                </a:gsLst>
-                <a:lin ang="5400000" scaled="0"/>
-              </a:gradFill>
-            </a:endParaRPr>
-          </a:p>
-        </p:txBody>
-      </p:sp>
-      <p:sp>
-        <p:nvSpPr>
-          <p:cNvPr id="29" name="Rectangle 28"/>
-          <p:cNvSpPr/>
-          <p:nvPr/>
-        </p:nvSpPr>
-        <p:spPr bwMode="auto">
-          <a:xfrm>
-            <a:off x="3879294" y="4704433"/>
-            <a:ext cx="207711" cy="648430"/>
-          </a:xfrm>
-          <a:prstGeom prst="rect">
-            <a:avLst/>
-          </a:prstGeom>
-          <a:solidFill>
-            <a:srgbClr val="0070C0"/>
-          </a:solidFill>
-          <a:ln w="25400">
-            <a:solidFill>
-              <a:schemeClr val="accent1">
-                <a:lumMod val="50000"/>
-              </a:schemeClr>
-            </a:solidFill>
-            <a:headEnd type="none" w="med" len="med"/>
-            <a:tailEnd type="none" w="med" len="med"/>
-          </a:ln>
-          <a:effectLst/>
-        </p:spPr>
-        <p:style>
-          <a:lnRef idx="1">
-            <a:schemeClr val="accent2"/>
-          </a:lnRef>
-          <a:fillRef idx="3">
-            <a:schemeClr val="accent2"/>
-          </a:fillRef>
-          <a:effectRef idx="2">
-            <a:schemeClr val="accent2"/>
-          </a:effectRef>
-          <a:fontRef idx="minor">
-            <a:schemeClr val="lt1"/>
-          </a:fontRef>
-        </p:style>
-        <p:txBody>
-          <a:bodyPr vert="horz" wrap="square" lIns="91436" tIns="45718" rIns="91436" bIns="45718" numCol="1" rtlCol="0" anchor="ctr" anchorCtr="0" compatLnSpc="1">
-            <a:prstTxWarp prst="textNoShape">
-              <a:avLst/>
-            </a:prstTxWarp>
-          </a:bodyPr>
-          <a:lstStyle/>
-          <a:p>
-            <a:pPr algn="ctr" defTabSz="914099" fontAlgn="base">
-              <a:spcBef>
-                <a:spcPct val="0"/>
-              </a:spcBef>
-              <a:spcAft>
-                <a:spcPct val="0"/>
-              </a:spcAft>
-            </a:pPr>
-            <a:endParaRPr lang="en-US" sz="2200" dirty="0" smtClean="0">
-              <a:gradFill>
-                <a:gsLst>
-                  <a:gs pos="0">
-                    <a:schemeClr val="tx1"/>
-                  </a:gs>
-                  <a:gs pos="100000">
-                    <a:schemeClr val="tx1"/>
-                  </a:gs>
-                </a:gsLst>
-                <a:lin ang="5400000" scaled="0"/>
-              </a:gradFill>
-            </a:endParaRPr>
-          </a:p>
-        </p:txBody>
-      </p:sp>
-      <p:sp>
-        <p:nvSpPr>
-          <p:cNvPr id="30" name="Rectangle 29"/>
-          <p:cNvSpPr/>
-          <p:nvPr/>
-        </p:nvSpPr>
-        <p:spPr bwMode="auto">
-          <a:xfrm>
-            <a:off x="6864006" y="4704433"/>
-            <a:ext cx="207711" cy="648430"/>
-          </a:xfrm>
-          <a:prstGeom prst="rect">
-            <a:avLst/>
-          </a:prstGeom>
-          <a:solidFill>
-            <a:srgbClr val="0070C0"/>
-          </a:solidFill>
-          <a:ln w="25400">
-            <a:solidFill>
-              <a:schemeClr val="accent1">
-                <a:lumMod val="50000"/>
-              </a:schemeClr>
-            </a:solidFill>
-            <a:headEnd type="none" w="med" len="med"/>
-            <a:tailEnd type="none" w="med" len="med"/>
-          </a:ln>
-          <a:effectLst/>
-        </p:spPr>
-        <p:style>
-          <a:lnRef idx="1">
-            <a:schemeClr val="accent2"/>
-          </a:lnRef>
-          <a:fillRef idx="3">
-            <a:schemeClr val="accent2"/>
-          </a:fillRef>
-          <a:effectRef idx="2">
-            <a:schemeClr val="accent2"/>
-          </a:effectRef>
-          <a:fontRef idx="minor">
-            <a:schemeClr val="lt1"/>
-          </a:fontRef>
-        </p:style>
-        <p:txBody>
-          <a:bodyPr vert="horz" wrap="square" lIns="91436" tIns="45718" rIns="91436" bIns="45718" numCol="1" rtlCol="0" anchor="ctr" anchorCtr="0" compatLnSpc="1">
-            <a:prstTxWarp prst="textNoShape">
-              <a:avLst/>
-            </a:prstTxWarp>
-          </a:bodyPr>
-          <a:lstStyle/>
-          <a:p>
-            <a:pPr algn="ctr" defTabSz="914099" fontAlgn="base">
-              <a:spcBef>
-                <a:spcPct val="0"/>
-              </a:spcBef>
-              <a:spcAft>
-                <a:spcPct val="0"/>
-              </a:spcAft>
-            </a:pPr>
-            <a:endParaRPr lang="en-US" sz="2200" dirty="0" smtClean="0">
-              <a:gradFill>
-                <a:gsLst>
-                  <a:gs pos="0">
-                    <a:schemeClr val="tx1"/>
-                  </a:gs>
-                  <a:gs pos="100000">
-                    <a:schemeClr val="tx1"/>
-                  </a:gs>
-                </a:gsLst>
-                <a:lin ang="5400000" scaled="0"/>
-              </a:gradFill>
-            </a:endParaRPr>
-          </a:p>
-        </p:txBody>
-      </p:sp>
-      <p:sp>
-        <p:nvSpPr>
-          <p:cNvPr id="31" name="Rectangle 30"/>
-          <p:cNvSpPr/>
-          <p:nvPr/>
-        </p:nvSpPr>
-        <p:spPr bwMode="auto">
-          <a:xfrm>
-            <a:off x="6468870" y="1337157"/>
-            <a:ext cx="1684530" cy="874530"/>
-          </a:xfrm>
-          <a:prstGeom prst="rect">
-            <a:avLst/>
-          </a:prstGeom>
-          <a:solidFill>
-            <a:schemeClr val="accent1">
-              <a:lumMod val="60000"/>
-              <a:lumOff val="40000"/>
-            </a:schemeClr>
-          </a:solidFill>
-          <a:ln w="38100">
-            <a:solidFill>
-              <a:schemeClr val="accent1">
-                <a:lumMod val="50000"/>
-              </a:schemeClr>
-            </a:solidFill>
-            <a:headEnd type="none" w="med" len="med"/>
-            <a:tailEnd type="none" w="med" len="med"/>
-          </a:ln>
-          <a:effectLst/>
-        </p:spPr>
-        <p:style>
-          <a:lnRef idx="1">
-            <a:schemeClr val="accent2"/>
-          </a:lnRef>
-          <a:fillRef idx="3">
-            <a:schemeClr val="accent2"/>
-          </a:fillRef>
-          <a:effectRef idx="2">
-            <a:schemeClr val="accent2"/>
-          </a:effectRef>
-          <a:fontRef idx="minor">
-            <a:schemeClr val="lt1"/>
-          </a:fontRef>
-        </p:style>
-        <p:txBody>
-          <a:bodyPr vert="horz" wrap="square" lIns="91436" tIns="45718" rIns="91436" bIns="45718" numCol="1" rtlCol="0" anchor="ctr" anchorCtr="0" compatLnSpc="1">
-            <a:prstTxWarp prst="textNoShape">
-              <a:avLst/>
-            </a:prstTxWarp>
-          </a:bodyPr>
-          <a:lstStyle/>
-          <a:p>
-            <a:pPr algn="ctr" defTabSz="914099" fontAlgn="base">
-              <a:spcBef>
-                <a:spcPct val="0"/>
-              </a:spcBef>
-              <a:spcAft>
-                <a:spcPct val="0"/>
-              </a:spcAft>
-            </a:pPr>
-            <a:r>
-              <a:rPr lang="en-US" sz="2200" b="1" dirty="0" smtClean="0">
-                <a:solidFill>
-                  <a:schemeClr val="tx1"/>
-                </a:solidFill>
-                <a:latin typeface="Segoe UI" pitchFamily="34" charset="0"/>
-                <a:ea typeface="Segoe UI" pitchFamily="34" charset="0"/>
-                <a:cs typeface="Segoe UI" pitchFamily="34" charset="0"/>
-              </a:rPr>
-              <a:t>Stream Master</a:t>
-            </a:r>
-          </a:p>
-        </p:txBody>
-      </p:sp>
-      <p:sp>
-        <p:nvSpPr>
-          <p:cNvPr id="32" name="Rectangle 31"/>
-          <p:cNvSpPr/>
-          <p:nvPr/>
-        </p:nvSpPr>
-        <p:spPr bwMode="auto">
-          <a:xfrm>
-            <a:off x="879571" y="4330264"/>
-            <a:ext cx="207711" cy="324215"/>
-          </a:xfrm>
-          <a:prstGeom prst="rect">
-            <a:avLst/>
-          </a:prstGeom>
-          <a:solidFill>
-            <a:srgbClr val="C00000"/>
-          </a:solidFill>
-          <a:ln w="25400">
-            <a:solidFill>
-              <a:schemeClr val="tx1">
-                <a:lumMod val="75000"/>
-                <a:lumOff val="25000"/>
-              </a:schemeClr>
-            </a:solidFill>
-            <a:headEnd type="none" w="med" len="med"/>
-            <a:tailEnd type="none" w="med" len="med"/>
-          </a:ln>
-          <a:effectLst/>
-        </p:spPr>
-        <p:style>
-          <a:lnRef idx="1">
-            <a:schemeClr val="accent2"/>
-          </a:lnRef>
-          <a:fillRef idx="3">
-            <a:schemeClr val="accent2"/>
-          </a:fillRef>
-          <a:effectRef idx="2">
-            <a:schemeClr val="accent2"/>
-          </a:effectRef>
-          <a:fontRef idx="minor">
-            <a:schemeClr val="lt1"/>
-          </a:fontRef>
-        </p:style>
-        <p:txBody>
-          <a:bodyPr vert="horz" wrap="square" lIns="91436" tIns="45718" rIns="91436" bIns="45718" numCol="1" rtlCol="0" anchor="ctr" anchorCtr="0" compatLnSpc="1">
-            <a:prstTxWarp prst="textNoShape">
-              <a:avLst/>
-            </a:prstTxWarp>
-          </a:bodyPr>
-          <a:lstStyle/>
-          <a:p>
-            <a:pPr algn="ctr" defTabSz="914099" fontAlgn="base">
-              <a:spcBef>
-                <a:spcPct val="0"/>
-              </a:spcBef>
-              <a:spcAft>
-                <a:spcPct val="0"/>
-              </a:spcAft>
-            </a:pPr>
-            <a:endParaRPr lang="en-US" sz="2200" dirty="0" smtClean="0">
-              <a:gradFill>
-                <a:gsLst>
-                  <a:gs pos="0">
-                    <a:schemeClr val="tx1"/>
-                  </a:gs>
-                  <a:gs pos="100000">
-                    <a:schemeClr val="tx1"/>
-                  </a:gs>
-                </a:gsLst>
-                <a:lin ang="5400000" scaled="0"/>
-              </a:gradFill>
-            </a:endParaRPr>
-          </a:p>
-        </p:txBody>
-      </p:sp>
-      <p:sp>
-        <p:nvSpPr>
-          <p:cNvPr id="35" name="Multiply 34"/>
-          <p:cNvSpPr/>
-          <p:nvPr/>
-        </p:nvSpPr>
-        <p:spPr bwMode="auto">
-          <a:xfrm>
-            <a:off x="3180428" y="4034193"/>
-            <a:ext cx="751418" cy="672857"/>
-          </a:xfrm>
-          <a:prstGeom prst="mathMultiply">
-            <a:avLst/>
-          </a:prstGeom>
-          <a:solidFill>
-            <a:srgbClr val="FF0000"/>
-          </a:solidFill>
-          <a:ln>
-            <a:noFill/>
-            <a:headEnd type="none" w="med" len="med"/>
-            <a:tailEnd type="none" w="med" len="med"/>
-          </a:ln>
-          <a:effectLst/>
-        </p:spPr>
-        <p:style>
-          <a:lnRef idx="1">
-            <a:schemeClr val="accent2"/>
-          </a:lnRef>
-          <a:fillRef idx="3">
-            <a:schemeClr val="accent2"/>
-          </a:fillRef>
-          <a:effectRef idx="2">
-            <a:schemeClr val="accent2"/>
-          </a:effectRef>
-          <a:fontRef idx="minor">
-            <a:schemeClr val="lt1"/>
-          </a:fontRef>
-        </p:style>
-        <p:txBody>
-          <a:bodyPr vert="horz" wrap="square" lIns="91436" tIns="45718" rIns="91436" bIns="45718" numCol="1" rtlCol="0" anchor="ctr" anchorCtr="0" compatLnSpc="1">
-            <a:prstTxWarp prst="textNoShape">
-              <a:avLst/>
-            </a:prstTxWarp>
-          </a:bodyPr>
-          <a:lstStyle/>
-          <a:p>
-            <a:pPr algn="ctr" defTabSz="914099" fontAlgn="base">
-              <a:spcBef>
-                <a:spcPct val="0"/>
-              </a:spcBef>
-              <a:spcAft>
-                <a:spcPct val="0"/>
-              </a:spcAft>
-            </a:pPr>
-            <a:endParaRPr lang="en-US" sz="2200" dirty="0" smtClean="0">
-              <a:gradFill>
-                <a:gsLst>
-                  <a:gs pos="0">
-                    <a:schemeClr val="tx1"/>
-                  </a:gs>
-                  <a:gs pos="100000">
-                    <a:schemeClr val="tx1"/>
-                  </a:gs>
-                </a:gsLst>
-                <a:lin ang="5400000" scaled="0"/>
-              </a:gradFill>
-            </a:endParaRPr>
-          </a:p>
-        </p:txBody>
-      </p:sp>
-      <p:cxnSp>
-        <p:nvCxnSpPr>
-          <p:cNvPr id="37" name="Straight Arrow Connector 36"/>
-          <p:cNvCxnSpPr>
-            <a:stCxn id="4" idx="3"/>
-            <a:endCxn id="31" idx="1"/>
-          </p:cNvCxnSpPr>
-          <p:nvPr/>
-        </p:nvCxnSpPr>
-        <p:spPr>
-          <a:xfrm flipV="1">
-            <a:off x="2500336" y="1774422"/>
-            <a:ext cx="3968534" cy="4682"/>
-          </a:xfrm>
-          <a:prstGeom prst="straightConnector1">
-            <a:avLst/>
-          </a:prstGeom>
-          <a:ln w="38100">
-            <a:solidFill>
-              <a:schemeClr val="accent1">
-                <a:lumMod val="50000"/>
-              </a:schemeClr>
-            </a:solidFill>
-            <a:tailEnd type="arrow"/>
-          </a:ln>
-        </p:spPr>
-        <p:style>
-          <a:lnRef idx="1">
-            <a:schemeClr val="accent1"/>
-          </a:lnRef>
-          <a:fillRef idx="0">
-            <a:schemeClr val="accent1"/>
-          </a:fillRef>
-          <a:effectRef idx="0">
-            <a:schemeClr val="accent1"/>
-          </a:effectRef>
-          <a:fontRef idx="minor">
-            <a:schemeClr val="tx1"/>
-          </a:fontRef>
-        </p:style>
-      </p:cxnSp>
-      <p:sp>
-        <p:nvSpPr>
-          <p:cNvPr id="38" name="TextBox 37"/>
-          <p:cNvSpPr txBox="1"/>
-          <p:nvPr/>
-        </p:nvSpPr>
-        <p:spPr>
-          <a:xfrm>
-            <a:off x="3428492" y="1333059"/>
-            <a:ext cx="2298130" cy="369332"/>
-          </a:xfrm>
-          <a:prstGeom prst="rect">
-            <a:avLst/>
-          </a:prstGeom>
-          <a:noFill/>
-        </p:spPr>
-        <p:txBody>
-          <a:bodyPr wrap="none" lIns="0" tIns="0" rIns="0" bIns="0" rtlCol="0">
-            <a:spAutoFit/>
-          </a:bodyPr>
-          <a:lstStyle/>
-          <a:p>
-            <a:r>
-              <a:rPr lang="en-US" sz="2400" dirty="0" smtClean="0">
-                <a:latin typeface="Segoe UI" pitchFamily="34" charset="0"/>
-                <a:ea typeface="Segoe UI" pitchFamily="34" charset="0"/>
-                <a:cs typeface="Segoe UI" pitchFamily="34" charset="0"/>
-              </a:rPr>
-              <a:t>Error: Seal </a:t>
-            </a:r>
-            <a:r>
-              <a:rPr lang="en-US" sz="2400" dirty="0" smtClean="0">
-                <a:latin typeface="Segoe UI" pitchFamily="34" charset="0"/>
-                <a:ea typeface="Segoe UI" pitchFamily="34" charset="0"/>
-                <a:cs typeface="Segoe UI" pitchFamily="34" charset="0"/>
-              </a:rPr>
-              <a:t>Extent</a:t>
-            </a:r>
-          </a:p>
-        </p:txBody>
-      </p:sp>
-      <p:cxnSp>
-        <p:nvCxnSpPr>
-          <p:cNvPr id="36" name="Straight Arrow Connector 35"/>
-          <p:cNvCxnSpPr>
-            <a:stCxn id="16" idx="0"/>
-            <a:endCxn id="31" idx="2"/>
-          </p:cNvCxnSpPr>
-          <p:nvPr/>
-        </p:nvCxnSpPr>
-        <p:spPr>
-          <a:xfrm flipV="1">
-            <a:off x="1675755" y="2211687"/>
-            <a:ext cx="5635380" cy="1369713"/>
-          </a:xfrm>
-          <a:prstGeom prst="straightConnector1">
-            <a:avLst/>
-          </a:prstGeom>
-          <a:ln w="38100">
-            <a:solidFill>
-              <a:schemeClr val="accent1">
-                <a:lumMod val="50000"/>
-              </a:schemeClr>
-            </a:solidFill>
-            <a:tailEnd type="arrow"/>
-          </a:ln>
-        </p:spPr>
-        <p:style>
-          <a:lnRef idx="1">
-            <a:schemeClr val="accent1"/>
-          </a:lnRef>
-          <a:fillRef idx="0">
-            <a:schemeClr val="accent1"/>
-          </a:fillRef>
-          <a:effectRef idx="0">
-            <a:schemeClr val="accent1"/>
-          </a:effectRef>
-          <a:fontRef idx="minor">
-            <a:schemeClr val="tx1"/>
-          </a:fontRef>
-        </p:style>
-      </p:cxnSp>
-      <p:cxnSp>
-        <p:nvCxnSpPr>
-          <p:cNvPr id="39" name="Straight Arrow Connector 38"/>
-          <p:cNvCxnSpPr>
-            <a:stCxn id="7" idx="0"/>
-            <a:endCxn id="31" idx="2"/>
-          </p:cNvCxnSpPr>
-          <p:nvPr/>
-        </p:nvCxnSpPr>
-        <p:spPr>
-          <a:xfrm flipH="1" flipV="1">
-            <a:off x="7311135" y="2211687"/>
-            <a:ext cx="308220" cy="1369713"/>
-          </a:xfrm>
-          <a:prstGeom prst="straightConnector1">
-            <a:avLst/>
-          </a:prstGeom>
-          <a:ln w="38100">
-            <a:solidFill>
-              <a:schemeClr val="accent1">
-                <a:lumMod val="50000"/>
-              </a:schemeClr>
-            </a:solidFill>
-            <a:tailEnd type="arrow"/>
-          </a:ln>
-        </p:spPr>
-        <p:style>
-          <a:lnRef idx="1">
-            <a:schemeClr val="accent1"/>
-          </a:lnRef>
-          <a:fillRef idx="0">
-            <a:schemeClr val="accent1"/>
-          </a:fillRef>
-          <a:effectRef idx="0">
-            <a:schemeClr val="accent1"/>
-          </a:effectRef>
-          <a:fontRef idx="minor">
-            <a:schemeClr val="tx1"/>
-          </a:fontRef>
-        </p:style>
-      </p:cxnSp>
-      <p:sp>
-        <p:nvSpPr>
-          <p:cNvPr id="42" name="TextBox 41"/>
-          <p:cNvSpPr txBox="1"/>
-          <p:nvPr/>
-        </p:nvSpPr>
-        <p:spPr>
-          <a:xfrm>
-            <a:off x="3094175" y="2713559"/>
-            <a:ext cx="500137" cy="369332"/>
-          </a:xfrm>
-          <a:prstGeom prst="rect">
-            <a:avLst/>
-          </a:prstGeom>
-          <a:noFill/>
-        </p:spPr>
-        <p:txBody>
-          <a:bodyPr wrap="none" lIns="0" tIns="0" rIns="0" bIns="0" rtlCol="0">
-            <a:spAutoFit/>
-          </a:bodyPr>
-          <a:lstStyle/>
-          <a:p>
-            <a:r>
-              <a:rPr lang="en-US" sz="2400" dirty="0" smtClean="0">
-                <a:latin typeface="Segoe UI" pitchFamily="34" charset="0"/>
-                <a:ea typeface="Segoe UI" pitchFamily="34" charset="0"/>
-                <a:cs typeface="Segoe UI" pitchFamily="34" charset="0"/>
-              </a:rPr>
-              <a:t>120</a:t>
-            </a:r>
-          </a:p>
-        </p:txBody>
-      </p:sp>
-      <p:sp>
-        <p:nvSpPr>
-          <p:cNvPr id="48" name="TextBox 47"/>
-          <p:cNvSpPr txBox="1"/>
-          <p:nvPr/>
-        </p:nvSpPr>
-        <p:spPr>
-          <a:xfrm>
-            <a:off x="7582517" y="2825034"/>
-            <a:ext cx="500137" cy="369332"/>
-          </a:xfrm>
-          <a:prstGeom prst="rect">
-            <a:avLst/>
-          </a:prstGeom>
-          <a:noFill/>
-        </p:spPr>
-        <p:txBody>
-          <a:bodyPr wrap="none" lIns="0" tIns="0" rIns="0" bIns="0" rtlCol="0">
-            <a:spAutoFit/>
-          </a:bodyPr>
-          <a:lstStyle/>
-          <a:p>
-            <a:r>
-              <a:rPr lang="en-US" sz="2400" dirty="0" smtClean="0">
-                <a:latin typeface="Segoe UI" pitchFamily="34" charset="0"/>
-                <a:ea typeface="Segoe UI" pitchFamily="34" charset="0"/>
-                <a:cs typeface="Segoe UI" pitchFamily="34" charset="0"/>
-              </a:rPr>
-              <a:t>100</a:t>
-            </a:r>
-            <a:endParaRPr lang="en-US" sz="2400" dirty="0" smtClean="0">
-              <a:latin typeface="Segoe UI" pitchFamily="34" charset="0"/>
-              <a:ea typeface="Segoe UI" pitchFamily="34" charset="0"/>
-              <a:cs typeface="Segoe UI" pitchFamily="34" charset="0"/>
-            </a:endParaRPr>
-          </a:p>
-        </p:txBody>
-      </p:sp>
-      <p:sp>
-        <p:nvSpPr>
-          <p:cNvPr id="49" name="Rectangle 48"/>
-          <p:cNvSpPr/>
-          <p:nvPr/>
-        </p:nvSpPr>
-        <p:spPr bwMode="auto">
-          <a:xfrm>
-            <a:off x="819384" y="4646148"/>
-            <a:ext cx="328084" cy="706715"/>
-          </a:xfrm>
-          <a:prstGeom prst="rect">
-            <a:avLst/>
-          </a:prstGeom>
-          <a:solidFill>
-            <a:srgbClr val="FF0066">
-              <a:alpha val="20000"/>
-            </a:srgbClr>
-          </a:solidFill>
-          <a:ln w="50800">
-            <a:solidFill>
-              <a:srgbClr val="FF0066"/>
-            </a:solidFill>
-            <a:prstDash val="solid"/>
-            <a:headEnd type="none" w="med" len="med"/>
-            <a:tailEnd type="none" w="med" len="med"/>
-          </a:ln>
-          <a:effectLst/>
-        </p:spPr>
-        <p:style>
-          <a:lnRef idx="1">
-            <a:schemeClr val="accent2"/>
-          </a:lnRef>
-          <a:fillRef idx="3">
-            <a:schemeClr val="accent2"/>
-          </a:fillRef>
-          <a:effectRef idx="2">
-            <a:schemeClr val="accent2"/>
-          </a:effectRef>
-          <a:fontRef idx="minor">
-            <a:schemeClr val="lt1"/>
-          </a:fontRef>
-        </p:style>
-        <p:txBody>
-          <a:bodyPr vert="horz" wrap="square" lIns="91436" tIns="45718" rIns="91436" bIns="45718" numCol="1" rtlCol="0" anchor="ctr" anchorCtr="0" compatLnSpc="1">
-            <a:prstTxWarp prst="textNoShape">
-              <a:avLst/>
-            </a:prstTxWarp>
-          </a:bodyPr>
-          <a:lstStyle/>
-          <a:p>
-            <a:pPr algn="ctr" defTabSz="914099" fontAlgn="base">
-              <a:spcBef>
-                <a:spcPct val="0"/>
-              </a:spcBef>
-              <a:spcAft>
-                <a:spcPct val="0"/>
-              </a:spcAft>
-            </a:pPr>
-            <a:endParaRPr lang="en-US" sz="2200" dirty="0" smtClean="0">
-              <a:gradFill>
-                <a:gsLst>
-                  <a:gs pos="0">
-                    <a:schemeClr val="tx1"/>
-                  </a:gs>
-                  <a:gs pos="100000">
-                    <a:schemeClr val="tx1"/>
-                  </a:gs>
-                </a:gsLst>
-                <a:lin ang="5400000" scaled="0"/>
-              </a:gradFill>
-            </a:endParaRPr>
-          </a:p>
-        </p:txBody>
-      </p:sp>
-      <p:sp>
-        <p:nvSpPr>
-          <p:cNvPr id="50" name="Rectangle 49"/>
-          <p:cNvSpPr/>
-          <p:nvPr/>
-        </p:nvSpPr>
-        <p:spPr bwMode="auto">
-          <a:xfrm>
-            <a:off x="6803819" y="4656099"/>
-            <a:ext cx="328084" cy="763161"/>
-          </a:xfrm>
-          <a:prstGeom prst="rect">
-            <a:avLst/>
-          </a:prstGeom>
-          <a:solidFill>
-            <a:srgbClr val="FF0066">
-              <a:alpha val="20000"/>
-            </a:srgbClr>
-          </a:solidFill>
-          <a:ln w="50800">
-            <a:solidFill>
-              <a:srgbClr val="FF0066"/>
-            </a:solidFill>
-            <a:prstDash val="solid"/>
-            <a:headEnd type="none" w="med" len="med"/>
-            <a:tailEnd type="none" w="med" len="med"/>
-          </a:ln>
-          <a:effectLst/>
-        </p:spPr>
-        <p:style>
-          <a:lnRef idx="1">
-            <a:schemeClr val="accent2"/>
-          </a:lnRef>
-          <a:fillRef idx="3">
-            <a:schemeClr val="accent2"/>
-          </a:fillRef>
-          <a:effectRef idx="2">
-            <a:schemeClr val="accent2"/>
-          </a:effectRef>
-          <a:fontRef idx="minor">
-            <a:schemeClr val="lt1"/>
-          </a:fontRef>
-        </p:style>
-        <p:txBody>
-          <a:bodyPr vert="horz" wrap="square" lIns="91436" tIns="45718" rIns="91436" bIns="45718" numCol="1" rtlCol="0" anchor="ctr" anchorCtr="0" compatLnSpc="1">
-            <a:prstTxWarp prst="textNoShape">
-              <a:avLst/>
-            </a:prstTxWarp>
-          </a:bodyPr>
-          <a:lstStyle/>
-          <a:p>
-            <a:pPr algn="ctr" defTabSz="914099" fontAlgn="base">
-              <a:spcBef>
-                <a:spcPct val="0"/>
-              </a:spcBef>
-              <a:spcAft>
-                <a:spcPct val="0"/>
-              </a:spcAft>
-            </a:pPr>
-            <a:endParaRPr lang="en-US" sz="2200" dirty="0" smtClean="0">
-              <a:gradFill>
-                <a:gsLst>
-                  <a:gs pos="0">
-                    <a:schemeClr val="tx1"/>
-                  </a:gs>
-                  <a:gs pos="100000">
-                    <a:schemeClr val="tx1"/>
-                  </a:gs>
-                </a:gsLst>
-                <a:lin ang="5400000" scaled="0"/>
-              </a:gradFill>
-            </a:endParaRPr>
-          </a:p>
-        </p:txBody>
-      </p:sp>
-      <p:sp>
-        <p:nvSpPr>
-          <p:cNvPr id="51" name="TextBox 50"/>
-          <p:cNvSpPr txBox="1"/>
-          <p:nvPr/>
-        </p:nvSpPr>
-        <p:spPr>
-          <a:xfrm>
-            <a:off x="6274986" y="2344227"/>
-            <a:ext cx="1934825" cy="369332"/>
-          </a:xfrm>
-          <a:prstGeom prst="rect">
-            <a:avLst/>
-          </a:prstGeom>
-          <a:noFill/>
-        </p:spPr>
-        <p:txBody>
-          <a:bodyPr wrap="none" lIns="0" tIns="0" rIns="0" bIns="0" rtlCol="0">
-            <a:spAutoFit/>
-          </a:bodyPr>
-          <a:lstStyle/>
-          <a:p>
-            <a:r>
-              <a:rPr lang="en-US" sz="2400" b="1" dirty="0" smtClean="0">
-                <a:solidFill>
-                  <a:srgbClr val="C00000"/>
-                </a:solidFill>
-                <a:effectLst>
-                  <a:outerShdw blurRad="38100" dist="38100" dir="2700000" algn="tl">
-                    <a:srgbClr val="000000">
-                      <a:alpha val="43137"/>
-                    </a:srgbClr>
-                  </a:outerShdw>
-                </a:effectLst>
-                <a:latin typeface="Segoe UI" pitchFamily="34" charset="0"/>
-                <a:ea typeface="Segoe UI" pitchFamily="34" charset="0"/>
-                <a:cs typeface="Segoe UI" pitchFamily="34" charset="0"/>
-              </a:rPr>
-              <a:t>Sealed at </a:t>
-            </a:r>
-            <a:r>
-              <a:rPr lang="en-US" sz="2400" b="1" dirty="0" smtClean="0">
-                <a:solidFill>
-                  <a:srgbClr val="C00000"/>
-                </a:solidFill>
-                <a:effectLst>
-                  <a:outerShdw blurRad="38100" dist="38100" dir="2700000" algn="tl">
-                    <a:srgbClr val="000000">
-                      <a:alpha val="43137"/>
-                    </a:srgbClr>
-                  </a:outerShdw>
-                </a:effectLst>
-                <a:latin typeface="Segoe UI" pitchFamily="34" charset="0"/>
-                <a:ea typeface="Segoe UI" pitchFamily="34" charset="0"/>
-                <a:cs typeface="Segoe UI" pitchFamily="34" charset="0"/>
-              </a:rPr>
-              <a:t>100</a:t>
-            </a:r>
-            <a:endParaRPr lang="en-US" sz="2400" b="1" dirty="0" smtClean="0">
-              <a:solidFill>
-                <a:srgbClr val="C00000"/>
-              </a:solidFill>
-              <a:effectLst>
-                <a:outerShdw blurRad="38100" dist="38100" dir="2700000" algn="tl">
-                  <a:srgbClr val="000000">
-                    <a:alpha val="43137"/>
-                  </a:srgbClr>
-                </a:outerShdw>
-              </a:effectLst>
-              <a:latin typeface="Segoe UI" pitchFamily="34" charset="0"/>
-              <a:ea typeface="Segoe UI" pitchFamily="34" charset="0"/>
-              <a:cs typeface="Segoe UI" pitchFamily="34" charset="0"/>
-            </a:endParaRPr>
-          </a:p>
-        </p:txBody>
-      </p:sp>
-    </p:spTree>
-    <p:extLst>
-      <p:ext uri="{BB962C8B-B14F-4D97-AF65-F5344CB8AC3E}">
-        <p14:creationId xmlns:p14="http://schemas.microsoft.com/office/powerpoint/2010/main" val="4015245006"/>
-      </p:ext>
-    </p:extLst>
-  </p:cSld>
-  <p:clrMapOvr>
-    <a:masterClrMapping/>
-  </p:clrMapOvr>
-  <p:timing>
-    <p:tnLst>
-      <p:par>
-        <p:cTn id="1" dur="indefinite" restart="never" nodeType="tmRoot">
-          <p:childTnLst>
-            <p:seq concurrent="1" nextAc="seek">
-              <p:cTn id="2" dur="indefinite" nodeType="mainSeq">
-                <p:childTnLst>
-                  <p:par>
-                    <p:cTn id="3" fill="hold">
-                      <p:stCondLst>
-                        <p:cond delay="indefinite"/>
-                      </p:stCondLst>
-                      <p:childTnLst>
-                        <p:par>
-                          <p:cTn id="4" fill="hold">
-                            <p:stCondLst>
-                              <p:cond delay="0"/>
-                            </p:stCondLst>
-                            <p:childTnLst>
-                              <p:par>
-                                <p:cTn id="5" presetID="6" presetClass="entr" presetSubtype="16" fill="hold" grpId="0" nodeType="clickEffect">
-                                  <p:stCondLst>
-                                    <p:cond delay="0"/>
-                                  </p:stCondLst>
-                                  <p:childTnLst>
-                                    <p:set>
-                                      <p:cBhvr>
-                                        <p:cTn id="6" dur="1" fill="hold">
-                                          <p:stCondLst>
-                                            <p:cond delay="0"/>
-                                          </p:stCondLst>
-                                        </p:cTn>
-                                        <p:tgtEl>
-                                          <p:spTgt spid="49"/>
-                                        </p:tgtEl>
-                                        <p:attrNameLst>
-                                          <p:attrName>style.visibility</p:attrName>
-                                        </p:attrNameLst>
-                                      </p:cBhvr>
-                                      <p:to>
-                                        <p:strVal val="visible"/>
-                                      </p:to>
-                                    </p:set>
-                                    <p:animEffect transition="in" filter="circle(in)">
-                                      <p:cBhvr>
-                                        <p:cTn id="7" dur="2000"/>
-                                        <p:tgtEl>
-                                          <p:spTgt spid="49"/>
-                                        </p:tgtEl>
-                                      </p:cBhvr>
-                                    </p:animEffect>
-                                  </p:childTnLst>
-                                </p:cTn>
-                              </p:par>
-                              <p:par>
-                                <p:cTn id="8" presetID="6" presetClass="entr" presetSubtype="16" fill="hold" grpId="0" nodeType="withEffect">
-                                  <p:stCondLst>
-                                    <p:cond delay="0"/>
-                                  </p:stCondLst>
-                                  <p:childTnLst>
-                                    <p:set>
-                                      <p:cBhvr>
-                                        <p:cTn id="9" dur="1" fill="hold">
-                                          <p:stCondLst>
-                                            <p:cond delay="0"/>
-                                          </p:stCondLst>
-                                        </p:cTn>
-                                        <p:tgtEl>
-                                          <p:spTgt spid="50"/>
-                                        </p:tgtEl>
-                                        <p:attrNameLst>
-                                          <p:attrName>style.visibility</p:attrName>
-                                        </p:attrNameLst>
-                                      </p:cBhvr>
-                                      <p:to>
-                                        <p:strVal val="visible"/>
-                                      </p:to>
-                                    </p:set>
-                                    <p:animEffect transition="in" filter="circle(in)">
-                                      <p:cBhvr>
-                                        <p:cTn id="10" dur="2000"/>
-                                        <p:tgtEl>
-                                          <p:spTgt spid="50"/>
-                                        </p:tgtEl>
-                                      </p:cBhvr>
-                                    </p:animEffect>
-                                  </p:childTnLst>
-                                </p:cTn>
-                              </p:par>
-                              <p:par>
-                                <p:cTn id="11" presetID="10" presetClass="exit" presetSubtype="0" fill="hold" grpId="0" nodeType="withEffect">
-                                  <p:stCondLst>
-                                    <p:cond delay="0"/>
-                                  </p:stCondLst>
-                                  <p:childTnLst>
-                                    <p:animEffect transition="out" filter="fade">
-                                      <p:cBhvr>
-                                        <p:cTn id="12" dur="500"/>
-                                        <p:tgtEl>
-                                          <p:spTgt spid="48"/>
-                                        </p:tgtEl>
-                                      </p:cBhvr>
-                                    </p:animEffect>
-                                    <p:set>
-                                      <p:cBhvr>
-                                        <p:cTn id="13" dur="1" fill="hold">
-                                          <p:stCondLst>
-                                            <p:cond delay="499"/>
-                                          </p:stCondLst>
-                                        </p:cTn>
-                                        <p:tgtEl>
-                                          <p:spTgt spid="48"/>
-                                        </p:tgtEl>
-                                        <p:attrNameLst>
-                                          <p:attrName>style.visibility</p:attrName>
-                                        </p:attrNameLst>
-                                      </p:cBhvr>
-                                      <p:to>
-                                        <p:strVal val="hidden"/>
-                                      </p:to>
-                                    </p:set>
-                                  </p:childTnLst>
-                                </p:cTn>
-                              </p:par>
-                              <p:par>
-                                <p:cTn id="14" presetID="10" presetClass="exit" presetSubtype="0" fill="hold" grpId="0" nodeType="withEffect">
-                                  <p:stCondLst>
-                                    <p:cond delay="0"/>
-                                  </p:stCondLst>
-                                  <p:childTnLst>
-                                    <p:animEffect transition="out" filter="fade">
-                                      <p:cBhvr>
-                                        <p:cTn id="15" dur="500"/>
-                                        <p:tgtEl>
-                                          <p:spTgt spid="42"/>
-                                        </p:tgtEl>
-                                      </p:cBhvr>
-                                    </p:animEffect>
-                                    <p:set>
-                                      <p:cBhvr>
-                                        <p:cTn id="16" dur="1" fill="hold">
-                                          <p:stCondLst>
-                                            <p:cond delay="499"/>
-                                          </p:stCondLst>
-                                        </p:cTn>
-                                        <p:tgtEl>
-                                          <p:spTgt spid="42"/>
-                                        </p:tgtEl>
-                                        <p:attrNameLst>
-                                          <p:attrName>style.visibility</p:attrName>
-                                        </p:attrNameLst>
-                                      </p:cBhvr>
-                                      <p:to>
-                                        <p:strVal val="hidden"/>
-                                      </p:to>
-                                    </p:set>
-                                  </p:childTnLst>
-                                </p:cTn>
-                              </p:par>
-                              <p:par>
-                                <p:cTn id="17" presetID="10" presetClass="exit" presetSubtype="0" fill="hold" nodeType="withEffect">
-                                  <p:stCondLst>
-                                    <p:cond delay="0"/>
-                                  </p:stCondLst>
-                                  <p:childTnLst>
-                                    <p:animEffect transition="out" filter="fade">
-                                      <p:cBhvr>
-                                        <p:cTn id="18" dur="500"/>
-                                        <p:tgtEl>
-                                          <p:spTgt spid="36"/>
-                                        </p:tgtEl>
-                                      </p:cBhvr>
-                                    </p:animEffect>
-                                    <p:set>
-                                      <p:cBhvr>
-                                        <p:cTn id="19" dur="1" fill="hold">
-                                          <p:stCondLst>
-                                            <p:cond delay="499"/>
-                                          </p:stCondLst>
-                                        </p:cTn>
-                                        <p:tgtEl>
-                                          <p:spTgt spid="36"/>
-                                        </p:tgtEl>
-                                        <p:attrNameLst>
-                                          <p:attrName>style.visibility</p:attrName>
-                                        </p:attrNameLst>
-                                      </p:cBhvr>
-                                      <p:to>
-                                        <p:strVal val="hidden"/>
-                                      </p:to>
-                                    </p:set>
-                                  </p:childTnLst>
-                                </p:cTn>
-                              </p:par>
-                              <p:par>
-                                <p:cTn id="20" presetID="10" presetClass="exit" presetSubtype="0" fill="hold" nodeType="withEffect">
-                                  <p:stCondLst>
-                                    <p:cond delay="0"/>
-                                  </p:stCondLst>
-                                  <p:childTnLst>
-                                    <p:animEffect transition="out" filter="fade">
-                                      <p:cBhvr>
-                                        <p:cTn id="21" dur="500"/>
-                                        <p:tgtEl>
-                                          <p:spTgt spid="39"/>
-                                        </p:tgtEl>
-                                      </p:cBhvr>
-                                    </p:animEffect>
-                                    <p:set>
-                                      <p:cBhvr>
-                                        <p:cTn id="22" dur="1" fill="hold">
-                                          <p:stCondLst>
-                                            <p:cond delay="499"/>
-                                          </p:stCondLst>
-                                        </p:cTn>
-                                        <p:tgtEl>
-                                          <p:spTgt spid="39"/>
-                                        </p:tgtEl>
-                                        <p:attrNameLst>
-                                          <p:attrName>style.visibility</p:attrName>
-                                        </p:attrNameLst>
-                                      </p:cBhvr>
-                                      <p:to>
-                                        <p:strVal val="hidden"/>
-                                      </p:to>
-                                    </p:set>
-                                  </p:childTnLst>
-                                </p:cTn>
-                              </p:par>
-                              <p:par>
-                                <p:cTn id="23" presetID="10" presetClass="entr" presetSubtype="0" fill="hold" grpId="0" nodeType="withEffect">
-                                  <p:stCondLst>
-                                    <p:cond delay="0"/>
-                                  </p:stCondLst>
-                                  <p:childTnLst>
-                                    <p:set>
-                                      <p:cBhvr>
-                                        <p:cTn id="24" dur="1" fill="hold">
-                                          <p:stCondLst>
-                                            <p:cond delay="0"/>
-                                          </p:stCondLst>
-                                        </p:cTn>
-                                        <p:tgtEl>
-                                          <p:spTgt spid="51"/>
-                                        </p:tgtEl>
-                                        <p:attrNameLst>
-                                          <p:attrName>style.visibility</p:attrName>
-                                        </p:attrNameLst>
-                                      </p:cBhvr>
-                                      <p:to>
-                                        <p:strVal val="visible"/>
-                                      </p:to>
-                                    </p:set>
-                                    <p:animEffect transition="in" filter="fade">
-                                      <p:cBhvr>
-                                        <p:cTn id="25" dur="500"/>
-                                        <p:tgtEl>
-                                          <p:spTgt spid="51"/>
-                                        </p:tgtEl>
-                                      </p:cBhvr>
-                                    </p:animEffect>
-                                  </p:childTnLst>
-                                </p:cTn>
-                              </p:par>
-                            </p:childTnLst>
-                          </p:cTn>
-                        </p:par>
-                      </p:childTnLst>
-                    </p:cTn>
-                  </p:par>
-                  <p:par>
-                    <p:cTn id="26" fill="hold">
-                      <p:stCondLst>
-                        <p:cond delay="indefinite"/>
-                      </p:stCondLst>
-                      <p:childTnLst>
-                        <p:par>
-                          <p:cTn id="27" fill="hold">
-                            <p:stCondLst>
-                              <p:cond delay="0"/>
-                            </p:stCondLst>
-                            <p:childTnLst>
-                              <p:par>
-                                <p:cTn id="28" presetID="42" presetClass="path" presetSubtype="0" accel="50000" decel="50000" fill="hold" grpId="0" nodeType="clickEffect">
-                                  <p:stCondLst>
-                                    <p:cond delay="0"/>
-                                  </p:stCondLst>
-                                  <p:childTnLst>
-                                    <p:animMotion origin="layout" path="M 4.72222E-6 -2.59259E-6 L 0.00086 0.45602 " pathEditMode="relative" rAng="0" ptsTypes="AA">
-                                      <p:cBhvr>
-                                        <p:cTn id="29" dur="2000" fill="hold"/>
-                                        <p:tgtEl>
-                                          <p:spTgt spid="32"/>
-                                        </p:tgtEl>
-                                        <p:attrNameLst>
-                                          <p:attrName>ppt_x</p:attrName>
-                                          <p:attrName>ppt_y</p:attrName>
-                                        </p:attrNameLst>
-                                      </p:cBhvr>
-                                      <p:rCtr x="35" y="22801"/>
-                                    </p:animMotion>
-                                  </p:childTnLst>
-                                </p:cTn>
-                              </p:par>
-                            </p:childTnLst>
-                          </p:cTn>
-                        </p:par>
-                      </p:childTnLst>
-                    </p:cTn>
-                  </p:par>
-                </p:childTnLst>
-              </p:cTn>
-              <p:prevCondLst>
-                <p:cond evt="onPrev" delay="0">
-                  <p:tgtEl>
-                    <p:sldTgt/>
-                  </p:tgtEl>
-                </p:cond>
-              </p:prevCondLst>
-              <p:nextCondLst>
-                <p:cond evt="onNext" delay="0">
-                  <p:tgtEl>
-                    <p:sldTgt/>
-                  </p:tgtEl>
-                </p:cond>
-              </p:nextCondLst>
-            </p:seq>
-          </p:childTnLst>
-        </p:cTn>
-      </p:par>
-    </p:tnLst>
-    <p:bldLst>
-      <p:bldP spid="32" grpId="0" animBg="1"/>
-      <p:bldP spid="42" grpId="0"/>
-      <p:bldP spid="48" grpId="0"/>
-      <p:bldP spid="49" grpId="0" animBg="1"/>
-      <p:bldP spid="50" grpId="0" animBg="1"/>
-      <p:bldP spid="51" grpId="0"/>
-    </p:bldLst>
   </p:timing>
 </p:sld>
 </file>

--- a/trunk/Paper Presentation/Stream Layer.pptx
+++ b/trunk/Paper Presentation/Stream Layer.pptx
@@ -9,13 +9,12 @@
     <p:sldId id="258" r:id="rId3"/>
     <p:sldId id="259" r:id="rId4"/>
     <p:sldId id="260" r:id="rId5"/>
-    <p:sldId id="267" r:id="rId6"/>
-    <p:sldId id="261" r:id="rId7"/>
-    <p:sldId id="262" r:id="rId8"/>
-    <p:sldId id="263" r:id="rId9"/>
-    <p:sldId id="264" r:id="rId10"/>
-    <p:sldId id="265" r:id="rId11"/>
-    <p:sldId id="266" r:id="rId12"/>
+    <p:sldId id="261" r:id="rId6"/>
+    <p:sldId id="262" r:id="rId7"/>
+    <p:sldId id="263" r:id="rId8"/>
+    <p:sldId id="264" r:id="rId9"/>
+    <p:sldId id="265" r:id="rId10"/>
+    <p:sldId id="266" r:id="rId11"/>
   </p:sldIdLst>
   <p:sldSz cx="9144000" cy="6858000" type="screen4x3"/>
   <p:notesSz cx="6858000" cy="9144000"/>
@@ -123,7 +122,6 @@
             <p14:sldId id="258"/>
             <p14:sldId id="259"/>
             <p14:sldId id="260"/>
-            <p14:sldId id="267"/>
             <p14:sldId id="261"/>
             <p14:sldId id="262"/>
             <p14:sldId id="263"/>
@@ -3107,11 +3105,7 @@
           <a:p>
             <a:r>
               <a:rPr lang="en-US" dirty="0" smtClean="0"/>
-              <a:t>Stream Layer </a:t>
-            </a:r>
-            <a:r>
-              <a:rPr lang="en-US" dirty="0" smtClean="0"/>
-              <a:t>Concepts</a:t>
+              <a:t>Stream Layer Concepts</a:t>
             </a:r>
             <a:endParaRPr lang="en-SG" dirty="0"/>
           </a:p>
@@ -9809,2037 +9803,6 @@
       </p:sp>
       <p:sp>
         <p:nvSpPr>
-          <p:cNvPr id="32" name="Rectangle 31"/>
-          <p:cNvSpPr/>
-          <p:nvPr/>
-        </p:nvSpPr>
-        <p:spPr bwMode="auto">
-          <a:xfrm>
-            <a:off x="879571" y="4330264"/>
-            <a:ext cx="207711" cy="324215"/>
-          </a:xfrm>
-          <a:prstGeom prst="rect">
-            <a:avLst/>
-          </a:prstGeom>
-          <a:solidFill>
-            <a:srgbClr val="C00000"/>
-          </a:solidFill>
-          <a:ln w="25400">
-            <a:solidFill>
-              <a:schemeClr val="tx1">
-                <a:lumMod val="75000"/>
-                <a:lumOff val="25000"/>
-              </a:schemeClr>
-            </a:solidFill>
-            <a:headEnd type="none" w="med" len="med"/>
-            <a:tailEnd type="none" w="med" len="med"/>
-          </a:ln>
-          <a:effectLst/>
-        </p:spPr>
-        <p:style>
-          <a:lnRef idx="1">
-            <a:schemeClr val="accent2"/>
-          </a:lnRef>
-          <a:fillRef idx="3">
-            <a:schemeClr val="accent2"/>
-          </a:fillRef>
-          <a:effectRef idx="2">
-            <a:schemeClr val="accent2"/>
-          </a:effectRef>
-          <a:fontRef idx="minor">
-            <a:schemeClr val="lt1"/>
-          </a:fontRef>
-        </p:style>
-        <p:txBody>
-          <a:bodyPr vert="horz" wrap="square" lIns="91436" tIns="45718" rIns="91436" bIns="45718" numCol="1" rtlCol="0" anchor="ctr" anchorCtr="0" compatLnSpc="1">
-            <a:prstTxWarp prst="textNoShape">
-              <a:avLst/>
-            </a:prstTxWarp>
-          </a:bodyPr>
-          <a:lstStyle/>
-          <a:p>
-            <a:pPr algn="ctr" defTabSz="914099" fontAlgn="base">
-              <a:spcBef>
-                <a:spcPct val="0"/>
-              </a:spcBef>
-              <a:spcAft>
-                <a:spcPct val="0"/>
-              </a:spcAft>
-            </a:pPr>
-            <a:endParaRPr lang="en-US" sz="2200" dirty="0" smtClean="0">
-              <a:gradFill>
-                <a:gsLst>
-                  <a:gs pos="0">
-                    <a:schemeClr val="tx1"/>
-                  </a:gs>
-                  <a:gs pos="100000">
-                    <a:schemeClr val="tx1"/>
-                  </a:gs>
-                </a:gsLst>
-                <a:lin ang="5400000" scaled="0"/>
-              </a:gradFill>
-            </a:endParaRPr>
-          </a:p>
-        </p:txBody>
-      </p:sp>
-      <p:sp>
-        <p:nvSpPr>
-          <p:cNvPr id="35" name="Multiply 34"/>
-          <p:cNvSpPr/>
-          <p:nvPr/>
-        </p:nvSpPr>
-        <p:spPr bwMode="auto">
-          <a:xfrm>
-            <a:off x="3180428" y="4034193"/>
-            <a:ext cx="751418" cy="672857"/>
-          </a:xfrm>
-          <a:prstGeom prst="mathMultiply">
-            <a:avLst/>
-          </a:prstGeom>
-          <a:solidFill>
-            <a:srgbClr val="FF0000"/>
-          </a:solidFill>
-          <a:ln>
-            <a:noFill/>
-            <a:headEnd type="none" w="med" len="med"/>
-            <a:tailEnd type="none" w="med" len="med"/>
-          </a:ln>
-          <a:effectLst/>
-        </p:spPr>
-        <p:style>
-          <a:lnRef idx="1">
-            <a:schemeClr val="accent2"/>
-          </a:lnRef>
-          <a:fillRef idx="3">
-            <a:schemeClr val="accent2"/>
-          </a:fillRef>
-          <a:effectRef idx="2">
-            <a:schemeClr val="accent2"/>
-          </a:effectRef>
-          <a:fontRef idx="minor">
-            <a:schemeClr val="lt1"/>
-          </a:fontRef>
-        </p:style>
-        <p:txBody>
-          <a:bodyPr vert="horz" wrap="square" lIns="91436" tIns="45718" rIns="91436" bIns="45718" numCol="1" rtlCol="0" anchor="ctr" anchorCtr="0" compatLnSpc="1">
-            <a:prstTxWarp prst="textNoShape">
-              <a:avLst/>
-            </a:prstTxWarp>
-          </a:bodyPr>
-          <a:lstStyle/>
-          <a:p>
-            <a:pPr algn="ctr" defTabSz="914099" fontAlgn="base">
-              <a:spcBef>
-                <a:spcPct val="0"/>
-              </a:spcBef>
-              <a:spcAft>
-                <a:spcPct val="0"/>
-              </a:spcAft>
-            </a:pPr>
-            <a:endParaRPr lang="en-US" sz="2200" dirty="0" smtClean="0">
-              <a:gradFill>
-                <a:gsLst>
-                  <a:gs pos="0">
-                    <a:schemeClr val="tx1"/>
-                  </a:gs>
-                  <a:gs pos="100000">
-                    <a:schemeClr val="tx1"/>
-                  </a:gs>
-                </a:gsLst>
-                <a:lin ang="5400000" scaled="0"/>
-              </a:gradFill>
-            </a:endParaRPr>
-          </a:p>
-        </p:txBody>
-      </p:sp>
-      <p:cxnSp>
-        <p:nvCxnSpPr>
-          <p:cNvPr id="37" name="Straight Arrow Connector 36"/>
-          <p:cNvCxnSpPr>
-            <a:stCxn id="4" idx="3"/>
-            <a:endCxn id="31" idx="1"/>
-          </p:cNvCxnSpPr>
-          <p:nvPr/>
-        </p:nvCxnSpPr>
-        <p:spPr>
-          <a:xfrm flipV="1">
-            <a:off x="2500336" y="1774422"/>
-            <a:ext cx="3968534" cy="4682"/>
-          </a:xfrm>
-          <a:prstGeom prst="straightConnector1">
-            <a:avLst/>
-          </a:prstGeom>
-          <a:ln w="38100">
-            <a:solidFill>
-              <a:schemeClr val="accent1">
-                <a:lumMod val="50000"/>
-              </a:schemeClr>
-            </a:solidFill>
-            <a:tailEnd type="arrow"/>
-          </a:ln>
-        </p:spPr>
-        <p:style>
-          <a:lnRef idx="1">
-            <a:schemeClr val="accent1"/>
-          </a:lnRef>
-          <a:fillRef idx="0">
-            <a:schemeClr val="accent1"/>
-          </a:fillRef>
-          <a:effectRef idx="0">
-            <a:schemeClr val="accent1"/>
-          </a:effectRef>
-          <a:fontRef idx="minor">
-            <a:schemeClr val="tx1"/>
-          </a:fontRef>
-        </p:style>
-      </p:cxnSp>
-      <p:sp>
-        <p:nvSpPr>
-          <p:cNvPr id="38" name="TextBox 37"/>
-          <p:cNvSpPr txBox="1"/>
-          <p:nvPr/>
-        </p:nvSpPr>
-        <p:spPr>
-          <a:xfrm>
-            <a:off x="3428492" y="1333059"/>
-            <a:ext cx="2298130" cy="369332"/>
-          </a:xfrm>
-          <a:prstGeom prst="rect">
-            <a:avLst/>
-          </a:prstGeom>
-          <a:noFill/>
-        </p:spPr>
-        <p:txBody>
-          <a:bodyPr wrap="none" lIns="0" tIns="0" rIns="0" bIns="0" rtlCol="0">
-            <a:spAutoFit/>
-          </a:bodyPr>
-          <a:lstStyle/>
-          <a:p>
-            <a:r>
-              <a:rPr lang="en-US" sz="2400" dirty="0" smtClean="0">
-                <a:latin typeface="Segoe UI" pitchFamily="34" charset="0"/>
-                <a:ea typeface="Segoe UI" pitchFamily="34" charset="0"/>
-                <a:cs typeface="Segoe UI" pitchFamily="34" charset="0"/>
-              </a:rPr>
-              <a:t>Error: Seal Extent</a:t>
-            </a:r>
-          </a:p>
-        </p:txBody>
-      </p:sp>
-      <p:cxnSp>
-        <p:nvCxnSpPr>
-          <p:cNvPr id="36" name="Straight Arrow Connector 35"/>
-          <p:cNvCxnSpPr>
-            <a:stCxn id="16" idx="0"/>
-            <a:endCxn id="31" idx="2"/>
-          </p:cNvCxnSpPr>
-          <p:nvPr/>
-        </p:nvCxnSpPr>
-        <p:spPr>
-          <a:xfrm flipV="1">
-            <a:off x="1675755" y="2211687"/>
-            <a:ext cx="5635380" cy="1369713"/>
-          </a:xfrm>
-          <a:prstGeom prst="straightConnector1">
-            <a:avLst/>
-          </a:prstGeom>
-          <a:ln w="38100">
-            <a:solidFill>
-              <a:schemeClr val="accent1">
-                <a:lumMod val="50000"/>
-              </a:schemeClr>
-            </a:solidFill>
-            <a:tailEnd type="arrow"/>
-          </a:ln>
-        </p:spPr>
-        <p:style>
-          <a:lnRef idx="1">
-            <a:schemeClr val="accent1"/>
-          </a:lnRef>
-          <a:fillRef idx="0">
-            <a:schemeClr val="accent1"/>
-          </a:fillRef>
-          <a:effectRef idx="0">
-            <a:schemeClr val="accent1"/>
-          </a:effectRef>
-          <a:fontRef idx="minor">
-            <a:schemeClr val="tx1"/>
-          </a:fontRef>
-        </p:style>
-      </p:cxnSp>
-      <p:cxnSp>
-        <p:nvCxnSpPr>
-          <p:cNvPr id="39" name="Straight Arrow Connector 38"/>
-          <p:cNvCxnSpPr>
-            <a:stCxn id="7" idx="0"/>
-            <a:endCxn id="31" idx="2"/>
-          </p:cNvCxnSpPr>
-          <p:nvPr/>
-        </p:nvCxnSpPr>
-        <p:spPr>
-          <a:xfrm flipH="1" flipV="1">
-            <a:off x="7311135" y="2211687"/>
-            <a:ext cx="308220" cy="1369713"/>
-          </a:xfrm>
-          <a:prstGeom prst="straightConnector1">
-            <a:avLst/>
-          </a:prstGeom>
-          <a:ln w="38100">
-            <a:solidFill>
-              <a:schemeClr val="accent1">
-                <a:lumMod val="50000"/>
-              </a:schemeClr>
-            </a:solidFill>
-            <a:tailEnd type="arrow"/>
-          </a:ln>
-        </p:spPr>
-        <p:style>
-          <a:lnRef idx="1">
-            <a:schemeClr val="accent1"/>
-          </a:lnRef>
-          <a:fillRef idx="0">
-            <a:schemeClr val="accent1"/>
-          </a:fillRef>
-          <a:effectRef idx="0">
-            <a:schemeClr val="accent1"/>
-          </a:effectRef>
-          <a:fontRef idx="minor">
-            <a:schemeClr val="tx1"/>
-          </a:fontRef>
-        </p:style>
-      </p:cxnSp>
-      <p:sp>
-        <p:nvSpPr>
-          <p:cNvPr id="42" name="TextBox 41"/>
-          <p:cNvSpPr txBox="1"/>
-          <p:nvPr/>
-        </p:nvSpPr>
-        <p:spPr>
-          <a:xfrm>
-            <a:off x="3094175" y="2713559"/>
-            <a:ext cx="500137" cy="369332"/>
-          </a:xfrm>
-          <a:prstGeom prst="rect">
-            <a:avLst/>
-          </a:prstGeom>
-          <a:noFill/>
-        </p:spPr>
-        <p:txBody>
-          <a:bodyPr wrap="none" lIns="0" tIns="0" rIns="0" bIns="0" rtlCol="0">
-            <a:spAutoFit/>
-          </a:bodyPr>
-          <a:lstStyle/>
-          <a:p>
-            <a:r>
-              <a:rPr lang="en-US" sz="2400" dirty="0" smtClean="0">
-                <a:latin typeface="Segoe UI" pitchFamily="34" charset="0"/>
-                <a:ea typeface="Segoe UI" pitchFamily="34" charset="0"/>
-                <a:cs typeface="Segoe UI" pitchFamily="34" charset="0"/>
-              </a:rPr>
-              <a:t>120</a:t>
-            </a:r>
-          </a:p>
-        </p:txBody>
-      </p:sp>
-      <p:sp>
-        <p:nvSpPr>
-          <p:cNvPr id="48" name="TextBox 47"/>
-          <p:cNvSpPr txBox="1"/>
-          <p:nvPr/>
-        </p:nvSpPr>
-        <p:spPr>
-          <a:xfrm>
-            <a:off x="7582517" y="2825034"/>
-            <a:ext cx="500137" cy="369332"/>
-          </a:xfrm>
-          <a:prstGeom prst="rect">
-            <a:avLst/>
-          </a:prstGeom>
-          <a:noFill/>
-        </p:spPr>
-        <p:txBody>
-          <a:bodyPr wrap="none" lIns="0" tIns="0" rIns="0" bIns="0" rtlCol="0">
-            <a:spAutoFit/>
-          </a:bodyPr>
-          <a:lstStyle/>
-          <a:p>
-            <a:r>
-              <a:rPr lang="en-US" sz="2400" dirty="0" smtClean="0">
-                <a:latin typeface="Segoe UI" pitchFamily="34" charset="0"/>
-                <a:ea typeface="Segoe UI" pitchFamily="34" charset="0"/>
-                <a:cs typeface="Segoe UI" pitchFamily="34" charset="0"/>
-              </a:rPr>
-              <a:t>100</a:t>
-            </a:r>
-          </a:p>
-        </p:txBody>
-      </p:sp>
-      <p:sp>
-        <p:nvSpPr>
-          <p:cNvPr id="49" name="Rectangle 48"/>
-          <p:cNvSpPr/>
-          <p:nvPr/>
-        </p:nvSpPr>
-        <p:spPr bwMode="auto">
-          <a:xfrm>
-            <a:off x="819384" y="4646148"/>
-            <a:ext cx="328084" cy="706715"/>
-          </a:xfrm>
-          <a:prstGeom prst="rect">
-            <a:avLst/>
-          </a:prstGeom>
-          <a:solidFill>
-            <a:srgbClr val="FF0066">
-              <a:alpha val="20000"/>
-            </a:srgbClr>
-          </a:solidFill>
-          <a:ln w="50800">
-            <a:solidFill>
-              <a:srgbClr val="FF0066"/>
-            </a:solidFill>
-            <a:prstDash val="solid"/>
-            <a:headEnd type="none" w="med" len="med"/>
-            <a:tailEnd type="none" w="med" len="med"/>
-          </a:ln>
-          <a:effectLst/>
-        </p:spPr>
-        <p:style>
-          <a:lnRef idx="1">
-            <a:schemeClr val="accent2"/>
-          </a:lnRef>
-          <a:fillRef idx="3">
-            <a:schemeClr val="accent2"/>
-          </a:fillRef>
-          <a:effectRef idx="2">
-            <a:schemeClr val="accent2"/>
-          </a:effectRef>
-          <a:fontRef idx="minor">
-            <a:schemeClr val="lt1"/>
-          </a:fontRef>
-        </p:style>
-        <p:txBody>
-          <a:bodyPr vert="horz" wrap="square" lIns="91436" tIns="45718" rIns="91436" bIns="45718" numCol="1" rtlCol="0" anchor="ctr" anchorCtr="0" compatLnSpc="1">
-            <a:prstTxWarp prst="textNoShape">
-              <a:avLst/>
-            </a:prstTxWarp>
-          </a:bodyPr>
-          <a:lstStyle/>
-          <a:p>
-            <a:pPr algn="ctr" defTabSz="914099" fontAlgn="base">
-              <a:spcBef>
-                <a:spcPct val="0"/>
-              </a:spcBef>
-              <a:spcAft>
-                <a:spcPct val="0"/>
-              </a:spcAft>
-            </a:pPr>
-            <a:endParaRPr lang="en-US" sz="2200" dirty="0" smtClean="0">
-              <a:gradFill>
-                <a:gsLst>
-                  <a:gs pos="0">
-                    <a:schemeClr val="tx1"/>
-                  </a:gs>
-                  <a:gs pos="100000">
-                    <a:schemeClr val="tx1"/>
-                  </a:gs>
-                </a:gsLst>
-                <a:lin ang="5400000" scaled="0"/>
-              </a:gradFill>
-            </a:endParaRPr>
-          </a:p>
-        </p:txBody>
-      </p:sp>
-      <p:sp>
-        <p:nvSpPr>
-          <p:cNvPr id="50" name="Rectangle 49"/>
-          <p:cNvSpPr/>
-          <p:nvPr/>
-        </p:nvSpPr>
-        <p:spPr bwMode="auto">
-          <a:xfrm>
-            <a:off x="6803819" y="4656099"/>
-            <a:ext cx="328084" cy="763161"/>
-          </a:xfrm>
-          <a:prstGeom prst="rect">
-            <a:avLst/>
-          </a:prstGeom>
-          <a:solidFill>
-            <a:srgbClr val="FF0066">
-              <a:alpha val="20000"/>
-            </a:srgbClr>
-          </a:solidFill>
-          <a:ln w="50800">
-            <a:solidFill>
-              <a:srgbClr val="FF0066"/>
-            </a:solidFill>
-            <a:prstDash val="solid"/>
-            <a:headEnd type="none" w="med" len="med"/>
-            <a:tailEnd type="none" w="med" len="med"/>
-          </a:ln>
-          <a:effectLst/>
-        </p:spPr>
-        <p:style>
-          <a:lnRef idx="1">
-            <a:schemeClr val="accent2"/>
-          </a:lnRef>
-          <a:fillRef idx="3">
-            <a:schemeClr val="accent2"/>
-          </a:fillRef>
-          <a:effectRef idx="2">
-            <a:schemeClr val="accent2"/>
-          </a:effectRef>
-          <a:fontRef idx="minor">
-            <a:schemeClr val="lt1"/>
-          </a:fontRef>
-        </p:style>
-        <p:txBody>
-          <a:bodyPr vert="horz" wrap="square" lIns="91436" tIns="45718" rIns="91436" bIns="45718" numCol="1" rtlCol="0" anchor="ctr" anchorCtr="0" compatLnSpc="1">
-            <a:prstTxWarp prst="textNoShape">
-              <a:avLst/>
-            </a:prstTxWarp>
-          </a:bodyPr>
-          <a:lstStyle/>
-          <a:p>
-            <a:pPr algn="ctr" defTabSz="914099" fontAlgn="base">
-              <a:spcBef>
-                <a:spcPct val="0"/>
-              </a:spcBef>
-              <a:spcAft>
-                <a:spcPct val="0"/>
-              </a:spcAft>
-            </a:pPr>
-            <a:endParaRPr lang="en-US" sz="2200" dirty="0" smtClean="0">
-              <a:gradFill>
-                <a:gsLst>
-                  <a:gs pos="0">
-                    <a:schemeClr val="tx1"/>
-                  </a:gs>
-                  <a:gs pos="100000">
-                    <a:schemeClr val="tx1"/>
-                  </a:gs>
-                </a:gsLst>
-                <a:lin ang="5400000" scaled="0"/>
-              </a:gradFill>
-            </a:endParaRPr>
-          </a:p>
-        </p:txBody>
-      </p:sp>
-      <p:sp>
-        <p:nvSpPr>
-          <p:cNvPr id="51" name="TextBox 50"/>
-          <p:cNvSpPr txBox="1"/>
-          <p:nvPr/>
-        </p:nvSpPr>
-        <p:spPr>
-          <a:xfrm>
-            <a:off x="6274986" y="2344227"/>
-            <a:ext cx="1934825" cy="369332"/>
-          </a:xfrm>
-          <a:prstGeom prst="rect">
-            <a:avLst/>
-          </a:prstGeom>
-          <a:noFill/>
-        </p:spPr>
-        <p:txBody>
-          <a:bodyPr wrap="none" lIns="0" tIns="0" rIns="0" bIns="0" rtlCol="0">
-            <a:spAutoFit/>
-          </a:bodyPr>
-          <a:lstStyle/>
-          <a:p>
-            <a:r>
-              <a:rPr lang="en-US" sz="2400" b="1" dirty="0" smtClean="0">
-                <a:solidFill>
-                  <a:srgbClr val="C00000"/>
-                </a:solidFill>
-                <a:effectLst>
-                  <a:outerShdw blurRad="38100" dist="38100" dir="2700000" algn="tl">
-                    <a:srgbClr val="000000">
-                      <a:alpha val="43137"/>
-                    </a:srgbClr>
-                  </a:outerShdw>
-                </a:effectLst>
-                <a:latin typeface="Segoe UI" pitchFamily="34" charset="0"/>
-                <a:ea typeface="Segoe UI" pitchFamily="34" charset="0"/>
-                <a:cs typeface="Segoe UI" pitchFamily="34" charset="0"/>
-              </a:rPr>
-              <a:t>Sealed at 100</a:t>
-            </a:r>
-          </a:p>
-        </p:txBody>
-      </p:sp>
-    </p:spTree>
-    <p:extLst>
-      <p:ext uri="{BB962C8B-B14F-4D97-AF65-F5344CB8AC3E}">
-        <p14:creationId xmlns:p14="http://schemas.microsoft.com/office/powerpoint/2010/main" val="4015245006"/>
-      </p:ext>
-    </p:extLst>
-  </p:cSld>
-  <p:clrMapOvr>
-    <a:masterClrMapping/>
-  </p:clrMapOvr>
-  <p:timing>
-    <p:tnLst>
-      <p:par>
-        <p:cTn id="1" dur="indefinite" restart="never" nodeType="tmRoot">
-          <p:childTnLst>
-            <p:seq concurrent="1" nextAc="seek">
-              <p:cTn id="2" dur="indefinite" nodeType="mainSeq">
-                <p:childTnLst>
-                  <p:par>
-                    <p:cTn id="3" fill="hold">
-                      <p:stCondLst>
-                        <p:cond delay="indefinite"/>
-                      </p:stCondLst>
-                      <p:childTnLst>
-                        <p:par>
-                          <p:cTn id="4" fill="hold">
-                            <p:stCondLst>
-                              <p:cond delay="0"/>
-                            </p:stCondLst>
-                            <p:childTnLst>
-                              <p:par>
-                                <p:cTn id="5" presetID="6" presetClass="entr" presetSubtype="16" fill="hold" grpId="0" nodeType="clickEffect">
-                                  <p:stCondLst>
-                                    <p:cond delay="0"/>
-                                  </p:stCondLst>
-                                  <p:childTnLst>
-                                    <p:set>
-                                      <p:cBhvr>
-                                        <p:cTn id="6" dur="1" fill="hold">
-                                          <p:stCondLst>
-                                            <p:cond delay="0"/>
-                                          </p:stCondLst>
-                                        </p:cTn>
-                                        <p:tgtEl>
-                                          <p:spTgt spid="49"/>
-                                        </p:tgtEl>
-                                        <p:attrNameLst>
-                                          <p:attrName>style.visibility</p:attrName>
-                                        </p:attrNameLst>
-                                      </p:cBhvr>
-                                      <p:to>
-                                        <p:strVal val="visible"/>
-                                      </p:to>
-                                    </p:set>
-                                    <p:animEffect transition="in" filter="circle(in)">
-                                      <p:cBhvr>
-                                        <p:cTn id="7" dur="2000"/>
-                                        <p:tgtEl>
-                                          <p:spTgt spid="49"/>
-                                        </p:tgtEl>
-                                      </p:cBhvr>
-                                    </p:animEffect>
-                                  </p:childTnLst>
-                                </p:cTn>
-                              </p:par>
-                              <p:par>
-                                <p:cTn id="8" presetID="6" presetClass="entr" presetSubtype="16" fill="hold" grpId="0" nodeType="withEffect">
-                                  <p:stCondLst>
-                                    <p:cond delay="0"/>
-                                  </p:stCondLst>
-                                  <p:childTnLst>
-                                    <p:set>
-                                      <p:cBhvr>
-                                        <p:cTn id="9" dur="1" fill="hold">
-                                          <p:stCondLst>
-                                            <p:cond delay="0"/>
-                                          </p:stCondLst>
-                                        </p:cTn>
-                                        <p:tgtEl>
-                                          <p:spTgt spid="50"/>
-                                        </p:tgtEl>
-                                        <p:attrNameLst>
-                                          <p:attrName>style.visibility</p:attrName>
-                                        </p:attrNameLst>
-                                      </p:cBhvr>
-                                      <p:to>
-                                        <p:strVal val="visible"/>
-                                      </p:to>
-                                    </p:set>
-                                    <p:animEffect transition="in" filter="circle(in)">
-                                      <p:cBhvr>
-                                        <p:cTn id="10" dur="2000"/>
-                                        <p:tgtEl>
-                                          <p:spTgt spid="50"/>
-                                        </p:tgtEl>
-                                      </p:cBhvr>
-                                    </p:animEffect>
-                                  </p:childTnLst>
-                                </p:cTn>
-                              </p:par>
-                              <p:par>
-                                <p:cTn id="11" presetID="10" presetClass="exit" presetSubtype="0" fill="hold" grpId="0" nodeType="withEffect">
-                                  <p:stCondLst>
-                                    <p:cond delay="0"/>
-                                  </p:stCondLst>
-                                  <p:childTnLst>
-                                    <p:animEffect transition="out" filter="fade">
-                                      <p:cBhvr>
-                                        <p:cTn id="12" dur="500"/>
-                                        <p:tgtEl>
-                                          <p:spTgt spid="48"/>
-                                        </p:tgtEl>
-                                      </p:cBhvr>
-                                    </p:animEffect>
-                                    <p:set>
-                                      <p:cBhvr>
-                                        <p:cTn id="13" dur="1" fill="hold">
-                                          <p:stCondLst>
-                                            <p:cond delay="499"/>
-                                          </p:stCondLst>
-                                        </p:cTn>
-                                        <p:tgtEl>
-                                          <p:spTgt spid="48"/>
-                                        </p:tgtEl>
-                                        <p:attrNameLst>
-                                          <p:attrName>style.visibility</p:attrName>
-                                        </p:attrNameLst>
-                                      </p:cBhvr>
-                                      <p:to>
-                                        <p:strVal val="hidden"/>
-                                      </p:to>
-                                    </p:set>
-                                  </p:childTnLst>
-                                </p:cTn>
-                              </p:par>
-                              <p:par>
-                                <p:cTn id="14" presetID="10" presetClass="exit" presetSubtype="0" fill="hold" grpId="0" nodeType="withEffect">
-                                  <p:stCondLst>
-                                    <p:cond delay="0"/>
-                                  </p:stCondLst>
-                                  <p:childTnLst>
-                                    <p:animEffect transition="out" filter="fade">
-                                      <p:cBhvr>
-                                        <p:cTn id="15" dur="500"/>
-                                        <p:tgtEl>
-                                          <p:spTgt spid="42"/>
-                                        </p:tgtEl>
-                                      </p:cBhvr>
-                                    </p:animEffect>
-                                    <p:set>
-                                      <p:cBhvr>
-                                        <p:cTn id="16" dur="1" fill="hold">
-                                          <p:stCondLst>
-                                            <p:cond delay="499"/>
-                                          </p:stCondLst>
-                                        </p:cTn>
-                                        <p:tgtEl>
-                                          <p:spTgt spid="42"/>
-                                        </p:tgtEl>
-                                        <p:attrNameLst>
-                                          <p:attrName>style.visibility</p:attrName>
-                                        </p:attrNameLst>
-                                      </p:cBhvr>
-                                      <p:to>
-                                        <p:strVal val="hidden"/>
-                                      </p:to>
-                                    </p:set>
-                                  </p:childTnLst>
-                                </p:cTn>
-                              </p:par>
-                              <p:par>
-                                <p:cTn id="17" presetID="10" presetClass="exit" presetSubtype="0" fill="hold" nodeType="withEffect">
-                                  <p:stCondLst>
-                                    <p:cond delay="0"/>
-                                  </p:stCondLst>
-                                  <p:childTnLst>
-                                    <p:animEffect transition="out" filter="fade">
-                                      <p:cBhvr>
-                                        <p:cTn id="18" dur="500"/>
-                                        <p:tgtEl>
-                                          <p:spTgt spid="36"/>
-                                        </p:tgtEl>
-                                      </p:cBhvr>
-                                    </p:animEffect>
-                                    <p:set>
-                                      <p:cBhvr>
-                                        <p:cTn id="19" dur="1" fill="hold">
-                                          <p:stCondLst>
-                                            <p:cond delay="499"/>
-                                          </p:stCondLst>
-                                        </p:cTn>
-                                        <p:tgtEl>
-                                          <p:spTgt spid="36"/>
-                                        </p:tgtEl>
-                                        <p:attrNameLst>
-                                          <p:attrName>style.visibility</p:attrName>
-                                        </p:attrNameLst>
-                                      </p:cBhvr>
-                                      <p:to>
-                                        <p:strVal val="hidden"/>
-                                      </p:to>
-                                    </p:set>
-                                  </p:childTnLst>
-                                </p:cTn>
-                              </p:par>
-                              <p:par>
-                                <p:cTn id="20" presetID="10" presetClass="exit" presetSubtype="0" fill="hold" nodeType="withEffect">
-                                  <p:stCondLst>
-                                    <p:cond delay="0"/>
-                                  </p:stCondLst>
-                                  <p:childTnLst>
-                                    <p:animEffect transition="out" filter="fade">
-                                      <p:cBhvr>
-                                        <p:cTn id="21" dur="500"/>
-                                        <p:tgtEl>
-                                          <p:spTgt spid="39"/>
-                                        </p:tgtEl>
-                                      </p:cBhvr>
-                                    </p:animEffect>
-                                    <p:set>
-                                      <p:cBhvr>
-                                        <p:cTn id="22" dur="1" fill="hold">
-                                          <p:stCondLst>
-                                            <p:cond delay="499"/>
-                                          </p:stCondLst>
-                                        </p:cTn>
-                                        <p:tgtEl>
-                                          <p:spTgt spid="39"/>
-                                        </p:tgtEl>
-                                        <p:attrNameLst>
-                                          <p:attrName>style.visibility</p:attrName>
-                                        </p:attrNameLst>
-                                      </p:cBhvr>
-                                      <p:to>
-                                        <p:strVal val="hidden"/>
-                                      </p:to>
-                                    </p:set>
-                                  </p:childTnLst>
-                                </p:cTn>
-                              </p:par>
-                              <p:par>
-                                <p:cTn id="23" presetID="10" presetClass="entr" presetSubtype="0" fill="hold" grpId="0" nodeType="withEffect">
-                                  <p:stCondLst>
-                                    <p:cond delay="0"/>
-                                  </p:stCondLst>
-                                  <p:childTnLst>
-                                    <p:set>
-                                      <p:cBhvr>
-                                        <p:cTn id="24" dur="1" fill="hold">
-                                          <p:stCondLst>
-                                            <p:cond delay="0"/>
-                                          </p:stCondLst>
-                                        </p:cTn>
-                                        <p:tgtEl>
-                                          <p:spTgt spid="51"/>
-                                        </p:tgtEl>
-                                        <p:attrNameLst>
-                                          <p:attrName>style.visibility</p:attrName>
-                                        </p:attrNameLst>
-                                      </p:cBhvr>
-                                      <p:to>
-                                        <p:strVal val="visible"/>
-                                      </p:to>
-                                    </p:set>
-                                    <p:animEffect transition="in" filter="fade">
-                                      <p:cBhvr>
-                                        <p:cTn id="25" dur="500"/>
-                                        <p:tgtEl>
-                                          <p:spTgt spid="51"/>
-                                        </p:tgtEl>
-                                      </p:cBhvr>
-                                    </p:animEffect>
-                                  </p:childTnLst>
-                                </p:cTn>
-                              </p:par>
-                            </p:childTnLst>
-                          </p:cTn>
-                        </p:par>
-                      </p:childTnLst>
-                    </p:cTn>
-                  </p:par>
-                  <p:par>
-                    <p:cTn id="26" fill="hold">
-                      <p:stCondLst>
-                        <p:cond delay="indefinite"/>
-                      </p:stCondLst>
-                      <p:childTnLst>
-                        <p:par>
-                          <p:cTn id="27" fill="hold">
-                            <p:stCondLst>
-                              <p:cond delay="0"/>
-                            </p:stCondLst>
-                            <p:childTnLst>
-                              <p:par>
-                                <p:cTn id="28" presetID="42" presetClass="path" presetSubtype="0" accel="50000" decel="50000" fill="hold" grpId="0" nodeType="clickEffect">
-                                  <p:stCondLst>
-                                    <p:cond delay="0"/>
-                                  </p:stCondLst>
-                                  <p:childTnLst>
-                                    <p:animMotion origin="layout" path="M 4.72222E-6 -2.59259E-6 L 0.00086 0.45602 " pathEditMode="relative" rAng="0" ptsTypes="AA">
-                                      <p:cBhvr>
-                                        <p:cTn id="29" dur="2000" fill="hold"/>
-                                        <p:tgtEl>
-                                          <p:spTgt spid="32"/>
-                                        </p:tgtEl>
-                                        <p:attrNameLst>
-                                          <p:attrName>ppt_x</p:attrName>
-                                          <p:attrName>ppt_y</p:attrName>
-                                        </p:attrNameLst>
-                                      </p:cBhvr>
-                                      <p:rCtr x="35" y="22801"/>
-                                    </p:animMotion>
-                                  </p:childTnLst>
-                                </p:cTn>
-                              </p:par>
-                            </p:childTnLst>
-                          </p:cTn>
-                        </p:par>
-                      </p:childTnLst>
-                    </p:cTn>
-                  </p:par>
-                </p:childTnLst>
-              </p:cTn>
-              <p:prevCondLst>
-                <p:cond evt="onPrev" delay="0">
-                  <p:tgtEl>
-                    <p:sldTgt/>
-                  </p:tgtEl>
-                </p:cond>
-              </p:prevCondLst>
-              <p:nextCondLst>
-                <p:cond evt="onNext" delay="0">
-                  <p:tgtEl>
-                    <p:sldTgt/>
-                  </p:tgtEl>
-                </p:cond>
-              </p:nextCondLst>
-            </p:seq>
-          </p:childTnLst>
-        </p:cTn>
-      </p:par>
-    </p:tnLst>
-    <p:bldLst>
-      <p:bldP spid="32" grpId="0" animBg="1"/>
-      <p:bldP spid="42" grpId="0"/>
-      <p:bldP spid="48" grpId="0"/>
-      <p:bldP spid="49" grpId="0" animBg="1"/>
-      <p:bldP spid="50" grpId="0" animBg="1"/>
-      <p:bldP spid="51" grpId="0"/>
-    </p:bldLst>
-  </p:timing>
-</p:sld>
-</file>
-
-<file path=ppt/slides/slide11.xml><?xml version="1.0" encoding="utf-8"?>
-<p:sld xmlns:a="http://schemas.openxmlformats.org/drawingml/2006/main" xmlns:r="http://schemas.openxmlformats.org/officeDocument/2006/relationships" xmlns:p="http://schemas.openxmlformats.org/presentationml/2006/main">
-  <p:cSld>
-    <p:spTree>
-      <p:nvGrpSpPr>
-        <p:cNvPr id="1" name=""/>
-        <p:cNvGrpSpPr/>
-        <p:nvPr/>
-      </p:nvGrpSpPr>
-      <p:grpSpPr>
-        <a:xfrm>
-          <a:off x="0" y="0"/>
-          <a:ext cx="0" cy="0"/>
-          <a:chOff x="0" y="0"/>
-          <a:chExt cx="0" cy="0"/>
-        </a:xfrm>
-      </p:grpSpPr>
-      <p:sp>
-        <p:nvSpPr>
-          <p:cNvPr id="2" name="Title 1"/>
-          <p:cNvSpPr>
-            <a:spLocks noGrp="1"/>
-          </p:cNvSpPr>
-          <p:nvPr>
-            <p:ph type="title"/>
-          </p:nvPr>
-        </p:nvSpPr>
-        <p:spPr/>
-        <p:txBody>
-          <a:bodyPr/>
-          <a:lstStyle/>
-          <a:p>
-            <a:r>
-              <a:rPr lang="en-US" dirty="0" smtClean="0"/>
-              <a:t>Write Failure – Physical Design</a:t>
-            </a:r>
-            <a:endParaRPr lang="en-SG" dirty="0"/>
-          </a:p>
-        </p:txBody>
-      </p:sp>
-      <p:sp>
-        <p:nvSpPr>
-          <p:cNvPr id="4" name="Rounded Rectangle 3"/>
-          <p:cNvSpPr/>
-          <p:nvPr/>
-        </p:nvSpPr>
-        <p:spPr bwMode="auto">
-          <a:xfrm>
-            <a:off x="379989" y="1348408"/>
-            <a:ext cx="2120347" cy="861392"/>
-          </a:xfrm>
-          <a:prstGeom prst="roundRect">
-            <a:avLst/>
-          </a:prstGeom>
-          <a:solidFill>
-            <a:srgbClr val="00B0F0"/>
-          </a:solidFill>
-          <a:ln>
-            <a:noFill/>
-            <a:headEnd type="none" w="med" len="med"/>
-            <a:tailEnd type="none" w="med" len="med"/>
-          </a:ln>
-          <a:effectLst/>
-        </p:spPr>
-        <p:style>
-          <a:lnRef idx="1">
-            <a:schemeClr val="accent2"/>
-          </a:lnRef>
-          <a:fillRef idx="3">
-            <a:schemeClr val="accent2"/>
-          </a:fillRef>
-          <a:effectRef idx="2">
-            <a:schemeClr val="accent2"/>
-          </a:effectRef>
-          <a:fontRef idx="minor">
-            <a:schemeClr val="lt1"/>
-          </a:fontRef>
-        </p:style>
-        <p:txBody>
-          <a:bodyPr vert="horz" wrap="square" lIns="91436" tIns="45718" rIns="91436" bIns="45718" numCol="1" rtlCol="0" anchor="ctr" anchorCtr="0" compatLnSpc="1">
-            <a:prstTxWarp prst="textNoShape">
-              <a:avLst/>
-            </a:prstTxWarp>
-          </a:bodyPr>
-          <a:lstStyle/>
-          <a:p>
-            <a:pPr algn="ctr" defTabSz="914099" fontAlgn="base">
-              <a:spcBef>
-                <a:spcPct val="0"/>
-              </a:spcBef>
-              <a:spcAft>
-                <a:spcPct val="0"/>
-              </a:spcAft>
-            </a:pPr>
-            <a:r>
-              <a:rPr lang="en-US" sz="2200" b="1" dirty="0" smtClean="0">
-                <a:solidFill>
-                  <a:schemeClr val="tx1"/>
-                </a:solidFill>
-                <a:latin typeface="Segoe UI" pitchFamily="34" charset="0"/>
-                <a:ea typeface="Segoe UI" pitchFamily="34" charset="0"/>
-                <a:cs typeface="Segoe UI" pitchFamily="34" charset="0"/>
-              </a:rPr>
-              <a:t>Partition Layer</a:t>
-            </a:r>
-          </a:p>
-        </p:txBody>
-      </p:sp>
-      <p:sp>
-        <p:nvSpPr>
-          <p:cNvPr id="5" name="TextBox 4"/>
-          <p:cNvSpPr txBox="1"/>
-          <p:nvPr/>
-        </p:nvSpPr>
-        <p:spPr>
-          <a:xfrm>
-            <a:off x="6807687" y="5799505"/>
-            <a:ext cx="2856801" cy="369332"/>
-          </a:xfrm>
-          <a:prstGeom prst="rect">
-            <a:avLst/>
-          </a:prstGeom>
-          <a:noFill/>
-        </p:spPr>
-        <p:txBody>
-          <a:bodyPr wrap="square" lIns="0" tIns="0" rIns="0" bIns="0" rtlCol="0">
-            <a:spAutoFit/>
-          </a:bodyPr>
-          <a:lstStyle/>
-          <a:p>
-            <a:r>
-              <a:rPr lang="en-US" sz="2400" dirty="0" smtClean="0">
-                <a:latin typeface="Segoe UI" pitchFamily="34" charset="0"/>
-                <a:ea typeface="Segoe UI" pitchFamily="34" charset="0"/>
-                <a:cs typeface="Segoe UI" pitchFamily="34" charset="0"/>
-              </a:rPr>
-              <a:t>Secondary II</a:t>
-            </a:r>
-          </a:p>
-        </p:txBody>
-      </p:sp>
-      <p:grpSp>
-        <p:nvGrpSpPr>
-          <p:cNvPr id="6" name="Group 5"/>
-          <p:cNvGrpSpPr/>
-          <p:nvPr/>
-        </p:nvGrpSpPr>
-        <p:grpSpPr>
-          <a:xfrm>
-            <a:off x="6553200" y="3581400"/>
-            <a:ext cx="2132310" cy="2142673"/>
-            <a:chOff x="1855304" y="4081670"/>
-            <a:chExt cx="1855305" cy="2464904"/>
-          </a:xfrm>
-        </p:grpSpPr>
-        <p:sp>
-          <p:nvSpPr>
-            <p:cNvPr id="7" name="Rectangle 6"/>
-            <p:cNvSpPr/>
-            <p:nvPr/>
-          </p:nvSpPr>
-          <p:spPr bwMode="auto">
-            <a:xfrm>
-              <a:off x="1855304" y="4081670"/>
-              <a:ext cx="1855305" cy="2464904"/>
-            </a:xfrm>
-            <a:prstGeom prst="rect">
-              <a:avLst/>
-            </a:prstGeom>
-            <a:solidFill>
-              <a:schemeClr val="accent1">
-                <a:alpha val="50000"/>
-              </a:schemeClr>
-            </a:solidFill>
-            <a:ln w="38100">
-              <a:solidFill>
-                <a:schemeClr val="accent1">
-                  <a:lumMod val="50000"/>
-                </a:schemeClr>
-              </a:solidFill>
-              <a:headEnd type="none" w="med" len="med"/>
-              <a:tailEnd type="none" w="med" len="med"/>
-            </a:ln>
-            <a:effectLst/>
-          </p:spPr>
-          <p:style>
-            <a:lnRef idx="1">
-              <a:schemeClr val="accent2"/>
-            </a:lnRef>
-            <a:fillRef idx="3">
-              <a:schemeClr val="accent2"/>
-            </a:fillRef>
-            <a:effectRef idx="2">
-              <a:schemeClr val="accent2"/>
-            </a:effectRef>
-            <a:fontRef idx="minor">
-              <a:schemeClr val="lt1"/>
-            </a:fontRef>
-          </p:style>
-          <p:txBody>
-            <a:bodyPr vert="horz" wrap="square" lIns="91436" tIns="45718" rIns="91436" bIns="45718" numCol="1" rtlCol="0" anchor="t" anchorCtr="0" compatLnSpc="1">
-              <a:prstTxWarp prst="textNoShape">
-                <a:avLst/>
-              </a:prstTxWarp>
-            </a:bodyPr>
-            <a:lstStyle/>
-            <a:p>
-              <a:pPr algn="ctr" defTabSz="914099" fontAlgn="base">
-                <a:spcBef>
-                  <a:spcPct val="0"/>
-                </a:spcBef>
-                <a:spcAft>
-                  <a:spcPct val="0"/>
-                </a:spcAft>
-              </a:pPr>
-              <a:r>
-                <a:rPr lang="en-US" sz="2200" b="1" dirty="0" smtClean="0">
-                  <a:solidFill>
-                    <a:schemeClr val="tx1"/>
-                  </a:solidFill>
-                  <a:latin typeface="Segoe UI" pitchFamily="34" charset="0"/>
-                  <a:ea typeface="Segoe UI" pitchFamily="34" charset="0"/>
-                  <a:cs typeface="Segoe UI" pitchFamily="34" charset="0"/>
-                </a:rPr>
-                <a:t>EN 3</a:t>
-              </a:r>
-            </a:p>
-          </p:txBody>
-        </p:sp>
-        <p:sp>
-          <p:nvSpPr>
-            <p:cNvPr id="8" name="Flowchart: Magnetic Disk 7"/>
-            <p:cNvSpPr/>
-            <p:nvPr/>
-          </p:nvSpPr>
-          <p:spPr bwMode="auto">
-            <a:xfrm>
-              <a:off x="2570922" y="5592417"/>
-              <a:ext cx="795130" cy="689113"/>
-            </a:xfrm>
-            <a:prstGeom prst="flowChartMagneticDisk">
-              <a:avLst/>
-            </a:prstGeom>
-            <a:solidFill>
-              <a:srgbClr val="00FF00"/>
-            </a:solidFill>
-            <a:ln w="25400">
-              <a:solidFill>
-                <a:schemeClr val="accent1">
-                  <a:lumMod val="50000"/>
-                </a:schemeClr>
-              </a:solidFill>
-              <a:headEnd type="none" w="med" len="med"/>
-              <a:tailEnd type="none" w="med" len="med"/>
-            </a:ln>
-            <a:effectLst/>
-          </p:spPr>
-          <p:style>
-            <a:lnRef idx="1">
-              <a:schemeClr val="accent2"/>
-            </a:lnRef>
-            <a:fillRef idx="3">
-              <a:schemeClr val="accent2"/>
-            </a:fillRef>
-            <a:effectRef idx="2">
-              <a:schemeClr val="accent2"/>
-            </a:effectRef>
-            <a:fontRef idx="minor">
-              <a:schemeClr val="lt1"/>
-            </a:fontRef>
-          </p:style>
-          <p:txBody>
-            <a:bodyPr vert="horz" wrap="square" lIns="91436" tIns="45718" rIns="91436" bIns="45718" numCol="1" rtlCol="0" anchor="ctr" anchorCtr="0" compatLnSpc="1">
-              <a:prstTxWarp prst="textNoShape">
-                <a:avLst/>
-              </a:prstTxWarp>
-            </a:bodyPr>
-            <a:lstStyle/>
-            <a:p>
-              <a:pPr algn="ctr" defTabSz="914099" fontAlgn="base">
-                <a:spcBef>
-                  <a:spcPct val="0"/>
-                </a:spcBef>
-                <a:spcAft>
-                  <a:spcPct val="0"/>
-                </a:spcAft>
-              </a:pPr>
-              <a:endParaRPr lang="en-US" sz="2200" dirty="0" smtClean="0">
-                <a:solidFill>
-                  <a:schemeClr val="tx1"/>
-                </a:solidFill>
-              </a:endParaRPr>
-            </a:p>
-          </p:txBody>
-        </p:sp>
-      </p:grpSp>
-      <p:sp>
-        <p:nvSpPr>
-          <p:cNvPr id="10" name="TextBox 9"/>
-          <p:cNvSpPr txBox="1"/>
-          <p:nvPr/>
-        </p:nvSpPr>
-        <p:spPr>
-          <a:xfrm>
-            <a:off x="3848799" y="5802868"/>
-            <a:ext cx="2856801" cy="369332"/>
-          </a:xfrm>
-          <a:prstGeom prst="rect">
-            <a:avLst/>
-          </a:prstGeom>
-          <a:noFill/>
-        </p:spPr>
-        <p:txBody>
-          <a:bodyPr wrap="square" lIns="0" tIns="0" rIns="0" bIns="0" rtlCol="0">
-            <a:spAutoFit/>
-          </a:bodyPr>
-          <a:lstStyle/>
-          <a:p>
-            <a:r>
-              <a:rPr lang="en-US" sz="2400" dirty="0" smtClean="0">
-                <a:latin typeface="Segoe UI" pitchFamily="34" charset="0"/>
-                <a:ea typeface="Segoe UI" pitchFamily="34" charset="0"/>
-                <a:cs typeface="Segoe UI" pitchFamily="34" charset="0"/>
-              </a:rPr>
-              <a:t>Secondary I</a:t>
-            </a:r>
-          </a:p>
-        </p:txBody>
-      </p:sp>
-      <p:grpSp>
-        <p:nvGrpSpPr>
-          <p:cNvPr id="11" name="Group 10"/>
-          <p:cNvGrpSpPr/>
-          <p:nvPr/>
-        </p:nvGrpSpPr>
-        <p:grpSpPr>
-          <a:xfrm>
-            <a:off x="3594312" y="3584763"/>
-            <a:ext cx="2132310" cy="2142673"/>
-            <a:chOff x="1855304" y="4081670"/>
-            <a:chExt cx="1855305" cy="2464904"/>
-          </a:xfrm>
-        </p:grpSpPr>
-        <p:sp>
-          <p:nvSpPr>
-            <p:cNvPr id="12" name="Rectangle 11"/>
-            <p:cNvSpPr/>
-            <p:nvPr/>
-          </p:nvSpPr>
-          <p:spPr bwMode="auto">
-            <a:xfrm>
-              <a:off x="1855304" y="4081670"/>
-              <a:ext cx="1855305" cy="2464904"/>
-            </a:xfrm>
-            <a:prstGeom prst="rect">
-              <a:avLst/>
-            </a:prstGeom>
-            <a:solidFill>
-              <a:schemeClr val="accent1">
-                <a:alpha val="50000"/>
-              </a:schemeClr>
-            </a:solidFill>
-            <a:ln w="38100">
-              <a:solidFill>
-                <a:schemeClr val="accent1">
-                  <a:lumMod val="50000"/>
-                </a:schemeClr>
-              </a:solidFill>
-              <a:headEnd type="none" w="med" len="med"/>
-              <a:tailEnd type="none" w="med" len="med"/>
-            </a:ln>
-            <a:effectLst/>
-          </p:spPr>
-          <p:style>
-            <a:lnRef idx="1">
-              <a:schemeClr val="accent2"/>
-            </a:lnRef>
-            <a:fillRef idx="3">
-              <a:schemeClr val="accent2"/>
-            </a:fillRef>
-            <a:effectRef idx="2">
-              <a:schemeClr val="accent2"/>
-            </a:effectRef>
-            <a:fontRef idx="minor">
-              <a:schemeClr val="lt1"/>
-            </a:fontRef>
-          </p:style>
-          <p:txBody>
-            <a:bodyPr vert="horz" wrap="square" lIns="91436" tIns="45718" rIns="91436" bIns="45718" numCol="1" rtlCol="0" anchor="t" anchorCtr="0" compatLnSpc="1">
-              <a:prstTxWarp prst="textNoShape">
-                <a:avLst/>
-              </a:prstTxWarp>
-            </a:bodyPr>
-            <a:lstStyle/>
-            <a:p>
-              <a:pPr algn="ctr" defTabSz="914099" fontAlgn="base">
-                <a:spcBef>
-                  <a:spcPct val="0"/>
-                </a:spcBef>
-                <a:spcAft>
-                  <a:spcPct val="0"/>
-                </a:spcAft>
-              </a:pPr>
-              <a:r>
-                <a:rPr lang="en-US" sz="2200" b="1" dirty="0" smtClean="0">
-                  <a:solidFill>
-                    <a:schemeClr val="tx1"/>
-                  </a:solidFill>
-                  <a:latin typeface="Segoe UI" pitchFamily="34" charset="0"/>
-                  <a:ea typeface="Segoe UI" pitchFamily="34" charset="0"/>
-                  <a:cs typeface="Segoe UI" pitchFamily="34" charset="0"/>
-                </a:rPr>
-                <a:t>EN 2</a:t>
-              </a:r>
-            </a:p>
-          </p:txBody>
-        </p:sp>
-        <p:sp>
-          <p:nvSpPr>
-            <p:cNvPr id="13" name="Flowchart: Magnetic Disk 12"/>
-            <p:cNvSpPr/>
-            <p:nvPr/>
-          </p:nvSpPr>
-          <p:spPr bwMode="auto">
-            <a:xfrm>
-              <a:off x="2570922" y="5592417"/>
-              <a:ext cx="795130" cy="689113"/>
-            </a:xfrm>
-            <a:prstGeom prst="flowChartMagneticDisk">
-              <a:avLst/>
-            </a:prstGeom>
-            <a:solidFill>
-              <a:srgbClr val="00FF00"/>
-            </a:solidFill>
-            <a:ln w="25400">
-              <a:solidFill>
-                <a:schemeClr val="accent1">
-                  <a:lumMod val="50000"/>
-                </a:schemeClr>
-              </a:solidFill>
-              <a:headEnd type="none" w="med" len="med"/>
-              <a:tailEnd type="none" w="med" len="med"/>
-            </a:ln>
-            <a:effectLst/>
-          </p:spPr>
-          <p:style>
-            <a:lnRef idx="1">
-              <a:schemeClr val="accent2"/>
-            </a:lnRef>
-            <a:fillRef idx="3">
-              <a:schemeClr val="accent2"/>
-            </a:fillRef>
-            <a:effectRef idx="2">
-              <a:schemeClr val="accent2"/>
-            </a:effectRef>
-            <a:fontRef idx="minor">
-              <a:schemeClr val="lt1"/>
-            </a:fontRef>
-          </p:style>
-          <p:txBody>
-            <a:bodyPr vert="horz" wrap="square" lIns="91436" tIns="45718" rIns="91436" bIns="45718" numCol="1" rtlCol="0" anchor="ctr" anchorCtr="0" compatLnSpc="1">
-              <a:prstTxWarp prst="textNoShape">
-                <a:avLst/>
-              </a:prstTxWarp>
-            </a:bodyPr>
-            <a:lstStyle/>
-            <a:p>
-              <a:pPr algn="ctr" defTabSz="914099" fontAlgn="base">
-                <a:spcBef>
-                  <a:spcPct val="0"/>
-                </a:spcBef>
-                <a:spcAft>
-                  <a:spcPct val="0"/>
-                </a:spcAft>
-              </a:pPr>
-              <a:endParaRPr lang="en-US" sz="2200" dirty="0" smtClean="0">
-                <a:solidFill>
-                  <a:schemeClr val="tx1"/>
-                </a:solidFill>
-              </a:endParaRPr>
-            </a:p>
-          </p:txBody>
-        </p:sp>
-      </p:grpSp>
-      <p:sp>
-        <p:nvSpPr>
-          <p:cNvPr id="14" name="TextBox 13"/>
-          <p:cNvSpPr txBox="1"/>
-          <p:nvPr/>
-        </p:nvSpPr>
-        <p:spPr>
-          <a:xfrm>
-            <a:off x="1219200" y="5818634"/>
-            <a:ext cx="1481822" cy="369332"/>
-          </a:xfrm>
-          <a:prstGeom prst="rect">
-            <a:avLst/>
-          </a:prstGeom>
-          <a:noFill/>
-        </p:spPr>
-        <p:txBody>
-          <a:bodyPr wrap="square" lIns="0" tIns="0" rIns="0" bIns="0" rtlCol="0">
-            <a:spAutoFit/>
-          </a:bodyPr>
-          <a:lstStyle/>
-          <a:p>
-            <a:r>
-              <a:rPr lang="en-US" sz="2400" dirty="0" smtClean="0">
-                <a:latin typeface="Segoe UI" pitchFamily="34" charset="0"/>
-                <a:ea typeface="Segoe UI" pitchFamily="34" charset="0"/>
-                <a:cs typeface="Segoe UI" pitchFamily="34" charset="0"/>
-              </a:rPr>
-              <a:t>Primary</a:t>
-            </a:r>
-          </a:p>
-        </p:txBody>
-      </p:sp>
-      <p:grpSp>
-        <p:nvGrpSpPr>
-          <p:cNvPr id="15" name="Group 14"/>
-          <p:cNvGrpSpPr/>
-          <p:nvPr/>
-        </p:nvGrpSpPr>
-        <p:grpSpPr>
-          <a:xfrm>
-            <a:off x="609600" y="3581400"/>
-            <a:ext cx="2132310" cy="2142673"/>
-            <a:chOff x="1855304" y="4081670"/>
-            <a:chExt cx="1855305" cy="2464904"/>
-          </a:xfrm>
-        </p:grpSpPr>
-        <p:sp>
-          <p:nvSpPr>
-            <p:cNvPr id="16" name="Rectangle 15"/>
-            <p:cNvSpPr/>
-            <p:nvPr/>
-          </p:nvSpPr>
-          <p:spPr bwMode="auto">
-            <a:xfrm>
-              <a:off x="1855304" y="4081670"/>
-              <a:ext cx="1855305" cy="2464904"/>
-            </a:xfrm>
-            <a:prstGeom prst="rect">
-              <a:avLst/>
-            </a:prstGeom>
-            <a:solidFill>
-              <a:schemeClr val="accent1">
-                <a:alpha val="50000"/>
-              </a:schemeClr>
-            </a:solidFill>
-            <a:ln w="38100">
-              <a:solidFill>
-                <a:schemeClr val="accent1">
-                  <a:lumMod val="50000"/>
-                </a:schemeClr>
-              </a:solidFill>
-              <a:headEnd type="none" w="med" len="med"/>
-              <a:tailEnd type="none" w="med" len="med"/>
-            </a:ln>
-            <a:effectLst/>
-          </p:spPr>
-          <p:style>
-            <a:lnRef idx="1">
-              <a:schemeClr val="accent2"/>
-            </a:lnRef>
-            <a:fillRef idx="3">
-              <a:schemeClr val="accent2"/>
-            </a:fillRef>
-            <a:effectRef idx="2">
-              <a:schemeClr val="accent2"/>
-            </a:effectRef>
-            <a:fontRef idx="minor">
-              <a:schemeClr val="lt1"/>
-            </a:fontRef>
-          </p:style>
-          <p:txBody>
-            <a:bodyPr vert="horz" wrap="square" lIns="91436" tIns="45718" rIns="91436" bIns="45718" numCol="1" rtlCol="0" anchor="t" anchorCtr="0" compatLnSpc="1">
-              <a:prstTxWarp prst="textNoShape">
-                <a:avLst/>
-              </a:prstTxWarp>
-            </a:bodyPr>
-            <a:lstStyle/>
-            <a:p>
-              <a:pPr algn="ctr" defTabSz="914099" fontAlgn="base">
-                <a:spcBef>
-                  <a:spcPct val="0"/>
-                </a:spcBef>
-                <a:spcAft>
-                  <a:spcPct val="0"/>
-                </a:spcAft>
-              </a:pPr>
-              <a:r>
-                <a:rPr lang="en-US" sz="2200" b="1" dirty="0" smtClean="0">
-                  <a:solidFill>
-                    <a:schemeClr val="tx1"/>
-                  </a:solidFill>
-                  <a:latin typeface="Segoe UI" pitchFamily="34" charset="0"/>
-                  <a:ea typeface="Segoe UI" pitchFamily="34" charset="0"/>
-                  <a:cs typeface="Segoe UI" pitchFamily="34" charset="0"/>
-                </a:rPr>
-                <a:t>EN 1</a:t>
-              </a:r>
-            </a:p>
-          </p:txBody>
-        </p:sp>
-        <p:sp>
-          <p:nvSpPr>
-            <p:cNvPr id="17" name="Flowchart: Magnetic Disk 16"/>
-            <p:cNvSpPr/>
-            <p:nvPr/>
-          </p:nvSpPr>
-          <p:spPr bwMode="auto">
-            <a:xfrm>
-              <a:off x="2570922" y="5592417"/>
-              <a:ext cx="795130" cy="689113"/>
-            </a:xfrm>
-            <a:prstGeom prst="flowChartMagneticDisk">
-              <a:avLst/>
-            </a:prstGeom>
-            <a:solidFill>
-              <a:srgbClr val="00FF00"/>
-            </a:solidFill>
-            <a:ln w="25400">
-              <a:solidFill>
-                <a:schemeClr val="accent1">
-                  <a:lumMod val="50000"/>
-                </a:schemeClr>
-              </a:solidFill>
-              <a:headEnd type="none" w="med" len="med"/>
-              <a:tailEnd type="none" w="med" len="med"/>
-            </a:ln>
-            <a:effectLst/>
-          </p:spPr>
-          <p:style>
-            <a:lnRef idx="1">
-              <a:schemeClr val="accent2"/>
-            </a:lnRef>
-            <a:fillRef idx="3">
-              <a:schemeClr val="accent2"/>
-            </a:fillRef>
-            <a:effectRef idx="2">
-              <a:schemeClr val="accent2"/>
-            </a:effectRef>
-            <a:fontRef idx="minor">
-              <a:schemeClr val="lt1"/>
-            </a:fontRef>
-          </p:style>
-          <p:txBody>
-            <a:bodyPr vert="horz" wrap="square" lIns="91436" tIns="45718" rIns="91436" bIns="45718" numCol="1" rtlCol="0" anchor="ctr" anchorCtr="0" compatLnSpc="1">
-              <a:prstTxWarp prst="textNoShape">
-                <a:avLst/>
-              </a:prstTxWarp>
-            </a:bodyPr>
-            <a:lstStyle/>
-            <a:p>
-              <a:pPr algn="ctr" defTabSz="914099" fontAlgn="base">
-                <a:spcBef>
-                  <a:spcPct val="0"/>
-                </a:spcBef>
-                <a:spcAft>
-                  <a:spcPct val="0"/>
-                </a:spcAft>
-              </a:pPr>
-              <a:endParaRPr lang="en-US" sz="2200" dirty="0" smtClean="0">
-                <a:solidFill>
-                  <a:schemeClr val="tx1"/>
-                </a:solidFill>
-              </a:endParaRPr>
-            </a:p>
-          </p:txBody>
-        </p:sp>
-      </p:grpSp>
-      <p:sp>
-        <p:nvSpPr>
-          <p:cNvPr id="21" name="Rectangle 20"/>
-          <p:cNvSpPr/>
-          <p:nvPr/>
-        </p:nvSpPr>
-        <p:spPr bwMode="auto">
-          <a:xfrm>
-            <a:off x="884834" y="4656099"/>
-            <a:ext cx="207711" cy="648430"/>
-          </a:xfrm>
-          <a:prstGeom prst="rect">
-            <a:avLst/>
-          </a:prstGeom>
-          <a:solidFill>
-            <a:srgbClr val="0070C0"/>
-          </a:solidFill>
-          <a:ln w="25400">
-            <a:solidFill>
-              <a:schemeClr val="accent1">
-                <a:lumMod val="50000"/>
-              </a:schemeClr>
-            </a:solidFill>
-            <a:headEnd type="none" w="med" len="med"/>
-            <a:tailEnd type="none" w="med" len="med"/>
-          </a:ln>
-          <a:effectLst/>
-        </p:spPr>
-        <p:style>
-          <a:lnRef idx="1">
-            <a:schemeClr val="accent2"/>
-          </a:lnRef>
-          <a:fillRef idx="3">
-            <a:schemeClr val="accent2"/>
-          </a:fillRef>
-          <a:effectRef idx="2">
-            <a:schemeClr val="accent2"/>
-          </a:effectRef>
-          <a:fontRef idx="minor">
-            <a:schemeClr val="lt1"/>
-          </a:fontRef>
-        </p:style>
-        <p:txBody>
-          <a:bodyPr vert="horz" wrap="square" lIns="91436" tIns="45718" rIns="91436" bIns="45718" numCol="1" rtlCol="0" anchor="ctr" anchorCtr="0" compatLnSpc="1">
-            <a:prstTxWarp prst="textNoShape">
-              <a:avLst/>
-            </a:prstTxWarp>
-          </a:bodyPr>
-          <a:lstStyle/>
-          <a:p>
-            <a:pPr algn="ctr" defTabSz="914099" fontAlgn="base">
-              <a:spcBef>
-                <a:spcPct val="0"/>
-              </a:spcBef>
-              <a:spcAft>
-                <a:spcPct val="0"/>
-              </a:spcAft>
-            </a:pPr>
-            <a:endParaRPr lang="en-US" sz="2200" dirty="0" smtClean="0">
-              <a:gradFill>
-                <a:gsLst>
-                  <a:gs pos="0">
-                    <a:schemeClr val="tx1"/>
-                  </a:gs>
-                  <a:gs pos="100000">
-                    <a:schemeClr val="tx1"/>
-                  </a:gs>
-                </a:gsLst>
-                <a:lin ang="5400000" scaled="0"/>
-              </a:gradFill>
-            </a:endParaRPr>
-          </a:p>
-        </p:txBody>
-      </p:sp>
-      <p:sp>
-        <p:nvSpPr>
-          <p:cNvPr id="22" name="Rectangle 21"/>
-          <p:cNvSpPr/>
-          <p:nvPr/>
-        </p:nvSpPr>
-        <p:spPr bwMode="auto">
-          <a:xfrm>
-            <a:off x="879572" y="4646148"/>
-            <a:ext cx="207711" cy="648430"/>
-          </a:xfrm>
-          <a:prstGeom prst="rect">
-            <a:avLst/>
-          </a:prstGeom>
-          <a:solidFill>
-            <a:srgbClr val="0070C0"/>
-          </a:solidFill>
-          <a:ln w="25400">
-            <a:solidFill>
-              <a:schemeClr val="accent1">
-                <a:lumMod val="50000"/>
-              </a:schemeClr>
-            </a:solidFill>
-            <a:headEnd type="none" w="med" len="med"/>
-            <a:tailEnd type="none" w="med" len="med"/>
-          </a:ln>
-          <a:effectLst/>
-        </p:spPr>
-        <p:style>
-          <a:lnRef idx="1">
-            <a:schemeClr val="accent2"/>
-          </a:lnRef>
-          <a:fillRef idx="3">
-            <a:schemeClr val="accent2"/>
-          </a:fillRef>
-          <a:effectRef idx="2">
-            <a:schemeClr val="accent2"/>
-          </a:effectRef>
-          <a:fontRef idx="minor">
-            <a:schemeClr val="lt1"/>
-          </a:fontRef>
-        </p:style>
-        <p:txBody>
-          <a:bodyPr vert="horz" wrap="square" lIns="91436" tIns="45718" rIns="91436" bIns="45718" numCol="1" rtlCol="0" anchor="ctr" anchorCtr="0" compatLnSpc="1">
-            <a:prstTxWarp prst="textNoShape">
-              <a:avLst/>
-            </a:prstTxWarp>
-          </a:bodyPr>
-          <a:lstStyle/>
-          <a:p>
-            <a:pPr algn="ctr" defTabSz="914099" fontAlgn="base">
-              <a:spcBef>
-                <a:spcPct val="0"/>
-              </a:spcBef>
-              <a:spcAft>
-                <a:spcPct val="0"/>
-              </a:spcAft>
-            </a:pPr>
-            <a:endParaRPr lang="en-US" sz="2200" dirty="0" smtClean="0">
-              <a:gradFill>
-                <a:gsLst>
-                  <a:gs pos="0">
-                    <a:schemeClr val="tx1"/>
-                  </a:gs>
-                  <a:gs pos="100000">
-                    <a:schemeClr val="tx1"/>
-                  </a:gs>
-                </a:gsLst>
-                <a:lin ang="5400000" scaled="0"/>
-              </a:gradFill>
-            </a:endParaRPr>
-          </a:p>
-        </p:txBody>
-      </p:sp>
-      <p:sp>
-        <p:nvSpPr>
-          <p:cNvPr id="23" name="Rectangle 22"/>
-          <p:cNvSpPr/>
-          <p:nvPr/>
-        </p:nvSpPr>
-        <p:spPr bwMode="auto">
-          <a:xfrm>
-            <a:off x="884834" y="4648214"/>
-            <a:ext cx="207711" cy="648430"/>
-          </a:xfrm>
-          <a:prstGeom prst="rect">
-            <a:avLst/>
-          </a:prstGeom>
-          <a:solidFill>
-            <a:srgbClr val="0070C0"/>
-          </a:solidFill>
-          <a:ln w="25400">
-            <a:solidFill>
-              <a:schemeClr val="accent1">
-                <a:lumMod val="50000"/>
-              </a:schemeClr>
-            </a:solidFill>
-            <a:headEnd type="none" w="med" len="med"/>
-            <a:tailEnd type="none" w="med" len="med"/>
-          </a:ln>
-          <a:effectLst/>
-        </p:spPr>
-        <p:style>
-          <a:lnRef idx="1">
-            <a:schemeClr val="accent2"/>
-          </a:lnRef>
-          <a:fillRef idx="3">
-            <a:schemeClr val="accent2"/>
-          </a:fillRef>
-          <a:effectRef idx="2">
-            <a:schemeClr val="accent2"/>
-          </a:effectRef>
-          <a:fontRef idx="minor">
-            <a:schemeClr val="lt1"/>
-          </a:fontRef>
-        </p:style>
-        <p:txBody>
-          <a:bodyPr vert="horz" wrap="square" lIns="91436" tIns="45718" rIns="91436" bIns="45718" numCol="1" rtlCol="0" anchor="ctr" anchorCtr="0" compatLnSpc="1">
-            <a:prstTxWarp prst="textNoShape">
-              <a:avLst/>
-            </a:prstTxWarp>
-          </a:bodyPr>
-          <a:lstStyle/>
-          <a:p>
-            <a:pPr algn="ctr" defTabSz="914099" fontAlgn="base">
-              <a:spcBef>
-                <a:spcPct val="0"/>
-              </a:spcBef>
-              <a:spcAft>
-                <a:spcPct val="0"/>
-              </a:spcAft>
-            </a:pPr>
-            <a:endParaRPr lang="en-US" sz="2200" dirty="0" smtClean="0">
-              <a:gradFill>
-                <a:gsLst>
-                  <a:gs pos="0">
-                    <a:schemeClr val="tx1"/>
-                  </a:gs>
-                  <a:gs pos="100000">
-                    <a:schemeClr val="tx1"/>
-                  </a:gs>
-                </a:gsLst>
-                <a:lin ang="5400000" scaled="0"/>
-              </a:gradFill>
-            </a:endParaRPr>
-          </a:p>
-        </p:txBody>
-      </p:sp>
-      <p:sp>
-        <p:nvSpPr>
-          <p:cNvPr id="29" name="Rectangle 28"/>
-          <p:cNvSpPr/>
-          <p:nvPr/>
-        </p:nvSpPr>
-        <p:spPr bwMode="auto">
-          <a:xfrm>
-            <a:off x="3879294" y="4704433"/>
-            <a:ext cx="207711" cy="648430"/>
-          </a:xfrm>
-          <a:prstGeom prst="rect">
-            <a:avLst/>
-          </a:prstGeom>
-          <a:solidFill>
-            <a:srgbClr val="0070C0"/>
-          </a:solidFill>
-          <a:ln w="25400">
-            <a:solidFill>
-              <a:schemeClr val="accent1">
-                <a:lumMod val="50000"/>
-              </a:schemeClr>
-            </a:solidFill>
-            <a:headEnd type="none" w="med" len="med"/>
-            <a:tailEnd type="none" w="med" len="med"/>
-          </a:ln>
-          <a:effectLst/>
-        </p:spPr>
-        <p:style>
-          <a:lnRef idx="1">
-            <a:schemeClr val="accent2"/>
-          </a:lnRef>
-          <a:fillRef idx="3">
-            <a:schemeClr val="accent2"/>
-          </a:fillRef>
-          <a:effectRef idx="2">
-            <a:schemeClr val="accent2"/>
-          </a:effectRef>
-          <a:fontRef idx="minor">
-            <a:schemeClr val="lt1"/>
-          </a:fontRef>
-        </p:style>
-        <p:txBody>
-          <a:bodyPr vert="horz" wrap="square" lIns="91436" tIns="45718" rIns="91436" bIns="45718" numCol="1" rtlCol="0" anchor="ctr" anchorCtr="0" compatLnSpc="1">
-            <a:prstTxWarp prst="textNoShape">
-              <a:avLst/>
-            </a:prstTxWarp>
-          </a:bodyPr>
-          <a:lstStyle/>
-          <a:p>
-            <a:pPr algn="ctr" defTabSz="914099" fontAlgn="base">
-              <a:spcBef>
-                <a:spcPct val="0"/>
-              </a:spcBef>
-              <a:spcAft>
-                <a:spcPct val="0"/>
-              </a:spcAft>
-            </a:pPr>
-            <a:endParaRPr lang="en-US" sz="2200" dirty="0" smtClean="0">
-              <a:gradFill>
-                <a:gsLst>
-                  <a:gs pos="0">
-                    <a:schemeClr val="tx1"/>
-                  </a:gs>
-                  <a:gs pos="100000">
-                    <a:schemeClr val="tx1"/>
-                  </a:gs>
-                </a:gsLst>
-                <a:lin ang="5400000" scaled="0"/>
-              </a:gradFill>
-            </a:endParaRPr>
-          </a:p>
-        </p:txBody>
-      </p:sp>
-      <p:sp>
-        <p:nvSpPr>
-          <p:cNvPr id="30" name="Rectangle 29"/>
-          <p:cNvSpPr/>
-          <p:nvPr/>
-        </p:nvSpPr>
-        <p:spPr bwMode="auto">
-          <a:xfrm>
-            <a:off x="6864006" y="4704433"/>
-            <a:ext cx="207711" cy="648430"/>
-          </a:xfrm>
-          <a:prstGeom prst="rect">
-            <a:avLst/>
-          </a:prstGeom>
-          <a:solidFill>
-            <a:srgbClr val="0070C0"/>
-          </a:solidFill>
-          <a:ln w="25400">
-            <a:solidFill>
-              <a:schemeClr val="accent1">
-                <a:lumMod val="50000"/>
-              </a:schemeClr>
-            </a:solidFill>
-            <a:headEnd type="none" w="med" len="med"/>
-            <a:tailEnd type="none" w="med" len="med"/>
-          </a:ln>
-          <a:effectLst/>
-        </p:spPr>
-        <p:style>
-          <a:lnRef idx="1">
-            <a:schemeClr val="accent2"/>
-          </a:lnRef>
-          <a:fillRef idx="3">
-            <a:schemeClr val="accent2"/>
-          </a:fillRef>
-          <a:effectRef idx="2">
-            <a:schemeClr val="accent2"/>
-          </a:effectRef>
-          <a:fontRef idx="minor">
-            <a:schemeClr val="lt1"/>
-          </a:fontRef>
-        </p:style>
-        <p:txBody>
-          <a:bodyPr vert="horz" wrap="square" lIns="91436" tIns="45718" rIns="91436" bIns="45718" numCol="1" rtlCol="0" anchor="ctr" anchorCtr="0" compatLnSpc="1">
-            <a:prstTxWarp prst="textNoShape">
-              <a:avLst/>
-            </a:prstTxWarp>
-          </a:bodyPr>
-          <a:lstStyle/>
-          <a:p>
-            <a:pPr algn="ctr" defTabSz="914099" fontAlgn="base">
-              <a:spcBef>
-                <a:spcPct val="0"/>
-              </a:spcBef>
-              <a:spcAft>
-                <a:spcPct val="0"/>
-              </a:spcAft>
-            </a:pPr>
-            <a:endParaRPr lang="en-US" sz="2200" dirty="0" smtClean="0">
-              <a:gradFill>
-                <a:gsLst>
-                  <a:gs pos="0">
-                    <a:schemeClr val="tx1"/>
-                  </a:gs>
-                  <a:gs pos="100000">
-                    <a:schemeClr val="tx1"/>
-                  </a:gs>
-                </a:gsLst>
-                <a:lin ang="5400000" scaled="0"/>
-              </a:gradFill>
-            </a:endParaRPr>
-          </a:p>
-        </p:txBody>
-      </p:sp>
-      <p:sp>
-        <p:nvSpPr>
-          <p:cNvPr id="31" name="Rectangle 30"/>
-          <p:cNvSpPr/>
-          <p:nvPr/>
-        </p:nvSpPr>
-        <p:spPr bwMode="auto">
-          <a:xfrm>
-            <a:off x="6468870" y="1337157"/>
-            <a:ext cx="1684530" cy="874530"/>
-          </a:xfrm>
-          <a:prstGeom prst="rect">
-            <a:avLst/>
-          </a:prstGeom>
-          <a:solidFill>
-            <a:schemeClr val="accent1">
-              <a:lumMod val="60000"/>
-              <a:lumOff val="40000"/>
-            </a:schemeClr>
-          </a:solidFill>
-          <a:ln w="38100">
-            <a:solidFill>
-              <a:schemeClr val="accent1">
-                <a:lumMod val="50000"/>
-              </a:schemeClr>
-            </a:solidFill>
-            <a:headEnd type="none" w="med" len="med"/>
-            <a:tailEnd type="none" w="med" len="med"/>
-          </a:ln>
-          <a:effectLst/>
-        </p:spPr>
-        <p:style>
-          <a:lnRef idx="1">
-            <a:schemeClr val="accent2"/>
-          </a:lnRef>
-          <a:fillRef idx="3">
-            <a:schemeClr val="accent2"/>
-          </a:fillRef>
-          <a:effectRef idx="2">
-            <a:schemeClr val="accent2"/>
-          </a:effectRef>
-          <a:fontRef idx="minor">
-            <a:schemeClr val="lt1"/>
-          </a:fontRef>
-        </p:style>
-        <p:txBody>
-          <a:bodyPr vert="horz" wrap="square" lIns="91436" tIns="45718" rIns="91436" bIns="45718" numCol="1" rtlCol="0" anchor="ctr" anchorCtr="0" compatLnSpc="1">
-            <a:prstTxWarp prst="textNoShape">
-              <a:avLst/>
-            </a:prstTxWarp>
-          </a:bodyPr>
-          <a:lstStyle/>
-          <a:p>
-            <a:pPr algn="ctr" defTabSz="914099" fontAlgn="base">
-              <a:spcBef>
-                <a:spcPct val="0"/>
-              </a:spcBef>
-              <a:spcAft>
-                <a:spcPct val="0"/>
-              </a:spcAft>
-            </a:pPr>
-            <a:r>
-              <a:rPr lang="en-US" sz="2200" b="1" dirty="0" smtClean="0">
-                <a:solidFill>
-                  <a:schemeClr val="tx1"/>
-                </a:solidFill>
-                <a:latin typeface="Segoe UI" pitchFamily="34" charset="0"/>
-                <a:ea typeface="Segoe UI" pitchFamily="34" charset="0"/>
-                <a:cs typeface="Segoe UI" pitchFamily="34" charset="0"/>
-              </a:rPr>
-              <a:t>Stream Master</a:t>
-            </a:r>
-          </a:p>
-        </p:txBody>
-      </p:sp>
-      <p:sp>
-        <p:nvSpPr>
           <p:cNvPr id="35" name="Multiply 34"/>
           <p:cNvSpPr/>
           <p:nvPr/>
@@ -20356,79 +18319,6 @@
 </file>
 
 <file path=ppt/slides/slide5.xml><?xml version="1.0" encoding="utf-8"?>
-<p:sld xmlns:a="http://schemas.openxmlformats.org/drawingml/2006/main" xmlns:r="http://schemas.openxmlformats.org/officeDocument/2006/relationships" xmlns:p="http://schemas.openxmlformats.org/presentationml/2006/main" show="0">
-  <p:cSld>
-    <p:spTree>
-      <p:nvGrpSpPr>
-        <p:cNvPr id="1" name=""/>
-        <p:cNvGrpSpPr/>
-        <p:nvPr/>
-      </p:nvGrpSpPr>
-      <p:grpSpPr>
-        <a:xfrm>
-          <a:off x="0" y="0"/>
-          <a:ext cx="0" cy="0"/>
-          <a:chOff x="0" y="0"/>
-          <a:chExt cx="0" cy="0"/>
-        </a:xfrm>
-      </p:grpSpPr>
-      <p:sp>
-        <p:nvSpPr>
-          <p:cNvPr id="2" name="Title 1"/>
-          <p:cNvSpPr>
-            <a:spLocks noGrp="1"/>
-          </p:cNvSpPr>
-          <p:nvPr>
-            <p:ph type="title"/>
-          </p:nvPr>
-        </p:nvSpPr>
-        <p:spPr>
-          <a:xfrm>
-            <a:off x="457200" y="2819400"/>
-            <a:ext cx="8229600" cy="1143000"/>
-          </a:xfrm>
-        </p:spPr>
-        <p:txBody>
-          <a:bodyPr/>
-          <a:lstStyle/>
-          <a:p>
-            <a:r>
-              <a:rPr lang="en-US" dirty="0" smtClean="0"/>
-              <a:t>Consistency and Availability</a:t>
-            </a:r>
-            <a:endParaRPr lang="en-SG" dirty="0"/>
-          </a:p>
-        </p:txBody>
-      </p:sp>
-    </p:spTree>
-    <p:extLst>
-      <p:ext uri="{BB962C8B-B14F-4D97-AF65-F5344CB8AC3E}">
-        <p14:creationId xmlns:p14="http://schemas.microsoft.com/office/powerpoint/2010/main" val="987815696"/>
-      </p:ext>
-    </p:extLst>
-  </p:cSld>
-  <p:clrMapOvr>
-    <a:masterClrMapping/>
-  </p:clrMapOvr>
-  <mc:AlternateContent xmlns:mc="http://schemas.openxmlformats.org/markup-compatibility/2006">
-    <mc:Choice xmlns:p14="http://schemas.microsoft.com/office/powerpoint/2010/main" Requires="p14">
-      <p:transition spd="slow" p14:dur="2000"/>
-    </mc:Choice>
-    <mc:Fallback>
-      <p:transition spd="slow"/>
-    </mc:Fallback>
-  </mc:AlternateContent>
-  <p:timing>
-    <p:tnLst>
-      <p:par>
-        <p:cTn id="1" dur="indefinite" restart="never" nodeType="tmRoot"/>
-      </p:par>
-    </p:tnLst>
-  </p:timing>
-</p:sld>
-</file>
-
-<file path=ppt/slides/slide6.xml><?xml version="1.0" encoding="utf-8"?>
 <p:sld xmlns:a="http://schemas.openxmlformats.org/drawingml/2006/main" xmlns:r="http://schemas.openxmlformats.org/officeDocument/2006/relationships" xmlns:p="http://schemas.openxmlformats.org/presentationml/2006/main">
   <p:cSld>
     <p:spTree>
@@ -22153,6 +20043,273 @@
           </p:txBody>
         </p:sp>
       </p:grpSp>
+      <p:grpSp>
+        <p:nvGrpSpPr>
+          <p:cNvPr id="24" name="Group 23"/>
+          <p:cNvGrpSpPr/>
+          <p:nvPr/>
+        </p:nvGrpSpPr>
+        <p:grpSpPr>
+          <a:xfrm>
+            <a:off x="2049762" y="2234777"/>
+            <a:ext cx="4655838" cy="2286000"/>
+            <a:chOff x="1717376" y="7317432"/>
+            <a:chExt cx="4655838" cy="2286000"/>
+          </a:xfrm>
+        </p:grpSpPr>
+        <p:sp>
+          <p:nvSpPr>
+            <p:cNvPr id="9" name="Rectangle 8"/>
+            <p:cNvSpPr/>
+            <p:nvPr/>
+          </p:nvSpPr>
+          <p:spPr>
+            <a:xfrm>
+              <a:off x="1717376" y="7317432"/>
+              <a:ext cx="4655838" cy="2286000"/>
+            </a:xfrm>
+            <a:prstGeom prst="rect">
+              <a:avLst/>
+            </a:prstGeom>
+            <a:solidFill>
+              <a:schemeClr val="bg1"/>
+            </a:solidFill>
+          </p:spPr>
+          <p:style>
+            <a:lnRef idx="2">
+              <a:schemeClr val="accent1">
+                <a:shade val="50000"/>
+              </a:schemeClr>
+            </a:lnRef>
+            <a:fillRef idx="1">
+              <a:schemeClr val="accent1"/>
+            </a:fillRef>
+            <a:effectRef idx="0">
+              <a:schemeClr val="accent1"/>
+            </a:effectRef>
+            <a:fontRef idx="minor">
+              <a:schemeClr val="lt1"/>
+            </a:fontRef>
+          </p:style>
+          <p:txBody>
+            <a:bodyPr rtlCol="0" anchor="ctr"/>
+            <a:lstStyle/>
+            <a:p>
+              <a:pPr algn="ctr"/>
+              <a:endParaRPr lang="en-SG"/>
+            </a:p>
+          </p:txBody>
+        </p:sp>
+        <p:sp>
+          <p:nvSpPr>
+            <p:cNvPr id="39" name="Rectangle 38"/>
+            <p:cNvSpPr/>
+            <p:nvPr/>
+          </p:nvSpPr>
+          <p:spPr bwMode="auto">
+            <a:xfrm>
+              <a:off x="2924866" y="8114352"/>
+              <a:ext cx="207711" cy="648430"/>
+            </a:xfrm>
+            <a:prstGeom prst="rect">
+              <a:avLst/>
+            </a:prstGeom>
+            <a:solidFill>
+              <a:srgbClr val="0070C0"/>
+            </a:solidFill>
+            <a:ln w="25400">
+              <a:solidFill>
+                <a:schemeClr val="accent1">
+                  <a:lumMod val="50000"/>
+                </a:schemeClr>
+              </a:solidFill>
+              <a:headEnd type="none" w="med" len="med"/>
+              <a:tailEnd type="none" w="med" len="med"/>
+            </a:ln>
+            <a:effectLst/>
+          </p:spPr>
+          <p:style>
+            <a:lnRef idx="1">
+              <a:schemeClr val="accent2"/>
+            </a:lnRef>
+            <a:fillRef idx="3">
+              <a:schemeClr val="accent2"/>
+            </a:fillRef>
+            <a:effectRef idx="2">
+              <a:schemeClr val="accent2"/>
+            </a:effectRef>
+            <a:fontRef idx="minor">
+              <a:schemeClr val="lt1"/>
+            </a:fontRef>
+          </p:style>
+          <p:txBody>
+            <a:bodyPr vert="horz" wrap="square" lIns="91436" tIns="45718" rIns="91436" bIns="45718" numCol="1" rtlCol="0" anchor="ctr" anchorCtr="0" compatLnSpc="1">
+              <a:prstTxWarp prst="textNoShape">
+                <a:avLst/>
+              </a:prstTxWarp>
+            </a:bodyPr>
+            <a:lstStyle/>
+            <a:p>
+              <a:pPr algn="ctr" defTabSz="914099" fontAlgn="base">
+                <a:spcBef>
+                  <a:spcPct val="0"/>
+                </a:spcBef>
+                <a:spcAft>
+                  <a:spcPct val="0"/>
+                </a:spcAft>
+              </a:pPr>
+              <a:endParaRPr lang="en-US" sz="2200" dirty="0" smtClean="0">
+                <a:gradFill>
+                  <a:gsLst>
+                    <a:gs pos="0">
+                      <a:schemeClr val="tx1"/>
+                    </a:gs>
+                    <a:gs pos="100000">
+                      <a:schemeClr val="tx1"/>
+                    </a:gs>
+                  </a:gsLst>
+                  <a:lin ang="5400000" scaled="0"/>
+                </a:gradFill>
+              </a:endParaRPr>
+            </a:p>
+          </p:txBody>
+        </p:sp>
+        <p:sp>
+          <p:nvSpPr>
+            <p:cNvPr id="20" name="TextBox 19"/>
+            <p:cNvSpPr txBox="1"/>
+            <p:nvPr/>
+          </p:nvSpPr>
+          <p:spPr>
+            <a:xfrm>
+              <a:off x="3428492" y="8229600"/>
+              <a:ext cx="819432" cy="461665"/>
+            </a:xfrm>
+            <a:prstGeom prst="rect">
+              <a:avLst/>
+            </a:prstGeom>
+            <a:noFill/>
+          </p:spPr>
+          <p:txBody>
+            <a:bodyPr wrap="square" rtlCol="0">
+              <a:spAutoFit/>
+            </a:bodyPr>
+            <a:lstStyle/>
+            <a:p>
+              <a:r>
+                <a:rPr lang="en-US" sz="2400" dirty="0" smtClean="0"/>
+                <a:t>100</a:t>
+              </a:r>
+              <a:endParaRPr lang="en-SG" dirty="0"/>
+            </a:p>
+          </p:txBody>
+        </p:sp>
+        <p:sp>
+          <p:nvSpPr>
+            <p:cNvPr id="40" name="Rectangle 39"/>
+            <p:cNvSpPr/>
+            <p:nvPr/>
+          </p:nvSpPr>
+          <p:spPr bwMode="auto">
+            <a:xfrm>
+              <a:off x="4389589" y="8286385"/>
+              <a:ext cx="207711" cy="324215"/>
+            </a:xfrm>
+            <a:prstGeom prst="rect">
+              <a:avLst/>
+            </a:prstGeom>
+            <a:solidFill>
+              <a:srgbClr val="C00000"/>
+            </a:solidFill>
+            <a:ln w="25400">
+              <a:solidFill>
+                <a:schemeClr val="tx1">
+                  <a:lumMod val="75000"/>
+                  <a:lumOff val="25000"/>
+                </a:schemeClr>
+              </a:solidFill>
+              <a:headEnd type="none" w="med" len="med"/>
+              <a:tailEnd type="none" w="med" len="med"/>
+            </a:ln>
+            <a:effectLst/>
+          </p:spPr>
+          <p:style>
+            <a:lnRef idx="1">
+              <a:schemeClr val="accent2"/>
+            </a:lnRef>
+            <a:fillRef idx="3">
+              <a:schemeClr val="accent2"/>
+            </a:fillRef>
+            <a:effectRef idx="2">
+              <a:schemeClr val="accent2"/>
+            </a:effectRef>
+            <a:fontRef idx="minor">
+              <a:schemeClr val="lt1"/>
+            </a:fontRef>
+          </p:style>
+          <p:txBody>
+            <a:bodyPr vert="horz" wrap="square" lIns="91436" tIns="45718" rIns="91436" bIns="45718" numCol="1" rtlCol="0" anchor="ctr" anchorCtr="0" compatLnSpc="1">
+              <a:prstTxWarp prst="textNoShape">
+                <a:avLst/>
+              </a:prstTxWarp>
+            </a:bodyPr>
+            <a:lstStyle/>
+            <a:p>
+              <a:pPr algn="ctr" defTabSz="914099" fontAlgn="base">
+                <a:spcBef>
+                  <a:spcPct val="0"/>
+                </a:spcBef>
+                <a:spcAft>
+                  <a:spcPct val="0"/>
+                </a:spcAft>
+              </a:pPr>
+              <a:endParaRPr lang="en-US" sz="2200" dirty="0" smtClean="0">
+                <a:gradFill>
+                  <a:gsLst>
+                    <a:gs pos="0">
+                      <a:schemeClr val="tx1"/>
+                    </a:gs>
+                    <a:gs pos="100000">
+                      <a:schemeClr val="tx1"/>
+                    </a:gs>
+                  </a:gsLst>
+                  <a:lin ang="5400000" scaled="0"/>
+                </a:gradFill>
+              </a:endParaRPr>
+            </a:p>
+          </p:txBody>
+        </p:sp>
+        <p:sp>
+          <p:nvSpPr>
+            <p:cNvPr id="41" name="TextBox 40"/>
+            <p:cNvSpPr txBox="1"/>
+            <p:nvPr/>
+          </p:nvSpPr>
+          <p:spPr>
+            <a:xfrm>
+              <a:off x="4895568" y="8229600"/>
+              <a:ext cx="819432" cy="461665"/>
+            </a:xfrm>
+            <a:prstGeom prst="rect">
+              <a:avLst/>
+            </a:prstGeom>
+            <a:noFill/>
+          </p:spPr>
+          <p:txBody>
+            <a:bodyPr wrap="square" rtlCol="0">
+              <a:spAutoFit/>
+            </a:bodyPr>
+            <a:lstStyle/>
+            <a:p>
+              <a:r>
+                <a:rPr lang="en-US" sz="2400" dirty="0" smtClean="0"/>
+                <a:t>20</a:t>
+              </a:r>
+              <a:endParaRPr lang="en-SG" dirty="0"/>
+            </a:p>
+          </p:txBody>
+        </p:sp>
+      </p:grpSp>
     </p:spTree>
     <p:extLst>
       <p:ext uri="{BB962C8B-B14F-4D97-AF65-F5344CB8AC3E}">
@@ -22767,6 +20924,59 @@
                       </p:childTnLst>
                     </p:cTn>
                   </p:par>
+                  <p:par>
+                    <p:cTn id="54" fill="hold">
+                      <p:stCondLst>
+                        <p:cond delay="indefinite"/>
+                      </p:stCondLst>
+                      <p:childTnLst>
+                        <p:par>
+                          <p:cTn id="55" fill="hold">
+                            <p:stCondLst>
+                              <p:cond delay="0"/>
+                            </p:stCondLst>
+                            <p:childTnLst>
+                              <p:par>
+                                <p:cTn id="56" presetID="16" presetClass="entr" presetSubtype="21" fill="hold" nodeType="clickEffect">
+                                  <p:stCondLst>
+                                    <p:cond delay="0"/>
+                                  </p:stCondLst>
+                                  <p:childTnLst>
+                                    <p:set>
+                                      <p:cBhvr>
+                                        <p:cTn id="57" dur="1" fill="hold">
+                                          <p:stCondLst>
+                                            <p:cond delay="0"/>
+                                          </p:stCondLst>
+                                        </p:cTn>
+                                        <p:tgtEl>
+                                          <p:spTgt spid="24"/>
+                                        </p:tgtEl>
+                                        <p:attrNameLst>
+                                          <p:attrName>style.visibility</p:attrName>
+                                        </p:attrNameLst>
+                                      </p:cBhvr>
+                                      <p:to>
+                                        <p:strVal val="visible"/>
+                                      </p:to>
+                                    </p:set>
+                                    <p:animEffect transition="in" filter="barn(inVertical)">
+                                      <p:cBhvr>
+                                        <p:cTn id="58" dur="500"/>
+                                        <p:tgtEl>
+                                          <p:spTgt spid="24"/>
+                                        </p:tgtEl>
+                                      </p:cBhvr>
+                                    </p:animEffect>
+                                  </p:childTnLst>
+                                </p:cTn>
+                              </p:par>
+                            </p:childTnLst>
+                          </p:cTn>
+                        </p:par>
+                      </p:childTnLst>
+                    </p:cTn>
+                  </p:par>
                 </p:childTnLst>
               </p:cTn>
               <p:prevCondLst>
@@ -22802,7 +21012,7 @@
 </p:sld>
 </file>
 
-<file path=ppt/slides/slide7.xml><?xml version="1.0" encoding="utf-8"?>
+<file path=ppt/slides/slide6.xml><?xml version="1.0" encoding="utf-8"?>
 <p:sld xmlns:a="http://schemas.openxmlformats.org/drawingml/2006/main" xmlns:r="http://schemas.openxmlformats.org/officeDocument/2006/relationships" xmlns:p="http://schemas.openxmlformats.org/presentationml/2006/main">
   <p:cSld>
     <p:spTree>
@@ -24867,7 +23077,7 @@
 </p:sld>
 </file>
 
-<file path=ppt/slides/slide8.xml><?xml version="1.0" encoding="utf-8"?>
+<file path=ppt/slides/slide7.xml><?xml version="1.0" encoding="utf-8"?>
 <p:sld xmlns:a="http://schemas.openxmlformats.org/drawingml/2006/main" xmlns:r="http://schemas.openxmlformats.org/officeDocument/2006/relationships" xmlns:p="http://schemas.openxmlformats.org/presentationml/2006/main">
   <p:cSld>
     <p:spTree>
@@ -27043,7 +25253,7 @@
 </p:sld>
 </file>
 
-<file path=ppt/slides/slide9.xml><?xml version="1.0" encoding="utf-8"?>
+<file path=ppt/slides/slide8.xml><?xml version="1.0" encoding="utf-8"?>
 <p:sld xmlns:a="http://schemas.openxmlformats.org/drawingml/2006/main" xmlns:r="http://schemas.openxmlformats.org/officeDocument/2006/relationships" xmlns:p="http://schemas.openxmlformats.org/presentationml/2006/main">
   <p:cSld>
     <p:spTree>
@@ -28560,9 +26770,2252 @@
   <p:timing>
     <p:tnLst>
       <p:par>
-        <p:cTn id="1" dur="indefinite" restart="never" nodeType="tmRoot"/>
+        <p:cTn id="1" dur="indefinite" restart="never" nodeType="tmRoot">
+          <p:childTnLst>
+            <p:seq concurrent="1" nextAc="seek">
+              <p:cTn id="2" dur="indefinite" nodeType="mainSeq">
+                <p:childTnLst>
+                  <p:par>
+                    <p:cTn id="3" fill="hold">
+                      <p:stCondLst>
+                        <p:cond delay="indefinite"/>
+                      </p:stCondLst>
+                      <p:childTnLst>
+                        <p:par>
+                          <p:cTn id="4" fill="hold">
+                            <p:stCondLst>
+                              <p:cond delay="0"/>
+                            </p:stCondLst>
+                            <p:childTnLst>
+                              <p:par>
+                                <p:cTn id="5" presetID="10" presetClass="entr" presetSubtype="0" fill="hold" nodeType="clickEffect">
+                                  <p:stCondLst>
+                                    <p:cond delay="0"/>
+                                  </p:stCondLst>
+                                  <p:childTnLst>
+                                    <p:set>
+                                      <p:cBhvr>
+                                        <p:cTn id="6" dur="1" fill="hold">
+                                          <p:stCondLst>
+                                            <p:cond delay="0"/>
+                                          </p:stCondLst>
+                                        </p:cTn>
+                                        <p:tgtEl>
+                                          <p:spTgt spid="43"/>
+                                        </p:tgtEl>
+                                        <p:attrNameLst>
+                                          <p:attrName>style.visibility</p:attrName>
+                                        </p:attrNameLst>
+                                      </p:cBhvr>
+                                      <p:to>
+                                        <p:strVal val="visible"/>
+                                      </p:to>
+                                    </p:set>
+                                    <p:animEffect transition="in" filter="fade">
+                                      <p:cBhvr>
+                                        <p:cTn id="7" dur="500"/>
+                                        <p:tgtEl>
+                                          <p:spTgt spid="43"/>
+                                        </p:tgtEl>
+                                      </p:cBhvr>
+                                    </p:animEffect>
+                                  </p:childTnLst>
+                                </p:cTn>
+                              </p:par>
+                            </p:childTnLst>
+                          </p:cTn>
+                        </p:par>
+                      </p:childTnLst>
+                    </p:cTn>
+                  </p:par>
+                </p:childTnLst>
+              </p:cTn>
+              <p:prevCondLst>
+                <p:cond evt="onPrev" delay="0">
+                  <p:tgtEl>
+                    <p:sldTgt/>
+                  </p:tgtEl>
+                </p:cond>
+              </p:prevCondLst>
+              <p:nextCondLst>
+                <p:cond evt="onNext" delay="0">
+                  <p:tgtEl>
+                    <p:sldTgt/>
+                  </p:tgtEl>
+                </p:cond>
+              </p:nextCondLst>
+            </p:seq>
+          </p:childTnLst>
+        </p:cTn>
       </p:par>
     </p:tnLst>
+  </p:timing>
+</p:sld>
+</file>
+
+<file path=ppt/slides/slide9.xml><?xml version="1.0" encoding="utf-8"?>
+<p:sld xmlns:a="http://schemas.openxmlformats.org/drawingml/2006/main" xmlns:r="http://schemas.openxmlformats.org/officeDocument/2006/relationships" xmlns:p="http://schemas.openxmlformats.org/presentationml/2006/main">
+  <p:cSld>
+    <p:spTree>
+      <p:nvGrpSpPr>
+        <p:cNvPr id="1" name=""/>
+        <p:cNvGrpSpPr/>
+        <p:nvPr/>
+      </p:nvGrpSpPr>
+      <p:grpSpPr>
+        <a:xfrm>
+          <a:off x="0" y="0"/>
+          <a:ext cx="0" cy="0"/>
+          <a:chOff x="0" y="0"/>
+          <a:chExt cx="0" cy="0"/>
+        </a:xfrm>
+      </p:grpSpPr>
+      <p:sp>
+        <p:nvSpPr>
+          <p:cNvPr id="2" name="Title 1"/>
+          <p:cNvSpPr>
+            <a:spLocks noGrp="1"/>
+          </p:cNvSpPr>
+          <p:nvPr>
+            <p:ph type="title"/>
+          </p:nvPr>
+        </p:nvSpPr>
+        <p:spPr/>
+        <p:txBody>
+          <a:bodyPr/>
+          <a:lstStyle/>
+          <a:p>
+            <a:r>
+              <a:rPr lang="en-US" dirty="0" smtClean="0"/>
+              <a:t>Write Failure – Physical Design</a:t>
+            </a:r>
+            <a:endParaRPr lang="en-SG" dirty="0"/>
+          </a:p>
+        </p:txBody>
+      </p:sp>
+      <p:sp>
+        <p:nvSpPr>
+          <p:cNvPr id="4" name="Rounded Rectangle 3"/>
+          <p:cNvSpPr/>
+          <p:nvPr/>
+        </p:nvSpPr>
+        <p:spPr bwMode="auto">
+          <a:xfrm>
+            <a:off x="379989" y="1348408"/>
+            <a:ext cx="2120347" cy="861392"/>
+          </a:xfrm>
+          <a:prstGeom prst="roundRect">
+            <a:avLst/>
+          </a:prstGeom>
+          <a:solidFill>
+            <a:srgbClr val="00B0F0"/>
+          </a:solidFill>
+          <a:ln>
+            <a:noFill/>
+            <a:headEnd type="none" w="med" len="med"/>
+            <a:tailEnd type="none" w="med" len="med"/>
+          </a:ln>
+          <a:effectLst/>
+        </p:spPr>
+        <p:style>
+          <a:lnRef idx="1">
+            <a:schemeClr val="accent2"/>
+          </a:lnRef>
+          <a:fillRef idx="3">
+            <a:schemeClr val="accent2"/>
+          </a:fillRef>
+          <a:effectRef idx="2">
+            <a:schemeClr val="accent2"/>
+          </a:effectRef>
+          <a:fontRef idx="minor">
+            <a:schemeClr val="lt1"/>
+          </a:fontRef>
+        </p:style>
+        <p:txBody>
+          <a:bodyPr vert="horz" wrap="square" lIns="91436" tIns="45718" rIns="91436" bIns="45718" numCol="1" rtlCol="0" anchor="ctr" anchorCtr="0" compatLnSpc="1">
+            <a:prstTxWarp prst="textNoShape">
+              <a:avLst/>
+            </a:prstTxWarp>
+          </a:bodyPr>
+          <a:lstStyle/>
+          <a:p>
+            <a:pPr algn="ctr" defTabSz="914099" fontAlgn="base">
+              <a:spcBef>
+                <a:spcPct val="0"/>
+              </a:spcBef>
+              <a:spcAft>
+                <a:spcPct val="0"/>
+              </a:spcAft>
+            </a:pPr>
+            <a:r>
+              <a:rPr lang="en-US" sz="2200" b="1" dirty="0" smtClean="0">
+                <a:solidFill>
+                  <a:schemeClr val="tx1"/>
+                </a:solidFill>
+                <a:latin typeface="Segoe UI" pitchFamily="34" charset="0"/>
+                <a:ea typeface="Segoe UI" pitchFamily="34" charset="0"/>
+                <a:cs typeface="Segoe UI" pitchFamily="34" charset="0"/>
+              </a:rPr>
+              <a:t>Partition Layer</a:t>
+            </a:r>
+          </a:p>
+        </p:txBody>
+      </p:sp>
+      <p:sp>
+        <p:nvSpPr>
+          <p:cNvPr id="5" name="TextBox 4"/>
+          <p:cNvSpPr txBox="1"/>
+          <p:nvPr/>
+        </p:nvSpPr>
+        <p:spPr>
+          <a:xfrm>
+            <a:off x="6807687" y="5799505"/>
+            <a:ext cx="2856801" cy="369332"/>
+          </a:xfrm>
+          <a:prstGeom prst="rect">
+            <a:avLst/>
+          </a:prstGeom>
+          <a:noFill/>
+        </p:spPr>
+        <p:txBody>
+          <a:bodyPr wrap="square" lIns="0" tIns="0" rIns="0" bIns="0" rtlCol="0">
+            <a:spAutoFit/>
+          </a:bodyPr>
+          <a:lstStyle/>
+          <a:p>
+            <a:r>
+              <a:rPr lang="en-US" sz="2400" dirty="0" smtClean="0">
+                <a:latin typeface="Segoe UI" pitchFamily="34" charset="0"/>
+                <a:ea typeface="Segoe UI" pitchFamily="34" charset="0"/>
+                <a:cs typeface="Segoe UI" pitchFamily="34" charset="0"/>
+              </a:rPr>
+              <a:t>Secondary II</a:t>
+            </a:r>
+          </a:p>
+        </p:txBody>
+      </p:sp>
+      <p:grpSp>
+        <p:nvGrpSpPr>
+          <p:cNvPr id="6" name="Group 5"/>
+          <p:cNvGrpSpPr/>
+          <p:nvPr/>
+        </p:nvGrpSpPr>
+        <p:grpSpPr>
+          <a:xfrm>
+            <a:off x="6553200" y="3581400"/>
+            <a:ext cx="2132310" cy="2142673"/>
+            <a:chOff x="1855304" y="4081670"/>
+            <a:chExt cx="1855305" cy="2464904"/>
+          </a:xfrm>
+        </p:grpSpPr>
+        <p:sp>
+          <p:nvSpPr>
+            <p:cNvPr id="7" name="Rectangle 6"/>
+            <p:cNvSpPr/>
+            <p:nvPr/>
+          </p:nvSpPr>
+          <p:spPr bwMode="auto">
+            <a:xfrm>
+              <a:off x="1855304" y="4081670"/>
+              <a:ext cx="1855305" cy="2464904"/>
+            </a:xfrm>
+            <a:prstGeom prst="rect">
+              <a:avLst/>
+            </a:prstGeom>
+            <a:solidFill>
+              <a:schemeClr val="accent1">
+                <a:alpha val="50000"/>
+              </a:schemeClr>
+            </a:solidFill>
+            <a:ln w="38100">
+              <a:solidFill>
+                <a:schemeClr val="accent1">
+                  <a:lumMod val="50000"/>
+                </a:schemeClr>
+              </a:solidFill>
+              <a:headEnd type="none" w="med" len="med"/>
+              <a:tailEnd type="none" w="med" len="med"/>
+            </a:ln>
+            <a:effectLst/>
+          </p:spPr>
+          <p:style>
+            <a:lnRef idx="1">
+              <a:schemeClr val="accent2"/>
+            </a:lnRef>
+            <a:fillRef idx="3">
+              <a:schemeClr val="accent2"/>
+            </a:fillRef>
+            <a:effectRef idx="2">
+              <a:schemeClr val="accent2"/>
+            </a:effectRef>
+            <a:fontRef idx="minor">
+              <a:schemeClr val="lt1"/>
+            </a:fontRef>
+          </p:style>
+          <p:txBody>
+            <a:bodyPr vert="horz" wrap="square" lIns="91436" tIns="45718" rIns="91436" bIns="45718" numCol="1" rtlCol="0" anchor="t" anchorCtr="0" compatLnSpc="1">
+              <a:prstTxWarp prst="textNoShape">
+                <a:avLst/>
+              </a:prstTxWarp>
+            </a:bodyPr>
+            <a:lstStyle/>
+            <a:p>
+              <a:pPr algn="ctr" defTabSz="914099" fontAlgn="base">
+                <a:spcBef>
+                  <a:spcPct val="0"/>
+                </a:spcBef>
+                <a:spcAft>
+                  <a:spcPct val="0"/>
+                </a:spcAft>
+              </a:pPr>
+              <a:r>
+                <a:rPr lang="en-US" sz="2200" b="1" dirty="0" smtClean="0">
+                  <a:solidFill>
+                    <a:schemeClr val="tx1"/>
+                  </a:solidFill>
+                  <a:latin typeface="Segoe UI" pitchFamily="34" charset="0"/>
+                  <a:ea typeface="Segoe UI" pitchFamily="34" charset="0"/>
+                  <a:cs typeface="Segoe UI" pitchFamily="34" charset="0"/>
+                </a:rPr>
+                <a:t>EN 3</a:t>
+              </a:r>
+            </a:p>
+          </p:txBody>
+        </p:sp>
+        <p:sp>
+          <p:nvSpPr>
+            <p:cNvPr id="8" name="Flowchart: Magnetic Disk 7"/>
+            <p:cNvSpPr/>
+            <p:nvPr/>
+          </p:nvSpPr>
+          <p:spPr bwMode="auto">
+            <a:xfrm>
+              <a:off x="2570922" y="5592417"/>
+              <a:ext cx="795130" cy="689113"/>
+            </a:xfrm>
+            <a:prstGeom prst="flowChartMagneticDisk">
+              <a:avLst/>
+            </a:prstGeom>
+            <a:solidFill>
+              <a:srgbClr val="00FF00"/>
+            </a:solidFill>
+            <a:ln w="25400">
+              <a:solidFill>
+                <a:schemeClr val="accent1">
+                  <a:lumMod val="50000"/>
+                </a:schemeClr>
+              </a:solidFill>
+              <a:headEnd type="none" w="med" len="med"/>
+              <a:tailEnd type="none" w="med" len="med"/>
+            </a:ln>
+            <a:effectLst/>
+          </p:spPr>
+          <p:style>
+            <a:lnRef idx="1">
+              <a:schemeClr val="accent2"/>
+            </a:lnRef>
+            <a:fillRef idx="3">
+              <a:schemeClr val="accent2"/>
+            </a:fillRef>
+            <a:effectRef idx="2">
+              <a:schemeClr val="accent2"/>
+            </a:effectRef>
+            <a:fontRef idx="minor">
+              <a:schemeClr val="lt1"/>
+            </a:fontRef>
+          </p:style>
+          <p:txBody>
+            <a:bodyPr vert="horz" wrap="square" lIns="91436" tIns="45718" rIns="91436" bIns="45718" numCol="1" rtlCol="0" anchor="ctr" anchorCtr="0" compatLnSpc="1">
+              <a:prstTxWarp prst="textNoShape">
+                <a:avLst/>
+              </a:prstTxWarp>
+            </a:bodyPr>
+            <a:lstStyle/>
+            <a:p>
+              <a:pPr algn="ctr" defTabSz="914099" fontAlgn="base">
+                <a:spcBef>
+                  <a:spcPct val="0"/>
+                </a:spcBef>
+                <a:spcAft>
+                  <a:spcPct val="0"/>
+                </a:spcAft>
+              </a:pPr>
+              <a:endParaRPr lang="en-US" sz="2200" dirty="0" smtClean="0">
+                <a:solidFill>
+                  <a:schemeClr val="tx1"/>
+                </a:solidFill>
+              </a:endParaRPr>
+            </a:p>
+          </p:txBody>
+        </p:sp>
+      </p:grpSp>
+      <p:sp>
+        <p:nvSpPr>
+          <p:cNvPr id="10" name="TextBox 9"/>
+          <p:cNvSpPr txBox="1"/>
+          <p:nvPr/>
+        </p:nvSpPr>
+        <p:spPr>
+          <a:xfrm>
+            <a:off x="3848799" y="5802868"/>
+            <a:ext cx="2856801" cy="369332"/>
+          </a:xfrm>
+          <a:prstGeom prst="rect">
+            <a:avLst/>
+          </a:prstGeom>
+          <a:noFill/>
+        </p:spPr>
+        <p:txBody>
+          <a:bodyPr wrap="square" lIns="0" tIns="0" rIns="0" bIns="0" rtlCol="0">
+            <a:spAutoFit/>
+          </a:bodyPr>
+          <a:lstStyle/>
+          <a:p>
+            <a:r>
+              <a:rPr lang="en-US" sz="2400" dirty="0" smtClean="0">
+                <a:latin typeface="Segoe UI" pitchFamily="34" charset="0"/>
+                <a:ea typeface="Segoe UI" pitchFamily="34" charset="0"/>
+                <a:cs typeface="Segoe UI" pitchFamily="34" charset="0"/>
+              </a:rPr>
+              <a:t>Secondary I</a:t>
+            </a:r>
+          </a:p>
+        </p:txBody>
+      </p:sp>
+      <p:grpSp>
+        <p:nvGrpSpPr>
+          <p:cNvPr id="11" name="Group 10"/>
+          <p:cNvGrpSpPr/>
+          <p:nvPr/>
+        </p:nvGrpSpPr>
+        <p:grpSpPr>
+          <a:xfrm>
+            <a:off x="3594312" y="3584763"/>
+            <a:ext cx="2132310" cy="2142673"/>
+            <a:chOff x="1855304" y="4081670"/>
+            <a:chExt cx="1855305" cy="2464904"/>
+          </a:xfrm>
+        </p:grpSpPr>
+        <p:sp>
+          <p:nvSpPr>
+            <p:cNvPr id="12" name="Rectangle 11"/>
+            <p:cNvSpPr/>
+            <p:nvPr/>
+          </p:nvSpPr>
+          <p:spPr bwMode="auto">
+            <a:xfrm>
+              <a:off x="1855304" y="4081670"/>
+              <a:ext cx="1855305" cy="2464904"/>
+            </a:xfrm>
+            <a:prstGeom prst="rect">
+              <a:avLst/>
+            </a:prstGeom>
+            <a:solidFill>
+              <a:schemeClr val="accent1">
+                <a:alpha val="50000"/>
+              </a:schemeClr>
+            </a:solidFill>
+            <a:ln w="38100">
+              <a:solidFill>
+                <a:schemeClr val="accent1">
+                  <a:lumMod val="50000"/>
+                </a:schemeClr>
+              </a:solidFill>
+              <a:headEnd type="none" w="med" len="med"/>
+              <a:tailEnd type="none" w="med" len="med"/>
+            </a:ln>
+            <a:effectLst/>
+          </p:spPr>
+          <p:style>
+            <a:lnRef idx="1">
+              <a:schemeClr val="accent2"/>
+            </a:lnRef>
+            <a:fillRef idx="3">
+              <a:schemeClr val="accent2"/>
+            </a:fillRef>
+            <a:effectRef idx="2">
+              <a:schemeClr val="accent2"/>
+            </a:effectRef>
+            <a:fontRef idx="minor">
+              <a:schemeClr val="lt1"/>
+            </a:fontRef>
+          </p:style>
+          <p:txBody>
+            <a:bodyPr vert="horz" wrap="square" lIns="91436" tIns="45718" rIns="91436" bIns="45718" numCol="1" rtlCol="0" anchor="t" anchorCtr="0" compatLnSpc="1">
+              <a:prstTxWarp prst="textNoShape">
+                <a:avLst/>
+              </a:prstTxWarp>
+            </a:bodyPr>
+            <a:lstStyle/>
+            <a:p>
+              <a:pPr algn="ctr" defTabSz="914099" fontAlgn="base">
+                <a:spcBef>
+                  <a:spcPct val="0"/>
+                </a:spcBef>
+                <a:spcAft>
+                  <a:spcPct val="0"/>
+                </a:spcAft>
+              </a:pPr>
+              <a:r>
+                <a:rPr lang="en-US" sz="2200" b="1" dirty="0" smtClean="0">
+                  <a:solidFill>
+                    <a:schemeClr val="tx1"/>
+                  </a:solidFill>
+                  <a:latin typeface="Segoe UI" pitchFamily="34" charset="0"/>
+                  <a:ea typeface="Segoe UI" pitchFamily="34" charset="0"/>
+                  <a:cs typeface="Segoe UI" pitchFamily="34" charset="0"/>
+                </a:rPr>
+                <a:t>EN 2</a:t>
+              </a:r>
+            </a:p>
+          </p:txBody>
+        </p:sp>
+        <p:sp>
+          <p:nvSpPr>
+            <p:cNvPr id="13" name="Flowchart: Magnetic Disk 12"/>
+            <p:cNvSpPr/>
+            <p:nvPr/>
+          </p:nvSpPr>
+          <p:spPr bwMode="auto">
+            <a:xfrm>
+              <a:off x="2570922" y="5592417"/>
+              <a:ext cx="795130" cy="689113"/>
+            </a:xfrm>
+            <a:prstGeom prst="flowChartMagneticDisk">
+              <a:avLst/>
+            </a:prstGeom>
+            <a:solidFill>
+              <a:srgbClr val="00FF00"/>
+            </a:solidFill>
+            <a:ln w="25400">
+              <a:solidFill>
+                <a:schemeClr val="accent1">
+                  <a:lumMod val="50000"/>
+                </a:schemeClr>
+              </a:solidFill>
+              <a:headEnd type="none" w="med" len="med"/>
+              <a:tailEnd type="none" w="med" len="med"/>
+            </a:ln>
+            <a:effectLst/>
+          </p:spPr>
+          <p:style>
+            <a:lnRef idx="1">
+              <a:schemeClr val="accent2"/>
+            </a:lnRef>
+            <a:fillRef idx="3">
+              <a:schemeClr val="accent2"/>
+            </a:fillRef>
+            <a:effectRef idx="2">
+              <a:schemeClr val="accent2"/>
+            </a:effectRef>
+            <a:fontRef idx="minor">
+              <a:schemeClr val="lt1"/>
+            </a:fontRef>
+          </p:style>
+          <p:txBody>
+            <a:bodyPr vert="horz" wrap="square" lIns="91436" tIns="45718" rIns="91436" bIns="45718" numCol="1" rtlCol="0" anchor="ctr" anchorCtr="0" compatLnSpc="1">
+              <a:prstTxWarp prst="textNoShape">
+                <a:avLst/>
+              </a:prstTxWarp>
+            </a:bodyPr>
+            <a:lstStyle/>
+            <a:p>
+              <a:pPr algn="ctr" defTabSz="914099" fontAlgn="base">
+                <a:spcBef>
+                  <a:spcPct val="0"/>
+                </a:spcBef>
+                <a:spcAft>
+                  <a:spcPct val="0"/>
+                </a:spcAft>
+              </a:pPr>
+              <a:endParaRPr lang="en-US" sz="2200" dirty="0" smtClean="0">
+                <a:solidFill>
+                  <a:schemeClr val="tx1"/>
+                </a:solidFill>
+              </a:endParaRPr>
+            </a:p>
+          </p:txBody>
+        </p:sp>
+      </p:grpSp>
+      <p:sp>
+        <p:nvSpPr>
+          <p:cNvPr id="14" name="TextBox 13"/>
+          <p:cNvSpPr txBox="1"/>
+          <p:nvPr/>
+        </p:nvSpPr>
+        <p:spPr>
+          <a:xfrm>
+            <a:off x="1219200" y="5818634"/>
+            <a:ext cx="1481822" cy="369332"/>
+          </a:xfrm>
+          <a:prstGeom prst="rect">
+            <a:avLst/>
+          </a:prstGeom>
+          <a:noFill/>
+        </p:spPr>
+        <p:txBody>
+          <a:bodyPr wrap="square" lIns="0" tIns="0" rIns="0" bIns="0" rtlCol="0">
+            <a:spAutoFit/>
+          </a:bodyPr>
+          <a:lstStyle/>
+          <a:p>
+            <a:r>
+              <a:rPr lang="en-US" sz="2400" dirty="0" smtClean="0">
+                <a:latin typeface="Segoe UI" pitchFamily="34" charset="0"/>
+                <a:ea typeface="Segoe UI" pitchFamily="34" charset="0"/>
+                <a:cs typeface="Segoe UI" pitchFamily="34" charset="0"/>
+              </a:rPr>
+              <a:t>Primary</a:t>
+            </a:r>
+          </a:p>
+        </p:txBody>
+      </p:sp>
+      <p:grpSp>
+        <p:nvGrpSpPr>
+          <p:cNvPr id="15" name="Group 14"/>
+          <p:cNvGrpSpPr/>
+          <p:nvPr/>
+        </p:nvGrpSpPr>
+        <p:grpSpPr>
+          <a:xfrm>
+            <a:off x="609600" y="3581400"/>
+            <a:ext cx="2132310" cy="2142673"/>
+            <a:chOff x="1855304" y="4081670"/>
+            <a:chExt cx="1855305" cy="2464904"/>
+          </a:xfrm>
+        </p:grpSpPr>
+        <p:sp>
+          <p:nvSpPr>
+            <p:cNvPr id="16" name="Rectangle 15"/>
+            <p:cNvSpPr/>
+            <p:nvPr/>
+          </p:nvSpPr>
+          <p:spPr bwMode="auto">
+            <a:xfrm>
+              <a:off x="1855304" y="4081670"/>
+              <a:ext cx="1855305" cy="2464904"/>
+            </a:xfrm>
+            <a:prstGeom prst="rect">
+              <a:avLst/>
+            </a:prstGeom>
+            <a:solidFill>
+              <a:schemeClr val="accent1">
+                <a:alpha val="50000"/>
+              </a:schemeClr>
+            </a:solidFill>
+            <a:ln w="38100">
+              <a:solidFill>
+                <a:schemeClr val="accent1">
+                  <a:lumMod val="50000"/>
+                </a:schemeClr>
+              </a:solidFill>
+              <a:headEnd type="none" w="med" len="med"/>
+              <a:tailEnd type="none" w="med" len="med"/>
+            </a:ln>
+            <a:effectLst/>
+          </p:spPr>
+          <p:style>
+            <a:lnRef idx="1">
+              <a:schemeClr val="accent2"/>
+            </a:lnRef>
+            <a:fillRef idx="3">
+              <a:schemeClr val="accent2"/>
+            </a:fillRef>
+            <a:effectRef idx="2">
+              <a:schemeClr val="accent2"/>
+            </a:effectRef>
+            <a:fontRef idx="minor">
+              <a:schemeClr val="lt1"/>
+            </a:fontRef>
+          </p:style>
+          <p:txBody>
+            <a:bodyPr vert="horz" wrap="square" lIns="91436" tIns="45718" rIns="91436" bIns="45718" numCol="1" rtlCol="0" anchor="t" anchorCtr="0" compatLnSpc="1">
+              <a:prstTxWarp prst="textNoShape">
+                <a:avLst/>
+              </a:prstTxWarp>
+            </a:bodyPr>
+            <a:lstStyle/>
+            <a:p>
+              <a:pPr algn="ctr" defTabSz="914099" fontAlgn="base">
+                <a:spcBef>
+                  <a:spcPct val="0"/>
+                </a:spcBef>
+                <a:spcAft>
+                  <a:spcPct val="0"/>
+                </a:spcAft>
+              </a:pPr>
+              <a:r>
+                <a:rPr lang="en-US" sz="2200" b="1" dirty="0" smtClean="0">
+                  <a:solidFill>
+                    <a:schemeClr val="tx1"/>
+                  </a:solidFill>
+                  <a:latin typeface="Segoe UI" pitchFamily="34" charset="0"/>
+                  <a:ea typeface="Segoe UI" pitchFamily="34" charset="0"/>
+                  <a:cs typeface="Segoe UI" pitchFamily="34" charset="0"/>
+                </a:rPr>
+                <a:t>EN 1</a:t>
+              </a:r>
+            </a:p>
+          </p:txBody>
+        </p:sp>
+        <p:sp>
+          <p:nvSpPr>
+            <p:cNvPr id="17" name="Flowchart: Magnetic Disk 16"/>
+            <p:cNvSpPr/>
+            <p:nvPr/>
+          </p:nvSpPr>
+          <p:spPr bwMode="auto">
+            <a:xfrm>
+              <a:off x="2570922" y="5592417"/>
+              <a:ext cx="795130" cy="689113"/>
+            </a:xfrm>
+            <a:prstGeom prst="flowChartMagneticDisk">
+              <a:avLst/>
+            </a:prstGeom>
+            <a:solidFill>
+              <a:srgbClr val="00FF00"/>
+            </a:solidFill>
+            <a:ln w="25400">
+              <a:solidFill>
+                <a:schemeClr val="accent1">
+                  <a:lumMod val="50000"/>
+                </a:schemeClr>
+              </a:solidFill>
+              <a:headEnd type="none" w="med" len="med"/>
+              <a:tailEnd type="none" w="med" len="med"/>
+            </a:ln>
+            <a:effectLst/>
+          </p:spPr>
+          <p:style>
+            <a:lnRef idx="1">
+              <a:schemeClr val="accent2"/>
+            </a:lnRef>
+            <a:fillRef idx="3">
+              <a:schemeClr val="accent2"/>
+            </a:fillRef>
+            <a:effectRef idx="2">
+              <a:schemeClr val="accent2"/>
+            </a:effectRef>
+            <a:fontRef idx="minor">
+              <a:schemeClr val="lt1"/>
+            </a:fontRef>
+          </p:style>
+          <p:txBody>
+            <a:bodyPr vert="horz" wrap="square" lIns="91436" tIns="45718" rIns="91436" bIns="45718" numCol="1" rtlCol="0" anchor="ctr" anchorCtr="0" compatLnSpc="1">
+              <a:prstTxWarp prst="textNoShape">
+                <a:avLst/>
+              </a:prstTxWarp>
+            </a:bodyPr>
+            <a:lstStyle/>
+            <a:p>
+              <a:pPr algn="ctr" defTabSz="914099" fontAlgn="base">
+                <a:spcBef>
+                  <a:spcPct val="0"/>
+                </a:spcBef>
+                <a:spcAft>
+                  <a:spcPct val="0"/>
+                </a:spcAft>
+              </a:pPr>
+              <a:endParaRPr lang="en-US" sz="2200" dirty="0" smtClean="0">
+                <a:solidFill>
+                  <a:schemeClr val="tx1"/>
+                </a:solidFill>
+              </a:endParaRPr>
+            </a:p>
+          </p:txBody>
+        </p:sp>
+      </p:grpSp>
+      <p:sp>
+        <p:nvSpPr>
+          <p:cNvPr id="21" name="Rectangle 20"/>
+          <p:cNvSpPr/>
+          <p:nvPr/>
+        </p:nvSpPr>
+        <p:spPr bwMode="auto">
+          <a:xfrm>
+            <a:off x="884834" y="4656099"/>
+            <a:ext cx="207711" cy="648430"/>
+          </a:xfrm>
+          <a:prstGeom prst="rect">
+            <a:avLst/>
+          </a:prstGeom>
+          <a:solidFill>
+            <a:srgbClr val="0070C0"/>
+          </a:solidFill>
+          <a:ln w="25400">
+            <a:solidFill>
+              <a:schemeClr val="accent1">
+                <a:lumMod val="50000"/>
+              </a:schemeClr>
+            </a:solidFill>
+            <a:headEnd type="none" w="med" len="med"/>
+            <a:tailEnd type="none" w="med" len="med"/>
+          </a:ln>
+          <a:effectLst/>
+        </p:spPr>
+        <p:style>
+          <a:lnRef idx="1">
+            <a:schemeClr val="accent2"/>
+          </a:lnRef>
+          <a:fillRef idx="3">
+            <a:schemeClr val="accent2"/>
+          </a:fillRef>
+          <a:effectRef idx="2">
+            <a:schemeClr val="accent2"/>
+          </a:effectRef>
+          <a:fontRef idx="minor">
+            <a:schemeClr val="lt1"/>
+          </a:fontRef>
+        </p:style>
+        <p:txBody>
+          <a:bodyPr vert="horz" wrap="square" lIns="91436" tIns="45718" rIns="91436" bIns="45718" numCol="1" rtlCol="0" anchor="ctr" anchorCtr="0" compatLnSpc="1">
+            <a:prstTxWarp prst="textNoShape">
+              <a:avLst/>
+            </a:prstTxWarp>
+          </a:bodyPr>
+          <a:lstStyle/>
+          <a:p>
+            <a:pPr algn="ctr" defTabSz="914099" fontAlgn="base">
+              <a:spcBef>
+                <a:spcPct val="0"/>
+              </a:spcBef>
+              <a:spcAft>
+                <a:spcPct val="0"/>
+              </a:spcAft>
+            </a:pPr>
+            <a:endParaRPr lang="en-US" sz="2200" dirty="0" smtClean="0">
+              <a:gradFill>
+                <a:gsLst>
+                  <a:gs pos="0">
+                    <a:schemeClr val="tx1"/>
+                  </a:gs>
+                  <a:gs pos="100000">
+                    <a:schemeClr val="tx1"/>
+                  </a:gs>
+                </a:gsLst>
+                <a:lin ang="5400000" scaled="0"/>
+              </a:gradFill>
+            </a:endParaRPr>
+          </a:p>
+        </p:txBody>
+      </p:sp>
+      <p:sp>
+        <p:nvSpPr>
+          <p:cNvPr id="22" name="Rectangle 21"/>
+          <p:cNvSpPr/>
+          <p:nvPr/>
+        </p:nvSpPr>
+        <p:spPr bwMode="auto">
+          <a:xfrm>
+            <a:off x="879572" y="4646148"/>
+            <a:ext cx="207711" cy="648430"/>
+          </a:xfrm>
+          <a:prstGeom prst="rect">
+            <a:avLst/>
+          </a:prstGeom>
+          <a:solidFill>
+            <a:srgbClr val="0070C0"/>
+          </a:solidFill>
+          <a:ln w="25400">
+            <a:solidFill>
+              <a:schemeClr val="accent1">
+                <a:lumMod val="50000"/>
+              </a:schemeClr>
+            </a:solidFill>
+            <a:headEnd type="none" w="med" len="med"/>
+            <a:tailEnd type="none" w="med" len="med"/>
+          </a:ln>
+          <a:effectLst/>
+        </p:spPr>
+        <p:style>
+          <a:lnRef idx="1">
+            <a:schemeClr val="accent2"/>
+          </a:lnRef>
+          <a:fillRef idx="3">
+            <a:schemeClr val="accent2"/>
+          </a:fillRef>
+          <a:effectRef idx="2">
+            <a:schemeClr val="accent2"/>
+          </a:effectRef>
+          <a:fontRef idx="minor">
+            <a:schemeClr val="lt1"/>
+          </a:fontRef>
+        </p:style>
+        <p:txBody>
+          <a:bodyPr vert="horz" wrap="square" lIns="91436" tIns="45718" rIns="91436" bIns="45718" numCol="1" rtlCol="0" anchor="ctr" anchorCtr="0" compatLnSpc="1">
+            <a:prstTxWarp prst="textNoShape">
+              <a:avLst/>
+            </a:prstTxWarp>
+          </a:bodyPr>
+          <a:lstStyle/>
+          <a:p>
+            <a:pPr algn="ctr" defTabSz="914099" fontAlgn="base">
+              <a:spcBef>
+                <a:spcPct val="0"/>
+              </a:spcBef>
+              <a:spcAft>
+                <a:spcPct val="0"/>
+              </a:spcAft>
+            </a:pPr>
+            <a:endParaRPr lang="en-US" sz="2200" dirty="0" smtClean="0">
+              <a:gradFill>
+                <a:gsLst>
+                  <a:gs pos="0">
+                    <a:schemeClr val="tx1"/>
+                  </a:gs>
+                  <a:gs pos="100000">
+                    <a:schemeClr val="tx1"/>
+                  </a:gs>
+                </a:gsLst>
+                <a:lin ang="5400000" scaled="0"/>
+              </a:gradFill>
+            </a:endParaRPr>
+          </a:p>
+        </p:txBody>
+      </p:sp>
+      <p:sp>
+        <p:nvSpPr>
+          <p:cNvPr id="23" name="Rectangle 22"/>
+          <p:cNvSpPr/>
+          <p:nvPr/>
+        </p:nvSpPr>
+        <p:spPr bwMode="auto">
+          <a:xfrm>
+            <a:off x="884834" y="4648214"/>
+            <a:ext cx="207711" cy="648430"/>
+          </a:xfrm>
+          <a:prstGeom prst="rect">
+            <a:avLst/>
+          </a:prstGeom>
+          <a:solidFill>
+            <a:srgbClr val="0070C0"/>
+          </a:solidFill>
+          <a:ln w="25400">
+            <a:solidFill>
+              <a:schemeClr val="accent1">
+                <a:lumMod val="50000"/>
+              </a:schemeClr>
+            </a:solidFill>
+            <a:headEnd type="none" w="med" len="med"/>
+            <a:tailEnd type="none" w="med" len="med"/>
+          </a:ln>
+          <a:effectLst/>
+        </p:spPr>
+        <p:style>
+          <a:lnRef idx="1">
+            <a:schemeClr val="accent2"/>
+          </a:lnRef>
+          <a:fillRef idx="3">
+            <a:schemeClr val="accent2"/>
+          </a:fillRef>
+          <a:effectRef idx="2">
+            <a:schemeClr val="accent2"/>
+          </a:effectRef>
+          <a:fontRef idx="minor">
+            <a:schemeClr val="lt1"/>
+          </a:fontRef>
+        </p:style>
+        <p:txBody>
+          <a:bodyPr vert="horz" wrap="square" lIns="91436" tIns="45718" rIns="91436" bIns="45718" numCol="1" rtlCol="0" anchor="ctr" anchorCtr="0" compatLnSpc="1">
+            <a:prstTxWarp prst="textNoShape">
+              <a:avLst/>
+            </a:prstTxWarp>
+          </a:bodyPr>
+          <a:lstStyle/>
+          <a:p>
+            <a:pPr algn="ctr" defTabSz="914099" fontAlgn="base">
+              <a:spcBef>
+                <a:spcPct val="0"/>
+              </a:spcBef>
+              <a:spcAft>
+                <a:spcPct val="0"/>
+              </a:spcAft>
+            </a:pPr>
+            <a:endParaRPr lang="en-US" sz="2200" dirty="0" smtClean="0">
+              <a:gradFill>
+                <a:gsLst>
+                  <a:gs pos="0">
+                    <a:schemeClr val="tx1"/>
+                  </a:gs>
+                  <a:gs pos="100000">
+                    <a:schemeClr val="tx1"/>
+                  </a:gs>
+                </a:gsLst>
+                <a:lin ang="5400000" scaled="0"/>
+              </a:gradFill>
+            </a:endParaRPr>
+          </a:p>
+        </p:txBody>
+      </p:sp>
+      <p:sp>
+        <p:nvSpPr>
+          <p:cNvPr id="29" name="Rectangle 28"/>
+          <p:cNvSpPr/>
+          <p:nvPr/>
+        </p:nvSpPr>
+        <p:spPr bwMode="auto">
+          <a:xfrm>
+            <a:off x="3879294" y="4704433"/>
+            <a:ext cx="207711" cy="648430"/>
+          </a:xfrm>
+          <a:prstGeom prst="rect">
+            <a:avLst/>
+          </a:prstGeom>
+          <a:solidFill>
+            <a:srgbClr val="0070C0"/>
+          </a:solidFill>
+          <a:ln w="25400">
+            <a:solidFill>
+              <a:schemeClr val="accent1">
+                <a:lumMod val="50000"/>
+              </a:schemeClr>
+            </a:solidFill>
+            <a:headEnd type="none" w="med" len="med"/>
+            <a:tailEnd type="none" w="med" len="med"/>
+          </a:ln>
+          <a:effectLst/>
+        </p:spPr>
+        <p:style>
+          <a:lnRef idx="1">
+            <a:schemeClr val="accent2"/>
+          </a:lnRef>
+          <a:fillRef idx="3">
+            <a:schemeClr val="accent2"/>
+          </a:fillRef>
+          <a:effectRef idx="2">
+            <a:schemeClr val="accent2"/>
+          </a:effectRef>
+          <a:fontRef idx="minor">
+            <a:schemeClr val="lt1"/>
+          </a:fontRef>
+        </p:style>
+        <p:txBody>
+          <a:bodyPr vert="horz" wrap="square" lIns="91436" tIns="45718" rIns="91436" bIns="45718" numCol="1" rtlCol="0" anchor="ctr" anchorCtr="0" compatLnSpc="1">
+            <a:prstTxWarp prst="textNoShape">
+              <a:avLst/>
+            </a:prstTxWarp>
+          </a:bodyPr>
+          <a:lstStyle/>
+          <a:p>
+            <a:pPr algn="ctr" defTabSz="914099" fontAlgn="base">
+              <a:spcBef>
+                <a:spcPct val="0"/>
+              </a:spcBef>
+              <a:spcAft>
+                <a:spcPct val="0"/>
+              </a:spcAft>
+            </a:pPr>
+            <a:endParaRPr lang="en-US" sz="2200" dirty="0" smtClean="0">
+              <a:gradFill>
+                <a:gsLst>
+                  <a:gs pos="0">
+                    <a:schemeClr val="tx1"/>
+                  </a:gs>
+                  <a:gs pos="100000">
+                    <a:schemeClr val="tx1"/>
+                  </a:gs>
+                </a:gsLst>
+                <a:lin ang="5400000" scaled="0"/>
+              </a:gradFill>
+            </a:endParaRPr>
+          </a:p>
+        </p:txBody>
+      </p:sp>
+      <p:sp>
+        <p:nvSpPr>
+          <p:cNvPr id="30" name="Rectangle 29"/>
+          <p:cNvSpPr/>
+          <p:nvPr/>
+        </p:nvSpPr>
+        <p:spPr bwMode="auto">
+          <a:xfrm>
+            <a:off x="6864006" y="4704433"/>
+            <a:ext cx="207711" cy="648430"/>
+          </a:xfrm>
+          <a:prstGeom prst="rect">
+            <a:avLst/>
+          </a:prstGeom>
+          <a:solidFill>
+            <a:srgbClr val="0070C0"/>
+          </a:solidFill>
+          <a:ln w="25400">
+            <a:solidFill>
+              <a:schemeClr val="accent1">
+                <a:lumMod val="50000"/>
+              </a:schemeClr>
+            </a:solidFill>
+            <a:headEnd type="none" w="med" len="med"/>
+            <a:tailEnd type="none" w="med" len="med"/>
+          </a:ln>
+          <a:effectLst/>
+        </p:spPr>
+        <p:style>
+          <a:lnRef idx="1">
+            <a:schemeClr val="accent2"/>
+          </a:lnRef>
+          <a:fillRef idx="3">
+            <a:schemeClr val="accent2"/>
+          </a:fillRef>
+          <a:effectRef idx="2">
+            <a:schemeClr val="accent2"/>
+          </a:effectRef>
+          <a:fontRef idx="minor">
+            <a:schemeClr val="lt1"/>
+          </a:fontRef>
+        </p:style>
+        <p:txBody>
+          <a:bodyPr vert="horz" wrap="square" lIns="91436" tIns="45718" rIns="91436" bIns="45718" numCol="1" rtlCol="0" anchor="ctr" anchorCtr="0" compatLnSpc="1">
+            <a:prstTxWarp prst="textNoShape">
+              <a:avLst/>
+            </a:prstTxWarp>
+          </a:bodyPr>
+          <a:lstStyle/>
+          <a:p>
+            <a:pPr algn="ctr" defTabSz="914099" fontAlgn="base">
+              <a:spcBef>
+                <a:spcPct val="0"/>
+              </a:spcBef>
+              <a:spcAft>
+                <a:spcPct val="0"/>
+              </a:spcAft>
+            </a:pPr>
+            <a:endParaRPr lang="en-US" sz="2200" dirty="0" smtClean="0">
+              <a:gradFill>
+                <a:gsLst>
+                  <a:gs pos="0">
+                    <a:schemeClr val="tx1"/>
+                  </a:gs>
+                  <a:gs pos="100000">
+                    <a:schemeClr val="tx1"/>
+                  </a:gs>
+                </a:gsLst>
+                <a:lin ang="5400000" scaled="0"/>
+              </a:gradFill>
+            </a:endParaRPr>
+          </a:p>
+        </p:txBody>
+      </p:sp>
+      <p:sp>
+        <p:nvSpPr>
+          <p:cNvPr id="31" name="Rectangle 30"/>
+          <p:cNvSpPr/>
+          <p:nvPr/>
+        </p:nvSpPr>
+        <p:spPr bwMode="auto">
+          <a:xfrm>
+            <a:off x="6468870" y="1337157"/>
+            <a:ext cx="1684530" cy="874530"/>
+          </a:xfrm>
+          <a:prstGeom prst="rect">
+            <a:avLst/>
+          </a:prstGeom>
+          <a:solidFill>
+            <a:schemeClr val="accent1">
+              <a:lumMod val="60000"/>
+              <a:lumOff val="40000"/>
+            </a:schemeClr>
+          </a:solidFill>
+          <a:ln w="38100">
+            <a:solidFill>
+              <a:schemeClr val="accent1">
+                <a:lumMod val="50000"/>
+              </a:schemeClr>
+            </a:solidFill>
+            <a:headEnd type="none" w="med" len="med"/>
+            <a:tailEnd type="none" w="med" len="med"/>
+          </a:ln>
+          <a:effectLst/>
+        </p:spPr>
+        <p:style>
+          <a:lnRef idx="1">
+            <a:schemeClr val="accent2"/>
+          </a:lnRef>
+          <a:fillRef idx="3">
+            <a:schemeClr val="accent2"/>
+          </a:fillRef>
+          <a:effectRef idx="2">
+            <a:schemeClr val="accent2"/>
+          </a:effectRef>
+          <a:fontRef idx="minor">
+            <a:schemeClr val="lt1"/>
+          </a:fontRef>
+        </p:style>
+        <p:txBody>
+          <a:bodyPr vert="horz" wrap="square" lIns="91436" tIns="45718" rIns="91436" bIns="45718" numCol="1" rtlCol="0" anchor="ctr" anchorCtr="0" compatLnSpc="1">
+            <a:prstTxWarp prst="textNoShape">
+              <a:avLst/>
+            </a:prstTxWarp>
+          </a:bodyPr>
+          <a:lstStyle/>
+          <a:p>
+            <a:pPr algn="ctr" defTabSz="914099" fontAlgn="base">
+              <a:spcBef>
+                <a:spcPct val="0"/>
+              </a:spcBef>
+              <a:spcAft>
+                <a:spcPct val="0"/>
+              </a:spcAft>
+            </a:pPr>
+            <a:r>
+              <a:rPr lang="en-US" sz="2200" b="1" dirty="0" smtClean="0">
+                <a:solidFill>
+                  <a:schemeClr val="tx1"/>
+                </a:solidFill>
+                <a:latin typeface="Segoe UI" pitchFamily="34" charset="0"/>
+                <a:ea typeface="Segoe UI" pitchFamily="34" charset="0"/>
+                <a:cs typeface="Segoe UI" pitchFamily="34" charset="0"/>
+              </a:rPr>
+              <a:t>Stream Master</a:t>
+            </a:r>
+          </a:p>
+        </p:txBody>
+      </p:sp>
+      <p:sp>
+        <p:nvSpPr>
+          <p:cNvPr id="32" name="Rectangle 31"/>
+          <p:cNvSpPr/>
+          <p:nvPr/>
+        </p:nvSpPr>
+        <p:spPr bwMode="auto">
+          <a:xfrm>
+            <a:off x="879571" y="4330264"/>
+            <a:ext cx="207711" cy="324215"/>
+          </a:xfrm>
+          <a:prstGeom prst="rect">
+            <a:avLst/>
+          </a:prstGeom>
+          <a:solidFill>
+            <a:srgbClr val="C00000"/>
+          </a:solidFill>
+          <a:ln w="25400">
+            <a:solidFill>
+              <a:schemeClr val="tx1">
+                <a:lumMod val="75000"/>
+                <a:lumOff val="25000"/>
+              </a:schemeClr>
+            </a:solidFill>
+            <a:headEnd type="none" w="med" len="med"/>
+            <a:tailEnd type="none" w="med" len="med"/>
+          </a:ln>
+          <a:effectLst/>
+        </p:spPr>
+        <p:style>
+          <a:lnRef idx="1">
+            <a:schemeClr val="accent2"/>
+          </a:lnRef>
+          <a:fillRef idx="3">
+            <a:schemeClr val="accent2"/>
+          </a:fillRef>
+          <a:effectRef idx="2">
+            <a:schemeClr val="accent2"/>
+          </a:effectRef>
+          <a:fontRef idx="minor">
+            <a:schemeClr val="lt1"/>
+          </a:fontRef>
+        </p:style>
+        <p:txBody>
+          <a:bodyPr vert="horz" wrap="square" lIns="91436" tIns="45718" rIns="91436" bIns="45718" numCol="1" rtlCol="0" anchor="ctr" anchorCtr="0" compatLnSpc="1">
+            <a:prstTxWarp prst="textNoShape">
+              <a:avLst/>
+            </a:prstTxWarp>
+          </a:bodyPr>
+          <a:lstStyle/>
+          <a:p>
+            <a:pPr algn="ctr" defTabSz="914099" fontAlgn="base">
+              <a:spcBef>
+                <a:spcPct val="0"/>
+              </a:spcBef>
+              <a:spcAft>
+                <a:spcPct val="0"/>
+              </a:spcAft>
+            </a:pPr>
+            <a:endParaRPr lang="en-US" sz="2200" dirty="0" smtClean="0">
+              <a:gradFill>
+                <a:gsLst>
+                  <a:gs pos="0">
+                    <a:schemeClr val="tx1"/>
+                  </a:gs>
+                  <a:gs pos="100000">
+                    <a:schemeClr val="tx1"/>
+                  </a:gs>
+                </a:gsLst>
+                <a:lin ang="5400000" scaled="0"/>
+              </a:gradFill>
+            </a:endParaRPr>
+          </a:p>
+        </p:txBody>
+      </p:sp>
+      <p:sp>
+        <p:nvSpPr>
+          <p:cNvPr id="35" name="Multiply 34"/>
+          <p:cNvSpPr/>
+          <p:nvPr/>
+        </p:nvSpPr>
+        <p:spPr bwMode="auto">
+          <a:xfrm>
+            <a:off x="3180428" y="4034193"/>
+            <a:ext cx="751418" cy="672857"/>
+          </a:xfrm>
+          <a:prstGeom prst="mathMultiply">
+            <a:avLst/>
+          </a:prstGeom>
+          <a:solidFill>
+            <a:srgbClr val="FF0000"/>
+          </a:solidFill>
+          <a:ln>
+            <a:noFill/>
+            <a:headEnd type="none" w="med" len="med"/>
+            <a:tailEnd type="none" w="med" len="med"/>
+          </a:ln>
+          <a:effectLst/>
+        </p:spPr>
+        <p:style>
+          <a:lnRef idx="1">
+            <a:schemeClr val="accent2"/>
+          </a:lnRef>
+          <a:fillRef idx="3">
+            <a:schemeClr val="accent2"/>
+          </a:fillRef>
+          <a:effectRef idx="2">
+            <a:schemeClr val="accent2"/>
+          </a:effectRef>
+          <a:fontRef idx="minor">
+            <a:schemeClr val="lt1"/>
+          </a:fontRef>
+        </p:style>
+        <p:txBody>
+          <a:bodyPr vert="horz" wrap="square" lIns="91436" tIns="45718" rIns="91436" bIns="45718" numCol="1" rtlCol="0" anchor="ctr" anchorCtr="0" compatLnSpc="1">
+            <a:prstTxWarp prst="textNoShape">
+              <a:avLst/>
+            </a:prstTxWarp>
+          </a:bodyPr>
+          <a:lstStyle/>
+          <a:p>
+            <a:pPr algn="ctr" defTabSz="914099" fontAlgn="base">
+              <a:spcBef>
+                <a:spcPct val="0"/>
+              </a:spcBef>
+              <a:spcAft>
+                <a:spcPct val="0"/>
+              </a:spcAft>
+            </a:pPr>
+            <a:endParaRPr lang="en-US" sz="2200" dirty="0" smtClean="0">
+              <a:gradFill>
+                <a:gsLst>
+                  <a:gs pos="0">
+                    <a:schemeClr val="tx1"/>
+                  </a:gs>
+                  <a:gs pos="100000">
+                    <a:schemeClr val="tx1"/>
+                  </a:gs>
+                </a:gsLst>
+                <a:lin ang="5400000" scaled="0"/>
+              </a:gradFill>
+            </a:endParaRPr>
+          </a:p>
+        </p:txBody>
+      </p:sp>
+      <p:cxnSp>
+        <p:nvCxnSpPr>
+          <p:cNvPr id="37" name="Straight Arrow Connector 36"/>
+          <p:cNvCxnSpPr>
+            <a:stCxn id="4" idx="3"/>
+            <a:endCxn id="31" idx="1"/>
+          </p:cNvCxnSpPr>
+          <p:nvPr/>
+        </p:nvCxnSpPr>
+        <p:spPr>
+          <a:xfrm flipV="1">
+            <a:off x="2500336" y="1774422"/>
+            <a:ext cx="3968534" cy="4682"/>
+          </a:xfrm>
+          <a:prstGeom prst="straightConnector1">
+            <a:avLst/>
+          </a:prstGeom>
+          <a:ln w="38100">
+            <a:solidFill>
+              <a:schemeClr val="accent1">
+                <a:lumMod val="50000"/>
+              </a:schemeClr>
+            </a:solidFill>
+            <a:tailEnd type="arrow"/>
+          </a:ln>
+        </p:spPr>
+        <p:style>
+          <a:lnRef idx="1">
+            <a:schemeClr val="accent1"/>
+          </a:lnRef>
+          <a:fillRef idx="0">
+            <a:schemeClr val="accent1"/>
+          </a:fillRef>
+          <a:effectRef idx="0">
+            <a:schemeClr val="accent1"/>
+          </a:effectRef>
+          <a:fontRef idx="minor">
+            <a:schemeClr val="tx1"/>
+          </a:fontRef>
+        </p:style>
+      </p:cxnSp>
+      <p:sp>
+        <p:nvSpPr>
+          <p:cNvPr id="38" name="TextBox 37"/>
+          <p:cNvSpPr txBox="1"/>
+          <p:nvPr/>
+        </p:nvSpPr>
+        <p:spPr>
+          <a:xfrm>
+            <a:off x="3428492" y="1333059"/>
+            <a:ext cx="2298130" cy="369332"/>
+          </a:xfrm>
+          <a:prstGeom prst="rect">
+            <a:avLst/>
+          </a:prstGeom>
+          <a:noFill/>
+        </p:spPr>
+        <p:txBody>
+          <a:bodyPr wrap="none" lIns="0" tIns="0" rIns="0" bIns="0" rtlCol="0">
+            <a:spAutoFit/>
+          </a:bodyPr>
+          <a:lstStyle/>
+          <a:p>
+            <a:r>
+              <a:rPr lang="en-US" sz="2400" dirty="0" smtClean="0">
+                <a:latin typeface="Segoe UI" pitchFamily="34" charset="0"/>
+                <a:ea typeface="Segoe UI" pitchFamily="34" charset="0"/>
+                <a:cs typeface="Segoe UI" pitchFamily="34" charset="0"/>
+              </a:rPr>
+              <a:t>Error: Seal Extent</a:t>
+            </a:r>
+          </a:p>
+        </p:txBody>
+      </p:sp>
+      <p:cxnSp>
+        <p:nvCxnSpPr>
+          <p:cNvPr id="36" name="Straight Arrow Connector 35"/>
+          <p:cNvCxnSpPr>
+            <a:stCxn id="16" idx="0"/>
+            <a:endCxn id="31" idx="2"/>
+          </p:cNvCxnSpPr>
+          <p:nvPr/>
+        </p:nvCxnSpPr>
+        <p:spPr>
+          <a:xfrm flipV="1">
+            <a:off x="1675755" y="2211687"/>
+            <a:ext cx="5635380" cy="1369713"/>
+          </a:xfrm>
+          <a:prstGeom prst="straightConnector1">
+            <a:avLst/>
+          </a:prstGeom>
+          <a:ln w="38100">
+            <a:solidFill>
+              <a:schemeClr val="accent1">
+                <a:lumMod val="50000"/>
+              </a:schemeClr>
+            </a:solidFill>
+            <a:tailEnd type="arrow"/>
+          </a:ln>
+        </p:spPr>
+        <p:style>
+          <a:lnRef idx="1">
+            <a:schemeClr val="accent1"/>
+          </a:lnRef>
+          <a:fillRef idx="0">
+            <a:schemeClr val="accent1"/>
+          </a:fillRef>
+          <a:effectRef idx="0">
+            <a:schemeClr val="accent1"/>
+          </a:effectRef>
+          <a:fontRef idx="minor">
+            <a:schemeClr val="tx1"/>
+          </a:fontRef>
+        </p:style>
+      </p:cxnSp>
+      <p:cxnSp>
+        <p:nvCxnSpPr>
+          <p:cNvPr id="39" name="Straight Arrow Connector 38"/>
+          <p:cNvCxnSpPr>
+            <a:stCxn id="7" idx="0"/>
+            <a:endCxn id="31" idx="2"/>
+          </p:cNvCxnSpPr>
+          <p:nvPr/>
+        </p:nvCxnSpPr>
+        <p:spPr>
+          <a:xfrm flipH="1" flipV="1">
+            <a:off x="7311135" y="2211687"/>
+            <a:ext cx="308220" cy="1369713"/>
+          </a:xfrm>
+          <a:prstGeom prst="straightConnector1">
+            <a:avLst/>
+          </a:prstGeom>
+          <a:ln w="38100">
+            <a:solidFill>
+              <a:schemeClr val="accent1">
+                <a:lumMod val="50000"/>
+              </a:schemeClr>
+            </a:solidFill>
+            <a:tailEnd type="arrow"/>
+          </a:ln>
+        </p:spPr>
+        <p:style>
+          <a:lnRef idx="1">
+            <a:schemeClr val="accent1"/>
+          </a:lnRef>
+          <a:fillRef idx="0">
+            <a:schemeClr val="accent1"/>
+          </a:fillRef>
+          <a:effectRef idx="0">
+            <a:schemeClr val="accent1"/>
+          </a:effectRef>
+          <a:fontRef idx="minor">
+            <a:schemeClr val="tx1"/>
+          </a:fontRef>
+        </p:style>
+      </p:cxnSp>
+      <p:sp>
+        <p:nvSpPr>
+          <p:cNvPr id="42" name="TextBox 41"/>
+          <p:cNvSpPr txBox="1"/>
+          <p:nvPr/>
+        </p:nvSpPr>
+        <p:spPr>
+          <a:xfrm>
+            <a:off x="3094175" y="2713559"/>
+            <a:ext cx="500137" cy="369332"/>
+          </a:xfrm>
+          <a:prstGeom prst="rect">
+            <a:avLst/>
+          </a:prstGeom>
+          <a:noFill/>
+        </p:spPr>
+        <p:txBody>
+          <a:bodyPr wrap="none" lIns="0" tIns="0" rIns="0" bIns="0" rtlCol="0">
+            <a:spAutoFit/>
+          </a:bodyPr>
+          <a:lstStyle/>
+          <a:p>
+            <a:r>
+              <a:rPr lang="en-US" sz="2400" dirty="0" smtClean="0">
+                <a:latin typeface="Segoe UI" pitchFamily="34" charset="0"/>
+                <a:ea typeface="Segoe UI" pitchFamily="34" charset="0"/>
+                <a:cs typeface="Segoe UI" pitchFamily="34" charset="0"/>
+              </a:rPr>
+              <a:t>120</a:t>
+            </a:r>
+          </a:p>
+        </p:txBody>
+      </p:sp>
+      <p:sp>
+        <p:nvSpPr>
+          <p:cNvPr id="48" name="TextBox 47"/>
+          <p:cNvSpPr txBox="1"/>
+          <p:nvPr/>
+        </p:nvSpPr>
+        <p:spPr>
+          <a:xfrm>
+            <a:off x="7582517" y="2825034"/>
+            <a:ext cx="500137" cy="369332"/>
+          </a:xfrm>
+          <a:prstGeom prst="rect">
+            <a:avLst/>
+          </a:prstGeom>
+          <a:noFill/>
+        </p:spPr>
+        <p:txBody>
+          <a:bodyPr wrap="none" lIns="0" tIns="0" rIns="0" bIns="0" rtlCol="0">
+            <a:spAutoFit/>
+          </a:bodyPr>
+          <a:lstStyle/>
+          <a:p>
+            <a:r>
+              <a:rPr lang="en-US" sz="2400" dirty="0" smtClean="0">
+                <a:latin typeface="Segoe UI" pitchFamily="34" charset="0"/>
+                <a:ea typeface="Segoe UI" pitchFamily="34" charset="0"/>
+                <a:cs typeface="Segoe UI" pitchFamily="34" charset="0"/>
+              </a:rPr>
+              <a:t>100</a:t>
+            </a:r>
+          </a:p>
+        </p:txBody>
+      </p:sp>
+      <p:sp>
+        <p:nvSpPr>
+          <p:cNvPr id="49" name="Rectangle 48"/>
+          <p:cNvSpPr/>
+          <p:nvPr/>
+        </p:nvSpPr>
+        <p:spPr bwMode="auto">
+          <a:xfrm>
+            <a:off x="819384" y="4646148"/>
+            <a:ext cx="328084" cy="706715"/>
+          </a:xfrm>
+          <a:prstGeom prst="rect">
+            <a:avLst/>
+          </a:prstGeom>
+          <a:solidFill>
+            <a:srgbClr val="FF0066">
+              <a:alpha val="20000"/>
+            </a:srgbClr>
+          </a:solidFill>
+          <a:ln w="50800">
+            <a:solidFill>
+              <a:srgbClr val="FF0066"/>
+            </a:solidFill>
+            <a:prstDash val="solid"/>
+            <a:headEnd type="none" w="med" len="med"/>
+            <a:tailEnd type="none" w="med" len="med"/>
+          </a:ln>
+          <a:effectLst/>
+        </p:spPr>
+        <p:style>
+          <a:lnRef idx="1">
+            <a:schemeClr val="accent2"/>
+          </a:lnRef>
+          <a:fillRef idx="3">
+            <a:schemeClr val="accent2"/>
+          </a:fillRef>
+          <a:effectRef idx="2">
+            <a:schemeClr val="accent2"/>
+          </a:effectRef>
+          <a:fontRef idx="minor">
+            <a:schemeClr val="lt1"/>
+          </a:fontRef>
+        </p:style>
+        <p:txBody>
+          <a:bodyPr vert="horz" wrap="square" lIns="91436" tIns="45718" rIns="91436" bIns="45718" numCol="1" rtlCol="0" anchor="ctr" anchorCtr="0" compatLnSpc="1">
+            <a:prstTxWarp prst="textNoShape">
+              <a:avLst/>
+            </a:prstTxWarp>
+          </a:bodyPr>
+          <a:lstStyle/>
+          <a:p>
+            <a:pPr algn="ctr" defTabSz="914099" fontAlgn="base">
+              <a:spcBef>
+                <a:spcPct val="0"/>
+              </a:spcBef>
+              <a:spcAft>
+                <a:spcPct val="0"/>
+              </a:spcAft>
+            </a:pPr>
+            <a:endParaRPr lang="en-US" sz="2200" dirty="0" smtClean="0">
+              <a:gradFill>
+                <a:gsLst>
+                  <a:gs pos="0">
+                    <a:schemeClr val="tx1"/>
+                  </a:gs>
+                  <a:gs pos="100000">
+                    <a:schemeClr val="tx1"/>
+                  </a:gs>
+                </a:gsLst>
+                <a:lin ang="5400000" scaled="0"/>
+              </a:gradFill>
+            </a:endParaRPr>
+          </a:p>
+        </p:txBody>
+      </p:sp>
+      <p:sp>
+        <p:nvSpPr>
+          <p:cNvPr id="50" name="Rectangle 49"/>
+          <p:cNvSpPr/>
+          <p:nvPr/>
+        </p:nvSpPr>
+        <p:spPr bwMode="auto">
+          <a:xfrm>
+            <a:off x="6803819" y="4656099"/>
+            <a:ext cx="328084" cy="763161"/>
+          </a:xfrm>
+          <a:prstGeom prst="rect">
+            <a:avLst/>
+          </a:prstGeom>
+          <a:solidFill>
+            <a:srgbClr val="FF0066">
+              <a:alpha val="20000"/>
+            </a:srgbClr>
+          </a:solidFill>
+          <a:ln w="50800">
+            <a:solidFill>
+              <a:srgbClr val="FF0066"/>
+            </a:solidFill>
+            <a:prstDash val="solid"/>
+            <a:headEnd type="none" w="med" len="med"/>
+            <a:tailEnd type="none" w="med" len="med"/>
+          </a:ln>
+          <a:effectLst/>
+        </p:spPr>
+        <p:style>
+          <a:lnRef idx="1">
+            <a:schemeClr val="accent2"/>
+          </a:lnRef>
+          <a:fillRef idx="3">
+            <a:schemeClr val="accent2"/>
+          </a:fillRef>
+          <a:effectRef idx="2">
+            <a:schemeClr val="accent2"/>
+          </a:effectRef>
+          <a:fontRef idx="minor">
+            <a:schemeClr val="lt1"/>
+          </a:fontRef>
+        </p:style>
+        <p:txBody>
+          <a:bodyPr vert="horz" wrap="square" lIns="91436" tIns="45718" rIns="91436" bIns="45718" numCol="1" rtlCol="0" anchor="ctr" anchorCtr="0" compatLnSpc="1">
+            <a:prstTxWarp prst="textNoShape">
+              <a:avLst/>
+            </a:prstTxWarp>
+          </a:bodyPr>
+          <a:lstStyle/>
+          <a:p>
+            <a:pPr algn="ctr" defTabSz="914099" fontAlgn="base">
+              <a:spcBef>
+                <a:spcPct val="0"/>
+              </a:spcBef>
+              <a:spcAft>
+                <a:spcPct val="0"/>
+              </a:spcAft>
+            </a:pPr>
+            <a:endParaRPr lang="en-US" sz="2200" dirty="0" smtClean="0">
+              <a:gradFill>
+                <a:gsLst>
+                  <a:gs pos="0">
+                    <a:schemeClr val="tx1"/>
+                  </a:gs>
+                  <a:gs pos="100000">
+                    <a:schemeClr val="tx1"/>
+                  </a:gs>
+                </a:gsLst>
+                <a:lin ang="5400000" scaled="0"/>
+              </a:gradFill>
+            </a:endParaRPr>
+          </a:p>
+        </p:txBody>
+      </p:sp>
+      <p:sp>
+        <p:nvSpPr>
+          <p:cNvPr id="51" name="TextBox 50"/>
+          <p:cNvSpPr txBox="1"/>
+          <p:nvPr/>
+        </p:nvSpPr>
+        <p:spPr>
+          <a:xfrm>
+            <a:off x="6274986" y="2344227"/>
+            <a:ext cx="1934825" cy="369332"/>
+          </a:xfrm>
+          <a:prstGeom prst="rect">
+            <a:avLst/>
+          </a:prstGeom>
+          <a:noFill/>
+        </p:spPr>
+        <p:txBody>
+          <a:bodyPr wrap="none" lIns="0" tIns="0" rIns="0" bIns="0" rtlCol="0">
+            <a:spAutoFit/>
+          </a:bodyPr>
+          <a:lstStyle/>
+          <a:p>
+            <a:r>
+              <a:rPr lang="en-US" sz="2400" b="1" dirty="0" smtClean="0">
+                <a:solidFill>
+                  <a:srgbClr val="C00000"/>
+                </a:solidFill>
+                <a:effectLst>
+                  <a:outerShdw blurRad="38100" dist="38100" dir="2700000" algn="tl">
+                    <a:srgbClr val="000000">
+                      <a:alpha val="43137"/>
+                    </a:srgbClr>
+                  </a:outerShdw>
+                </a:effectLst>
+                <a:latin typeface="Segoe UI" pitchFamily="34" charset="0"/>
+                <a:ea typeface="Segoe UI" pitchFamily="34" charset="0"/>
+                <a:cs typeface="Segoe UI" pitchFamily="34" charset="0"/>
+              </a:rPr>
+              <a:t>Sealed at 100</a:t>
+            </a:r>
+          </a:p>
+        </p:txBody>
+      </p:sp>
+      <p:sp>
+        <p:nvSpPr>
+          <p:cNvPr id="3" name="Oval 2"/>
+          <p:cNvSpPr/>
+          <p:nvPr/>
+        </p:nvSpPr>
+        <p:spPr>
+          <a:xfrm>
+            <a:off x="7264606" y="2791983"/>
+            <a:ext cx="1135959" cy="435433"/>
+          </a:xfrm>
+          <a:prstGeom prst="ellipse">
+            <a:avLst/>
+          </a:prstGeom>
+          <a:noFill/>
+          <a:ln w="38100">
+            <a:solidFill>
+              <a:srgbClr val="C00000"/>
+            </a:solidFill>
+          </a:ln>
+        </p:spPr>
+        <p:style>
+          <a:lnRef idx="2">
+            <a:schemeClr val="accent1">
+              <a:shade val="50000"/>
+            </a:schemeClr>
+          </a:lnRef>
+          <a:fillRef idx="1">
+            <a:schemeClr val="accent1"/>
+          </a:fillRef>
+          <a:effectRef idx="0">
+            <a:schemeClr val="accent1"/>
+          </a:effectRef>
+          <a:fontRef idx="minor">
+            <a:schemeClr val="lt1"/>
+          </a:fontRef>
+        </p:style>
+        <p:txBody>
+          <a:bodyPr rtlCol="0" anchor="ctr"/>
+          <a:lstStyle/>
+          <a:p>
+            <a:pPr algn="ctr"/>
+            <a:endParaRPr lang="en-SG"/>
+          </a:p>
+        </p:txBody>
+      </p:sp>
+    </p:spTree>
+    <p:extLst>
+      <p:ext uri="{BB962C8B-B14F-4D97-AF65-F5344CB8AC3E}">
+        <p14:creationId xmlns:p14="http://schemas.microsoft.com/office/powerpoint/2010/main" val="4015245006"/>
+      </p:ext>
+    </p:extLst>
+  </p:cSld>
+  <p:clrMapOvr>
+    <a:masterClrMapping/>
+  </p:clrMapOvr>
+  <p:timing>
+    <p:tnLst>
+      <p:par>
+        <p:cTn id="1" dur="indefinite" restart="never" nodeType="tmRoot">
+          <p:childTnLst>
+            <p:seq concurrent="1" nextAc="seek">
+              <p:cTn id="2" dur="indefinite" nodeType="mainSeq">
+                <p:childTnLst>
+                  <p:par>
+                    <p:cTn id="3" fill="hold">
+                      <p:stCondLst>
+                        <p:cond delay="indefinite"/>
+                      </p:stCondLst>
+                      <p:childTnLst>
+                        <p:par>
+                          <p:cTn id="4" fill="hold">
+                            <p:stCondLst>
+                              <p:cond delay="0"/>
+                            </p:stCondLst>
+                            <p:childTnLst>
+                              <p:par>
+                                <p:cTn id="5" presetID="22" presetClass="entr" presetSubtype="4" fill="hold" grpId="0" nodeType="clickEffect">
+                                  <p:stCondLst>
+                                    <p:cond delay="0"/>
+                                  </p:stCondLst>
+                                  <p:childTnLst>
+                                    <p:set>
+                                      <p:cBhvr>
+                                        <p:cTn id="6" dur="1" fill="hold">
+                                          <p:stCondLst>
+                                            <p:cond delay="0"/>
+                                          </p:stCondLst>
+                                        </p:cTn>
+                                        <p:tgtEl>
+                                          <p:spTgt spid="3"/>
+                                        </p:tgtEl>
+                                        <p:attrNameLst>
+                                          <p:attrName>style.visibility</p:attrName>
+                                        </p:attrNameLst>
+                                      </p:cBhvr>
+                                      <p:to>
+                                        <p:strVal val="visible"/>
+                                      </p:to>
+                                    </p:set>
+                                    <p:animEffect transition="in" filter="wipe(down)">
+                                      <p:cBhvr>
+                                        <p:cTn id="7" dur="500"/>
+                                        <p:tgtEl>
+                                          <p:spTgt spid="3"/>
+                                        </p:tgtEl>
+                                      </p:cBhvr>
+                                    </p:animEffect>
+                                  </p:childTnLst>
+                                </p:cTn>
+                              </p:par>
+                            </p:childTnLst>
+                          </p:cTn>
+                        </p:par>
+                      </p:childTnLst>
+                    </p:cTn>
+                  </p:par>
+                  <p:par>
+                    <p:cTn id="8" fill="hold">
+                      <p:stCondLst>
+                        <p:cond delay="indefinite"/>
+                      </p:stCondLst>
+                      <p:childTnLst>
+                        <p:par>
+                          <p:cTn id="9" fill="hold">
+                            <p:stCondLst>
+                              <p:cond delay="0"/>
+                            </p:stCondLst>
+                            <p:childTnLst>
+                              <p:par>
+                                <p:cTn id="10" presetID="6" presetClass="entr" presetSubtype="16" fill="hold" grpId="0" nodeType="clickEffect">
+                                  <p:stCondLst>
+                                    <p:cond delay="0"/>
+                                  </p:stCondLst>
+                                  <p:childTnLst>
+                                    <p:set>
+                                      <p:cBhvr>
+                                        <p:cTn id="11" dur="1" fill="hold">
+                                          <p:stCondLst>
+                                            <p:cond delay="0"/>
+                                          </p:stCondLst>
+                                        </p:cTn>
+                                        <p:tgtEl>
+                                          <p:spTgt spid="49"/>
+                                        </p:tgtEl>
+                                        <p:attrNameLst>
+                                          <p:attrName>style.visibility</p:attrName>
+                                        </p:attrNameLst>
+                                      </p:cBhvr>
+                                      <p:to>
+                                        <p:strVal val="visible"/>
+                                      </p:to>
+                                    </p:set>
+                                    <p:animEffect transition="in" filter="circle(in)">
+                                      <p:cBhvr>
+                                        <p:cTn id="12" dur="2000"/>
+                                        <p:tgtEl>
+                                          <p:spTgt spid="49"/>
+                                        </p:tgtEl>
+                                      </p:cBhvr>
+                                    </p:animEffect>
+                                  </p:childTnLst>
+                                </p:cTn>
+                              </p:par>
+                              <p:par>
+                                <p:cTn id="13" presetID="6" presetClass="entr" presetSubtype="16" fill="hold" grpId="0" nodeType="withEffect">
+                                  <p:stCondLst>
+                                    <p:cond delay="0"/>
+                                  </p:stCondLst>
+                                  <p:childTnLst>
+                                    <p:set>
+                                      <p:cBhvr>
+                                        <p:cTn id="14" dur="1" fill="hold">
+                                          <p:stCondLst>
+                                            <p:cond delay="0"/>
+                                          </p:stCondLst>
+                                        </p:cTn>
+                                        <p:tgtEl>
+                                          <p:spTgt spid="50"/>
+                                        </p:tgtEl>
+                                        <p:attrNameLst>
+                                          <p:attrName>style.visibility</p:attrName>
+                                        </p:attrNameLst>
+                                      </p:cBhvr>
+                                      <p:to>
+                                        <p:strVal val="visible"/>
+                                      </p:to>
+                                    </p:set>
+                                    <p:animEffect transition="in" filter="circle(in)">
+                                      <p:cBhvr>
+                                        <p:cTn id="15" dur="2000"/>
+                                        <p:tgtEl>
+                                          <p:spTgt spid="50"/>
+                                        </p:tgtEl>
+                                      </p:cBhvr>
+                                    </p:animEffect>
+                                  </p:childTnLst>
+                                </p:cTn>
+                              </p:par>
+                              <p:par>
+                                <p:cTn id="16" presetID="10" presetClass="exit" presetSubtype="0" fill="hold" grpId="0" nodeType="withEffect">
+                                  <p:stCondLst>
+                                    <p:cond delay="0"/>
+                                  </p:stCondLst>
+                                  <p:childTnLst>
+                                    <p:animEffect transition="out" filter="fade">
+                                      <p:cBhvr>
+                                        <p:cTn id="17" dur="500"/>
+                                        <p:tgtEl>
+                                          <p:spTgt spid="48"/>
+                                        </p:tgtEl>
+                                      </p:cBhvr>
+                                    </p:animEffect>
+                                    <p:set>
+                                      <p:cBhvr>
+                                        <p:cTn id="18" dur="1" fill="hold">
+                                          <p:stCondLst>
+                                            <p:cond delay="499"/>
+                                          </p:stCondLst>
+                                        </p:cTn>
+                                        <p:tgtEl>
+                                          <p:spTgt spid="48"/>
+                                        </p:tgtEl>
+                                        <p:attrNameLst>
+                                          <p:attrName>style.visibility</p:attrName>
+                                        </p:attrNameLst>
+                                      </p:cBhvr>
+                                      <p:to>
+                                        <p:strVal val="hidden"/>
+                                      </p:to>
+                                    </p:set>
+                                  </p:childTnLst>
+                                </p:cTn>
+                              </p:par>
+                              <p:par>
+                                <p:cTn id="19" presetID="10" presetClass="exit" presetSubtype="0" fill="hold" grpId="0" nodeType="withEffect">
+                                  <p:stCondLst>
+                                    <p:cond delay="0"/>
+                                  </p:stCondLst>
+                                  <p:childTnLst>
+                                    <p:animEffect transition="out" filter="fade">
+                                      <p:cBhvr>
+                                        <p:cTn id="20" dur="500"/>
+                                        <p:tgtEl>
+                                          <p:spTgt spid="42"/>
+                                        </p:tgtEl>
+                                      </p:cBhvr>
+                                    </p:animEffect>
+                                    <p:set>
+                                      <p:cBhvr>
+                                        <p:cTn id="21" dur="1" fill="hold">
+                                          <p:stCondLst>
+                                            <p:cond delay="499"/>
+                                          </p:stCondLst>
+                                        </p:cTn>
+                                        <p:tgtEl>
+                                          <p:spTgt spid="42"/>
+                                        </p:tgtEl>
+                                        <p:attrNameLst>
+                                          <p:attrName>style.visibility</p:attrName>
+                                        </p:attrNameLst>
+                                      </p:cBhvr>
+                                      <p:to>
+                                        <p:strVal val="hidden"/>
+                                      </p:to>
+                                    </p:set>
+                                  </p:childTnLst>
+                                </p:cTn>
+                              </p:par>
+                              <p:par>
+                                <p:cTn id="22" presetID="10" presetClass="exit" presetSubtype="0" fill="hold" nodeType="withEffect">
+                                  <p:stCondLst>
+                                    <p:cond delay="0"/>
+                                  </p:stCondLst>
+                                  <p:childTnLst>
+                                    <p:animEffect transition="out" filter="fade">
+                                      <p:cBhvr>
+                                        <p:cTn id="23" dur="500"/>
+                                        <p:tgtEl>
+                                          <p:spTgt spid="36"/>
+                                        </p:tgtEl>
+                                      </p:cBhvr>
+                                    </p:animEffect>
+                                    <p:set>
+                                      <p:cBhvr>
+                                        <p:cTn id="24" dur="1" fill="hold">
+                                          <p:stCondLst>
+                                            <p:cond delay="499"/>
+                                          </p:stCondLst>
+                                        </p:cTn>
+                                        <p:tgtEl>
+                                          <p:spTgt spid="36"/>
+                                        </p:tgtEl>
+                                        <p:attrNameLst>
+                                          <p:attrName>style.visibility</p:attrName>
+                                        </p:attrNameLst>
+                                      </p:cBhvr>
+                                      <p:to>
+                                        <p:strVal val="hidden"/>
+                                      </p:to>
+                                    </p:set>
+                                  </p:childTnLst>
+                                </p:cTn>
+                              </p:par>
+                              <p:par>
+                                <p:cTn id="25" presetID="10" presetClass="exit" presetSubtype="0" fill="hold" nodeType="withEffect">
+                                  <p:stCondLst>
+                                    <p:cond delay="0"/>
+                                  </p:stCondLst>
+                                  <p:childTnLst>
+                                    <p:animEffect transition="out" filter="fade">
+                                      <p:cBhvr>
+                                        <p:cTn id="26" dur="500"/>
+                                        <p:tgtEl>
+                                          <p:spTgt spid="39"/>
+                                        </p:tgtEl>
+                                      </p:cBhvr>
+                                    </p:animEffect>
+                                    <p:set>
+                                      <p:cBhvr>
+                                        <p:cTn id="27" dur="1" fill="hold">
+                                          <p:stCondLst>
+                                            <p:cond delay="499"/>
+                                          </p:stCondLst>
+                                        </p:cTn>
+                                        <p:tgtEl>
+                                          <p:spTgt spid="39"/>
+                                        </p:tgtEl>
+                                        <p:attrNameLst>
+                                          <p:attrName>style.visibility</p:attrName>
+                                        </p:attrNameLst>
+                                      </p:cBhvr>
+                                      <p:to>
+                                        <p:strVal val="hidden"/>
+                                      </p:to>
+                                    </p:set>
+                                  </p:childTnLst>
+                                </p:cTn>
+                              </p:par>
+                              <p:par>
+                                <p:cTn id="28" presetID="10" presetClass="exit" presetSubtype="0" fill="hold" grpId="1" nodeType="withEffect">
+                                  <p:stCondLst>
+                                    <p:cond delay="0"/>
+                                  </p:stCondLst>
+                                  <p:childTnLst>
+                                    <p:animEffect transition="out" filter="fade">
+                                      <p:cBhvr>
+                                        <p:cTn id="29" dur="500"/>
+                                        <p:tgtEl>
+                                          <p:spTgt spid="3"/>
+                                        </p:tgtEl>
+                                      </p:cBhvr>
+                                    </p:animEffect>
+                                    <p:set>
+                                      <p:cBhvr>
+                                        <p:cTn id="30" dur="1" fill="hold">
+                                          <p:stCondLst>
+                                            <p:cond delay="499"/>
+                                          </p:stCondLst>
+                                        </p:cTn>
+                                        <p:tgtEl>
+                                          <p:spTgt spid="3"/>
+                                        </p:tgtEl>
+                                        <p:attrNameLst>
+                                          <p:attrName>style.visibility</p:attrName>
+                                        </p:attrNameLst>
+                                      </p:cBhvr>
+                                      <p:to>
+                                        <p:strVal val="hidden"/>
+                                      </p:to>
+                                    </p:set>
+                                  </p:childTnLst>
+                                </p:cTn>
+                              </p:par>
+                              <p:par>
+                                <p:cTn id="31" presetID="10" presetClass="entr" presetSubtype="0" fill="hold" grpId="0" nodeType="withEffect">
+                                  <p:stCondLst>
+                                    <p:cond delay="0"/>
+                                  </p:stCondLst>
+                                  <p:childTnLst>
+                                    <p:set>
+                                      <p:cBhvr>
+                                        <p:cTn id="32" dur="1" fill="hold">
+                                          <p:stCondLst>
+                                            <p:cond delay="0"/>
+                                          </p:stCondLst>
+                                        </p:cTn>
+                                        <p:tgtEl>
+                                          <p:spTgt spid="51"/>
+                                        </p:tgtEl>
+                                        <p:attrNameLst>
+                                          <p:attrName>style.visibility</p:attrName>
+                                        </p:attrNameLst>
+                                      </p:cBhvr>
+                                      <p:to>
+                                        <p:strVal val="visible"/>
+                                      </p:to>
+                                    </p:set>
+                                    <p:animEffect transition="in" filter="fade">
+                                      <p:cBhvr>
+                                        <p:cTn id="33" dur="500"/>
+                                        <p:tgtEl>
+                                          <p:spTgt spid="51"/>
+                                        </p:tgtEl>
+                                      </p:cBhvr>
+                                    </p:animEffect>
+                                  </p:childTnLst>
+                                </p:cTn>
+                              </p:par>
+                            </p:childTnLst>
+                          </p:cTn>
+                        </p:par>
+                      </p:childTnLst>
+                    </p:cTn>
+                  </p:par>
+                  <p:par>
+                    <p:cTn id="34" fill="hold">
+                      <p:stCondLst>
+                        <p:cond delay="indefinite"/>
+                      </p:stCondLst>
+                      <p:childTnLst>
+                        <p:par>
+                          <p:cTn id="35" fill="hold">
+                            <p:stCondLst>
+                              <p:cond delay="0"/>
+                            </p:stCondLst>
+                            <p:childTnLst>
+                              <p:par>
+                                <p:cTn id="36" presetID="42" presetClass="path" presetSubtype="0" accel="50000" decel="50000" fill="hold" grpId="0" nodeType="clickEffect">
+                                  <p:stCondLst>
+                                    <p:cond delay="0"/>
+                                  </p:stCondLst>
+                                  <p:childTnLst>
+                                    <p:animMotion origin="layout" path="M 4.72222E-6 -2.59259E-6 L 0.00086 0.45602 " pathEditMode="relative" rAng="0" ptsTypes="AA">
+                                      <p:cBhvr>
+                                        <p:cTn id="37" dur="2000" fill="hold"/>
+                                        <p:tgtEl>
+                                          <p:spTgt spid="32"/>
+                                        </p:tgtEl>
+                                        <p:attrNameLst>
+                                          <p:attrName>ppt_x</p:attrName>
+                                          <p:attrName>ppt_y</p:attrName>
+                                        </p:attrNameLst>
+                                      </p:cBhvr>
+                                      <p:rCtr x="35" y="22801"/>
+                                    </p:animMotion>
+                                  </p:childTnLst>
+                                </p:cTn>
+                              </p:par>
+                            </p:childTnLst>
+                          </p:cTn>
+                        </p:par>
+                      </p:childTnLst>
+                    </p:cTn>
+                  </p:par>
+                </p:childTnLst>
+              </p:cTn>
+              <p:prevCondLst>
+                <p:cond evt="onPrev" delay="0">
+                  <p:tgtEl>
+                    <p:sldTgt/>
+                  </p:tgtEl>
+                </p:cond>
+              </p:prevCondLst>
+              <p:nextCondLst>
+                <p:cond evt="onNext" delay="0">
+                  <p:tgtEl>
+                    <p:sldTgt/>
+                  </p:tgtEl>
+                </p:cond>
+              </p:nextCondLst>
+            </p:seq>
+          </p:childTnLst>
+        </p:cTn>
+      </p:par>
+    </p:tnLst>
+    <p:bldLst>
+      <p:bldP spid="32" grpId="0" animBg="1"/>
+      <p:bldP spid="42" grpId="0"/>
+      <p:bldP spid="48" grpId="0"/>
+      <p:bldP spid="49" grpId="0" animBg="1"/>
+      <p:bldP spid="50" grpId="0" animBg="1"/>
+      <p:bldP spid="51" grpId="0"/>
+      <p:bldP spid="3" grpId="0" animBg="1"/>
+      <p:bldP spid="3" grpId="1" animBg="1"/>
+    </p:bldLst>
   </p:timing>
 </p:sld>
 </file>

--- a/trunk/Paper Presentation/Stream Layer.pptx
+++ b/trunk/Paper Presentation/Stream Layer.pptx
@@ -318,7 +318,7 @@
             <a:fld id="{1D8BD707-D9CF-40AE-B4C6-C98DA3205C09}" type="datetimeFigureOut">
               <a:rPr lang="en-US" smtClean="0"/>
               <a:pPr/>
-              <a:t>10/22/2012</a:t>
+              <a:t>10/23/2012</a:t>
             </a:fld>
             <a:endParaRPr lang="en-US"/>
           </a:p>
@@ -485,7 +485,7 @@
             <a:fld id="{1D8BD707-D9CF-40AE-B4C6-C98DA3205C09}" type="datetimeFigureOut">
               <a:rPr lang="en-US" smtClean="0"/>
               <a:pPr/>
-              <a:t>10/22/2012</a:t>
+              <a:t>10/23/2012</a:t>
             </a:fld>
             <a:endParaRPr lang="en-US"/>
           </a:p>
@@ -662,7 +662,7 @@
             <a:fld id="{1D8BD707-D9CF-40AE-B4C6-C98DA3205C09}" type="datetimeFigureOut">
               <a:rPr lang="en-US" smtClean="0"/>
               <a:pPr/>
-              <a:t>10/22/2012</a:t>
+              <a:t>10/23/2012</a:t>
             </a:fld>
             <a:endParaRPr lang="en-US"/>
           </a:p>
@@ -829,7 +829,7 @@
             <a:fld id="{1D8BD707-D9CF-40AE-B4C6-C98DA3205C09}" type="datetimeFigureOut">
               <a:rPr lang="en-US" smtClean="0"/>
               <a:pPr/>
-              <a:t>10/22/2012</a:t>
+              <a:t>10/23/2012</a:t>
             </a:fld>
             <a:endParaRPr lang="en-US"/>
           </a:p>
@@ -1072,7 +1072,7 @@
             <a:fld id="{1D8BD707-D9CF-40AE-B4C6-C98DA3205C09}" type="datetimeFigureOut">
               <a:rPr lang="en-US" smtClean="0"/>
               <a:pPr/>
-              <a:t>10/22/2012</a:t>
+              <a:t>10/23/2012</a:t>
             </a:fld>
             <a:endParaRPr lang="en-US"/>
           </a:p>
@@ -1357,7 +1357,7 @@
             <a:fld id="{1D8BD707-D9CF-40AE-B4C6-C98DA3205C09}" type="datetimeFigureOut">
               <a:rPr lang="en-US" smtClean="0"/>
               <a:pPr/>
-              <a:t>10/22/2012</a:t>
+              <a:t>10/23/2012</a:t>
             </a:fld>
             <a:endParaRPr lang="en-US"/>
           </a:p>
@@ -1776,7 +1776,7 @@
             <a:fld id="{1D8BD707-D9CF-40AE-B4C6-C98DA3205C09}" type="datetimeFigureOut">
               <a:rPr lang="en-US" smtClean="0"/>
               <a:pPr/>
-              <a:t>10/22/2012</a:t>
+              <a:t>10/23/2012</a:t>
             </a:fld>
             <a:endParaRPr lang="en-US"/>
           </a:p>
@@ -1891,7 +1891,7 @@
             <a:fld id="{1D8BD707-D9CF-40AE-B4C6-C98DA3205C09}" type="datetimeFigureOut">
               <a:rPr lang="en-US" smtClean="0"/>
               <a:pPr/>
-              <a:t>10/22/2012</a:t>
+              <a:t>10/23/2012</a:t>
             </a:fld>
             <a:endParaRPr lang="en-US"/>
           </a:p>
@@ -1983,7 +1983,7 @@
             <a:fld id="{1D8BD707-D9CF-40AE-B4C6-C98DA3205C09}" type="datetimeFigureOut">
               <a:rPr lang="en-US" smtClean="0"/>
               <a:pPr/>
-              <a:t>10/22/2012</a:t>
+              <a:t>10/23/2012</a:t>
             </a:fld>
             <a:endParaRPr lang="en-US"/>
           </a:p>
@@ -2257,7 +2257,7 @@
             <a:fld id="{1D8BD707-D9CF-40AE-B4C6-C98DA3205C09}" type="datetimeFigureOut">
               <a:rPr lang="en-US" smtClean="0"/>
               <a:pPr/>
-              <a:t>10/22/2012</a:t>
+              <a:t>10/23/2012</a:t>
             </a:fld>
             <a:endParaRPr lang="en-US"/>
           </a:p>
@@ -2507,7 +2507,7 @@
             <a:fld id="{1D8BD707-D9CF-40AE-B4C6-C98DA3205C09}" type="datetimeFigureOut">
               <a:rPr lang="en-US" smtClean="0"/>
               <a:pPr/>
-              <a:t>10/22/2012</a:t>
+              <a:t>10/23/2012</a:t>
             </a:fld>
             <a:endParaRPr lang="en-US"/>
           </a:p>
@@ -2717,7 +2717,7 @@
             <a:fld id="{1D8BD707-D9CF-40AE-B4C6-C98DA3205C09}" type="datetimeFigureOut">
               <a:rPr lang="en-US" smtClean="0"/>
               <a:pPr/>
-              <a:t>10/22/2012</a:t>
+              <a:t>10/23/2012</a:t>
             </a:fld>
             <a:endParaRPr lang="en-US"/>
           </a:p>
@@ -14007,6 +14007,124 @@
           </a:p>
         </p:txBody>
       </p:sp>
+      <p:grpSp>
+        <p:nvGrpSpPr>
+          <p:cNvPr id="5" name="Group 4"/>
+          <p:cNvGrpSpPr/>
+          <p:nvPr/>
+        </p:nvGrpSpPr>
+        <p:grpSpPr>
+          <a:xfrm>
+            <a:off x="2151849" y="1974201"/>
+            <a:ext cx="4655838" cy="2286000"/>
+            <a:chOff x="2151849" y="1974201"/>
+            <a:chExt cx="4655838" cy="2286000"/>
+          </a:xfrm>
+        </p:grpSpPr>
+        <p:sp>
+          <p:nvSpPr>
+            <p:cNvPr id="28" name="Rectangle 27"/>
+            <p:cNvSpPr/>
+            <p:nvPr/>
+          </p:nvSpPr>
+          <p:spPr>
+            <a:xfrm>
+              <a:off x="2151849" y="1974201"/>
+              <a:ext cx="4655838" cy="2286000"/>
+            </a:xfrm>
+            <a:prstGeom prst="rect">
+              <a:avLst/>
+            </a:prstGeom>
+            <a:solidFill>
+              <a:schemeClr val="bg1"/>
+            </a:solidFill>
+          </p:spPr>
+          <p:style>
+            <a:lnRef idx="2">
+              <a:schemeClr val="accent1">
+                <a:shade val="50000"/>
+              </a:schemeClr>
+            </a:lnRef>
+            <a:fillRef idx="1">
+              <a:schemeClr val="accent1"/>
+            </a:fillRef>
+            <a:effectRef idx="0">
+              <a:schemeClr val="accent1"/>
+            </a:effectRef>
+            <a:fontRef idx="minor">
+              <a:schemeClr val="lt1"/>
+            </a:fontRef>
+          </p:style>
+          <p:txBody>
+            <a:bodyPr rtlCol="0" anchor="ctr"/>
+            <a:lstStyle/>
+            <a:p>
+              <a:pPr algn="ctr"/>
+              <a:endParaRPr lang="en-SG"/>
+            </a:p>
+          </p:txBody>
+        </p:sp>
+        <p:sp>
+          <p:nvSpPr>
+            <p:cNvPr id="3" name="TextBox 2"/>
+            <p:cNvSpPr txBox="1"/>
+            <p:nvPr/>
+          </p:nvSpPr>
+          <p:spPr>
+            <a:xfrm>
+              <a:off x="2440381" y="2396792"/>
+              <a:ext cx="4078773" cy="461665"/>
+            </a:xfrm>
+            <a:prstGeom prst="rect">
+              <a:avLst/>
+            </a:prstGeom>
+            <a:noFill/>
+          </p:spPr>
+          <p:txBody>
+            <a:bodyPr wrap="square" rtlCol="0">
+              <a:spAutoFit/>
+            </a:bodyPr>
+            <a:lstStyle/>
+            <a:p>
+              <a:r>
+                <a:rPr lang="en-US" sz="2400" b="1" dirty="0" smtClean="0"/>
+                <a:t>3 Replicas for operating extent</a:t>
+              </a:r>
+              <a:endParaRPr lang="en-SG" sz="2400" b="1" dirty="0"/>
+            </a:p>
+          </p:txBody>
+        </p:sp>
+        <p:sp>
+          <p:nvSpPr>
+            <p:cNvPr id="4" name="TextBox 3"/>
+            <p:cNvSpPr txBox="1"/>
+            <p:nvPr/>
+          </p:nvSpPr>
+          <p:spPr>
+            <a:xfrm>
+              <a:off x="2345910" y="3150900"/>
+              <a:ext cx="4261092" cy="461665"/>
+            </a:xfrm>
+            <a:prstGeom prst="rect">
+              <a:avLst/>
+            </a:prstGeom>
+            <a:noFill/>
+          </p:spPr>
+          <p:txBody>
+            <a:bodyPr wrap="square" rtlCol="0">
+              <a:spAutoFit/>
+            </a:bodyPr>
+            <a:lstStyle/>
+            <a:p>
+              <a:r>
+                <a:rPr lang="en-US" sz="2400" b="1" dirty="0" smtClean="0"/>
+                <a:t>Erasure code for sealed extents</a:t>
+              </a:r>
+              <a:endParaRPr lang="en-SG" sz="2400" b="1" dirty="0"/>
+            </a:p>
+          </p:txBody>
+        </p:sp>
+      </p:grpSp>
     </p:spTree>
     <p:extLst>
       <p:ext uri="{BB962C8B-B14F-4D97-AF65-F5344CB8AC3E}">
@@ -14522,6 +14640,158 @@
                                         </p:tgtEl>
                                       </p:cBhvr>
                                     </p:animEffect>
+                                  </p:childTnLst>
+                                </p:cTn>
+                              </p:par>
+                            </p:childTnLst>
+                          </p:cTn>
+                        </p:par>
+                      </p:childTnLst>
+                    </p:cTn>
+                  </p:par>
+                  <p:par>
+                    <p:cTn id="49" fill="hold">
+                      <p:stCondLst>
+                        <p:cond delay="indefinite"/>
+                      </p:stCondLst>
+                      <p:childTnLst>
+                        <p:par>
+                          <p:cTn id="50" fill="hold">
+                            <p:stCondLst>
+                              <p:cond delay="0"/>
+                            </p:stCondLst>
+                            <p:childTnLst>
+                              <p:par>
+                                <p:cTn id="51" presetID="42" presetClass="entr" presetSubtype="0" fill="hold" nodeType="clickEffect">
+                                  <p:stCondLst>
+                                    <p:cond delay="0"/>
+                                  </p:stCondLst>
+                                  <p:childTnLst>
+                                    <p:set>
+                                      <p:cBhvr>
+                                        <p:cTn id="52" dur="1" fill="hold">
+                                          <p:stCondLst>
+                                            <p:cond delay="0"/>
+                                          </p:stCondLst>
+                                        </p:cTn>
+                                        <p:tgtEl>
+                                          <p:spTgt spid="5"/>
+                                        </p:tgtEl>
+                                        <p:attrNameLst>
+                                          <p:attrName>style.visibility</p:attrName>
+                                        </p:attrNameLst>
+                                      </p:cBhvr>
+                                      <p:to>
+                                        <p:strVal val="visible"/>
+                                      </p:to>
+                                    </p:set>
+                                    <p:animEffect transition="in" filter="fade">
+                                      <p:cBhvr>
+                                        <p:cTn id="53" dur="1000"/>
+                                        <p:tgtEl>
+                                          <p:spTgt spid="5"/>
+                                        </p:tgtEl>
+                                      </p:cBhvr>
+                                    </p:animEffect>
+                                    <p:anim calcmode="lin" valueType="num">
+                                      <p:cBhvr>
+                                        <p:cTn id="54" dur="1000" fill="hold"/>
+                                        <p:tgtEl>
+                                          <p:spTgt spid="5"/>
+                                        </p:tgtEl>
+                                        <p:attrNameLst>
+                                          <p:attrName>ppt_x</p:attrName>
+                                        </p:attrNameLst>
+                                      </p:cBhvr>
+                                      <p:tavLst>
+                                        <p:tav tm="0">
+                                          <p:val>
+                                            <p:strVal val="#ppt_x"/>
+                                          </p:val>
+                                        </p:tav>
+                                        <p:tav tm="100000">
+                                          <p:val>
+                                            <p:strVal val="#ppt_x"/>
+                                          </p:val>
+                                        </p:tav>
+                                      </p:tavLst>
+                                    </p:anim>
+                                    <p:anim calcmode="lin" valueType="num">
+                                      <p:cBhvr>
+                                        <p:cTn id="55" dur="1000" fill="hold"/>
+                                        <p:tgtEl>
+                                          <p:spTgt spid="5"/>
+                                        </p:tgtEl>
+                                        <p:attrNameLst>
+                                          <p:attrName>ppt_y</p:attrName>
+                                        </p:attrNameLst>
+                                      </p:cBhvr>
+                                      <p:tavLst>
+                                        <p:tav tm="0">
+                                          <p:val>
+                                            <p:strVal val="#ppt_y+.1"/>
+                                          </p:val>
+                                        </p:tav>
+                                        <p:tav tm="100000">
+                                          <p:val>
+                                            <p:strVal val="#ppt_y"/>
+                                          </p:val>
+                                        </p:tav>
+                                      </p:tavLst>
+                                    </p:anim>
+                                  </p:childTnLst>
+                                </p:cTn>
+                              </p:par>
+                            </p:childTnLst>
+                          </p:cTn>
+                        </p:par>
+                      </p:childTnLst>
+                    </p:cTn>
+                  </p:par>
+                  <p:par>
+                    <p:cTn id="56" fill="hold">
+                      <p:stCondLst>
+                        <p:cond delay="indefinite"/>
+                      </p:stCondLst>
+                      <p:childTnLst>
+                        <p:par>
+                          <p:cTn id="57" fill="hold">
+                            <p:stCondLst>
+                              <p:cond delay="0"/>
+                            </p:stCondLst>
+                            <p:childTnLst>
+                              <p:par>
+                                <p:cTn id="58" presetID="10" presetClass="exit" presetSubtype="0" fill="hold" nodeType="clickEffect">
+                                  <p:stCondLst>
+                                    <p:cond delay="0"/>
+                                  </p:stCondLst>
+                                  <p:childTnLst>
+                                    <p:animEffect transition="out" filter="fade">
+                                      <p:cBhvr>
+                                        <p:cTn id="59" dur="500"/>
+                                        <p:tgtEl>
+                                          <p:spTgt spid="5"/>
+                                        </p:tgtEl>
+                                      </p:cBhvr>
+                                    </p:animEffect>
+                                    <p:set>
+                                      <p:cBhvr>
+                                        <p:cTn id="60" dur="1" fill="hold">
+                                          <p:stCondLst>
+                                            <p:cond delay="499"/>
+                                          </p:stCondLst>
+                                        </p:cTn>
+                                        <p:tgtEl>
+                                          <p:spTgt spid="5"/>
+                                        </p:tgtEl>
+                                        <p:attrNameLst>
+                                          <p:attrName>style.visibility</p:attrName>
+                                        </p:attrNameLst>
+                                      </p:cBhvr>
+                                      <p:to>
+                                        <p:strVal val="hidden"/>
+                                      </p:to>
+                                    </p:set>
                                   </p:childTnLst>
                                 </p:cTn>
                               </p:par>
